--- a/COMP2x0-portfolio-workshop-07.pptx
+++ b/COMP2x0-portfolio-workshop-07.pptx
@@ -589,7 +589,7 @@
           <a:p>
             <a:fld id="{EA0C0817-A112-4847-8014-A94B7D2A4EA3}" type="datetime1">
               <a:rPr lang="en-US" smtClean="0"/>
-              <a:t>2/29/2020</a:t>
+              <a:t>3/1/2020</a:t>
             </a:fld>
             <a:endParaRPr lang="en-US" dirty="0"/>
           </a:p>
@@ -791,7 +791,7 @@
           <a:p>
             <a:fld id="{134F40B7-36AB-4376-BE14-EF7004D79BB9}" type="datetime1">
               <a:rPr lang="en-US" smtClean="0"/>
-              <a:t>2/29/2020</a:t>
+              <a:t>3/1/2020</a:t>
             </a:fld>
             <a:endParaRPr lang="en-US"/>
           </a:p>
@@ -971,7 +971,7 @@
           <a:p>
             <a:fld id="{FF87CAB8-DCAE-46A5-AADA-B3FAD11A54E0}" type="datetime1">
               <a:rPr lang="en-US" smtClean="0"/>
-              <a:t>2/29/2020</a:t>
+              <a:t>3/1/2020</a:t>
             </a:fld>
             <a:endParaRPr lang="en-US"/>
           </a:p>
@@ -1141,7 +1141,7 @@
           <a:p>
             <a:fld id="{7332B432-ACDA-4023-A761-2BAB76577B62}" type="datetime1">
               <a:rPr lang="en-US" smtClean="0"/>
-              <a:t>2/29/2020</a:t>
+              <a:t>3/1/2020</a:t>
             </a:fld>
             <a:endParaRPr lang="en-US"/>
           </a:p>
@@ -1740,7 +1740,7 @@
           <a:p>
             <a:fld id="{D9C646AA-F36E-4540-911D-FFFC0A0EF24A}" type="datetime1">
               <a:rPr lang="en-US" smtClean="0"/>
-              <a:t>2/29/2020</a:t>
+              <a:t>3/1/2020</a:t>
             </a:fld>
             <a:endParaRPr lang="en-US" dirty="0"/>
           </a:p>
@@ -2060,7 +2060,7 @@
           <a:p>
             <a:fld id="{69186D26-FA5F-4637-B602-B7C2DC34CFD4}" type="datetime1">
               <a:rPr lang="en-US" smtClean="0"/>
-              <a:t>2/29/2020</a:t>
+              <a:t>3/1/2020</a:t>
             </a:fld>
             <a:endParaRPr lang="en-US"/>
           </a:p>
@@ -2497,7 +2497,7 @@
           <a:p>
             <a:fld id="{8A7F15D8-96D1-4781-BC50-CA8A088B2FE4}" type="datetime1">
               <a:rPr lang="en-US" smtClean="0"/>
-              <a:t>2/29/2020</a:t>
+              <a:t>3/1/2020</a:t>
             </a:fld>
             <a:endParaRPr lang="en-US"/>
           </a:p>
@@ -2615,7 +2615,7 @@
           <a:p>
             <a:fld id="{F9A96C99-B8F8-4528-BD05-0E16E943DC09}" type="datetime1">
               <a:rPr lang="en-US" smtClean="0"/>
-              <a:t>2/29/2020</a:t>
+              <a:t>3/1/2020</a:t>
             </a:fld>
             <a:endParaRPr lang="en-US"/>
           </a:p>
@@ -2710,7 +2710,7 @@
           <a:p>
             <a:fld id="{03636942-C211-4B28-8DBD-C953E00AF71B}" type="datetime1">
               <a:rPr lang="en-US" smtClean="0"/>
-              <a:t>2/29/2020</a:t>
+              <a:t>3/1/2020</a:t>
             </a:fld>
             <a:endParaRPr lang="en-US"/>
           </a:p>
@@ -3127,7 +3127,7 @@
           <a:p>
             <a:fld id="{7E8D12A6-918A-48BD-8CB9-CA713993B0EA}" type="datetime1">
               <a:rPr lang="en-US" smtClean="0"/>
-              <a:t>2/29/2020</a:t>
+              <a:t>3/1/2020</a:t>
             </a:fld>
             <a:endParaRPr lang="en-US"/>
           </a:p>
@@ -3389,7 +3389,7 @@
             <a:fld id="{E778CE86-875F-4587-BCF6-FA054AFC0D53}" type="datetime1">
               <a:rPr lang="en-US" smtClean="0"/>
               <a:pPr/>
-              <a:t>2/29/2020</a:t>
+              <a:t>3/1/2020</a:t>
             </a:fld>
             <a:endParaRPr lang="en-US" dirty="0"/>
           </a:p>
@@ -3905,7 +3905,7 @@
           <a:p>
             <a:fld id="{F6FA2B21-3FCD-4721-B95C-427943F61125}" type="datetime1">
               <a:rPr lang="en-US" smtClean="0"/>
-              <a:t>2/29/2020</a:t>
+              <a:t>3/1/2020</a:t>
             </a:fld>
             <a:endParaRPr lang="en-US"/>
           </a:p>
@@ -8418,8 +8418,13 @@
             </a:pPr>
             <a:r>
               <a:rPr lang="en-GB" sz="2400" dirty="0"/>
-              <a:t>Continue work on your poster.</a:t>
-            </a:r>
+              <a:t>Continue work on </a:t>
+            </a:r>
+            <a:r>
+              <a:rPr lang="en-GB" sz="2400"/>
+              <a:t>your poster (see week 5 slides for tips).</a:t>
+            </a:r>
+            <a:endParaRPr lang="en-GB" sz="2400" dirty="0"/>
           </a:p>
           <a:p>
             <a:pPr marL="514350" indent="-514350">

--- a/COMP2x0-portfolio-workshop-07.pptx
+++ b/COMP2x0-portfolio-workshop-07.pptx
@@ -589,7 +589,7 @@
           <a:p>
             <a:fld id="{EA0C0817-A112-4847-8014-A94B7D2A4EA3}" type="datetime1">
               <a:rPr lang="en-US" smtClean="0"/>
-              <a:t>3/1/2020</a:t>
+              <a:t>1/21/2021</a:t>
             </a:fld>
             <a:endParaRPr lang="en-US" dirty="0"/>
           </a:p>
@@ -791,7 +791,7 @@
           <a:p>
             <a:fld id="{134F40B7-36AB-4376-BE14-EF7004D79BB9}" type="datetime1">
               <a:rPr lang="en-US" smtClean="0"/>
-              <a:t>3/1/2020</a:t>
+              <a:t>1/21/2021</a:t>
             </a:fld>
             <a:endParaRPr lang="en-US"/>
           </a:p>
@@ -971,7 +971,7 @@
           <a:p>
             <a:fld id="{FF87CAB8-DCAE-46A5-AADA-B3FAD11A54E0}" type="datetime1">
               <a:rPr lang="en-US" smtClean="0"/>
-              <a:t>3/1/2020</a:t>
+              <a:t>1/21/2021</a:t>
             </a:fld>
             <a:endParaRPr lang="en-US"/>
           </a:p>
@@ -1141,7 +1141,7 @@
           <a:p>
             <a:fld id="{7332B432-ACDA-4023-A761-2BAB76577B62}" type="datetime1">
               <a:rPr lang="en-US" smtClean="0"/>
-              <a:t>3/1/2020</a:t>
+              <a:t>1/21/2021</a:t>
             </a:fld>
             <a:endParaRPr lang="en-US"/>
           </a:p>
@@ -1740,7 +1740,7 @@
           <a:p>
             <a:fld id="{D9C646AA-F36E-4540-911D-FFFC0A0EF24A}" type="datetime1">
               <a:rPr lang="en-US" smtClean="0"/>
-              <a:t>3/1/2020</a:t>
+              <a:t>1/21/2021</a:t>
             </a:fld>
             <a:endParaRPr lang="en-US" dirty="0"/>
           </a:p>
@@ -2060,7 +2060,7 @@
           <a:p>
             <a:fld id="{69186D26-FA5F-4637-B602-B7C2DC34CFD4}" type="datetime1">
               <a:rPr lang="en-US" smtClean="0"/>
-              <a:t>3/1/2020</a:t>
+              <a:t>1/21/2021</a:t>
             </a:fld>
             <a:endParaRPr lang="en-US"/>
           </a:p>
@@ -2497,7 +2497,7 @@
           <a:p>
             <a:fld id="{8A7F15D8-96D1-4781-BC50-CA8A088B2FE4}" type="datetime1">
               <a:rPr lang="en-US" smtClean="0"/>
-              <a:t>3/1/2020</a:t>
+              <a:t>1/21/2021</a:t>
             </a:fld>
             <a:endParaRPr lang="en-US"/>
           </a:p>
@@ -2615,7 +2615,7 @@
           <a:p>
             <a:fld id="{F9A96C99-B8F8-4528-BD05-0E16E943DC09}" type="datetime1">
               <a:rPr lang="en-US" smtClean="0"/>
-              <a:t>3/1/2020</a:t>
+              <a:t>1/21/2021</a:t>
             </a:fld>
             <a:endParaRPr lang="en-US"/>
           </a:p>
@@ -2710,7 +2710,7 @@
           <a:p>
             <a:fld id="{03636942-C211-4B28-8DBD-C953E00AF71B}" type="datetime1">
               <a:rPr lang="en-US" smtClean="0"/>
-              <a:t>3/1/2020</a:t>
+              <a:t>1/21/2021</a:t>
             </a:fld>
             <a:endParaRPr lang="en-US"/>
           </a:p>
@@ -3127,7 +3127,7 @@
           <a:p>
             <a:fld id="{7E8D12A6-918A-48BD-8CB9-CA713993B0EA}" type="datetime1">
               <a:rPr lang="en-US" smtClean="0"/>
-              <a:t>3/1/2020</a:t>
+              <a:t>1/21/2021</a:t>
             </a:fld>
             <a:endParaRPr lang="en-US"/>
           </a:p>
@@ -3389,7 +3389,7 @@
             <a:fld id="{E778CE86-875F-4587-BCF6-FA054AFC0D53}" type="datetime1">
               <a:rPr lang="en-US" smtClean="0"/>
               <a:pPr/>
-              <a:t>3/1/2020</a:t>
+              <a:t>1/21/2021</a:t>
             </a:fld>
             <a:endParaRPr lang="en-US" dirty="0"/>
           </a:p>
@@ -3905,7 +3905,7 @@
           <a:p>
             <a:fld id="{F6FA2B21-3FCD-4721-B95C-427943F61125}" type="datetime1">
               <a:rPr lang="en-US" smtClean="0"/>
-              <a:t>3/1/2020</a:t>
+              <a:t>1/21/2021</a:t>
             </a:fld>
             <a:endParaRPr lang="en-US"/>
           </a:p>
@@ -4506,91 +4506,6 @@
           </a:effectLst>
         </p:spPr>
       </p:sp>
-      <p:sp>
-        <p:nvSpPr>
-          <p:cNvPr id="2" name="Title 1">
-            <a:extLst>
-              <a:ext uri="{FF2B5EF4-FFF2-40B4-BE49-F238E27FC236}">
-                <a16:creationId xmlns:a16="http://schemas.microsoft.com/office/drawing/2014/main" id="{18C3B467-088C-4F3D-A9A7-105C4E1E20CD}"/>
-              </a:ext>
-            </a:extLst>
-          </p:cNvPr>
-          <p:cNvSpPr>
-            <a:spLocks noGrp="1"/>
-          </p:cNvSpPr>
-          <p:nvPr>
-            <p:ph type="ctrTitle"/>
-          </p:nvPr>
-        </p:nvSpPr>
-        <p:spPr>
-          <a:xfrm>
-            <a:off x="6033792" y="2613546"/>
-            <a:ext cx="4775075" cy="1630907"/>
-          </a:xfrm>
-        </p:spPr>
-        <p:txBody>
-          <a:bodyPr>
-            <a:normAutofit fontScale="90000"/>
-          </a:bodyPr>
-          <a:lstStyle/>
-          <a:p>
-            <a:r>
-              <a:rPr lang="en-US" sz="4400" dirty="0">
-                <a:solidFill>
-                  <a:schemeClr val="tx1"/>
-                </a:solidFill>
-              </a:rPr>
-              <a:t>COMP2</a:t>
-            </a:r>
-            <a:r>
-              <a:rPr lang="en-US" sz="4400" i="1" dirty="0">
-                <a:solidFill>
-                  <a:schemeClr val="tx1"/>
-                </a:solidFill>
-              </a:rPr>
-              <a:t>x</a:t>
-            </a:r>
-            <a:r>
-              <a:rPr lang="en-US" sz="4400" dirty="0">
-                <a:solidFill>
-                  <a:schemeClr val="tx1"/>
-                </a:solidFill>
-              </a:rPr>
-              <a:t>0:</a:t>
-            </a:r>
-            <a:br>
-              <a:rPr lang="en-US" sz="4400" dirty="0">
-                <a:solidFill>
-                  <a:schemeClr val="tx1"/>
-                </a:solidFill>
-              </a:rPr>
-            </a:br>
-            <a:r>
-              <a:rPr lang="en-US" sz="4400" dirty="0">
-                <a:solidFill>
-                  <a:schemeClr val="tx1"/>
-                </a:solidFill>
-              </a:rPr>
-              <a:t>Worksheet support</a:t>
-            </a:r>
-            <a:br>
-              <a:rPr lang="en-US" sz="4400" dirty="0">
-                <a:solidFill>
-                  <a:schemeClr val="tx1"/>
-                </a:solidFill>
-              </a:rPr>
-            </a:br>
-            <a:r>
-              <a:rPr lang="en-US" sz="3100" i="1" dirty="0">
-                <a:solidFill>
-                  <a:schemeClr val="tx1"/>
-                </a:solidFill>
-              </a:rPr>
-              <a:t>Week 7</a:t>
-            </a:r>
-          </a:p>
-        </p:txBody>
-      </p:sp>
       <p:pic>
         <p:nvPicPr>
           <p:cNvPr id="7" name="Picture 6">
@@ -4627,6 +4542,124 @@
           </a:prstGeom>
         </p:spPr>
       </p:pic>
+      <p:sp>
+        <p:nvSpPr>
+          <p:cNvPr id="9" name="Title 1">
+            <a:extLst>
+              <a:ext uri="{FF2B5EF4-FFF2-40B4-BE49-F238E27FC236}">
+                <a16:creationId xmlns:a16="http://schemas.microsoft.com/office/drawing/2014/main" id="{5097C1B4-BDAC-4184-955C-D0B3F0A21360}"/>
+              </a:ext>
+            </a:extLst>
+          </p:cNvPr>
+          <p:cNvSpPr>
+            <a:spLocks noGrp="1"/>
+          </p:cNvSpPr>
+          <p:nvPr>
+            <p:ph type="ctrTitle"/>
+          </p:nvPr>
+        </p:nvSpPr>
+        <p:spPr>
+          <a:xfrm>
+            <a:off x="6033793" y="2057400"/>
+            <a:ext cx="4775075" cy="2686050"/>
+          </a:xfrm>
+        </p:spPr>
+        <p:txBody>
+          <a:bodyPr>
+            <a:normAutofit fontScale="90000"/>
+          </a:bodyPr>
+          <a:lstStyle/>
+          <a:p>
+            <a:r>
+              <a:rPr lang="en-US" sz="4000" cap="none" dirty="0">
+                <a:solidFill>
+                  <a:schemeClr val="accent5"/>
+                </a:solidFill>
+              </a:rPr>
+              <a:t>COMP2</a:t>
+            </a:r>
+            <a:r>
+              <a:rPr lang="en-US" sz="4000" i="1" cap="none" dirty="0">
+                <a:solidFill>
+                  <a:schemeClr val="accent5"/>
+                </a:solidFill>
+              </a:rPr>
+              <a:t>x</a:t>
+            </a:r>
+            <a:r>
+              <a:rPr lang="en-US" sz="4000" cap="none" dirty="0">
+                <a:solidFill>
+                  <a:schemeClr val="accent5"/>
+                </a:solidFill>
+              </a:rPr>
+              <a:t>0/VR220</a:t>
+            </a:r>
+            <a:br>
+              <a:rPr lang="en-US" sz="4400" cap="none" dirty="0">
+                <a:solidFill>
+                  <a:schemeClr val="tx1"/>
+                </a:solidFill>
+              </a:rPr>
+            </a:br>
+            <a:r>
+              <a:rPr lang="en-US" sz="3600" cap="none" dirty="0">
+                <a:solidFill>
+                  <a:schemeClr val="tx1"/>
+                </a:solidFill>
+              </a:rPr>
+              <a:t>Portfolio Development/</a:t>
+            </a:r>
+            <a:br>
+              <a:rPr lang="en-US" sz="3600" cap="none" dirty="0">
+                <a:solidFill>
+                  <a:schemeClr val="tx1"/>
+                </a:solidFill>
+              </a:rPr>
+            </a:br>
+            <a:r>
+              <a:rPr lang="en-US" sz="3600" cap="none" dirty="0">
+                <a:solidFill>
+                  <a:schemeClr val="tx1"/>
+                </a:solidFill>
+              </a:rPr>
+              <a:t>Worksheet Support</a:t>
+            </a:r>
+            <a:br>
+              <a:rPr lang="en-US" sz="3600" cap="none" dirty="0">
+                <a:solidFill>
+                  <a:schemeClr val="tx1"/>
+                </a:solidFill>
+              </a:rPr>
+            </a:br>
+            <a:br>
+              <a:rPr lang="en-US" sz="4400" cap="none" dirty="0">
+                <a:solidFill>
+                  <a:schemeClr val="tx1"/>
+                </a:solidFill>
+              </a:rPr>
+            </a:br>
+            <a:r>
+              <a:rPr lang="en-US" sz="4400" b="1" cap="none">
+                <a:solidFill>
+                  <a:schemeClr val="accent4">
+                    <a:lumMod val="60000"/>
+                    <a:lumOff val="40000"/>
+                  </a:schemeClr>
+                </a:solidFill>
+              </a:rPr>
+              <a:t>Week 7:</a:t>
+            </a:r>
+            <a:endParaRPr lang="en-US" sz="4400" b="1" cap="none" dirty="0">
+              <a:solidFill>
+                <a:schemeClr val="accent4">
+                  <a:lumMod val="60000"/>
+                  <a:lumOff val="40000"/>
+                </a:schemeClr>
+              </a:solidFill>
+            </a:endParaRPr>
+          </a:p>
+        </p:txBody>
+      </p:sp>
     </p:spTree>
     <p:extLst>
       <p:ext uri="{BB962C8B-B14F-4D97-AF65-F5344CB8AC3E}">

--- a/COMP2x0-portfolio-workshop-07.pptx
+++ b/COMP2x0-portfolio-workshop-07.pptx
@@ -6,14 +6,17 @@
   </p:sldMasterIdLst>
   <p:sldIdLst>
     <p:sldId id="257" r:id="rId2"/>
-    <p:sldId id="267" r:id="rId3"/>
-    <p:sldId id="265" r:id="rId4"/>
-    <p:sldId id="269" r:id="rId5"/>
-    <p:sldId id="271" r:id="rId6"/>
-    <p:sldId id="272" r:id="rId7"/>
-    <p:sldId id="273" r:id="rId8"/>
-    <p:sldId id="274" r:id="rId9"/>
-    <p:sldId id="268" r:id="rId10"/>
+    <p:sldId id="279" r:id="rId3"/>
+    <p:sldId id="278" r:id="rId4"/>
+    <p:sldId id="280" r:id="rId5"/>
+    <p:sldId id="275" r:id="rId6"/>
+    <p:sldId id="265" r:id="rId7"/>
+    <p:sldId id="269" r:id="rId8"/>
+    <p:sldId id="271" r:id="rId9"/>
+    <p:sldId id="272" r:id="rId10"/>
+    <p:sldId id="273" r:id="rId11"/>
+    <p:sldId id="274" r:id="rId12"/>
+    <p:sldId id="268" r:id="rId13"/>
   </p:sldIdLst>
   <p:sldSz cx="12192000" cy="6858000"/>
   <p:notesSz cx="6858000" cy="9144000"/>
@@ -589,7 +592,7 @@
           <a:p>
             <a:fld id="{EA0C0817-A112-4847-8014-A94B7D2A4EA3}" type="datetime1">
               <a:rPr lang="en-US" smtClean="0"/>
-              <a:t>1/21/2021</a:t>
+              <a:t>2/21/2021</a:t>
             </a:fld>
             <a:endParaRPr lang="en-US" dirty="0"/>
           </a:p>
@@ -791,7 +794,7 @@
           <a:p>
             <a:fld id="{134F40B7-36AB-4376-BE14-EF7004D79BB9}" type="datetime1">
               <a:rPr lang="en-US" smtClean="0"/>
-              <a:t>1/21/2021</a:t>
+              <a:t>2/21/2021</a:t>
             </a:fld>
             <a:endParaRPr lang="en-US"/>
           </a:p>
@@ -971,7 +974,7 @@
           <a:p>
             <a:fld id="{FF87CAB8-DCAE-46A5-AADA-B3FAD11A54E0}" type="datetime1">
               <a:rPr lang="en-US" smtClean="0"/>
-              <a:t>1/21/2021</a:t>
+              <a:t>2/21/2021</a:t>
             </a:fld>
             <a:endParaRPr lang="en-US"/>
           </a:p>
@@ -1141,7 +1144,7 @@
           <a:p>
             <a:fld id="{7332B432-ACDA-4023-A761-2BAB76577B62}" type="datetime1">
               <a:rPr lang="en-US" smtClean="0"/>
-              <a:t>1/21/2021</a:t>
+              <a:t>2/21/2021</a:t>
             </a:fld>
             <a:endParaRPr lang="en-US"/>
           </a:p>
@@ -1740,7 +1743,7 @@
           <a:p>
             <a:fld id="{D9C646AA-F36E-4540-911D-FFFC0A0EF24A}" type="datetime1">
               <a:rPr lang="en-US" smtClean="0"/>
-              <a:t>1/21/2021</a:t>
+              <a:t>2/21/2021</a:t>
             </a:fld>
             <a:endParaRPr lang="en-US" dirty="0"/>
           </a:p>
@@ -2060,7 +2063,7 @@
           <a:p>
             <a:fld id="{69186D26-FA5F-4637-B602-B7C2DC34CFD4}" type="datetime1">
               <a:rPr lang="en-US" smtClean="0"/>
-              <a:t>1/21/2021</a:t>
+              <a:t>2/21/2021</a:t>
             </a:fld>
             <a:endParaRPr lang="en-US"/>
           </a:p>
@@ -2497,7 +2500,7 @@
           <a:p>
             <a:fld id="{8A7F15D8-96D1-4781-BC50-CA8A088B2FE4}" type="datetime1">
               <a:rPr lang="en-US" smtClean="0"/>
-              <a:t>1/21/2021</a:t>
+              <a:t>2/21/2021</a:t>
             </a:fld>
             <a:endParaRPr lang="en-US"/>
           </a:p>
@@ -2615,7 +2618,7 @@
           <a:p>
             <a:fld id="{F9A96C99-B8F8-4528-BD05-0E16E943DC09}" type="datetime1">
               <a:rPr lang="en-US" smtClean="0"/>
-              <a:t>1/21/2021</a:t>
+              <a:t>2/21/2021</a:t>
             </a:fld>
             <a:endParaRPr lang="en-US"/>
           </a:p>
@@ -2710,7 +2713,7 @@
           <a:p>
             <a:fld id="{03636942-C211-4B28-8DBD-C953E00AF71B}" type="datetime1">
               <a:rPr lang="en-US" smtClean="0"/>
-              <a:t>1/21/2021</a:t>
+              <a:t>2/21/2021</a:t>
             </a:fld>
             <a:endParaRPr lang="en-US"/>
           </a:p>
@@ -3127,7 +3130,7 @@
           <a:p>
             <a:fld id="{7E8D12A6-918A-48BD-8CB9-CA713993B0EA}" type="datetime1">
               <a:rPr lang="en-US" smtClean="0"/>
-              <a:t>1/21/2021</a:t>
+              <a:t>2/21/2021</a:t>
             </a:fld>
             <a:endParaRPr lang="en-US"/>
           </a:p>
@@ -3389,7 +3392,7 @@
             <a:fld id="{E778CE86-875F-4587-BCF6-FA054AFC0D53}" type="datetime1">
               <a:rPr lang="en-US" smtClean="0"/>
               <a:pPr/>
-              <a:t>1/21/2021</a:t>
+              <a:t>2/21/2021</a:t>
             </a:fld>
             <a:endParaRPr lang="en-US" dirty="0"/>
           </a:p>
@@ -3905,7 +3908,7 @@
           <a:p>
             <a:fld id="{F6FA2B21-3FCD-4721-B95C-427943F61125}" type="datetime1">
               <a:rPr lang="en-US" smtClean="0"/>
-              <a:t>1/21/2021</a:t>
+              <a:t>2/21/2021</a:t>
             </a:fld>
             <a:endParaRPr lang="en-US"/>
           </a:p>
@@ -4639,7 +4642,7 @@
               </a:rPr>
             </a:br>
             <a:r>
-              <a:rPr lang="en-US" sz="4400" b="1" cap="none">
+              <a:rPr lang="en-US" sz="4400" b="1" cap="none" dirty="0">
                 <a:solidFill>
                   <a:schemeClr val="accent4">
                     <a:lumMod val="60000"/>
@@ -4647,16 +4650,8 @@
                   </a:schemeClr>
                 </a:solidFill>
               </a:rPr>
-              <a:t>Week 7:</a:t>
-            </a:r>
-            <a:endParaRPr lang="en-US" sz="4400" b="1" cap="none" dirty="0">
-              <a:solidFill>
-                <a:schemeClr val="accent4">
-                  <a:lumMod val="60000"/>
-                  <a:lumOff val="40000"/>
-                </a:schemeClr>
-              </a:solidFill>
-            </a:endParaRPr>
+              <a:t>Week 7: Designing your Portfolio</a:t>
+            </a:r>
           </a:p>
         </p:txBody>
       </p:sp>
@@ -4673,7 +4668,7 @@
 </p:sld>
 </file>
 
-<file path=ppt/slides/slide2.xml><?xml version="1.0" encoding="utf-8"?>
+<file path=ppt/slides/slide10.xml><?xml version="1.0" encoding="utf-8"?>
 <p:sld xmlns:a="http://schemas.openxmlformats.org/drawingml/2006/main" xmlns:r="http://schemas.openxmlformats.org/officeDocument/2006/relationships" xmlns:p="http://schemas.openxmlformats.org/presentationml/2006/main">
   <p:cSld>
     <p:spTree>
@@ -4690,106 +4685,12 @@
           <a:chExt cx="0" cy="0"/>
         </a:xfrm>
       </p:grpSpPr>
-      <p:pic>
-        <p:nvPicPr>
-          <p:cNvPr id="3" name="Picture 2">
-            <a:extLst>
-              <a:ext uri="{FF2B5EF4-FFF2-40B4-BE49-F238E27FC236}">
-                <a16:creationId xmlns:a16="http://schemas.microsoft.com/office/drawing/2014/main" id="{091683AF-E17D-41F3-A73D-95BB33BBF953}"/>
-              </a:ext>
-            </a:extLst>
-          </p:cNvPr>
-          <p:cNvPicPr>
-            <a:picLocks noChangeAspect="1"/>
-          </p:cNvPicPr>
-          <p:nvPr/>
-        </p:nvPicPr>
-        <p:blipFill>
-          <a:blip r:embed="rId2"/>
-          <a:stretch>
-            <a:fillRect/>
-          </a:stretch>
-        </p:blipFill>
-        <p:spPr>
-          <a:xfrm>
-            <a:off x="3932171" y="491545"/>
-            <a:ext cx="4327658" cy="5874910"/>
-          </a:xfrm>
-          <a:prstGeom prst="rect">
-            <a:avLst/>
-          </a:prstGeom>
-        </p:spPr>
-      </p:pic>
-      <p:sp>
-        <p:nvSpPr>
-          <p:cNvPr id="15" name="Multiplication Sign 14">
-            <a:extLst>
-              <a:ext uri="{FF2B5EF4-FFF2-40B4-BE49-F238E27FC236}">
-                <a16:creationId xmlns:a16="http://schemas.microsoft.com/office/drawing/2014/main" id="{A4D42ADB-A734-41D6-A61A-A9762DCCE796}"/>
-              </a:ext>
-            </a:extLst>
-          </p:cNvPr>
-          <p:cNvSpPr/>
-          <p:nvPr/>
-        </p:nvSpPr>
-        <p:spPr>
-          <a:xfrm>
-            <a:off x="3522518" y="1442152"/>
-            <a:ext cx="4327658" cy="834004"/>
-          </a:xfrm>
-          <a:prstGeom prst="mathMultiply">
-            <a:avLst/>
-          </a:prstGeom>
-          <a:solidFill>
-            <a:schemeClr val="tx1">
-              <a:lumMod val="85000"/>
-              <a:lumOff val="15000"/>
-            </a:schemeClr>
-          </a:solidFill>
-          <a:ln>
-            <a:solidFill>
-              <a:schemeClr val="tx1">
-                <a:lumMod val="85000"/>
-                <a:lumOff val="15000"/>
-              </a:schemeClr>
-            </a:solidFill>
-          </a:ln>
-        </p:spPr>
-        <p:style>
-          <a:lnRef idx="2">
-            <a:schemeClr val="accent1">
-              <a:shade val="50000"/>
-            </a:schemeClr>
-          </a:lnRef>
-          <a:fillRef idx="1">
-            <a:schemeClr val="accent1"/>
-          </a:fillRef>
-          <a:effectRef idx="0">
-            <a:schemeClr val="accent1"/>
-          </a:effectRef>
-          <a:fontRef idx="minor">
-            <a:schemeClr val="lt1"/>
-          </a:fontRef>
-        </p:style>
-        <p:txBody>
-          <a:bodyPr rtlCol="0" anchor="ctr"/>
-          <a:lstStyle/>
-          <a:p>
-            <a:pPr algn="ctr"/>
-            <a:endParaRPr lang="en-GB">
-              <a:solidFill>
-                <a:srgbClr val="C00000"/>
-              </a:solidFill>
-            </a:endParaRPr>
-          </a:p>
-        </p:txBody>
-      </p:sp>
       <p:sp>
         <p:nvSpPr>
           <p:cNvPr id="2" name="Title 1">
             <a:extLst>
               <a:ext uri="{FF2B5EF4-FFF2-40B4-BE49-F238E27FC236}">
-                <a16:creationId xmlns:a16="http://schemas.microsoft.com/office/drawing/2014/main" id="{9398AFCC-3409-4D1F-A6F5-215236764F11}"/>
+                <a16:creationId xmlns:a16="http://schemas.microsoft.com/office/drawing/2014/main" id="{CE93B9A9-5430-43CA-A076-1B33A322CAF1}"/>
               </a:ext>
             </a:extLst>
           </p:cNvPr>
@@ -4802,361 +4703,134 @@
         </p:nvSpPr>
         <p:spPr/>
         <p:txBody>
-          <a:bodyPr/>
+          <a:bodyPr>
+            <a:normAutofit/>
+          </a:bodyPr>
           <a:lstStyle/>
           <a:p>
             <a:r>
-              <a:rPr lang="en-GB" dirty="0"/>
-              <a:t>Timeline</a:t>
+              <a:rPr lang="en-GB" sz="3600" dirty="0"/>
+              <a:t>Writing reports</a:t>
             </a:r>
           </a:p>
         </p:txBody>
       </p:sp>
       <p:sp>
         <p:nvSpPr>
-          <p:cNvPr id="5" name="Multiplication Sign 4">
+          <p:cNvPr id="3" name="Content Placeholder 2">
             <a:extLst>
               <a:ext uri="{FF2B5EF4-FFF2-40B4-BE49-F238E27FC236}">
-                <a16:creationId xmlns:a16="http://schemas.microsoft.com/office/drawing/2014/main" id="{16A6878F-C78B-47FC-A40D-FF141A7B3FE8}"/>
+                <a16:creationId xmlns:a16="http://schemas.microsoft.com/office/drawing/2014/main" id="{A8B5FB3A-DBC2-49E7-B8E9-76B44D37034D}"/>
               </a:ext>
             </a:extLst>
           </p:cNvPr>
-          <p:cNvSpPr/>
-          <p:nvPr/>
+          <p:cNvSpPr>
+            <a:spLocks noGrp="1"/>
+          </p:cNvSpPr>
+          <p:nvPr>
+            <p:ph idx="1"/>
+          </p:nvPr>
         </p:nvSpPr>
         <p:spPr>
           <a:xfrm>
-            <a:off x="3522518" y="779318"/>
-            <a:ext cx="4327658" cy="834004"/>
+            <a:off x="1066800" y="1864129"/>
+            <a:ext cx="10058400" cy="4112286"/>
           </a:xfrm>
-          <a:prstGeom prst="mathMultiply">
-            <a:avLst/>
-          </a:prstGeom>
-          <a:solidFill>
-            <a:schemeClr val="tx1">
-              <a:lumMod val="85000"/>
-              <a:lumOff val="15000"/>
-            </a:schemeClr>
-          </a:solidFill>
-          <a:ln>
-            <a:solidFill>
-              <a:schemeClr val="tx1">
-                <a:lumMod val="85000"/>
-                <a:lumOff val="15000"/>
-              </a:schemeClr>
-            </a:solidFill>
-          </a:ln>
         </p:spPr>
-        <p:style>
-          <a:lnRef idx="2">
-            <a:schemeClr val="accent1">
-              <a:shade val="50000"/>
-            </a:schemeClr>
-          </a:lnRef>
-          <a:fillRef idx="1">
-            <a:schemeClr val="accent1"/>
-          </a:fillRef>
-          <a:effectRef idx="0">
-            <a:schemeClr val="accent1"/>
-          </a:effectRef>
-          <a:fontRef idx="minor">
-            <a:schemeClr val="lt1"/>
-          </a:fontRef>
-        </p:style>
         <p:txBody>
-          <a:bodyPr rtlCol="0" anchor="ctr"/>
+          <a:bodyPr>
+            <a:noAutofit/>
+          </a:bodyPr>
           <a:lstStyle/>
           <a:p>
-            <a:pPr algn="ctr"/>
-            <a:endParaRPr lang="en-GB">
-              <a:solidFill>
-                <a:srgbClr val="C00000"/>
-              </a:solidFill>
-            </a:endParaRPr>
-          </a:p>
-        </p:txBody>
-      </p:sp>
-      <p:sp>
-        <p:nvSpPr>
-          <p:cNvPr id="7" name="Oval 6">
-            <a:extLst>
-              <a:ext uri="{FF2B5EF4-FFF2-40B4-BE49-F238E27FC236}">
-                <a16:creationId xmlns:a16="http://schemas.microsoft.com/office/drawing/2014/main" id="{AC53622E-8DB9-4035-83D9-2544AD885C33}"/>
-              </a:ext>
-            </a:extLst>
-          </p:cNvPr>
-          <p:cNvSpPr/>
-          <p:nvPr/>
-        </p:nvSpPr>
-        <p:spPr>
-          <a:xfrm>
-            <a:off x="3932171" y="2865158"/>
-            <a:ext cx="4327658" cy="1150502"/>
-          </a:xfrm>
-          <a:prstGeom prst="ellipse">
-            <a:avLst/>
-          </a:prstGeom>
-          <a:noFill/>
-          <a:ln w="76200">
-            <a:solidFill>
-              <a:srgbClr val="FFC000"/>
-            </a:solidFill>
-          </a:ln>
-        </p:spPr>
-        <p:style>
-          <a:lnRef idx="2">
-            <a:schemeClr val="accent1">
-              <a:shade val="50000"/>
-            </a:schemeClr>
-          </a:lnRef>
-          <a:fillRef idx="1">
-            <a:schemeClr val="accent1"/>
-          </a:fillRef>
-          <a:effectRef idx="0">
-            <a:schemeClr val="accent1"/>
-          </a:effectRef>
-          <a:fontRef idx="minor">
-            <a:schemeClr val="lt1"/>
-          </a:fontRef>
-        </p:style>
-        <p:txBody>
-          <a:bodyPr rtlCol="0" anchor="ctr"/>
-          <a:lstStyle/>
-          <a:p>
-            <a:pPr algn="ctr"/>
-            <a:endParaRPr lang="en-GB"/>
-          </a:p>
-        </p:txBody>
-      </p:sp>
-      <p:pic>
-        <p:nvPicPr>
-          <p:cNvPr id="10" name="Picture 9">
-            <a:extLst>
-              <a:ext uri="{FF2B5EF4-FFF2-40B4-BE49-F238E27FC236}">
-                <a16:creationId xmlns:a16="http://schemas.microsoft.com/office/drawing/2014/main" id="{C33C8254-6171-4221-AD8A-7610647A640B}"/>
-              </a:ext>
-            </a:extLst>
-          </p:cNvPr>
-          <p:cNvPicPr>
-            <a:picLocks noChangeAspect="1"/>
-          </p:cNvPicPr>
-          <p:nvPr/>
-        </p:nvPicPr>
-        <p:blipFill>
-          <a:blip r:embed="rId3"/>
-          <a:stretch>
-            <a:fillRect/>
-          </a:stretch>
-        </p:blipFill>
-        <p:spPr>
-          <a:xfrm>
-            <a:off x="7787469" y="514363"/>
-            <a:ext cx="3810092" cy="2663466"/>
-          </a:xfrm>
-          <a:prstGeom prst="rect">
-            <a:avLst/>
-          </a:prstGeom>
-          <a:ln w="76200">
-            <a:solidFill>
-              <a:srgbClr val="FFC000"/>
-            </a:solidFill>
-          </a:ln>
-        </p:spPr>
-      </p:pic>
-      <p:sp>
-        <p:nvSpPr>
-          <p:cNvPr id="12" name="Oval 11">
-            <a:extLst>
-              <a:ext uri="{FF2B5EF4-FFF2-40B4-BE49-F238E27FC236}">
-                <a16:creationId xmlns:a16="http://schemas.microsoft.com/office/drawing/2014/main" id="{BBE8D471-5588-4D98-B8CF-30BA52A066CE}"/>
-              </a:ext>
-            </a:extLst>
-          </p:cNvPr>
-          <p:cNvSpPr/>
-          <p:nvPr/>
-        </p:nvSpPr>
-        <p:spPr>
-          <a:xfrm>
-            <a:off x="4016612" y="4015660"/>
-            <a:ext cx="3948544" cy="550718"/>
-          </a:xfrm>
-          <a:prstGeom prst="ellipse">
-            <a:avLst/>
-          </a:prstGeom>
-          <a:noFill/>
-          <a:ln w="76200">
-            <a:solidFill>
-              <a:schemeClr val="accent2">
-                <a:lumMod val="50000"/>
-              </a:schemeClr>
-            </a:solidFill>
-          </a:ln>
-        </p:spPr>
-        <p:style>
-          <a:lnRef idx="2">
-            <a:schemeClr val="accent1">
-              <a:shade val="50000"/>
-            </a:schemeClr>
-          </a:lnRef>
-          <a:fillRef idx="1">
-            <a:schemeClr val="accent1"/>
-          </a:fillRef>
-          <a:effectRef idx="0">
-            <a:schemeClr val="accent1"/>
-          </a:effectRef>
-          <a:fontRef idx="minor">
-            <a:schemeClr val="lt1"/>
-          </a:fontRef>
-        </p:style>
-        <p:txBody>
-          <a:bodyPr rtlCol="0" anchor="ctr"/>
-          <a:lstStyle/>
-          <a:p>
-            <a:pPr algn="ctr"/>
-            <a:endParaRPr lang="en-GB"/>
-          </a:p>
-        </p:txBody>
-      </p:sp>
-      <p:pic>
-        <p:nvPicPr>
-          <p:cNvPr id="4" name="Picture 3">
-            <a:extLst>
-              <a:ext uri="{FF2B5EF4-FFF2-40B4-BE49-F238E27FC236}">
-                <a16:creationId xmlns:a16="http://schemas.microsoft.com/office/drawing/2014/main" id="{CB7177EF-C2EF-4C17-81D4-AF06BC06E5B0}"/>
-              </a:ext>
-            </a:extLst>
-          </p:cNvPr>
-          <p:cNvPicPr>
-            <a:picLocks noChangeAspect="1"/>
-          </p:cNvPicPr>
-          <p:nvPr/>
-        </p:nvPicPr>
-        <p:blipFill>
-          <a:blip r:embed="rId4"/>
-          <a:stretch>
-            <a:fillRect/>
-          </a:stretch>
-        </p:blipFill>
-        <p:spPr>
-          <a:xfrm>
-            <a:off x="7906006" y="3276279"/>
-            <a:ext cx="3810093" cy="1328383"/>
-          </a:xfrm>
-          <a:prstGeom prst="rect">
-            <a:avLst/>
-          </a:prstGeom>
-          <a:ln w="76200">
-            <a:solidFill>
-              <a:srgbClr val="FFC000"/>
-            </a:solidFill>
-          </a:ln>
-        </p:spPr>
-      </p:pic>
-      <p:pic>
-        <p:nvPicPr>
-          <p:cNvPr id="13" name="Picture 12">
-            <a:extLst>
-              <a:ext uri="{FF2B5EF4-FFF2-40B4-BE49-F238E27FC236}">
-                <a16:creationId xmlns:a16="http://schemas.microsoft.com/office/drawing/2014/main" id="{BFC39E0F-FB9B-4C39-9111-31B997C56F9F}"/>
-              </a:ext>
-            </a:extLst>
-          </p:cNvPr>
-          <p:cNvPicPr>
-            <a:picLocks noChangeAspect="1"/>
-          </p:cNvPicPr>
-          <p:nvPr/>
-        </p:nvPicPr>
-        <p:blipFill>
-          <a:blip r:embed="rId5"/>
-          <a:stretch>
-            <a:fillRect/>
-          </a:stretch>
-        </p:blipFill>
-        <p:spPr>
-          <a:xfrm>
-            <a:off x="475901" y="4253370"/>
-            <a:ext cx="3281870" cy="1962036"/>
-          </a:xfrm>
-          <a:prstGeom prst="rect">
-            <a:avLst/>
-          </a:prstGeom>
-          <a:ln w="76200">
-            <a:solidFill>
-              <a:schemeClr val="accent2">
-                <a:lumMod val="50000"/>
-              </a:schemeClr>
-            </a:solidFill>
-          </a:ln>
-        </p:spPr>
-      </p:pic>
-      <p:sp>
-        <p:nvSpPr>
-          <p:cNvPr id="16" name="Multiplication Sign 15">
-            <a:extLst>
-              <a:ext uri="{FF2B5EF4-FFF2-40B4-BE49-F238E27FC236}">
-                <a16:creationId xmlns:a16="http://schemas.microsoft.com/office/drawing/2014/main" id="{831D3668-26E1-45DC-8C0D-168B702DD691}"/>
-              </a:ext>
-            </a:extLst>
-          </p:cNvPr>
-          <p:cNvSpPr/>
-          <p:nvPr/>
-        </p:nvSpPr>
-        <p:spPr>
-          <a:xfrm>
-            <a:off x="3522518" y="2142425"/>
-            <a:ext cx="4327658" cy="834004"/>
-          </a:xfrm>
-          <a:prstGeom prst="mathMultiply">
-            <a:avLst/>
-          </a:prstGeom>
-          <a:solidFill>
-            <a:schemeClr val="tx1">
-              <a:lumMod val="85000"/>
-              <a:lumOff val="15000"/>
-            </a:schemeClr>
-          </a:solidFill>
-          <a:ln>
-            <a:solidFill>
-              <a:schemeClr val="tx1">
-                <a:lumMod val="85000"/>
-                <a:lumOff val="15000"/>
-              </a:schemeClr>
-            </a:solidFill>
-          </a:ln>
-        </p:spPr>
-        <p:style>
-          <a:lnRef idx="2">
-            <a:schemeClr val="accent1">
-              <a:shade val="50000"/>
-            </a:schemeClr>
-          </a:lnRef>
-          <a:fillRef idx="1">
-            <a:schemeClr val="accent1"/>
-          </a:fillRef>
-          <a:effectRef idx="0">
-            <a:schemeClr val="accent1"/>
-          </a:effectRef>
-          <a:fontRef idx="minor">
-            <a:schemeClr val="lt1"/>
-          </a:fontRef>
-        </p:style>
-        <p:txBody>
-          <a:bodyPr rtlCol="0" anchor="ctr"/>
-          <a:lstStyle/>
-          <a:p>
-            <a:pPr algn="ctr"/>
-            <a:endParaRPr lang="en-GB">
-              <a:solidFill>
-                <a:srgbClr val="C00000"/>
-              </a:solidFill>
-            </a:endParaRPr>
+            <a:r>
+              <a:rPr lang="en-GB" sz="2400" b="1" dirty="0"/>
+              <a:t>Style:</a:t>
+            </a:r>
+          </a:p>
+          <a:p>
+            <a:pPr lvl="1"/>
+            <a:r>
+              <a:rPr lang="en-GB" sz="2200" dirty="0"/>
+              <a:t>Formal, objective tone – state facts, not opinions</a:t>
+            </a:r>
+          </a:p>
+          <a:p>
+            <a:pPr lvl="1"/>
+            <a:r>
+              <a:rPr lang="en-GB" sz="2200" dirty="0"/>
+              <a:t>Concise and precise: use as few words as possible, avoid vague intensifiers (“really”, “very” etc.)</a:t>
+            </a:r>
+          </a:p>
+          <a:p>
+            <a:pPr lvl="1"/>
+            <a:r>
+              <a:rPr lang="en-GB" sz="2200" dirty="0"/>
+              <a:t>References – can(/should?) be hyperlinks</a:t>
+            </a:r>
+          </a:p>
+          <a:p>
+            <a:pPr lvl="1"/>
+            <a:r>
+              <a:rPr lang="en-GB" sz="2200" dirty="0"/>
+              <a:t>Clear layout, using subheadings and bullet points where appropriate</a:t>
+            </a:r>
+          </a:p>
+          <a:p>
+            <a:pPr lvl="1"/>
+            <a:r>
+              <a:rPr lang="en-GB" sz="2200" dirty="0"/>
+              <a:t>Use images and diagrams to enhance your explanations</a:t>
+            </a:r>
+          </a:p>
+          <a:p>
+            <a:pPr lvl="1"/>
+            <a:endParaRPr lang="en-GB" sz="2200" dirty="0"/>
+          </a:p>
+          <a:p>
+            <a:pPr marL="274320" lvl="1" indent="0">
+              <a:buNone/>
+            </a:pPr>
+            <a:r>
+              <a:rPr lang="en-GB" sz="1800" dirty="0"/>
+              <a:t>An introduction to academic writing:</a:t>
+            </a:r>
+            <a:br>
+              <a:rPr lang="en-GB" sz="1800" dirty="0"/>
+            </a:br>
+            <a:r>
+              <a:rPr lang="en-GB" sz="1800" dirty="0">
+                <a:hlinkClick r:id="rId2"/>
+              </a:rPr>
+              <a:t>https://studyhub.fxplus.ac.uk/essays-dissertations/introduction-academic-writing</a:t>
+            </a:r>
+            <a:endParaRPr lang="en-GB" sz="1800" dirty="0"/>
+          </a:p>
+          <a:p>
+            <a:pPr marL="274320" lvl="1" indent="0">
+              <a:buNone/>
+            </a:pPr>
+            <a:r>
+              <a:rPr lang="en-GB" sz="1800" dirty="0"/>
+              <a:t>Guide for writing reports and essays:</a:t>
+            </a:r>
+            <a:br>
+              <a:rPr lang="en-GB" sz="1800" dirty="0"/>
+            </a:br>
+            <a:r>
+              <a:rPr lang="en-GB" sz="1800" dirty="0">
+                <a:hlinkClick r:id="rId3"/>
+              </a:rPr>
+              <a:t>https://studyhub.fxplus.ac.uk/written-assignments/reports</a:t>
+            </a:r>
+            <a:endParaRPr lang="en-GB" sz="1800" dirty="0"/>
           </a:p>
         </p:txBody>
       </p:sp>
     </p:spTree>
     <p:extLst>
       <p:ext uri="{BB962C8B-B14F-4D97-AF65-F5344CB8AC3E}">
-        <p14:creationId xmlns:p14="http://schemas.microsoft.com/office/powerpoint/2010/main" val="1039632363"/>
+        <p14:creationId xmlns:p14="http://schemas.microsoft.com/office/powerpoint/2010/main" val="725160329"/>
       </p:ext>
     </p:extLst>
   </p:cSld>
@@ -5197,7 +4871,11 @@
                                           </p:stCondLst>
                                         </p:cTn>
                                         <p:tgtEl>
-                                          <p:spTgt spid="16"/>
+                                          <p:spTgt spid="3">
+                                            <p:txEl>
+                                              <p:pRg st="1" end="1"/>
+                                            </p:txEl>
+                                          </p:spTgt>
                                         </p:tgtEl>
                                         <p:attrNameLst>
                                           <p:attrName>style.visibility</p:attrName>
@@ -5242,79 +4920,11 @@
                                           </p:stCondLst>
                                         </p:cTn>
                                         <p:tgtEl>
-                                          <p:spTgt spid="7"/>
-                                        </p:tgtEl>
-                                        <p:attrNameLst>
-                                          <p:attrName>style.visibility</p:attrName>
-                                        </p:attrNameLst>
-                                      </p:cBhvr>
-                                      <p:to>
-                                        <p:strVal val="visible"/>
-                                      </p:to>
-                                    </p:set>
-                                  </p:childTnLst>
-                                </p:cTn>
-                              </p:par>
-                            </p:childTnLst>
-                          </p:cTn>
-                        </p:par>
-                        <p:par>
-                          <p:cTn id="11" fill="hold">
-                            <p:stCondLst>
-                              <p:cond delay="0"/>
-                            </p:stCondLst>
-                            <p:childTnLst>
-                              <p:par>
-                                <p:cTn id="12" presetID="1" presetClass="entr" presetSubtype="0" fill="hold" nodeType="afterEffect">
-                                  <p:stCondLst>
-                                    <p:cond delay="500"/>
-                                  </p:stCondLst>
-                                  <p:childTnLst>
-                                    <p:set>
-                                      <p:cBhvr>
-                                        <p:cTn id="13" dur="1" fill="hold">
-                                          <p:stCondLst>
-                                            <p:cond delay="0"/>
-                                          </p:stCondLst>
-                                        </p:cTn>
-                                        <p:tgtEl>
-                                          <p:spTgt spid="10"/>
-                                        </p:tgtEl>
-                                        <p:attrNameLst>
-                                          <p:attrName>style.visibility</p:attrName>
-                                        </p:attrNameLst>
-                                      </p:cBhvr>
-                                      <p:to>
-                                        <p:strVal val="visible"/>
-                                      </p:to>
-                                    </p:set>
-                                  </p:childTnLst>
-                                </p:cTn>
-                              </p:par>
-                            </p:childTnLst>
-                          </p:cTn>
-                        </p:par>
-                        <p:par>
-                          <p:cTn id="14" fill="hold">
-                            <p:stCondLst>
-                              <p:cond delay="500"/>
-                            </p:stCondLst>
-                            <p:childTnLst>
-                              <p:par>
-                                <p:cTn id="15" presetID="1" presetClass="entr" presetSubtype="0" fill="hold" nodeType="afterEffect">
-                                  <p:stCondLst>
-                                    <p:cond delay="500"/>
-                                  </p:stCondLst>
-                                  <p:childTnLst>
-                                    <p:set>
-                                      <p:cBhvr>
-                                        <p:cTn id="16" dur="1" fill="hold">
-                                          <p:stCondLst>
-                                            <p:cond delay="0"/>
-                                          </p:stCondLst>
-                                        </p:cTn>
-                                        <p:tgtEl>
-                                          <p:spTgt spid="4"/>
+                                          <p:spTgt spid="3">
+                                            <p:txEl>
+                                              <p:pRg st="2" end="2"/>
+                                            </p:txEl>
+                                          </p:spTgt>
                                         </p:tgtEl>
                                         <p:attrNameLst>
                                           <p:attrName>style.visibility</p:attrName>
@@ -5334,32 +4944,36 @@
                     </p:cTn>
                   </p:par>
                   <p:par>
-                    <p:cTn id="17" fill="hold">
+                    <p:cTn id="11" fill="hold">
                       <p:stCondLst>
                         <p:cond delay="indefinite"/>
                       </p:stCondLst>
                       <p:childTnLst>
                         <p:par>
-                          <p:cTn id="18" fill="hold">
+                          <p:cTn id="12" fill="hold">
                             <p:stCondLst>
                               <p:cond delay="0"/>
                             </p:stCondLst>
                             <p:childTnLst>
                               <p:par>
-                                <p:cTn id="19" presetID="1" presetClass="entr" presetSubtype="0" fill="hold" grpId="0" nodeType="clickEffect">
+                                <p:cTn id="13" presetID="1" presetClass="entr" presetSubtype="0" fill="hold" grpId="0" nodeType="clickEffect">
                                   <p:stCondLst>
                                     <p:cond delay="0"/>
                                   </p:stCondLst>
                                   <p:childTnLst>
                                     <p:set>
                                       <p:cBhvr>
-                                        <p:cTn id="20" dur="1" fill="hold">
+                                        <p:cTn id="14" dur="1" fill="hold">
                                           <p:stCondLst>
                                             <p:cond delay="0"/>
                                           </p:stCondLst>
                                         </p:cTn>
                                         <p:tgtEl>
-                                          <p:spTgt spid="12"/>
+                                          <p:spTgt spid="3">
+                                            <p:txEl>
+                                              <p:pRg st="3" end="3"/>
+                                            </p:txEl>
+                                          </p:spTgt>
                                         </p:tgtEl>
                                         <p:attrNameLst>
                                           <p:attrName>style.visibility</p:attrName>
@@ -5375,27 +4989,169 @@
                             </p:childTnLst>
                           </p:cTn>
                         </p:par>
+                      </p:childTnLst>
+                    </p:cTn>
+                  </p:par>
+                  <p:par>
+                    <p:cTn id="15" fill="hold">
+                      <p:stCondLst>
+                        <p:cond delay="indefinite"/>
+                      </p:stCondLst>
+                      <p:childTnLst>
                         <p:par>
-                          <p:cTn id="21" fill="hold">
+                          <p:cTn id="16" fill="hold">
                             <p:stCondLst>
                               <p:cond delay="0"/>
                             </p:stCondLst>
                             <p:childTnLst>
                               <p:par>
-                                <p:cTn id="22" presetID="1" presetClass="entr" presetSubtype="0" fill="hold" nodeType="afterEffect">
+                                <p:cTn id="17" presetID="1" presetClass="entr" presetSubtype="0" fill="hold" grpId="0" nodeType="clickEffect">
                                   <p:stCondLst>
-                                    <p:cond delay="500"/>
+                                    <p:cond delay="0"/>
                                   </p:stCondLst>
                                   <p:childTnLst>
                                     <p:set>
                                       <p:cBhvr>
-                                        <p:cTn id="23" dur="1" fill="hold">
+                                        <p:cTn id="18" dur="1" fill="hold">
                                           <p:stCondLst>
                                             <p:cond delay="0"/>
                                           </p:stCondLst>
                                         </p:cTn>
                                         <p:tgtEl>
-                                          <p:spTgt spid="13"/>
+                                          <p:spTgt spid="3">
+                                            <p:txEl>
+                                              <p:pRg st="4" end="4"/>
+                                            </p:txEl>
+                                          </p:spTgt>
+                                        </p:tgtEl>
+                                        <p:attrNameLst>
+                                          <p:attrName>style.visibility</p:attrName>
+                                        </p:attrNameLst>
+                                      </p:cBhvr>
+                                      <p:to>
+                                        <p:strVal val="visible"/>
+                                      </p:to>
+                                    </p:set>
+                                  </p:childTnLst>
+                                </p:cTn>
+                              </p:par>
+                            </p:childTnLst>
+                          </p:cTn>
+                        </p:par>
+                      </p:childTnLst>
+                    </p:cTn>
+                  </p:par>
+                  <p:par>
+                    <p:cTn id="19" fill="hold">
+                      <p:stCondLst>
+                        <p:cond delay="indefinite"/>
+                      </p:stCondLst>
+                      <p:childTnLst>
+                        <p:par>
+                          <p:cTn id="20" fill="hold">
+                            <p:stCondLst>
+                              <p:cond delay="0"/>
+                            </p:stCondLst>
+                            <p:childTnLst>
+                              <p:par>
+                                <p:cTn id="21" presetID="1" presetClass="entr" presetSubtype="0" fill="hold" grpId="0" nodeType="clickEffect">
+                                  <p:stCondLst>
+                                    <p:cond delay="0"/>
+                                  </p:stCondLst>
+                                  <p:childTnLst>
+                                    <p:set>
+                                      <p:cBhvr>
+                                        <p:cTn id="22" dur="1" fill="hold">
+                                          <p:stCondLst>
+                                            <p:cond delay="0"/>
+                                          </p:stCondLst>
+                                        </p:cTn>
+                                        <p:tgtEl>
+                                          <p:spTgt spid="3">
+                                            <p:txEl>
+                                              <p:pRg st="5" end="5"/>
+                                            </p:txEl>
+                                          </p:spTgt>
+                                        </p:tgtEl>
+                                        <p:attrNameLst>
+                                          <p:attrName>style.visibility</p:attrName>
+                                        </p:attrNameLst>
+                                      </p:cBhvr>
+                                      <p:to>
+                                        <p:strVal val="visible"/>
+                                      </p:to>
+                                    </p:set>
+                                  </p:childTnLst>
+                                </p:cTn>
+                              </p:par>
+                            </p:childTnLst>
+                          </p:cTn>
+                        </p:par>
+                      </p:childTnLst>
+                    </p:cTn>
+                  </p:par>
+                  <p:par>
+                    <p:cTn id="23" fill="hold">
+                      <p:stCondLst>
+                        <p:cond delay="indefinite"/>
+                      </p:stCondLst>
+                      <p:childTnLst>
+                        <p:par>
+                          <p:cTn id="24" fill="hold">
+                            <p:stCondLst>
+                              <p:cond delay="0"/>
+                            </p:stCondLst>
+                            <p:childTnLst>
+                              <p:par>
+                                <p:cTn id="25" presetID="1" presetClass="entr" presetSubtype="0" fill="hold" grpId="0" nodeType="clickEffect">
+                                  <p:stCondLst>
+                                    <p:cond delay="0"/>
+                                  </p:stCondLst>
+                                  <p:childTnLst>
+                                    <p:set>
+                                      <p:cBhvr>
+                                        <p:cTn id="26" dur="1" fill="hold">
+                                          <p:stCondLst>
+                                            <p:cond delay="0"/>
+                                          </p:stCondLst>
+                                        </p:cTn>
+                                        <p:tgtEl>
+                                          <p:spTgt spid="3">
+                                            <p:txEl>
+                                              <p:pRg st="7" end="7"/>
+                                            </p:txEl>
+                                          </p:spTgt>
+                                        </p:tgtEl>
+                                        <p:attrNameLst>
+                                          <p:attrName>style.visibility</p:attrName>
+                                        </p:attrNameLst>
+                                      </p:cBhvr>
+                                      <p:to>
+                                        <p:strVal val="visible"/>
+                                      </p:to>
+                                    </p:set>
+                                  </p:childTnLst>
+                                </p:cTn>
+                              </p:par>
+                              <p:par>
+                                <p:cTn id="27" presetID="1" presetClass="entr" presetSubtype="0" fill="hold" grpId="0" nodeType="withEffect">
+                                  <p:stCondLst>
+                                    <p:cond delay="0"/>
+                                  </p:stCondLst>
+                                  <p:childTnLst>
+                                    <p:set>
+                                      <p:cBhvr>
+                                        <p:cTn id="28" dur="1" fill="hold">
+                                          <p:stCondLst>
+                                            <p:cond delay="0"/>
+                                          </p:stCondLst>
+                                        </p:cTn>
+                                        <p:tgtEl>
+                                          <p:spTgt spid="3">
+                                            <p:txEl>
+                                              <p:pRg st="8" end="8"/>
+                                            </p:txEl>
+                                          </p:spTgt>
                                         </p:tgtEl>
                                         <p:attrNameLst>
                                           <p:attrName>style.visibility</p:attrName>
@@ -5436,15 +5192,2972 @@
       </p:par>
     </p:tnLst>
     <p:bldLst>
-      <p:bldP spid="7" grpId="0" animBg="1"/>
-      <p:bldP spid="12" grpId="0" animBg="1"/>
-      <p:bldP spid="16" grpId="0" animBg="1"/>
+      <p:bldP spid="3" grpId="0" uiExpand="1" build="p"/>
+    </p:bldLst>
+  </p:timing>
+</p:sld>
+</file>
+
+<file path=ppt/slides/slide11.xml><?xml version="1.0" encoding="utf-8"?>
+<p:sld xmlns:a="http://schemas.openxmlformats.org/drawingml/2006/main" xmlns:r="http://schemas.openxmlformats.org/officeDocument/2006/relationships" xmlns:p="http://schemas.openxmlformats.org/presentationml/2006/main">
+  <p:cSld>
+    <p:spTree>
+      <p:nvGrpSpPr>
+        <p:cNvPr id="1" name=""/>
+        <p:cNvGrpSpPr/>
+        <p:nvPr/>
+      </p:nvGrpSpPr>
+      <p:grpSpPr>
+        <a:xfrm>
+          <a:off x="0" y="0"/>
+          <a:ext cx="0" cy="0"/>
+          <a:chOff x="0" y="0"/>
+          <a:chExt cx="0" cy="0"/>
+        </a:xfrm>
+      </p:grpSpPr>
+      <p:sp>
+        <p:nvSpPr>
+          <p:cNvPr id="2" name="Title 1">
+            <a:extLst>
+              <a:ext uri="{FF2B5EF4-FFF2-40B4-BE49-F238E27FC236}">
+                <a16:creationId xmlns:a16="http://schemas.microsoft.com/office/drawing/2014/main" id="{CE93B9A9-5430-43CA-A076-1B33A322CAF1}"/>
+              </a:ext>
+            </a:extLst>
+          </p:cNvPr>
+          <p:cNvSpPr>
+            <a:spLocks noGrp="1"/>
+          </p:cNvSpPr>
+          <p:nvPr>
+            <p:ph type="title"/>
+          </p:nvPr>
+        </p:nvSpPr>
+        <p:spPr/>
+        <p:txBody>
+          <a:bodyPr>
+            <a:normAutofit/>
+          </a:bodyPr>
+          <a:lstStyle/>
+          <a:p>
+            <a:r>
+              <a:rPr lang="en-GB" sz="3600" dirty="0"/>
+              <a:t>Writing reports</a:t>
+            </a:r>
+          </a:p>
+        </p:txBody>
+      </p:sp>
+      <p:sp>
+        <p:nvSpPr>
+          <p:cNvPr id="3" name="Content Placeholder 2">
+            <a:extLst>
+              <a:ext uri="{FF2B5EF4-FFF2-40B4-BE49-F238E27FC236}">
+                <a16:creationId xmlns:a16="http://schemas.microsoft.com/office/drawing/2014/main" id="{A8B5FB3A-DBC2-49E7-B8E9-76B44D37034D}"/>
+              </a:ext>
+            </a:extLst>
+          </p:cNvPr>
+          <p:cNvSpPr>
+            <a:spLocks noGrp="1"/>
+          </p:cNvSpPr>
+          <p:nvPr>
+            <p:ph idx="1"/>
+          </p:nvPr>
+        </p:nvSpPr>
+        <p:spPr>
+          <a:xfrm>
+            <a:off x="1066800" y="1864129"/>
+            <a:ext cx="10058400" cy="4112286"/>
+          </a:xfrm>
+        </p:spPr>
+        <p:txBody>
+          <a:bodyPr>
+            <a:noAutofit/>
+          </a:bodyPr>
+          <a:lstStyle/>
+          <a:p>
+            <a:r>
+              <a:rPr lang="en-GB" sz="2400" b="1" dirty="0"/>
+              <a:t>Stages:</a:t>
+            </a:r>
+          </a:p>
+          <a:p>
+            <a:pPr marL="731520" lvl="1" indent="-457200">
+              <a:buFont typeface="+mj-lt"/>
+              <a:buAutoNum type="arabicPeriod"/>
+            </a:pPr>
+            <a:r>
+              <a:rPr lang="en-GB" sz="2200" b="1" i="1" dirty="0"/>
+              <a:t>Planning</a:t>
+            </a:r>
+            <a:br>
+              <a:rPr lang="en-GB" sz="2200" b="1" i="1" dirty="0"/>
+            </a:br>
+            <a:r>
+              <a:rPr lang="en-GB" sz="2000" dirty="0"/>
+              <a:t>Project proposal; also creating a time plan for the remaining stages</a:t>
+            </a:r>
+            <a:endParaRPr lang="en-GB" sz="2000" b="1" i="1" dirty="0"/>
+          </a:p>
+          <a:p>
+            <a:pPr marL="731520" lvl="1" indent="-457200">
+              <a:buFont typeface="+mj-lt"/>
+              <a:buAutoNum type="arabicPeriod"/>
+            </a:pPr>
+            <a:r>
+              <a:rPr lang="en-GB" sz="2200" b="1" i="1" dirty="0"/>
+              <a:t>Researching</a:t>
+            </a:r>
+            <a:br>
+              <a:rPr lang="en-GB" sz="2200" b="1" i="1" dirty="0"/>
+            </a:br>
+            <a:r>
+              <a:rPr lang="en-GB" sz="2000" dirty="0"/>
+              <a:t>Reviewing sources and making notes</a:t>
+            </a:r>
+            <a:endParaRPr lang="en-GB" sz="2000" b="1" i="1" dirty="0"/>
+          </a:p>
+          <a:p>
+            <a:pPr marL="731520" lvl="1" indent="-457200">
+              <a:buFont typeface="+mj-lt"/>
+              <a:buAutoNum type="arabicPeriod"/>
+            </a:pPr>
+            <a:r>
+              <a:rPr lang="en-GB" sz="2200" b="1" i="1" dirty="0"/>
+              <a:t>Organising</a:t>
+            </a:r>
+            <a:br>
+              <a:rPr lang="en-GB" sz="2200" b="1" i="1" dirty="0"/>
+            </a:br>
+            <a:r>
+              <a:rPr lang="en-GB" sz="2000" dirty="0"/>
+              <a:t>Group notes by theme to work out your argument</a:t>
+            </a:r>
+            <a:r>
+              <a:rPr lang="en-GB" sz="2200" dirty="0"/>
+              <a:t> (</a:t>
+            </a:r>
+            <a:r>
+              <a:rPr lang="en-GB" sz="1800" dirty="0">
+                <a:hlinkClick r:id="rId2"/>
+              </a:rPr>
+              <a:t>https://studyhub.fxplus.ac.uk/file/240</a:t>
+            </a:r>
+            <a:r>
+              <a:rPr lang="en-GB" sz="2200" dirty="0"/>
+              <a:t>)</a:t>
+            </a:r>
+            <a:endParaRPr lang="en-GB" sz="2200" b="1" i="1" dirty="0"/>
+          </a:p>
+          <a:p>
+            <a:pPr marL="731520" lvl="1" indent="-457200">
+              <a:buFont typeface="+mj-lt"/>
+              <a:buAutoNum type="arabicPeriod"/>
+            </a:pPr>
+            <a:r>
+              <a:rPr lang="en-GB" sz="2200" b="1" i="1" dirty="0"/>
+              <a:t>Drafting</a:t>
+            </a:r>
+            <a:br>
+              <a:rPr lang="en-GB" sz="2200" b="1" i="1" dirty="0"/>
+            </a:br>
+            <a:r>
+              <a:rPr lang="en-GB" sz="2000" dirty="0"/>
+              <a:t>Including outlining the “shape” of the report</a:t>
+            </a:r>
+            <a:endParaRPr lang="en-GB" sz="2000" b="1" i="1" dirty="0"/>
+          </a:p>
+          <a:p>
+            <a:pPr marL="731520" lvl="1" indent="-457200">
+              <a:buFont typeface="+mj-lt"/>
+              <a:buAutoNum type="arabicPeriod"/>
+            </a:pPr>
+            <a:r>
+              <a:rPr lang="en-GB" sz="2200" b="1" i="1" dirty="0"/>
+              <a:t>Reviewing</a:t>
+            </a:r>
+          </a:p>
+          <a:p>
+            <a:pPr marL="0" indent="0">
+              <a:buNone/>
+            </a:pPr>
+            <a:r>
+              <a:rPr lang="en-GB" sz="1800" dirty="0"/>
+              <a:t>More info: </a:t>
+            </a:r>
+            <a:r>
+              <a:rPr lang="en-GB" sz="1800" dirty="0">
+                <a:hlinkClick r:id="rId3"/>
+              </a:rPr>
+              <a:t>https://studyhub.fxplus.ac.uk/written-assignments/essays-dissertations</a:t>
+            </a:r>
+            <a:endParaRPr lang="en-GB" sz="1800" dirty="0"/>
+          </a:p>
+        </p:txBody>
+      </p:sp>
+    </p:spTree>
+    <p:extLst>
+      <p:ext uri="{BB962C8B-B14F-4D97-AF65-F5344CB8AC3E}">
+        <p14:creationId xmlns:p14="http://schemas.microsoft.com/office/powerpoint/2010/main" val="2182841536"/>
+      </p:ext>
+    </p:extLst>
+  </p:cSld>
+  <p:clrMapOvr>
+    <a:masterClrMapping/>
+  </p:clrMapOvr>
+  <p:timing>
+    <p:tnLst>
+      <p:par>
+        <p:cTn id="1" dur="indefinite" restart="never" nodeType="tmRoot">
+          <p:childTnLst>
+            <p:seq concurrent="1" nextAc="seek">
+              <p:cTn id="2" dur="indefinite" nodeType="mainSeq">
+                <p:childTnLst>
+                  <p:par>
+                    <p:cTn id="3" fill="hold">
+                      <p:stCondLst>
+                        <p:cond delay="indefinite"/>
+                      </p:stCondLst>
+                      <p:childTnLst>
+                        <p:par>
+                          <p:cTn id="4" fill="hold">
+                            <p:stCondLst>
+                              <p:cond delay="0"/>
+                            </p:stCondLst>
+                            <p:childTnLst>
+                              <p:par>
+                                <p:cTn id="5" presetID="1" presetClass="entr" presetSubtype="0" fill="hold" grpId="0" nodeType="clickEffect">
+                                  <p:stCondLst>
+                                    <p:cond delay="0"/>
+                                  </p:stCondLst>
+                                  <p:childTnLst>
+                                    <p:set>
+                                      <p:cBhvr>
+                                        <p:cTn id="6" dur="1" fill="hold">
+                                          <p:stCondLst>
+                                            <p:cond delay="0"/>
+                                          </p:stCondLst>
+                                        </p:cTn>
+                                        <p:tgtEl>
+                                          <p:spTgt spid="3">
+                                            <p:txEl>
+                                              <p:pRg st="1" end="1"/>
+                                            </p:txEl>
+                                          </p:spTgt>
+                                        </p:tgtEl>
+                                        <p:attrNameLst>
+                                          <p:attrName>style.visibility</p:attrName>
+                                        </p:attrNameLst>
+                                      </p:cBhvr>
+                                      <p:to>
+                                        <p:strVal val="visible"/>
+                                      </p:to>
+                                    </p:set>
+                                  </p:childTnLst>
+                                </p:cTn>
+                              </p:par>
+                            </p:childTnLst>
+                          </p:cTn>
+                        </p:par>
+                      </p:childTnLst>
+                    </p:cTn>
+                  </p:par>
+                  <p:par>
+                    <p:cTn id="7" fill="hold">
+                      <p:stCondLst>
+                        <p:cond delay="indefinite"/>
+                      </p:stCondLst>
+                      <p:childTnLst>
+                        <p:par>
+                          <p:cTn id="8" fill="hold">
+                            <p:stCondLst>
+                              <p:cond delay="0"/>
+                            </p:stCondLst>
+                            <p:childTnLst>
+                              <p:par>
+                                <p:cTn id="9" presetID="1" presetClass="entr" presetSubtype="0" fill="hold" grpId="0" nodeType="clickEffect">
+                                  <p:stCondLst>
+                                    <p:cond delay="0"/>
+                                  </p:stCondLst>
+                                  <p:childTnLst>
+                                    <p:set>
+                                      <p:cBhvr>
+                                        <p:cTn id="10" dur="1" fill="hold">
+                                          <p:stCondLst>
+                                            <p:cond delay="0"/>
+                                          </p:stCondLst>
+                                        </p:cTn>
+                                        <p:tgtEl>
+                                          <p:spTgt spid="3">
+                                            <p:txEl>
+                                              <p:pRg st="2" end="2"/>
+                                            </p:txEl>
+                                          </p:spTgt>
+                                        </p:tgtEl>
+                                        <p:attrNameLst>
+                                          <p:attrName>style.visibility</p:attrName>
+                                        </p:attrNameLst>
+                                      </p:cBhvr>
+                                      <p:to>
+                                        <p:strVal val="visible"/>
+                                      </p:to>
+                                    </p:set>
+                                  </p:childTnLst>
+                                </p:cTn>
+                              </p:par>
+                            </p:childTnLst>
+                          </p:cTn>
+                        </p:par>
+                      </p:childTnLst>
+                    </p:cTn>
+                  </p:par>
+                  <p:par>
+                    <p:cTn id="11" fill="hold">
+                      <p:stCondLst>
+                        <p:cond delay="indefinite"/>
+                      </p:stCondLst>
+                      <p:childTnLst>
+                        <p:par>
+                          <p:cTn id="12" fill="hold">
+                            <p:stCondLst>
+                              <p:cond delay="0"/>
+                            </p:stCondLst>
+                            <p:childTnLst>
+                              <p:par>
+                                <p:cTn id="13" presetID="1" presetClass="entr" presetSubtype="0" fill="hold" grpId="0" nodeType="clickEffect">
+                                  <p:stCondLst>
+                                    <p:cond delay="0"/>
+                                  </p:stCondLst>
+                                  <p:childTnLst>
+                                    <p:set>
+                                      <p:cBhvr>
+                                        <p:cTn id="14" dur="1" fill="hold">
+                                          <p:stCondLst>
+                                            <p:cond delay="0"/>
+                                          </p:stCondLst>
+                                        </p:cTn>
+                                        <p:tgtEl>
+                                          <p:spTgt spid="3">
+                                            <p:txEl>
+                                              <p:pRg st="3" end="3"/>
+                                            </p:txEl>
+                                          </p:spTgt>
+                                        </p:tgtEl>
+                                        <p:attrNameLst>
+                                          <p:attrName>style.visibility</p:attrName>
+                                        </p:attrNameLst>
+                                      </p:cBhvr>
+                                      <p:to>
+                                        <p:strVal val="visible"/>
+                                      </p:to>
+                                    </p:set>
+                                  </p:childTnLst>
+                                </p:cTn>
+                              </p:par>
+                            </p:childTnLst>
+                          </p:cTn>
+                        </p:par>
+                      </p:childTnLst>
+                    </p:cTn>
+                  </p:par>
+                  <p:par>
+                    <p:cTn id="15" fill="hold">
+                      <p:stCondLst>
+                        <p:cond delay="indefinite"/>
+                      </p:stCondLst>
+                      <p:childTnLst>
+                        <p:par>
+                          <p:cTn id="16" fill="hold">
+                            <p:stCondLst>
+                              <p:cond delay="0"/>
+                            </p:stCondLst>
+                            <p:childTnLst>
+                              <p:par>
+                                <p:cTn id="17" presetID="1" presetClass="entr" presetSubtype="0" fill="hold" grpId="0" nodeType="clickEffect">
+                                  <p:stCondLst>
+                                    <p:cond delay="0"/>
+                                  </p:stCondLst>
+                                  <p:childTnLst>
+                                    <p:set>
+                                      <p:cBhvr>
+                                        <p:cTn id="18" dur="1" fill="hold">
+                                          <p:stCondLst>
+                                            <p:cond delay="0"/>
+                                          </p:stCondLst>
+                                        </p:cTn>
+                                        <p:tgtEl>
+                                          <p:spTgt spid="3">
+                                            <p:txEl>
+                                              <p:pRg st="4" end="4"/>
+                                            </p:txEl>
+                                          </p:spTgt>
+                                        </p:tgtEl>
+                                        <p:attrNameLst>
+                                          <p:attrName>style.visibility</p:attrName>
+                                        </p:attrNameLst>
+                                      </p:cBhvr>
+                                      <p:to>
+                                        <p:strVal val="visible"/>
+                                      </p:to>
+                                    </p:set>
+                                  </p:childTnLst>
+                                </p:cTn>
+                              </p:par>
+                            </p:childTnLst>
+                          </p:cTn>
+                        </p:par>
+                      </p:childTnLst>
+                    </p:cTn>
+                  </p:par>
+                  <p:par>
+                    <p:cTn id="19" fill="hold">
+                      <p:stCondLst>
+                        <p:cond delay="indefinite"/>
+                      </p:stCondLst>
+                      <p:childTnLst>
+                        <p:par>
+                          <p:cTn id="20" fill="hold">
+                            <p:stCondLst>
+                              <p:cond delay="0"/>
+                            </p:stCondLst>
+                            <p:childTnLst>
+                              <p:par>
+                                <p:cTn id="21" presetID="1" presetClass="entr" presetSubtype="0" fill="hold" grpId="0" nodeType="clickEffect">
+                                  <p:stCondLst>
+                                    <p:cond delay="0"/>
+                                  </p:stCondLst>
+                                  <p:childTnLst>
+                                    <p:set>
+                                      <p:cBhvr>
+                                        <p:cTn id="22" dur="1" fill="hold">
+                                          <p:stCondLst>
+                                            <p:cond delay="0"/>
+                                          </p:stCondLst>
+                                        </p:cTn>
+                                        <p:tgtEl>
+                                          <p:spTgt spid="3">
+                                            <p:txEl>
+                                              <p:pRg st="5" end="5"/>
+                                            </p:txEl>
+                                          </p:spTgt>
+                                        </p:tgtEl>
+                                        <p:attrNameLst>
+                                          <p:attrName>style.visibility</p:attrName>
+                                        </p:attrNameLst>
+                                      </p:cBhvr>
+                                      <p:to>
+                                        <p:strVal val="visible"/>
+                                      </p:to>
+                                    </p:set>
+                                  </p:childTnLst>
+                                </p:cTn>
+                              </p:par>
+                            </p:childTnLst>
+                          </p:cTn>
+                        </p:par>
+                      </p:childTnLst>
+                    </p:cTn>
+                  </p:par>
+                  <p:par>
+                    <p:cTn id="23" fill="hold">
+                      <p:stCondLst>
+                        <p:cond delay="indefinite"/>
+                      </p:stCondLst>
+                      <p:childTnLst>
+                        <p:par>
+                          <p:cTn id="24" fill="hold">
+                            <p:stCondLst>
+                              <p:cond delay="0"/>
+                            </p:stCondLst>
+                            <p:childTnLst>
+                              <p:par>
+                                <p:cTn id="25" presetID="1" presetClass="entr" presetSubtype="0" fill="hold" grpId="0" nodeType="clickEffect">
+                                  <p:stCondLst>
+                                    <p:cond delay="0"/>
+                                  </p:stCondLst>
+                                  <p:childTnLst>
+                                    <p:set>
+                                      <p:cBhvr>
+                                        <p:cTn id="26" dur="1" fill="hold">
+                                          <p:stCondLst>
+                                            <p:cond delay="0"/>
+                                          </p:stCondLst>
+                                        </p:cTn>
+                                        <p:tgtEl>
+                                          <p:spTgt spid="3">
+                                            <p:txEl>
+                                              <p:pRg st="6" end="6"/>
+                                            </p:txEl>
+                                          </p:spTgt>
+                                        </p:tgtEl>
+                                        <p:attrNameLst>
+                                          <p:attrName>style.visibility</p:attrName>
+                                        </p:attrNameLst>
+                                      </p:cBhvr>
+                                      <p:to>
+                                        <p:strVal val="visible"/>
+                                      </p:to>
+                                    </p:set>
+                                  </p:childTnLst>
+                                </p:cTn>
+                              </p:par>
+                            </p:childTnLst>
+                          </p:cTn>
+                        </p:par>
+                      </p:childTnLst>
+                    </p:cTn>
+                  </p:par>
+                </p:childTnLst>
+              </p:cTn>
+              <p:prevCondLst>
+                <p:cond evt="onPrev" delay="0">
+                  <p:tgtEl>
+                    <p:sldTgt/>
+                  </p:tgtEl>
+                </p:cond>
+              </p:prevCondLst>
+              <p:nextCondLst>
+                <p:cond evt="onNext" delay="0">
+                  <p:tgtEl>
+                    <p:sldTgt/>
+                  </p:tgtEl>
+                </p:cond>
+              </p:nextCondLst>
+            </p:seq>
+          </p:childTnLst>
+        </p:cTn>
+      </p:par>
+    </p:tnLst>
+    <p:bldLst>
+      <p:bldP spid="3" grpId="0" uiExpand="1" build="p"/>
+    </p:bldLst>
+  </p:timing>
+</p:sld>
+</file>
+
+<file path=ppt/slides/slide12.xml><?xml version="1.0" encoding="utf-8"?>
+<p:sld xmlns:a="http://schemas.openxmlformats.org/drawingml/2006/main" xmlns:r="http://schemas.openxmlformats.org/officeDocument/2006/relationships" xmlns:p="http://schemas.openxmlformats.org/presentationml/2006/main">
+  <p:cSld>
+    <p:spTree>
+      <p:nvGrpSpPr>
+        <p:cNvPr id="1" name=""/>
+        <p:cNvGrpSpPr/>
+        <p:nvPr/>
+      </p:nvGrpSpPr>
+      <p:grpSpPr>
+        <a:xfrm>
+          <a:off x="0" y="0"/>
+          <a:ext cx="0" cy="0"/>
+          <a:chOff x="0" y="0"/>
+          <a:chExt cx="0" cy="0"/>
+        </a:xfrm>
+      </p:grpSpPr>
+      <p:sp>
+        <p:nvSpPr>
+          <p:cNvPr id="2" name="Title 1">
+            <a:extLst>
+              <a:ext uri="{FF2B5EF4-FFF2-40B4-BE49-F238E27FC236}">
+                <a16:creationId xmlns:a16="http://schemas.microsoft.com/office/drawing/2014/main" id="{CE93B9A9-5430-43CA-A076-1B33A322CAF1}"/>
+              </a:ext>
+            </a:extLst>
+          </p:cNvPr>
+          <p:cNvSpPr>
+            <a:spLocks noGrp="1"/>
+          </p:cNvSpPr>
+          <p:nvPr>
+            <p:ph type="title"/>
+          </p:nvPr>
+        </p:nvSpPr>
+        <p:spPr/>
+        <p:txBody>
+          <a:bodyPr/>
+          <a:lstStyle/>
+          <a:p>
+            <a:r>
+              <a:rPr lang="en-GB" dirty="0"/>
+              <a:t>Suggested activities</a:t>
+            </a:r>
+          </a:p>
+        </p:txBody>
+      </p:sp>
+      <p:sp>
+        <p:nvSpPr>
+          <p:cNvPr id="3" name="Content Placeholder 2">
+            <a:extLst>
+              <a:ext uri="{FF2B5EF4-FFF2-40B4-BE49-F238E27FC236}">
+                <a16:creationId xmlns:a16="http://schemas.microsoft.com/office/drawing/2014/main" id="{A8B5FB3A-DBC2-49E7-B8E9-76B44D37034D}"/>
+              </a:ext>
+            </a:extLst>
+          </p:cNvPr>
+          <p:cNvSpPr>
+            <a:spLocks noGrp="1"/>
+          </p:cNvSpPr>
+          <p:nvPr>
+            <p:ph idx="1"/>
+          </p:nvPr>
+        </p:nvSpPr>
+        <p:spPr>
+          <a:xfrm>
+            <a:off x="1066800" y="1864129"/>
+            <a:ext cx="10058400" cy="4112286"/>
+          </a:xfrm>
+        </p:spPr>
+        <p:txBody>
+          <a:bodyPr>
+            <a:noAutofit/>
+          </a:bodyPr>
+          <a:lstStyle/>
+          <a:p>
+            <a:pPr marL="514350" indent="-514350">
+              <a:buFont typeface="+mj-lt"/>
+              <a:buAutoNum type="arabicPeriod"/>
+            </a:pPr>
+            <a:r>
+              <a:rPr lang="en-GB" sz="2400" dirty="0"/>
+              <a:t>Review resources for written assignments linked from these slides/at </a:t>
+            </a:r>
+            <a:r>
+              <a:rPr lang="en-GB" sz="2400" dirty="0">
+                <a:hlinkClick r:id="rId2"/>
+              </a:rPr>
+              <a:t>https://studyhub.fxplus.ac.uk/written-assignments</a:t>
+            </a:r>
+            <a:endParaRPr lang="en-GB" sz="2400" dirty="0"/>
+          </a:p>
+          <a:p>
+            <a:pPr marL="514350" indent="-514350">
+              <a:buFont typeface="+mj-lt"/>
+              <a:buAutoNum type="arabicPeriod"/>
+            </a:pPr>
+            <a:r>
+              <a:rPr lang="en-GB" sz="2400" dirty="0"/>
+              <a:t>If you haven’t done so already, create:</a:t>
+            </a:r>
+          </a:p>
+          <a:p>
+            <a:pPr marL="788670" lvl="1" indent="-514350">
+              <a:buFont typeface="+mj-lt"/>
+              <a:buAutoNum type="alphaLcParenR"/>
+            </a:pPr>
+            <a:r>
+              <a:rPr lang="en-GB" sz="2000" dirty="0"/>
+              <a:t>A time plan for writing your report, and</a:t>
+            </a:r>
+          </a:p>
+          <a:p>
+            <a:pPr marL="788670" lvl="1" indent="-514350">
+              <a:buFont typeface="+mj-lt"/>
+              <a:buAutoNum type="alphaLcParenR"/>
+            </a:pPr>
+            <a:r>
+              <a:rPr lang="en-GB" sz="2000" dirty="0"/>
+              <a:t>An outline of your report’s structure</a:t>
+            </a:r>
+          </a:p>
+          <a:p>
+            <a:pPr marL="514350" indent="-514350">
+              <a:buFont typeface="+mj-lt"/>
+              <a:buAutoNum type="arabicPeriod"/>
+            </a:pPr>
+            <a:r>
+              <a:rPr lang="en-GB" sz="2400" dirty="0"/>
+              <a:t>Continue work on </a:t>
+            </a:r>
+            <a:r>
+              <a:rPr lang="en-GB" sz="2400"/>
+              <a:t>your poster (see week 5 slides for tips).</a:t>
+            </a:r>
+            <a:endParaRPr lang="en-GB" sz="2400" dirty="0"/>
+          </a:p>
+          <a:p>
+            <a:pPr marL="514350" indent="-514350">
+              <a:buFont typeface="+mj-lt"/>
+              <a:buAutoNum type="arabicPeriod"/>
+            </a:pPr>
+            <a:r>
+              <a:rPr lang="en-GB" sz="2400" dirty="0"/>
+              <a:t>Continue work on your artefact.</a:t>
+            </a:r>
+          </a:p>
+          <a:p>
+            <a:pPr marL="514350" indent="-514350">
+              <a:buFont typeface="+mj-lt"/>
+              <a:buAutoNum type="arabicPeriod"/>
+            </a:pPr>
+            <a:endParaRPr lang="en-GB" sz="800" b="1" dirty="0"/>
+          </a:p>
+          <a:p>
+            <a:pPr marL="0" indent="0">
+              <a:buNone/>
+            </a:pPr>
+            <a:r>
+              <a:rPr lang="en-GB" sz="1800" dirty="0"/>
+              <a:t>Find these slides online at:</a:t>
+            </a:r>
+          </a:p>
+          <a:p>
+            <a:pPr marL="0" indent="0">
+              <a:buNone/>
+            </a:pPr>
+            <a:r>
+              <a:rPr lang="en-GB" sz="1800" dirty="0">
+                <a:solidFill>
+                  <a:srgbClr val="00B0F0"/>
+                </a:solidFill>
+                <a:hlinkClick r:id="rId3">
+                  <a:extLst>
+                    <a:ext uri="{A12FA001-AC4F-418D-AE19-62706E023703}">
+                      <ahyp:hlinkClr xmlns:ahyp="http://schemas.microsoft.com/office/drawing/2018/hyperlinkcolor" val="tx"/>
+                    </a:ext>
+                  </a:extLst>
+                </a:hlinkClick>
+              </a:rPr>
+              <a:t>https://github.com/Falmouth-Games-Academy/</a:t>
+            </a:r>
+            <a:r>
+              <a:rPr lang="en-GB" sz="1800" b="1" dirty="0">
+                <a:solidFill>
+                  <a:srgbClr val="00B0F0"/>
+                </a:solidFill>
+                <a:hlinkClick r:id="rId3">
+                  <a:extLst>
+                    <a:ext uri="{A12FA001-AC4F-418D-AE19-62706E023703}">
+                      <ahyp:hlinkClr xmlns:ahyp="http://schemas.microsoft.com/office/drawing/2018/hyperlinkcolor" val="tx"/>
+                    </a:ext>
+                  </a:extLst>
+                </a:hlinkClick>
+              </a:rPr>
+              <a:t>COMP2x0-workshop-slides</a:t>
+            </a:r>
+            <a:endParaRPr lang="en-GB" sz="1800" b="1" dirty="0">
+              <a:solidFill>
+                <a:srgbClr val="00B0F0"/>
+              </a:solidFill>
+            </a:endParaRPr>
+          </a:p>
+        </p:txBody>
+      </p:sp>
+    </p:spTree>
+    <p:extLst>
+      <p:ext uri="{BB962C8B-B14F-4D97-AF65-F5344CB8AC3E}">
+        <p14:creationId xmlns:p14="http://schemas.microsoft.com/office/powerpoint/2010/main" val="4214232663"/>
+      </p:ext>
+    </p:extLst>
+  </p:cSld>
+  <p:clrMapOvr>
+    <a:masterClrMapping/>
+  </p:clrMapOvr>
+  <p:timing>
+    <p:tnLst>
+      <p:par>
+        <p:cTn id="1" dur="indefinite" restart="never" nodeType="tmRoot">
+          <p:childTnLst>
+            <p:seq concurrent="1" nextAc="seek">
+              <p:cTn id="2" dur="indefinite" nodeType="mainSeq">
+                <p:childTnLst>
+                  <p:par>
+                    <p:cTn id="3" fill="hold">
+                      <p:stCondLst>
+                        <p:cond delay="indefinite"/>
+                      </p:stCondLst>
+                      <p:childTnLst>
+                        <p:par>
+                          <p:cTn id="4" fill="hold">
+                            <p:stCondLst>
+                              <p:cond delay="0"/>
+                            </p:stCondLst>
+                            <p:childTnLst>
+                              <p:par>
+                                <p:cTn id="5" presetID="1" presetClass="entr" presetSubtype="0" fill="hold" grpId="0" nodeType="clickEffect">
+                                  <p:stCondLst>
+                                    <p:cond delay="0"/>
+                                  </p:stCondLst>
+                                  <p:childTnLst>
+                                    <p:set>
+                                      <p:cBhvr>
+                                        <p:cTn id="6" dur="1" fill="hold">
+                                          <p:stCondLst>
+                                            <p:cond delay="0"/>
+                                          </p:stCondLst>
+                                        </p:cTn>
+                                        <p:tgtEl>
+                                          <p:spTgt spid="3">
+                                            <p:txEl>
+                                              <p:pRg st="0" end="0"/>
+                                            </p:txEl>
+                                          </p:spTgt>
+                                        </p:tgtEl>
+                                        <p:attrNameLst>
+                                          <p:attrName>style.visibility</p:attrName>
+                                        </p:attrNameLst>
+                                      </p:cBhvr>
+                                      <p:to>
+                                        <p:strVal val="visible"/>
+                                      </p:to>
+                                    </p:set>
+                                  </p:childTnLst>
+                                </p:cTn>
+                              </p:par>
+                            </p:childTnLst>
+                          </p:cTn>
+                        </p:par>
+                      </p:childTnLst>
+                    </p:cTn>
+                  </p:par>
+                  <p:par>
+                    <p:cTn id="7" fill="hold">
+                      <p:stCondLst>
+                        <p:cond delay="indefinite"/>
+                      </p:stCondLst>
+                      <p:childTnLst>
+                        <p:par>
+                          <p:cTn id="8" fill="hold">
+                            <p:stCondLst>
+                              <p:cond delay="0"/>
+                            </p:stCondLst>
+                            <p:childTnLst>
+                              <p:par>
+                                <p:cTn id="9" presetID="1" presetClass="entr" presetSubtype="0" fill="hold" grpId="0" nodeType="clickEffect">
+                                  <p:stCondLst>
+                                    <p:cond delay="0"/>
+                                  </p:stCondLst>
+                                  <p:childTnLst>
+                                    <p:set>
+                                      <p:cBhvr>
+                                        <p:cTn id="10" dur="1" fill="hold">
+                                          <p:stCondLst>
+                                            <p:cond delay="0"/>
+                                          </p:stCondLst>
+                                        </p:cTn>
+                                        <p:tgtEl>
+                                          <p:spTgt spid="3">
+                                            <p:txEl>
+                                              <p:pRg st="1" end="1"/>
+                                            </p:txEl>
+                                          </p:spTgt>
+                                        </p:tgtEl>
+                                        <p:attrNameLst>
+                                          <p:attrName>style.visibility</p:attrName>
+                                        </p:attrNameLst>
+                                      </p:cBhvr>
+                                      <p:to>
+                                        <p:strVal val="visible"/>
+                                      </p:to>
+                                    </p:set>
+                                  </p:childTnLst>
+                                </p:cTn>
+                              </p:par>
+                              <p:par>
+                                <p:cTn id="11" presetID="1" presetClass="entr" presetSubtype="0" fill="hold" grpId="0" nodeType="withEffect">
+                                  <p:stCondLst>
+                                    <p:cond delay="0"/>
+                                  </p:stCondLst>
+                                  <p:childTnLst>
+                                    <p:set>
+                                      <p:cBhvr>
+                                        <p:cTn id="12" dur="1" fill="hold">
+                                          <p:stCondLst>
+                                            <p:cond delay="0"/>
+                                          </p:stCondLst>
+                                        </p:cTn>
+                                        <p:tgtEl>
+                                          <p:spTgt spid="3">
+                                            <p:txEl>
+                                              <p:pRg st="2" end="2"/>
+                                            </p:txEl>
+                                          </p:spTgt>
+                                        </p:tgtEl>
+                                        <p:attrNameLst>
+                                          <p:attrName>style.visibility</p:attrName>
+                                        </p:attrNameLst>
+                                      </p:cBhvr>
+                                      <p:to>
+                                        <p:strVal val="visible"/>
+                                      </p:to>
+                                    </p:set>
+                                  </p:childTnLst>
+                                </p:cTn>
+                              </p:par>
+                              <p:par>
+                                <p:cTn id="13" presetID="1" presetClass="entr" presetSubtype="0" fill="hold" grpId="0" nodeType="withEffect">
+                                  <p:stCondLst>
+                                    <p:cond delay="0"/>
+                                  </p:stCondLst>
+                                  <p:childTnLst>
+                                    <p:set>
+                                      <p:cBhvr>
+                                        <p:cTn id="14" dur="1" fill="hold">
+                                          <p:stCondLst>
+                                            <p:cond delay="0"/>
+                                          </p:stCondLst>
+                                        </p:cTn>
+                                        <p:tgtEl>
+                                          <p:spTgt spid="3">
+                                            <p:txEl>
+                                              <p:pRg st="3" end="3"/>
+                                            </p:txEl>
+                                          </p:spTgt>
+                                        </p:tgtEl>
+                                        <p:attrNameLst>
+                                          <p:attrName>style.visibility</p:attrName>
+                                        </p:attrNameLst>
+                                      </p:cBhvr>
+                                      <p:to>
+                                        <p:strVal val="visible"/>
+                                      </p:to>
+                                    </p:set>
+                                  </p:childTnLst>
+                                </p:cTn>
+                              </p:par>
+                            </p:childTnLst>
+                          </p:cTn>
+                        </p:par>
+                      </p:childTnLst>
+                    </p:cTn>
+                  </p:par>
+                  <p:par>
+                    <p:cTn id="15" fill="hold">
+                      <p:stCondLst>
+                        <p:cond delay="indefinite"/>
+                      </p:stCondLst>
+                      <p:childTnLst>
+                        <p:par>
+                          <p:cTn id="16" fill="hold">
+                            <p:stCondLst>
+                              <p:cond delay="0"/>
+                            </p:stCondLst>
+                            <p:childTnLst>
+                              <p:par>
+                                <p:cTn id="17" presetID="1" presetClass="entr" presetSubtype="0" fill="hold" grpId="0" nodeType="clickEffect">
+                                  <p:stCondLst>
+                                    <p:cond delay="0"/>
+                                  </p:stCondLst>
+                                  <p:childTnLst>
+                                    <p:set>
+                                      <p:cBhvr>
+                                        <p:cTn id="18" dur="1" fill="hold">
+                                          <p:stCondLst>
+                                            <p:cond delay="0"/>
+                                          </p:stCondLst>
+                                        </p:cTn>
+                                        <p:tgtEl>
+                                          <p:spTgt spid="3">
+                                            <p:txEl>
+                                              <p:pRg st="4" end="4"/>
+                                            </p:txEl>
+                                          </p:spTgt>
+                                        </p:tgtEl>
+                                        <p:attrNameLst>
+                                          <p:attrName>style.visibility</p:attrName>
+                                        </p:attrNameLst>
+                                      </p:cBhvr>
+                                      <p:to>
+                                        <p:strVal val="visible"/>
+                                      </p:to>
+                                    </p:set>
+                                  </p:childTnLst>
+                                </p:cTn>
+                              </p:par>
+                            </p:childTnLst>
+                          </p:cTn>
+                        </p:par>
+                      </p:childTnLst>
+                    </p:cTn>
+                  </p:par>
+                  <p:par>
+                    <p:cTn id="19" fill="hold">
+                      <p:stCondLst>
+                        <p:cond delay="indefinite"/>
+                      </p:stCondLst>
+                      <p:childTnLst>
+                        <p:par>
+                          <p:cTn id="20" fill="hold">
+                            <p:stCondLst>
+                              <p:cond delay="0"/>
+                            </p:stCondLst>
+                            <p:childTnLst>
+                              <p:par>
+                                <p:cTn id="21" presetID="1" presetClass="entr" presetSubtype="0" fill="hold" grpId="0" nodeType="clickEffect">
+                                  <p:stCondLst>
+                                    <p:cond delay="0"/>
+                                  </p:stCondLst>
+                                  <p:childTnLst>
+                                    <p:set>
+                                      <p:cBhvr>
+                                        <p:cTn id="22" dur="1" fill="hold">
+                                          <p:stCondLst>
+                                            <p:cond delay="0"/>
+                                          </p:stCondLst>
+                                        </p:cTn>
+                                        <p:tgtEl>
+                                          <p:spTgt spid="3">
+                                            <p:txEl>
+                                              <p:pRg st="5" end="5"/>
+                                            </p:txEl>
+                                          </p:spTgt>
+                                        </p:tgtEl>
+                                        <p:attrNameLst>
+                                          <p:attrName>style.visibility</p:attrName>
+                                        </p:attrNameLst>
+                                      </p:cBhvr>
+                                      <p:to>
+                                        <p:strVal val="visible"/>
+                                      </p:to>
+                                    </p:set>
+                                  </p:childTnLst>
+                                </p:cTn>
+                              </p:par>
+                            </p:childTnLst>
+                          </p:cTn>
+                        </p:par>
+                      </p:childTnLst>
+                    </p:cTn>
+                  </p:par>
+                  <p:par>
+                    <p:cTn id="23" fill="hold">
+                      <p:stCondLst>
+                        <p:cond delay="indefinite"/>
+                      </p:stCondLst>
+                      <p:childTnLst>
+                        <p:par>
+                          <p:cTn id="24" fill="hold">
+                            <p:stCondLst>
+                              <p:cond delay="0"/>
+                            </p:stCondLst>
+                            <p:childTnLst>
+                              <p:par>
+                                <p:cTn id="25" presetID="1" presetClass="entr" presetSubtype="0" fill="hold" grpId="0" nodeType="clickEffect">
+                                  <p:stCondLst>
+                                    <p:cond delay="0"/>
+                                  </p:stCondLst>
+                                  <p:childTnLst>
+                                    <p:set>
+                                      <p:cBhvr>
+                                        <p:cTn id="26" dur="1" fill="hold">
+                                          <p:stCondLst>
+                                            <p:cond delay="0"/>
+                                          </p:stCondLst>
+                                        </p:cTn>
+                                        <p:tgtEl>
+                                          <p:spTgt spid="3">
+                                            <p:txEl>
+                                              <p:pRg st="7" end="7"/>
+                                            </p:txEl>
+                                          </p:spTgt>
+                                        </p:tgtEl>
+                                        <p:attrNameLst>
+                                          <p:attrName>style.visibility</p:attrName>
+                                        </p:attrNameLst>
+                                      </p:cBhvr>
+                                      <p:to>
+                                        <p:strVal val="visible"/>
+                                      </p:to>
+                                    </p:set>
+                                  </p:childTnLst>
+                                </p:cTn>
+                              </p:par>
+                            </p:childTnLst>
+                          </p:cTn>
+                        </p:par>
+                      </p:childTnLst>
+                    </p:cTn>
+                  </p:par>
+                  <p:par>
+                    <p:cTn id="27" fill="hold">
+                      <p:stCondLst>
+                        <p:cond delay="indefinite"/>
+                      </p:stCondLst>
+                      <p:childTnLst>
+                        <p:par>
+                          <p:cTn id="28" fill="hold">
+                            <p:stCondLst>
+                              <p:cond delay="0"/>
+                            </p:stCondLst>
+                            <p:childTnLst>
+                              <p:par>
+                                <p:cTn id="29" presetID="1" presetClass="entr" presetSubtype="0" fill="hold" grpId="0" nodeType="clickEffect">
+                                  <p:stCondLst>
+                                    <p:cond delay="0"/>
+                                  </p:stCondLst>
+                                  <p:childTnLst>
+                                    <p:set>
+                                      <p:cBhvr>
+                                        <p:cTn id="30" dur="1" fill="hold">
+                                          <p:stCondLst>
+                                            <p:cond delay="0"/>
+                                          </p:stCondLst>
+                                        </p:cTn>
+                                        <p:tgtEl>
+                                          <p:spTgt spid="3">
+                                            <p:txEl>
+                                              <p:pRg st="8" end="8"/>
+                                            </p:txEl>
+                                          </p:spTgt>
+                                        </p:tgtEl>
+                                        <p:attrNameLst>
+                                          <p:attrName>style.visibility</p:attrName>
+                                        </p:attrNameLst>
+                                      </p:cBhvr>
+                                      <p:to>
+                                        <p:strVal val="visible"/>
+                                      </p:to>
+                                    </p:set>
+                                  </p:childTnLst>
+                                </p:cTn>
+                              </p:par>
+                            </p:childTnLst>
+                          </p:cTn>
+                        </p:par>
+                      </p:childTnLst>
+                    </p:cTn>
+                  </p:par>
+                </p:childTnLst>
+              </p:cTn>
+              <p:prevCondLst>
+                <p:cond evt="onPrev" delay="0">
+                  <p:tgtEl>
+                    <p:sldTgt/>
+                  </p:tgtEl>
+                </p:cond>
+              </p:prevCondLst>
+              <p:nextCondLst>
+                <p:cond evt="onNext" delay="0">
+                  <p:tgtEl>
+                    <p:sldTgt/>
+                  </p:tgtEl>
+                </p:cond>
+              </p:nextCondLst>
+            </p:seq>
+          </p:childTnLst>
+        </p:cTn>
+      </p:par>
+    </p:tnLst>
+    <p:bldLst>
+      <p:bldP spid="3" grpId="0" build="p"/>
+    </p:bldLst>
+  </p:timing>
+</p:sld>
+</file>
+
+<file path=ppt/slides/slide2.xml><?xml version="1.0" encoding="utf-8"?>
+<p:sld xmlns:a="http://schemas.openxmlformats.org/drawingml/2006/main" xmlns:r="http://schemas.openxmlformats.org/officeDocument/2006/relationships" xmlns:p="http://schemas.openxmlformats.org/presentationml/2006/main">
+  <p:cSld>
+    <p:spTree>
+      <p:nvGrpSpPr>
+        <p:cNvPr id="1" name=""/>
+        <p:cNvGrpSpPr/>
+        <p:nvPr/>
+      </p:nvGrpSpPr>
+      <p:grpSpPr>
+        <a:xfrm>
+          <a:off x="0" y="0"/>
+          <a:ext cx="0" cy="0"/>
+          <a:chOff x="0" y="0"/>
+          <a:chExt cx="0" cy="0"/>
+        </a:xfrm>
+      </p:grpSpPr>
+      <p:sp>
+        <p:nvSpPr>
+          <p:cNvPr id="2" name="Title 1">
+            <a:extLst>
+              <a:ext uri="{FF2B5EF4-FFF2-40B4-BE49-F238E27FC236}">
+                <a16:creationId xmlns:a16="http://schemas.microsoft.com/office/drawing/2014/main" id="{9398AFCC-3409-4D1F-A6F5-215236764F11}"/>
+              </a:ext>
+            </a:extLst>
+          </p:cNvPr>
+          <p:cNvSpPr>
+            <a:spLocks noGrp="1"/>
+          </p:cNvSpPr>
+          <p:nvPr>
+            <p:ph type="title"/>
+          </p:nvPr>
+        </p:nvSpPr>
+        <p:spPr/>
+        <p:txBody>
+          <a:bodyPr/>
+          <a:lstStyle/>
+          <a:p>
+            <a:r>
+              <a:rPr lang="en-GB" dirty="0"/>
+              <a:t>Timeline</a:t>
+            </a:r>
+          </a:p>
+        </p:txBody>
+      </p:sp>
+      <p:pic>
+        <p:nvPicPr>
+          <p:cNvPr id="5" name="Picture 4">
+            <a:extLst>
+              <a:ext uri="{FF2B5EF4-FFF2-40B4-BE49-F238E27FC236}">
+                <a16:creationId xmlns:a16="http://schemas.microsoft.com/office/drawing/2014/main" id="{3975E034-4A64-4FA2-B0E1-2A225B584936}"/>
+              </a:ext>
+              <a:ext uri="{C183D7F6-B498-43B3-948B-1728B52AA6E4}">
+                <adec:decorative xmlns:adec="http://schemas.microsoft.com/office/drawing/2017/decorative" val="1"/>
+              </a:ext>
+            </a:extLst>
+          </p:cNvPr>
+          <p:cNvPicPr>
+            <a:picLocks noChangeAspect="1"/>
+          </p:cNvPicPr>
+          <p:nvPr/>
+        </p:nvPicPr>
+        <p:blipFill>
+          <a:blip r:embed="rId2"/>
+          <a:stretch>
+            <a:fillRect/>
+          </a:stretch>
+        </p:blipFill>
+        <p:spPr>
+          <a:xfrm>
+            <a:off x="3973551" y="1328394"/>
+            <a:ext cx="5939884" cy="4424718"/>
+          </a:xfrm>
+          <a:prstGeom prst="rect">
+            <a:avLst/>
+          </a:prstGeom>
+        </p:spPr>
+      </p:pic>
+      <p:sp>
+        <p:nvSpPr>
+          <p:cNvPr id="3" name="Oval 2">
+            <a:extLst>
+              <a:ext uri="{FF2B5EF4-FFF2-40B4-BE49-F238E27FC236}">
+                <a16:creationId xmlns:a16="http://schemas.microsoft.com/office/drawing/2014/main" id="{317F2280-F2F7-4EA4-B812-7C59DEA3021C}"/>
+              </a:ext>
+              <a:ext uri="{C183D7F6-B498-43B3-948B-1728B52AA6E4}">
+                <adec:decorative xmlns:adec="http://schemas.microsoft.com/office/drawing/2017/decorative" val="1"/>
+              </a:ext>
+            </a:extLst>
+          </p:cNvPr>
+          <p:cNvSpPr/>
+          <p:nvPr/>
+        </p:nvSpPr>
+        <p:spPr>
+          <a:xfrm>
+            <a:off x="4047004" y="4050802"/>
+            <a:ext cx="5077118" cy="908824"/>
+          </a:xfrm>
+          <a:prstGeom prst="ellipse">
+            <a:avLst/>
+          </a:prstGeom>
+          <a:noFill/>
+          <a:ln w="57150">
+            <a:solidFill>
+              <a:srgbClr val="FF0000"/>
+            </a:solidFill>
+          </a:ln>
+        </p:spPr>
+        <p:style>
+          <a:lnRef idx="2">
+            <a:schemeClr val="accent1">
+              <a:shade val="50000"/>
+            </a:schemeClr>
+          </a:lnRef>
+          <a:fillRef idx="1">
+            <a:schemeClr val="accent1"/>
+          </a:fillRef>
+          <a:effectRef idx="0">
+            <a:schemeClr val="accent1"/>
+          </a:effectRef>
+          <a:fontRef idx="minor">
+            <a:schemeClr val="lt1"/>
+          </a:fontRef>
+        </p:style>
+        <p:txBody>
+          <a:bodyPr rtlCol="0" anchor="ctr"/>
+          <a:lstStyle/>
+          <a:p>
+            <a:pPr algn="ctr"/>
+            <a:endParaRPr lang="en-GB"/>
+          </a:p>
+        </p:txBody>
+      </p:sp>
+      <p:grpSp>
+        <p:nvGrpSpPr>
+          <p:cNvPr id="8" name="Group 7">
+            <a:extLst>
+              <a:ext uri="{FF2B5EF4-FFF2-40B4-BE49-F238E27FC236}">
+                <a16:creationId xmlns:a16="http://schemas.microsoft.com/office/drawing/2014/main" id="{3DC1ABD7-9DFF-463E-87AC-0F3E2899B8F3}"/>
+              </a:ext>
+            </a:extLst>
+          </p:cNvPr>
+          <p:cNvGrpSpPr/>
+          <p:nvPr/>
+        </p:nvGrpSpPr>
+        <p:grpSpPr>
+          <a:xfrm>
+            <a:off x="2278565" y="1899437"/>
+            <a:ext cx="8229600" cy="2216433"/>
+            <a:chOff x="2278565" y="1899437"/>
+            <a:chExt cx="8229600" cy="2216433"/>
+          </a:xfrm>
+        </p:grpSpPr>
+        <p:sp>
+          <p:nvSpPr>
+            <p:cNvPr id="4" name="Multiplication Sign 3">
+              <a:extLst>
+                <a:ext uri="{FF2B5EF4-FFF2-40B4-BE49-F238E27FC236}">
+                  <a16:creationId xmlns:a16="http://schemas.microsoft.com/office/drawing/2014/main" id="{EA35AD3D-FC09-4B9A-8DFB-7F202A6B0507}"/>
+                </a:ext>
+              </a:extLst>
+            </p:cNvPr>
+            <p:cNvSpPr/>
+            <p:nvPr/>
+          </p:nvSpPr>
+          <p:spPr>
+            <a:xfrm>
+              <a:off x="2278565" y="1899437"/>
+              <a:ext cx="8229600" cy="735496"/>
+            </a:xfrm>
+            <a:prstGeom prst="mathMultiply">
+              <a:avLst>
+                <a:gd name="adj1" fmla="val 11358"/>
+              </a:avLst>
+            </a:prstGeom>
+            <a:solidFill>
+              <a:schemeClr val="accent2">
+                <a:lumMod val="75000"/>
+              </a:schemeClr>
+            </a:solidFill>
+            <a:ln>
+              <a:noFill/>
+            </a:ln>
+          </p:spPr>
+          <p:style>
+            <a:lnRef idx="2">
+              <a:schemeClr val="accent1">
+                <a:shade val="50000"/>
+              </a:schemeClr>
+            </a:lnRef>
+            <a:fillRef idx="1">
+              <a:schemeClr val="accent1"/>
+            </a:fillRef>
+            <a:effectRef idx="0">
+              <a:schemeClr val="accent1"/>
+            </a:effectRef>
+            <a:fontRef idx="minor">
+              <a:schemeClr val="lt1"/>
+            </a:fontRef>
+          </p:style>
+          <p:txBody>
+            <a:bodyPr rtlCol="0" anchor="ctr"/>
+            <a:lstStyle/>
+            <a:p>
+              <a:pPr algn="ctr"/>
+              <a:endParaRPr lang="en-GB"/>
+            </a:p>
+          </p:txBody>
+        </p:sp>
+        <p:sp>
+          <p:nvSpPr>
+            <p:cNvPr id="6" name="Multiplication Sign 5">
+              <a:extLst>
+                <a:ext uri="{FF2B5EF4-FFF2-40B4-BE49-F238E27FC236}">
+                  <a16:creationId xmlns:a16="http://schemas.microsoft.com/office/drawing/2014/main" id="{DF15E6AC-311C-4EE5-BDB3-07A882A785AA}"/>
+                </a:ext>
+              </a:extLst>
+            </p:cNvPr>
+            <p:cNvSpPr/>
+            <p:nvPr/>
+          </p:nvSpPr>
+          <p:spPr>
+            <a:xfrm>
+              <a:off x="2278565" y="3380374"/>
+              <a:ext cx="8229600" cy="735496"/>
+            </a:xfrm>
+            <a:prstGeom prst="mathMultiply">
+              <a:avLst>
+                <a:gd name="adj1" fmla="val 11358"/>
+              </a:avLst>
+            </a:prstGeom>
+            <a:solidFill>
+              <a:schemeClr val="accent2">
+                <a:lumMod val="75000"/>
+              </a:schemeClr>
+            </a:solidFill>
+            <a:ln>
+              <a:noFill/>
+            </a:ln>
+          </p:spPr>
+          <p:style>
+            <a:lnRef idx="2">
+              <a:schemeClr val="accent1">
+                <a:shade val="50000"/>
+              </a:schemeClr>
+            </a:lnRef>
+            <a:fillRef idx="1">
+              <a:schemeClr val="accent1"/>
+            </a:fillRef>
+            <a:effectRef idx="0">
+              <a:schemeClr val="accent1"/>
+            </a:effectRef>
+            <a:fontRef idx="minor">
+              <a:schemeClr val="lt1"/>
+            </a:fontRef>
+          </p:style>
+          <p:txBody>
+            <a:bodyPr rtlCol="0" anchor="ctr"/>
+            <a:lstStyle/>
+            <a:p>
+              <a:pPr algn="ctr"/>
+              <a:endParaRPr lang="en-GB"/>
+            </a:p>
+          </p:txBody>
+        </p:sp>
+        <p:sp>
+          <p:nvSpPr>
+            <p:cNvPr id="7" name="Multiplication Sign 6">
+              <a:extLst>
+                <a:ext uri="{FF2B5EF4-FFF2-40B4-BE49-F238E27FC236}">
+                  <a16:creationId xmlns:a16="http://schemas.microsoft.com/office/drawing/2014/main" id="{A57F07A2-84D8-4045-A380-98CCC8F6C04D}"/>
+                </a:ext>
+              </a:extLst>
+            </p:cNvPr>
+            <p:cNvSpPr/>
+            <p:nvPr/>
+          </p:nvSpPr>
+          <p:spPr>
+            <a:xfrm>
+              <a:off x="2278565" y="2663928"/>
+              <a:ext cx="8229600" cy="735496"/>
+            </a:xfrm>
+            <a:prstGeom prst="mathMultiply">
+              <a:avLst>
+                <a:gd name="adj1" fmla="val 11358"/>
+              </a:avLst>
+            </a:prstGeom>
+            <a:solidFill>
+              <a:schemeClr val="accent2">
+                <a:lumMod val="75000"/>
+              </a:schemeClr>
+            </a:solidFill>
+            <a:ln>
+              <a:noFill/>
+            </a:ln>
+          </p:spPr>
+          <p:style>
+            <a:lnRef idx="2">
+              <a:schemeClr val="accent1">
+                <a:shade val="50000"/>
+              </a:schemeClr>
+            </a:lnRef>
+            <a:fillRef idx="1">
+              <a:schemeClr val="accent1"/>
+            </a:fillRef>
+            <a:effectRef idx="0">
+              <a:schemeClr val="accent1"/>
+            </a:effectRef>
+            <a:fontRef idx="minor">
+              <a:schemeClr val="lt1"/>
+            </a:fontRef>
+          </p:style>
+          <p:txBody>
+            <a:bodyPr rtlCol="0" anchor="ctr"/>
+            <a:lstStyle/>
+            <a:p>
+              <a:pPr algn="ctr"/>
+              <a:endParaRPr lang="en-GB" dirty="0"/>
+            </a:p>
+          </p:txBody>
+        </p:sp>
+      </p:grpSp>
+    </p:spTree>
+    <p:extLst>
+      <p:ext uri="{BB962C8B-B14F-4D97-AF65-F5344CB8AC3E}">
+        <p14:creationId xmlns:p14="http://schemas.microsoft.com/office/powerpoint/2010/main" val="468880579"/>
+      </p:ext>
+    </p:extLst>
+  </p:cSld>
+  <p:clrMapOvr>
+    <a:masterClrMapping/>
+  </p:clrMapOvr>
+  <p:timing>
+    <p:tnLst>
+      <p:par>
+        <p:cTn id="1" dur="indefinite" restart="never" nodeType="tmRoot">
+          <p:childTnLst>
+            <p:seq concurrent="1" nextAc="seek">
+              <p:cTn id="2" dur="indefinite" nodeType="mainSeq">
+                <p:childTnLst>
+                  <p:par>
+                    <p:cTn id="3" fill="hold">
+                      <p:stCondLst>
+                        <p:cond delay="indefinite"/>
+                      </p:stCondLst>
+                      <p:childTnLst>
+                        <p:par>
+                          <p:cTn id="4" fill="hold">
+                            <p:stCondLst>
+                              <p:cond delay="0"/>
+                            </p:stCondLst>
+                            <p:childTnLst>
+                              <p:par>
+                                <p:cTn id="5" presetID="10" presetClass="entr" presetSubtype="0" fill="hold" nodeType="clickEffect">
+                                  <p:stCondLst>
+                                    <p:cond delay="0"/>
+                                  </p:stCondLst>
+                                  <p:childTnLst>
+                                    <p:set>
+                                      <p:cBhvr>
+                                        <p:cTn id="6" dur="1" fill="hold">
+                                          <p:stCondLst>
+                                            <p:cond delay="0"/>
+                                          </p:stCondLst>
+                                        </p:cTn>
+                                        <p:tgtEl>
+                                          <p:spTgt spid="8"/>
+                                        </p:tgtEl>
+                                        <p:attrNameLst>
+                                          <p:attrName>style.visibility</p:attrName>
+                                        </p:attrNameLst>
+                                      </p:cBhvr>
+                                      <p:to>
+                                        <p:strVal val="visible"/>
+                                      </p:to>
+                                    </p:set>
+                                    <p:animEffect transition="in" filter="fade">
+                                      <p:cBhvr>
+                                        <p:cTn id="7" dur="500"/>
+                                        <p:tgtEl>
+                                          <p:spTgt spid="8"/>
+                                        </p:tgtEl>
+                                      </p:cBhvr>
+                                    </p:animEffect>
+                                  </p:childTnLst>
+                                </p:cTn>
+                              </p:par>
+                            </p:childTnLst>
+                          </p:cTn>
+                        </p:par>
+                      </p:childTnLst>
+                    </p:cTn>
+                  </p:par>
+                  <p:par>
+                    <p:cTn id="8" fill="hold">
+                      <p:stCondLst>
+                        <p:cond delay="indefinite"/>
+                      </p:stCondLst>
+                      <p:childTnLst>
+                        <p:par>
+                          <p:cTn id="9" fill="hold">
+                            <p:stCondLst>
+                              <p:cond delay="0"/>
+                            </p:stCondLst>
+                            <p:childTnLst>
+                              <p:par>
+                                <p:cTn id="10" presetID="22" presetClass="entr" presetSubtype="4" fill="hold" grpId="0" nodeType="clickEffect">
+                                  <p:stCondLst>
+                                    <p:cond delay="0"/>
+                                  </p:stCondLst>
+                                  <p:childTnLst>
+                                    <p:set>
+                                      <p:cBhvr>
+                                        <p:cTn id="11" dur="1" fill="hold">
+                                          <p:stCondLst>
+                                            <p:cond delay="0"/>
+                                          </p:stCondLst>
+                                        </p:cTn>
+                                        <p:tgtEl>
+                                          <p:spTgt spid="3"/>
+                                        </p:tgtEl>
+                                        <p:attrNameLst>
+                                          <p:attrName>style.visibility</p:attrName>
+                                        </p:attrNameLst>
+                                      </p:cBhvr>
+                                      <p:to>
+                                        <p:strVal val="visible"/>
+                                      </p:to>
+                                    </p:set>
+                                    <p:animEffect transition="in" filter="wipe(down)">
+                                      <p:cBhvr>
+                                        <p:cTn id="12" dur="500"/>
+                                        <p:tgtEl>
+                                          <p:spTgt spid="3"/>
+                                        </p:tgtEl>
+                                      </p:cBhvr>
+                                    </p:animEffect>
+                                  </p:childTnLst>
+                                </p:cTn>
+                              </p:par>
+                            </p:childTnLst>
+                          </p:cTn>
+                        </p:par>
+                      </p:childTnLst>
+                    </p:cTn>
+                  </p:par>
+                </p:childTnLst>
+              </p:cTn>
+              <p:prevCondLst>
+                <p:cond evt="onPrev" delay="0">
+                  <p:tgtEl>
+                    <p:sldTgt/>
+                  </p:tgtEl>
+                </p:cond>
+              </p:prevCondLst>
+              <p:nextCondLst>
+                <p:cond evt="onNext" delay="0">
+                  <p:tgtEl>
+                    <p:sldTgt/>
+                  </p:tgtEl>
+                </p:cond>
+              </p:nextCondLst>
+            </p:seq>
+          </p:childTnLst>
+        </p:cTn>
+      </p:par>
+    </p:tnLst>
+    <p:bldLst>
+      <p:bldP spid="3" grpId="0" animBg="1"/>
     </p:bldLst>
   </p:timing>
 </p:sld>
 </file>
 
 <file path=ppt/slides/slide3.xml><?xml version="1.0" encoding="utf-8"?>
+<p:sld xmlns:a="http://schemas.openxmlformats.org/drawingml/2006/main" xmlns:r="http://schemas.openxmlformats.org/officeDocument/2006/relationships" xmlns:p="http://schemas.openxmlformats.org/presentationml/2006/main">
+  <p:cSld>
+    <p:spTree>
+      <p:nvGrpSpPr>
+        <p:cNvPr id="1" name=""/>
+        <p:cNvGrpSpPr/>
+        <p:nvPr/>
+      </p:nvGrpSpPr>
+      <p:grpSpPr>
+        <a:xfrm>
+          <a:off x="0" y="0"/>
+          <a:ext cx="0" cy="0"/>
+          <a:chOff x="0" y="0"/>
+          <a:chExt cx="0" cy="0"/>
+        </a:xfrm>
+      </p:grpSpPr>
+      <p:sp>
+        <p:nvSpPr>
+          <p:cNvPr id="2" name="Title 1">
+            <a:extLst>
+              <a:ext uri="{FF2B5EF4-FFF2-40B4-BE49-F238E27FC236}">
+                <a16:creationId xmlns:a16="http://schemas.microsoft.com/office/drawing/2014/main" id="{B35A959A-1DC3-4FDD-858A-75E2061C5973}"/>
+              </a:ext>
+            </a:extLst>
+          </p:cNvPr>
+          <p:cNvSpPr>
+            <a:spLocks noGrp="1"/>
+          </p:cNvSpPr>
+          <p:nvPr>
+            <p:ph type="title"/>
+          </p:nvPr>
+        </p:nvSpPr>
+        <p:spPr/>
+        <p:txBody>
+          <a:bodyPr/>
+          <a:lstStyle/>
+          <a:p>
+            <a:r>
+              <a:rPr lang="en-GB" dirty="0"/>
+              <a:t>Essential Information</a:t>
+            </a:r>
+          </a:p>
+        </p:txBody>
+      </p:sp>
+      <p:sp>
+        <p:nvSpPr>
+          <p:cNvPr id="3" name="Content Placeholder 2">
+            <a:extLst>
+              <a:ext uri="{FF2B5EF4-FFF2-40B4-BE49-F238E27FC236}">
+                <a16:creationId xmlns:a16="http://schemas.microsoft.com/office/drawing/2014/main" id="{448B143A-4956-462F-B4A5-D8F4026EA60F}"/>
+              </a:ext>
+            </a:extLst>
+          </p:cNvPr>
+          <p:cNvSpPr>
+            <a:spLocks noGrp="1"/>
+          </p:cNvSpPr>
+          <p:nvPr>
+            <p:ph idx="1"/>
+          </p:nvPr>
+        </p:nvSpPr>
+        <p:spPr/>
+        <p:txBody>
+          <a:bodyPr>
+            <a:normAutofit fontScale="92500" lnSpcReduction="10000"/>
+          </a:bodyPr>
+          <a:lstStyle/>
+          <a:p>
+            <a:pPr marL="0" indent="0">
+              <a:buNone/>
+            </a:pPr>
+            <a:r>
+              <a:rPr lang="en-GB" sz="2800" dirty="0"/>
+              <a:t>A portfolio should contain at least the following sections:</a:t>
+            </a:r>
+          </a:p>
+          <a:p>
+            <a:r>
+              <a:rPr lang="en-GB" sz="2800" b="1" dirty="0">
+                <a:solidFill>
+                  <a:schemeClr val="accent3">
+                    <a:lumMod val="75000"/>
+                  </a:schemeClr>
+                </a:solidFill>
+              </a:rPr>
+              <a:t>About</a:t>
+            </a:r>
+            <a:r>
+              <a:rPr lang="en-GB" sz="2800" dirty="0"/>
+              <a:t> – who are you/where you are now/where you’d like to be</a:t>
+            </a:r>
+          </a:p>
+          <a:p>
+            <a:r>
+              <a:rPr lang="en-GB" sz="2800" b="1" dirty="0">
+                <a:solidFill>
+                  <a:schemeClr val="accent3">
+                    <a:lumMod val="75000"/>
+                  </a:schemeClr>
+                </a:solidFill>
+              </a:rPr>
+              <a:t>Projects</a:t>
+            </a:r>
+            <a:r>
+              <a:rPr lang="en-GB" sz="2800" dirty="0"/>
+              <a:t> – what you’ve done, including </a:t>
+            </a:r>
+            <a:r>
+              <a:rPr lang="en-GB" sz="2800" dirty="0">
+                <a:solidFill>
+                  <a:schemeClr val="accent2">
+                    <a:lumMod val="75000"/>
+                  </a:schemeClr>
+                </a:solidFill>
+              </a:rPr>
+              <a:t>how</a:t>
+            </a:r>
+            <a:r>
+              <a:rPr lang="en-GB" sz="2800" dirty="0"/>
+              <a:t> and </a:t>
+            </a:r>
+            <a:r>
+              <a:rPr lang="en-GB" sz="2800" dirty="0">
+                <a:solidFill>
+                  <a:schemeClr val="accent2">
+                    <a:lumMod val="75000"/>
+                  </a:schemeClr>
+                </a:solidFill>
+              </a:rPr>
+              <a:t>why</a:t>
+            </a:r>
+          </a:p>
+          <a:p>
+            <a:pPr lvl="1"/>
+            <a:r>
+              <a:rPr lang="en-GB" sz="2400" dirty="0"/>
+              <a:t>Include pictures, videos, descriptions, demos – and possibly </a:t>
+            </a:r>
+            <a:r>
+              <a:rPr lang="en-GB" sz="2400" dirty="0">
+                <a:solidFill>
+                  <a:schemeClr val="accent3">
+                    <a:lumMod val="75000"/>
+                  </a:schemeClr>
+                </a:solidFill>
+              </a:rPr>
+              <a:t>reasoned arguments</a:t>
+            </a:r>
+            <a:r>
+              <a:rPr lang="en-GB" sz="2400" i="1" dirty="0"/>
+              <a:t>…</a:t>
+            </a:r>
+            <a:endParaRPr lang="en-GB" sz="2400" i="1" u="sng" dirty="0"/>
+          </a:p>
+          <a:p>
+            <a:r>
+              <a:rPr lang="en-GB" sz="2800" b="1" dirty="0">
+                <a:solidFill>
+                  <a:schemeClr val="accent3">
+                    <a:lumMod val="75000"/>
+                  </a:schemeClr>
+                </a:solidFill>
+              </a:rPr>
+              <a:t>Contact</a:t>
+            </a:r>
+            <a:r>
+              <a:rPr lang="en-GB" sz="2800" i="1" dirty="0"/>
+              <a:t> – </a:t>
+            </a:r>
+            <a:r>
+              <a:rPr lang="en-GB" sz="2800" dirty="0"/>
+              <a:t>details for getting in touch with you (email/contact form – NB beware spammers)</a:t>
+            </a:r>
+          </a:p>
+          <a:p>
+            <a:pPr lvl="1"/>
+            <a:r>
+              <a:rPr lang="en-GB" sz="2400" dirty="0"/>
+              <a:t>Links to your profiles on </a:t>
+            </a:r>
+            <a:r>
+              <a:rPr lang="en-GB" sz="2400" dirty="0">
+                <a:solidFill>
+                  <a:schemeClr val="accent3">
+                    <a:lumMod val="75000"/>
+                  </a:schemeClr>
+                </a:solidFill>
+              </a:rPr>
+              <a:t>LinkedIn</a:t>
+            </a:r>
+            <a:r>
+              <a:rPr lang="en-GB" sz="2400" dirty="0"/>
+              <a:t> and </a:t>
+            </a:r>
+            <a:r>
+              <a:rPr lang="en-GB" sz="2400" dirty="0">
+                <a:solidFill>
+                  <a:schemeClr val="accent3">
+                    <a:lumMod val="75000"/>
+                  </a:schemeClr>
+                </a:solidFill>
+              </a:rPr>
+              <a:t>GitHub</a:t>
+            </a:r>
+          </a:p>
+        </p:txBody>
+      </p:sp>
+      <p:sp>
+        <p:nvSpPr>
+          <p:cNvPr id="4" name="Speech Bubble: Rectangle 3">
+            <a:extLst>
+              <a:ext uri="{FF2B5EF4-FFF2-40B4-BE49-F238E27FC236}">
+                <a16:creationId xmlns:a16="http://schemas.microsoft.com/office/drawing/2014/main" id="{158C7283-315D-425F-8D04-77DBC1015E06}"/>
+              </a:ext>
+            </a:extLst>
+          </p:cNvPr>
+          <p:cNvSpPr/>
+          <p:nvPr/>
+        </p:nvSpPr>
+        <p:spPr>
+          <a:xfrm>
+            <a:off x="9942785" y="3080261"/>
+            <a:ext cx="1631639" cy="545808"/>
+          </a:xfrm>
+          <a:prstGeom prst="wedgeRectCallout">
+            <a:avLst>
+              <a:gd name="adj1" fmla="val -76464"/>
+              <a:gd name="adj2" fmla="val -54369"/>
+            </a:avLst>
+          </a:prstGeom>
+          <a:solidFill>
+            <a:schemeClr val="accent1">
+              <a:lumMod val="60000"/>
+              <a:lumOff val="40000"/>
+            </a:schemeClr>
+          </a:solidFill>
+        </p:spPr>
+        <p:style>
+          <a:lnRef idx="2">
+            <a:schemeClr val="accent1">
+              <a:shade val="50000"/>
+            </a:schemeClr>
+          </a:lnRef>
+          <a:fillRef idx="1">
+            <a:schemeClr val="accent1"/>
+          </a:fillRef>
+          <a:effectRef idx="0">
+            <a:schemeClr val="accent1"/>
+          </a:effectRef>
+          <a:fontRef idx="minor">
+            <a:schemeClr val="lt1"/>
+          </a:fontRef>
+        </p:style>
+        <p:txBody>
+          <a:bodyPr rtlCol="0" anchor="ctr"/>
+          <a:lstStyle/>
+          <a:p>
+            <a:pPr algn="ctr"/>
+            <a:r>
+              <a:rPr lang="en-GB" sz="2400" dirty="0">
+                <a:solidFill>
+                  <a:schemeClr val="tx1">
+                    <a:lumMod val="75000"/>
+                    <a:lumOff val="25000"/>
+                  </a:schemeClr>
+                </a:solidFill>
+              </a:rPr>
+              <a:t>Your story</a:t>
+            </a:r>
+          </a:p>
+        </p:txBody>
+      </p:sp>
+    </p:spTree>
+    <p:extLst>
+      <p:ext uri="{BB962C8B-B14F-4D97-AF65-F5344CB8AC3E}">
+        <p14:creationId xmlns:p14="http://schemas.microsoft.com/office/powerpoint/2010/main" val="1251594313"/>
+      </p:ext>
+    </p:extLst>
+  </p:cSld>
+  <p:clrMapOvr>
+    <a:masterClrMapping/>
+  </p:clrMapOvr>
+  <p:timing>
+    <p:tnLst>
+      <p:par>
+        <p:cTn id="1" dur="indefinite" restart="never" nodeType="tmRoot">
+          <p:childTnLst>
+            <p:seq concurrent="1" nextAc="seek">
+              <p:cTn id="2" dur="indefinite" nodeType="mainSeq">
+                <p:childTnLst>
+                  <p:par>
+                    <p:cTn id="3" fill="hold">
+                      <p:stCondLst>
+                        <p:cond delay="indefinite"/>
+                      </p:stCondLst>
+                      <p:childTnLst>
+                        <p:par>
+                          <p:cTn id="4" fill="hold">
+                            <p:stCondLst>
+                              <p:cond delay="0"/>
+                            </p:stCondLst>
+                            <p:childTnLst>
+                              <p:par>
+                                <p:cTn id="5" presetID="10" presetClass="entr" presetSubtype="0" fill="hold" grpId="0" nodeType="clickEffect">
+                                  <p:stCondLst>
+                                    <p:cond delay="0"/>
+                                  </p:stCondLst>
+                                  <p:childTnLst>
+                                    <p:set>
+                                      <p:cBhvr>
+                                        <p:cTn id="6" dur="1" fill="hold">
+                                          <p:stCondLst>
+                                            <p:cond delay="0"/>
+                                          </p:stCondLst>
+                                        </p:cTn>
+                                        <p:tgtEl>
+                                          <p:spTgt spid="3">
+                                            <p:txEl>
+                                              <p:pRg st="0" end="0"/>
+                                            </p:txEl>
+                                          </p:spTgt>
+                                        </p:tgtEl>
+                                        <p:attrNameLst>
+                                          <p:attrName>style.visibility</p:attrName>
+                                        </p:attrNameLst>
+                                      </p:cBhvr>
+                                      <p:to>
+                                        <p:strVal val="visible"/>
+                                      </p:to>
+                                    </p:set>
+                                    <p:animEffect transition="in" filter="fade">
+                                      <p:cBhvr>
+                                        <p:cTn id="7" dur="500"/>
+                                        <p:tgtEl>
+                                          <p:spTgt spid="3">
+                                            <p:txEl>
+                                              <p:pRg st="0" end="0"/>
+                                            </p:txEl>
+                                          </p:spTgt>
+                                        </p:tgtEl>
+                                      </p:cBhvr>
+                                    </p:animEffect>
+                                  </p:childTnLst>
+                                </p:cTn>
+                              </p:par>
+                            </p:childTnLst>
+                          </p:cTn>
+                        </p:par>
+                      </p:childTnLst>
+                    </p:cTn>
+                  </p:par>
+                  <p:par>
+                    <p:cTn id="8" fill="hold">
+                      <p:stCondLst>
+                        <p:cond delay="indefinite"/>
+                      </p:stCondLst>
+                      <p:childTnLst>
+                        <p:par>
+                          <p:cTn id="9" fill="hold">
+                            <p:stCondLst>
+                              <p:cond delay="0"/>
+                            </p:stCondLst>
+                            <p:childTnLst>
+                              <p:par>
+                                <p:cTn id="10" presetID="10" presetClass="entr" presetSubtype="0" fill="hold" grpId="0" nodeType="clickEffect">
+                                  <p:stCondLst>
+                                    <p:cond delay="0"/>
+                                  </p:stCondLst>
+                                  <p:childTnLst>
+                                    <p:set>
+                                      <p:cBhvr>
+                                        <p:cTn id="11" dur="1" fill="hold">
+                                          <p:stCondLst>
+                                            <p:cond delay="0"/>
+                                          </p:stCondLst>
+                                        </p:cTn>
+                                        <p:tgtEl>
+                                          <p:spTgt spid="3">
+                                            <p:txEl>
+                                              <p:pRg st="1" end="1"/>
+                                            </p:txEl>
+                                          </p:spTgt>
+                                        </p:tgtEl>
+                                        <p:attrNameLst>
+                                          <p:attrName>style.visibility</p:attrName>
+                                        </p:attrNameLst>
+                                      </p:cBhvr>
+                                      <p:to>
+                                        <p:strVal val="visible"/>
+                                      </p:to>
+                                    </p:set>
+                                    <p:animEffect transition="in" filter="fade">
+                                      <p:cBhvr>
+                                        <p:cTn id="12" dur="500"/>
+                                        <p:tgtEl>
+                                          <p:spTgt spid="3">
+                                            <p:txEl>
+                                              <p:pRg st="1" end="1"/>
+                                            </p:txEl>
+                                          </p:spTgt>
+                                        </p:tgtEl>
+                                      </p:cBhvr>
+                                    </p:animEffect>
+                                  </p:childTnLst>
+                                </p:cTn>
+                              </p:par>
+                            </p:childTnLst>
+                          </p:cTn>
+                        </p:par>
+                      </p:childTnLst>
+                    </p:cTn>
+                  </p:par>
+                  <p:par>
+                    <p:cTn id="13" fill="hold">
+                      <p:stCondLst>
+                        <p:cond delay="indefinite"/>
+                      </p:stCondLst>
+                      <p:childTnLst>
+                        <p:par>
+                          <p:cTn id="14" fill="hold">
+                            <p:stCondLst>
+                              <p:cond delay="0"/>
+                            </p:stCondLst>
+                            <p:childTnLst>
+                              <p:par>
+                                <p:cTn id="15" presetID="10" presetClass="entr" presetSubtype="0" fill="hold" grpId="0" nodeType="clickEffect">
+                                  <p:stCondLst>
+                                    <p:cond delay="0"/>
+                                  </p:stCondLst>
+                                  <p:childTnLst>
+                                    <p:set>
+                                      <p:cBhvr>
+                                        <p:cTn id="16" dur="1" fill="hold">
+                                          <p:stCondLst>
+                                            <p:cond delay="0"/>
+                                          </p:stCondLst>
+                                        </p:cTn>
+                                        <p:tgtEl>
+                                          <p:spTgt spid="4"/>
+                                        </p:tgtEl>
+                                        <p:attrNameLst>
+                                          <p:attrName>style.visibility</p:attrName>
+                                        </p:attrNameLst>
+                                      </p:cBhvr>
+                                      <p:to>
+                                        <p:strVal val="visible"/>
+                                      </p:to>
+                                    </p:set>
+                                    <p:animEffect transition="in" filter="fade">
+                                      <p:cBhvr>
+                                        <p:cTn id="17" dur="500"/>
+                                        <p:tgtEl>
+                                          <p:spTgt spid="4"/>
+                                        </p:tgtEl>
+                                      </p:cBhvr>
+                                    </p:animEffect>
+                                  </p:childTnLst>
+                                </p:cTn>
+                              </p:par>
+                            </p:childTnLst>
+                          </p:cTn>
+                        </p:par>
+                      </p:childTnLst>
+                    </p:cTn>
+                  </p:par>
+                  <p:par>
+                    <p:cTn id="18" fill="hold">
+                      <p:stCondLst>
+                        <p:cond delay="indefinite"/>
+                      </p:stCondLst>
+                      <p:childTnLst>
+                        <p:par>
+                          <p:cTn id="19" fill="hold">
+                            <p:stCondLst>
+                              <p:cond delay="0"/>
+                            </p:stCondLst>
+                            <p:childTnLst>
+                              <p:par>
+                                <p:cTn id="20" presetID="10" presetClass="entr" presetSubtype="0" fill="hold" grpId="0" nodeType="clickEffect">
+                                  <p:stCondLst>
+                                    <p:cond delay="0"/>
+                                  </p:stCondLst>
+                                  <p:childTnLst>
+                                    <p:set>
+                                      <p:cBhvr>
+                                        <p:cTn id="21" dur="1" fill="hold">
+                                          <p:stCondLst>
+                                            <p:cond delay="0"/>
+                                          </p:stCondLst>
+                                        </p:cTn>
+                                        <p:tgtEl>
+                                          <p:spTgt spid="3">
+                                            <p:txEl>
+                                              <p:pRg st="2" end="2"/>
+                                            </p:txEl>
+                                          </p:spTgt>
+                                        </p:tgtEl>
+                                        <p:attrNameLst>
+                                          <p:attrName>style.visibility</p:attrName>
+                                        </p:attrNameLst>
+                                      </p:cBhvr>
+                                      <p:to>
+                                        <p:strVal val="visible"/>
+                                      </p:to>
+                                    </p:set>
+                                    <p:animEffect transition="in" filter="fade">
+                                      <p:cBhvr>
+                                        <p:cTn id="22" dur="500"/>
+                                        <p:tgtEl>
+                                          <p:spTgt spid="3">
+                                            <p:txEl>
+                                              <p:pRg st="2" end="2"/>
+                                            </p:txEl>
+                                          </p:spTgt>
+                                        </p:tgtEl>
+                                      </p:cBhvr>
+                                    </p:animEffect>
+                                  </p:childTnLst>
+                                </p:cTn>
+                              </p:par>
+                              <p:par>
+                                <p:cTn id="23" presetID="10" presetClass="entr" presetSubtype="0" fill="hold" grpId="0" nodeType="withEffect">
+                                  <p:stCondLst>
+                                    <p:cond delay="0"/>
+                                  </p:stCondLst>
+                                  <p:childTnLst>
+                                    <p:set>
+                                      <p:cBhvr>
+                                        <p:cTn id="24" dur="1" fill="hold">
+                                          <p:stCondLst>
+                                            <p:cond delay="0"/>
+                                          </p:stCondLst>
+                                        </p:cTn>
+                                        <p:tgtEl>
+                                          <p:spTgt spid="3">
+                                            <p:txEl>
+                                              <p:pRg st="3" end="3"/>
+                                            </p:txEl>
+                                          </p:spTgt>
+                                        </p:tgtEl>
+                                        <p:attrNameLst>
+                                          <p:attrName>style.visibility</p:attrName>
+                                        </p:attrNameLst>
+                                      </p:cBhvr>
+                                      <p:to>
+                                        <p:strVal val="visible"/>
+                                      </p:to>
+                                    </p:set>
+                                    <p:animEffect transition="in" filter="fade">
+                                      <p:cBhvr>
+                                        <p:cTn id="25" dur="500"/>
+                                        <p:tgtEl>
+                                          <p:spTgt spid="3">
+                                            <p:txEl>
+                                              <p:pRg st="3" end="3"/>
+                                            </p:txEl>
+                                          </p:spTgt>
+                                        </p:tgtEl>
+                                      </p:cBhvr>
+                                    </p:animEffect>
+                                  </p:childTnLst>
+                                </p:cTn>
+                              </p:par>
+                            </p:childTnLst>
+                          </p:cTn>
+                        </p:par>
+                      </p:childTnLst>
+                    </p:cTn>
+                  </p:par>
+                  <p:par>
+                    <p:cTn id="26" fill="hold">
+                      <p:stCondLst>
+                        <p:cond delay="indefinite"/>
+                      </p:stCondLst>
+                      <p:childTnLst>
+                        <p:par>
+                          <p:cTn id="27" fill="hold">
+                            <p:stCondLst>
+                              <p:cond delay="0"/>
+                            </p:stCondLst>
+                            <p:childTnLst>
+                              <p:par>
+                                <p:cTn id="28" presetID="10" presetClass="entr" presetSubtype="0" fill="hold" grpId="0" nodeType="clickEffect">
+                                  <p:stCondLst>
+                                    <p:cond delay="0"/>
+                                  </p:stCondLst>
+                                  <p:childTnLst>
+                                    <p:set>
+                                      <p:cBhvr>
+                                        <p:cTn id="29" dur="1" fill="hold">
+                                          <p:stCondLst>
+                                            <p:cond delay="0"/>
+                                          </p:stCondLst>
+                                        </p:cTn>
+                                        <p:tgtEl>
+                                          <p:spTgt spid="3">
+                                            <p:txEl>
+                                              <p:pRg st="4" end="4"/>
+                                            </p:txEl>
+                                          </p:spTgt>
+                                        </p:tgtEl>
+                                        <p:attrNameLst>
+                                          <p:attrName>style.visibility</p:attrName>
+                                        </p:attrNameLst>
+                                      </p:cBhvr>
+                                      <p:to>
+                                        <p:strVal val="visible"/>
+                                      </p:to>
+                                    </p:set>
+                                    <p:animEffect transition="in" filter="fade">
+                                      <p:cBhvr>
+                                        <p:cTn id="30" dur="500"/>
+                                        <p:tgtEl>
+                                          <p:spTgt spid="3">
+                                            <p:txEl>
+                                              <p:pRg st="4" end="4"/>
+                                            </p:txEl>
+                                          </p:spTgt>
+                                        </p:tgtEl>
+                                      </p:cBhvr>
+                                    </p:animEffect>
+                                  </p:childTnLst>
+                                </p:cTn>
+                              </p:par>
+                              <p:par>
+                                <p:cTn id="31" presetID="10" presetClass="entr" presetSubtype="0" fill="hold" grpId="0" nodeType="withEffect">
+                                  <p:stCondLst>
+                                    <p:cond delay="0"/>
+                                  </p:stCondLst>
+                                  <p:childTnLst>
+                                    <p:set>
+                                      <p:cBhvr>
+                                        <p:cTn id="32" dur="1" fill="hold">
+                                          <p:stCondLst>
+                                            <p:cond delay="0"/>
+                                          </p:stCondLst>
+                                        </p:cTn>
+                                        <p:tgtEl>
+                                          <p:spTgt spid="3">
+                                            <p:txEl>
+                                              <p:pRg st="5" end="5"/>
+                                            </p:txEl>
+                                          </p:spTgt>
+                                        </p:tgtEl>
+                                        <p:attrNameLst>
+                                          <p:attrName>style.visibility</p:attrName>
+                                        </p:attrNameLst>
+                                      </p:cBhvr>
+                                      <p:to>
+                                        <p:strVal val="visible"/>
+                                      </p:to>
+                                    </p:set>
+                                    <p:animEffect transition="in" filter="fade">
+                                      <p:cBhvr>
+                                        <p:cTn id="33" dur="500"/>
+                                        <p:tgtEl>
+                                          <p:spTgt spid="3">
+                                            <p:txEl>
+                                              <p:pRg st="5" end="5"/>
+                                            </p:txEl>
+                                          </p:spTgt>
+                                        </p:tgtEl>
+                                      </p:cBhvr>
+                                    </p:animEffect>
+                                  </p:childTnLst>
+                                </p:cTn>
+                              </p:par>
+                            </p:childTnLst>
+                          </p:cTn>
+                        </p:par>
+                      </p:childTnLst>
+                    </p:cTn>
+                  </p:par>
+                </p:childTnLst>
+              </p:cTn>
+              <p:prevCondLst>
+                <p:cond evt="onPrev" delay="0">
+                  <p:tgtEl>
+                    <p:sldTgt/>
+                  </p:tgtEl>
+                </p:cond>
+              </p:prevCondLst>
+              <p:nextCondLst>
+                <p:cond evt="onNext" delay="0">
+                  <p:tgtEl>
+                    <p:sldTgt/>
+                  </p:tgtEl>
+                </p:cond>
+              </p:nextCondLst>
+            </p:seq>
+          </p:childTnLst>
+        </p:cTn>
+      </p:par>
+    </p:tnLst>
+    <p:bldLst>
+      <p:bldP spid="3" grpId="0" uiExpand="1" build="p"/>
+      <p:bldP spid="4" grpId="0" animBg="1"/>
+    </p:bldLst>
+  </p:timing>
+</p:sld>
+</file>
+
+<file path=ppt/slides/slide4.xml><?xml version="1.0" encoding="utf-8"?>
+<p:sld xmlns:a="http://schemas.openxmlformats.org/drawingml/2006/main" xmlns:r="http://schemas.openxmlformats.org/officeDocument/2006/relationships" xmlns:p="http://schemas.openxmlformats.org/presentationml/2006/main">
+  <p:cSld>
+    <p:spTree>
+      <p:nvGrpSpPr>
+        <p:cNvPr id="1" name=""/>
+        <p:cNvGrpSpPr/>
+        <p:nvPr/>
+      </p:nvGrpSpPr>
+      <p:grpSpPr>
+        <a:xfrm>
+          <a:off x="0" y="0"/>
+          <a:ext cx="0" cy="0"/>
+          <a:chOff x="0" y="0"/>
+          <a:chExt cx="0" cy="0"/>
+        </a:xfrm>
+      </p:grpSpPr>
+      <p:sp>
+        <p:nvSpPr>
+          <p:cNvPr id="2" name="Title 1">
+            <a:extLst>
+              <a:ext uri="{FF2B5EF4-FFF2-40B4-BE49-F238E27FC236}">
+                <a16:creationId xmlns:a16="http://schemas.microsoft.com/office/drawing/2014/main" id="{D826518F-3E75-4D4F-ACDC-C07D21876CDF}"/>
+              </a:ext>
+            </a:extLst>
+          </p:cNvPr>
+          <p:cNvSpPr>
+            <a:spLocks noGrp="1"/>
+          </p:cNvSpPr>
+          <p:nvPr>
+            <p:ph type="title"/>
+          </p:nvPr>
+        </p:nvSpPr>
+        <p:spPr/>
+        <p:txBody>
+          <a:bodyPr/>
+          <a:lstStyle/>
+          <a:p>
+            <a:r>
+              <a:rPr lang="en-GB" dirty="0"/>
+              <a:t>Portfolio Structure</a:t>
+            </a:r>
+          </a:p>
+        </p:txBody>
+      </p:sp>
+      <p:sp>
+        <p:nvSpPr>
+          <p:cNvPr id="3" name="Content Placeholder 2">
+            <a:extLst>
+              <a:ext uri="{FF2B5EF4-FFF2-40B4-BE49-F238E27FC236}">
+                <a16:creationId xmlns:a16="http://schemas.microsoft.com/office/drawing/2014/main" id="{13E05760-A425-4DCB-B7C3-58AC96214D62}"/>
+              </a:ext>
+            </a:extLst>
+          </p:cNvPr>
+          <p:cNvSpPr>
+            <a:spLocks noGrp="1"/>
+          </p:cNvSpPr>
+          <p:nvPr>
+            <p:ph idx="1"/>
+          </p:nvPr>
+        </p:nvSpPr>
+        <p:spPr/>
+        <p:txBody>
+          <a:bodyPr/>
+          <a:lstStyle/>
+          <a:p>
+            <a:r>
+              <a:rPr lang="en-GB" dirty="0"/>
+              <a:t>(steal image from guild!)</a:t>
+            </a:r>
+          </a:p>
+        </p:txBody>
+      </p:sp>
+    </p:spTree>
+    <p:extLst>
+      <p:ext uri="{BB962C8B-B14F-4D97-AF65-F5344CB8AC3E}">
+        <p14:creationId xmlns:p14="http://schemas.microsoft.com/office/powerpoint/2010/main" val="3546780435"/>
+      </p:ext>
+    </p:extLst>
+  </p:cSld>
+  <p:clrMapOvr>
+    <a:masterClrMapping/>
+  </p:clrMapOvr>
+</p:sld>
+</file>
+
+<file path=ppt/slides/slide5.xml><?xml version="1.0" encoding="utf-8"?>
+<p:sld xmlns:a="http://schemas.openxmlformats.org/drawingml/2006/main" xmlns:r="http://schemas.openxmlformats.org/officeDocument/2006/relationships" xmlns:p="http://schemas.openxmlformats.org/presentationml/2006/main">
+  <p:cSld>
+    <p:spTree>
+      <p:nvGrpSpPr>
+        <p:cNvPr id="1" name=""/>
+        <p:cNvGrpSpPr/>
+        <p:nvPr/>
+      </p:nvGrpSpPr>
+      <p:grpSpPr>
+        <a:xfrm>
+          <a:off x="0" y="0"/>
+          <a:ext cx="0" cy="0"/>
+          <a:chOff x="0" y="0"/>
+          <a:chExt cx="0" cy="0"/>
+        </a:xfrm>
+      </p:grpSpPr>
+      <p:sp>
+        <p:nvSpPr>
+          <p:cNvPr id="2" name="Title 1">
+            <a:extLst>
+              <a:ext uri="{FF2B5EF4-FFF2-40B4-BE49-F238E27FC236}">
+                <a16:creationId xmlns:a16="http://schemas.microsoft.com/office/drawing/2014/main" id="{CE93B9A9-5430-43CA-A076-1B33A322CAF1}"/>
+              </a:ext>
+            </a:extLst>
+          </p:cNvPr>
+          <p:cNvSpPr>
+            <a:spLocks noGrp="1"/>
+          </p:cNvSpPr>
+          <p:nvPr>
+            <p:ph type="title"/>
+          </p:nvPr>
+        </p:nvSpPr>
+        <p:spPr/>
+        <p:txBody>
+          <a:bodyPr/>
+          <a:lstStyle/>
+          <a:p>
+            <a:r>
+              <a:rPr lang="en-GB" dirty="0"/>
+              <a:t>Suggested activities</a:t>
+            </a:r>
+          </a:p>
+        </p:txBody>
+      </p:sp>
+      <p:sp>
+        <p:nvSpPr>
+          <p:cNvPr id="3" name="Content Placeholder 2">
+            <a:extLst>
+              <a:ext uri="{FF2B5EF4-FFF2-40B4-BE49-F238E27FC236}">
+                <a16:creationId xmlns:a16="http://schemas.microsoft.com/office/drawing/2014/main" id="{A8B5FB3A-DBC2-49E7-B8E9-76B44D37034D}"/>
+              </a:ext>
+            </a:extLst>
+          </p:cNvPr>
+          <p:cNvSpPr>
+            <a:spLocks noGrp="1"/>
+          </p:cNvSpPr>
+          <p:nvPr>
+            <p:ph idx="1"/>
+          </p:nvPr>
+        </p:nvSpPr>
+        <p:spPr>
+          <a:xfrm>
+            <a:off x="1066800" y="1864129"/>
+            <a:ext cx="10058400" cy="4112286"/>
+          </a:xfrm>
+        </p:spPr>
+        <p:txBody>
+          <a:bodyPr>
+            <a:noAutofit/>
+          </a:bodyPr>
+          <a:lstStyle/>
+          <a:p>
+            <a:pPr marL="514350" indent="-514350">
+              <a:buFont typeface="+mj-lt"/>
+              <a:buAutoNum type="arabicPeriod"/>
+            </a:pPr>
+            <a:r>
+              <a:rPr lang="en-GB" sz="2000" b="1" dirty="0"/>
+              <a:t>Top recommendation </a:t>
+            </a:r>
+            <a:r>
+              <a:rPr lang="en-GB" sz="2000" dirty="0"/>
+              <a:t>–</a:t>
+            </a:r>
+            <a:r>
+              <a:rPr lang="en-GB" sz="2000" b="1" dirty="0"/>
+              <a:t> </a:t>
+            </a:r>
+            <a:r>
+              <a:rPr lang="en-GB" sz="2000" dirty="0"/>
+              <a:t>spend at least some time investigating web platforms (e.g. </a:t>
+            </a:r>
+            <a:r>
+              <a:rPr lang="en-GB" sz="2000" dirty="0" err="1"/>
+              <a:t>Wordpress</a:t>
+            </a:r>
+            <a:r>
+              <a:rPr lang="en-GB" sz="2000" dirty="0"/>
+              <a:t>, GitHub pages, </a:t>
+            </a:r>
+            <a:r>
+              <a:rPr lang="en-GB" sz="2000" dirty="0" err="1"/>
+              <a:t>Wix</a:t>
+            </a:r>
+            <a:r>
+              <a:rPr lang="en-GB" sz="2000" dirty="0"/>
+              <a:t>, Weebly…) to determine:</a:t>
+            </a:r>
+          </a:p>
+          <a:p>
+            <a:pPr marL="788670" lvl="1" indent="-514350">
+              <a:buFont typeface="+mj-lt"/>
+              <a:buAutoNum type="alphaLcParenR"/>
+            </a:pPr>
+            <a:r>
+              <a:rPr lang="en-GB" sz="2000" dirty="0"/>
+              <a:t>How easy is it to use/get the look you want? Try setting up a basic page with some text and images.</a:t>
+            </a:r>
+          </a:p>
+          <a:p>
+            <a:pPr marL="788670" lvl="1" indent="-514350">
+              <a:buFont typeface="+mj-lt"/>
+              <a:buAutoNum type="alphaLcParenR"/>
+            </a:pPr>
+            <a:r>
+              <a:rPr lang="en-GB" sz="2000" dirty="0"/>
+              <a:t>How easy is it to download an html copy that works offline? (</a:t>
+            </a:r>
+            <a:r>
+              <a:rPr lang="en-GB" sz="2000" i="1" dirty="0"/>
+              <a:t>Test this out!)</a:t>
+            </a:r>
+          </a:p>
+          <a:p>
+            <a:pPr lvl="2">
+              <a:buFont typeface="Arial" panose="020B0604020202020204" pitchFamily="34" charset="0"/>
+              <a:buChar char="•"/>
+            </a:pPr>
+            <a:r>
+              <a:rPr lang="en-GB" sz="2000" dirty="0"/>
+              <a:t>Investigate 3rd party tools if need be, e.g. </a:t>
+            </a:r>
+            <a:r>
+              <a:rPr lang="en-GB" sz="2000" dirty="0" err="1"/>
+              <a:t>SiteSucker</a:t>
+            </a:r>
+            <a:r>
+              <a:rPr lang="en-GB" sz="2000" dirty="0"/>
+              <a:t> (MacOS), </a:t>
+            </a:r>
+            <a:r>
+              <a:rPr lang="en-GB" sz="2000" dirty="0" err="1"/>
+              <a:t>WebCopy</a:t>
+            </a:r>
+            <a:r>
+              <a:rPr lang="en-GB" sz="2000" dirty="0"/>
+              <a:t> (Windows)</a:t>
+            </a:r>
+          </a:p>
+          <a:p>
+            <a:pPr marL="514350" indent="-514350">
+              <a:buFont typeface="+mj-lt"/>
+              <a:buAutoNum type="arabicPeriod"/>
+            </a:pPr>
+            <a:r>
+              <a:rPr lang="en-GB" sz="2000" b="1" dirty="0"/>
+              <a:t>Also recommended </a:t>
+            </a:r>
+            <a:r>
+              <a:rPr lang="en-GB" sz="2000" dirty="0"/>
+              <a:t>–</a:t>
+            </a:r>
+          </a:p>
+          <a:p>
+            <a:pPr marL="788670" lvl="1" indent="-514350">
+              <a:buFont typeface="+mj-lt"/>
+              <a:buAutoNum type="alphaLcParenR"/>
+            </a:pPr>
+            <a:r>
+              <a:rPr lang="en-GB" sz="2000" dirty="0"/>
+              <a:t>Start writing about the research you’ve done and your argument.</a:t>
+            </a:r>
+          </a:p>
+          <a:p>
+            <a:pPr marL="788670" lvl="1" indent="-514350">
+              <a:buFont typeface="+mj-lt"/>
+              <a:buAutoNum type="alphaLcParenR"/>
+            </a:pPr>
+            <a:r>
+              <a:rPr lang="en-GB" sz="2000" dirty="0"/>
+              <a:t>Start drafting your poster – e.g. make notes on content for each section; create/start creating your UML diagram.</a:t>
+            </a:r>
+          </a:p>
+          <a:p>
+            <a:pPr marL="514350" indent="-514350">
+              <a:buFont typeface="+mj-lt"/>
+              <a:buAutoNum type="arabicPeriod"/>
+            </a:pPr>
+            <a:r>
+              <a:rPr lang="en-GB" sz="2000" b="1" dirty="0"/>
+              <a:t>If you need to</a:t>
+            </a:r>
+            <a:r>
+              <a:rPr lang="en-GB" sz="2000" dirty="0"/>
+              <a:t> – continue work on your artefact.</a:t>
+            </a:r>
+            <a:endParaRPr lang="en-GB" sz="2000" b="1" dirty="0"/>
+          </a:p>
+        </p:txBody>
+      </p:sp>
+    </p:spTree>
+    <p:extLst>
+      <p:ext uri="{BB962C8B-B14F-4D97-AF65-F5344CB8AC3E}">
+        <p14:creationId xmlns:p14="http://schemas.microsoft.com/office/powerpoint/2010/main" val="3776701669"/>
+      </p:ext>
+    </p:extLst>
+  </p:cSld>
+  <p:clrMapOvr>
+    <a:masterClrMapping/>
+  </p:clrMapOvr>
+  <p:timing>
+    <p:tnLst>
+      <p:par>
+        <p:cTn id="1" dur="indefinite" restart="never" nodeType="tmRoot">
+          <p:childTnLst>
+            <p:seq concurrent="1" nextAc="seek">
+              <p:cTn id="2" dur="indefinite" nodeType="mainSeq">
+                <p:childTnLst>
+                  <p:par>
+                    <p:cTn id="3" fill="hold">
+                      <p:stCondLst>
+                        <p:cond delay="indefinite"/>
+                      </p:stCondLst>
+                      <p:childTnLst>
+                        <p:par>
+                          <p:cTn id="4" fill="hold">
+                            <p:stCondLst>
+                              <p:cond delay="0"/>
+                            </p:stCondLst>
+                            <p:childTnLst>
+                              <p:par>
+                                <p:cTn id="5" presetID="1" presetClass="entr" presetSubtype="0" fill="hold" grpId="0" nodeType="clickEffect">
+                                  <p:stCondLst>
+                                    <p:cond delay="0"/>
+                                  </p:stCondLst>
+                                  <p:childTnLst>
+                                    <p:set>
+                                      <p:cBhvr>
+                                        <p:cTn id="6" dur="1" fill="hold">
+                                          <p:stCondLst>
+                                            <p:cond delay="0"/>
+                                          </p:stCondLst>
+                                        </p:cTn>
+                                        <p:tgtEl>
+                                          <p:spTgt spid="3">
+                                            <p:txEl>
+                                              <p:pRg st="0" end="0"/>
+                                            </p:txEl>
+                                          </p:spTgt>
+                                        </p:tgtEl>
+                                        <p:attrNameLst>
+                                          <p:attrName>style.visibility</p:attrName>
+                                        </p:attrNameLst>
+                                      </p:cBhvr>
+                                      <p:to>
+                                        <p:strVal val="visible"/>
+                                      </p:to>
+                                    </p:set>
+                                  </p:childTnLst>
+                                </p:cTn>
+                              </p:par>
+                              <p:par>
+                                <p:cTn id="7" presetID="1" presetClass="entr" presetSubtype="0" fill="hold" grpId="0" nodeType="withEffect">
+                                  <p:stCondLst>
+                                    <p:cond delay="0"/>
+                                  </p:stCondLst>
+                                  <p:childTnLst>
+                                    <p:set>
+                                      <p:cBhvr>
+                                        <p:cTn id="8" dur="1" fill="hold">
+                                          <p:stCondLst>
+                                            <p:cond delay="0"/>
+                                          </p:stCondLst>
+                                        </p:cTn>
+                                        <p:tgtEl>
+                                          <p:spTgt spid="3">
+                                            <p:txEl>
+                                              <p:pRg st="1" end="1"/>
+                                            </p:txEl>
+                                          </p:spTgt>
+                                        </p:tgtEl>
+                                        <p:attrNameLst>
+                                          <p:attrName>style.visibility</p:attrName>
+                                        </p:attrNameLst>
+                                      </p:cBhvr>
+                                      <p:to>
+                                        <p:strVal val="visible"/>
+                                      </p:to>
+                                    </p:set>
+                                  </p:childTnLst>
+                                </p:cTn>
+                              </p:par>
+                              <p:par>
+                                <p:cTn id="9" presetID="1" presetClass="entr" presetSubtype="0" fill="hold" grpId="0" nodeType="withEffect">
+                                  <p:stCondLst>
+                                    <p:cond delay="0"/>
+                                  </p:stCondLst>
+                                  <p:childTnLst>
+                                    <p:set>
+                                      <p:cBhvr>
+                                        <p:cTn id="10" dur="1" fill="hold">
+                                          <p:stCondLst>
+                                            <p:cond delay="0"/>
+                                          </p:stCondLst>
+                                        </p:cTn>
+                                        <p:tgtEl>
+                                          <p:spTgt spid="3">
+                                            <p:txEl>
+                                              <p:pRg st="2" end="2"/>
+                                            </p:txEl>
+                                          </p:spTgt>
+                                        </p:tgtEl>
+                                        <p:attrNameLst>
+                                          <p:attrName>style.visibility</p:attrName>
+                                        </p:attrNameLst>
+                                      </p:cBhvr>
+                                      <p:to>
+                                        <p:strVal val="visible"/>
+                                      </p:to>
+                                    </p:set>
+                                  </p:childTnLst>
+                                </p:cTn>
+                              </p:par>
+                              <p:par>
+                                <p:cTn id="11" presetID="1" presetClass="entr" presetSubtype="0" fill="hold" grpId="0" nodeType="withEffect">
+                                  <p:stCondLst>
+                                    <p:cond delay="0"/>
+                                  </p:stCondLst>
+                                  <p:childTnLst>
+                                    <p:set>
+                                      <p:cBhvr>
+                                        <p:cTn id="12" dur="1" fill="hold">
+                                          <p:stCondLst>
+                                            <p:cond delay="0"/>
+                                          </p:stCondLst>
+                                        </p:cTn>
+                                        <p:tgtEl>
+                                          <p:spTgt spid="3">
+                                            <p:txEl>
+                                              <p:pRg st="3" end="3"/>
+                                            </p:txEl>
+                                          </p:spTgt>
+                                        </p:tgtEl>
+                                        <p:attrNameLst>
+                                          <p:attrName>style.visibility</p:attrName>
+                                        </p:attrNameLst>
+                                      </p:cBhvr>
+                                      <p:to>
+                                        <p:strVal val="visible"/>
+                                      </p:to>
+                                    </p:set>
+                                  </p:childTnLst>
+                                </p:cTn>
+                              </p:par>
+                            </p:childTnLst>
+                          </p:cTn>
+                        </p:par>
+                      </p:childTnLst>
+                    </p:cTn>
+                  </p:par>
+                  <p:par>
+                    <p:cTn id="13" fill="hold">
+                      <p:stCondLst>
+                        <p:cond delay="indefinite"/>
+                      </p:stCondLst>
+                      <p:childTnLst>
+                        <p:par>
+                          <p:cTn id="14" fill="hold">
+                            <p:stCondLst>
+                              <p:cond delay="0"/>
+                            </p:stCondLst>
+                            <p:childTnLst>
+                              <p:par>
+                                <p:cTn id="15" presetID="1" presetClass="entr" presetSubtype="0" fill="hold" grpId="0" nodeType="clickEffect">
+                                  <p:stCondLst>
+                                    <p:cond delay="0"/>
+                                  </p:stCondLst>
+                                  <p:childTnLst>
+                                    <p:set>
+                                      <p:cBhvr>
+                                        <p:cTn id="16" dur="1" fill="hold">
+                                          <p:stCondLst>
+                                            <p:cond delay="0"/>
+                                          </p:stCondLst>
+                                        </p:cTn>
+                                        <p:tgtEl>
+                                          <p:spTgt spid="3">
+                                            <p:txEl>
+                                              <p:pRg st="4" end="4"/>
+                                            </p:txEl>
+                                          </p:spTgt>
+                                        </p:tgtEl>
+                                        <p:attrNameLst>
+                                          <p:attrName>style.visibility</p:attrName>
+                                        </p:attrNameLst>
+                                      </p:cBhvr>
+                                      <p:to>
+                                        <p:strVal val="visible"/>
+                                      </p:to>
+                                    </p:set>
+                                  </p:childTnLst>
+                                </p:cTn>
+                              </p:par>
+                              <p:par>
+                                <p:cTn id="17" presetID="1" presetClass="entr" presetSubtype="0" fill="hold" grpId="0" nodeType="withEffect">
+                                  <p:stCondLst>
+                                    <p:cond delay="0"/>
+                                  </p:stCondLst>
+                                  <p:childTnLst>
+                                    <p:set>
+                                      <p:cBhvr>
+                                        <p:cTn id="18" dur="1" fill="hold">
+                                          <p:stCondLst>
+                                            <p:cond delay="0"/>
+                                          </p:stCondLst>
+                                        </p:cTn>
+                                        <p:tgtEl>
+                                          <p:spTgt spid="3">
+                                            <p:txEl>
+                                              <p:pRg st="5" end="5"/>
+                                            </p:txEl>
+                                          </p:spTgt>
+                                        </p:tgtEl>
+                                        <p:attrNameLst>
+                                          <p:attrName>style.visibility</p:attrName>
+                                        </p:attrNameLst>
+                                      </p:cBhvr>
+                                      <p:to>
+                                        <p:strVal val="visible"/>
+                                      </p:to>
+                                    </p:set>
+                                  </p:childTnLst>
+                                </p:cTn>
+                              </p:par>
+                              <p:par>
+                                <p:cTn id="19" presetID="1" presetClass="entr" presetSubtype="0" fill="hold" grpId="0" nodeType="withEffect">
+                                  <p:stCondLst>
+                                    <p:cond delay="0"/>
+                                  </p:stCondLst>
+                                  <p:childTnLst>
+                                    <p:set>
+                                      <p:cBhvr>
+                                        <p:cTn id="20" dur="1" fill="hold">
+                                          <p:stCondLst>
+                                            <p:cond delay="0"/>
+                                          </p:stCondLst>
+                                        </p:cTn>
+                                        <p:tgtEl>
+                                          <p:spTgt spid="3">
+                                            <p:txEl>
+                                              <p:pRg st="6" end="6"/>
+                                            </p:txEl>
+                                          </p:spTgt>
+                                        </p:tgtEl>
+                                        <p:attrNameLst>
+                                          <p:attrName>style.visibility</p:attrName>
+                                        </p:attrNameLst>
+                                      </p:cBhvr>
+                                      <p:to>
+                                        <p:strVal val="visible"/>
+                                      </p:to>
+                                    </p:set>
+                                  </p:childTnLst>
+                                </p:cTn>
+                              </p:par>
+                            </p:childTnLst>
+                          </p:cTn>
+                        </p:par>
+                      </p:childTnLst>
+                    </p:cTn>
+                  </p:par>
+                  <p:par>
+                    <p:cTn id="21" fill="hold">
+                      <p:stCondLst>
+                        <p:cond delay="indefinite"/>
+                      </p:stCondLst>
+                      <p:childTnLst>
+                        <p:par>
+                          <p:cTn id="22" fill="hold">
+                            <p:stCondLst>
+                              <p:cond delay="0"/>
+                            </p:stCondLst>
+                            <p:childTnLst>
+                              <p:par>
+                                <p:cTn id="23" presetID="1" presetClass="entr" presetSubtype="0" fill="hold" grpId="0" nodeType="clickEffect">
+                                  <p:stCondLst>
+                                    <p:cond delay="0"/>
+                                  </p:stCondLst>
+                                  <p:childTnLst>
+                                    <p:set>
+                                      <p:cBhvr>
+                                        <p:cTn id="24" dur="1" fill="hold">
+                                          <p:stCondLst>
+                                            <p:cond delay="0"/>
+                                          </p:stCondLst>
+                                        </p:cTn>
+                                        <p:tgtEl>
+                                          <p:spTgt spid="3">
+                                            <p:txEl>
+                                              <p:pRg st="7" end="7"/>
+                                            </p:txEl>
+                                          </p:spTgt>
+                                        </p:tgtEl>
+                                        <p:attrNameLst>
+                                          <p:attrName>style.visibility</p:attrName>
+                                        </p:attrNameLst>
+                                      </p:cBhvr>
+                                      <p:to>
+                                        <p:strVal val="visible"/>
+                                      </p:to>
+                                    </p:set>
+                                  </p:childTnLst>
+                                </p:cTn>
+                              </p:par>
+                            </p:childTnLst>
+                          </p:cTn>
+                        </p:par>
+                      </p:childTnLst>
+                    </p:cTn>
+                  </p:par>
+                </p:childTnLst>
+              </p:cTn>
+              <p:prevCondLst>
+                <p:cond evt="onPrev" delay="0">
+                  <p:tgtEl>
+                    <p:sldTgt/>
+                  </p:tgtEl>
+                </p:cond>
+              </p:prevCondLst>
+              <p:nextCondLst>
+                <p:cond evt="onNext" delay="0">
+                  <p:tgtEl>
+                    <p:sldTgt/>
+                  </p:tgtEl>
+                </p:cond>
+              </p:nextCondLst>
+            </p:seq>
+          </p:childTnLst>
+        </p:cTn>
+      </p:par>
+    </p:tnLst>
+    <p:bldLst>
+      <p:bldP spid="3" grpId="0" build="p"/>
+    </p:bldLst>
+  </p:timing>
+</p:sld>
+</file>
+
+<file path=ppt/slides/slide6.xml><?xml version="1.0" encoding="utf-8"?>
 <p:sld xmlns:a="http://schemas.openxmlformats.org/drawingml/2006/main" xmlns:r="http://schemas.openxmlformats.org/officeDocument/2006/relationships" xmlns:p="http://schemas.openxmlformats.org/presentationml/2006/main">
   <p:cSld>
     <p:spTree>
@@ -5782,7 +8495,7 @@
 </p:sld>
 </file>
 
-<file path=ppt/slides/slide4.xml><?xml version="1.0" encoding="utf-8"?>
+<file path=ppt/slides/slide7.xml><?xml version="1.0" encoding="utf-8"?>
 <p:sld xmlns:a="http://schemas.openxmlformats.org/drawingml/2006/main" xmlns:r="http://schemas.openxmlformats.org/officeDocument/2006/relationships" xmlns:p="http://schemas.openxmlformats.org/presentationml/2006/main">
   <p:cSld>
     <p:spTree>
@@ -6330,7 +9043,7 @@
 </p:sld>
 </file>
 
-<file path=ppt/slides/slide5.xml><?xml version="1.0" encoding="utf-8"?>
+<file path=ppt/slides/slide8.xml><?xml version="1.0" encoding="utf-8"?>
 <p:sld xmlns:a="http://schemas.openxmlformats.org/drawingml/2006/main" xmlns:r="http://schemas.openxmlformats.org/officeDocument/2006/relationships" xmlns:p="http://schemas.openxmlformats.org/presentationml/2006/main">
   <p:cSld>
     <p:spTree>
@@ -6630,7 +9343,7 @@
 </p:sld>
 </file>
 
-<file path=ppt/slides/slide6.xml><?xml version="1.0" encoding="utf-8"?>
+<file path=ppt/slides/slide9.xml><?xml version="1.0" encoding="utf-8"?>
 <p:sld xmlns:a="http://schemas.openxmlformats.org/drawingml/2006/main" xmlns:r="http://schemas.openxmlformats.org/officeDocument/2006/relationships" xmlns:p="http://schemas.openxmlformats.org/presentationml/2006/main">
   <p:cSld>
     <p:spTree>
@@ -7261,1674 +9974,6 @@
 </p:sld>
 </file>
 
-<file path=ppt/slides/slide7.xml><?xml version="1.0" encoding="utf-8"?>
-<p:sld xmlns:a="http://schemas.openxmlformats.org/drawingml/2006/main" xmlns:r="http://schemas.openxmlformats.org/officeDocument/2006/relationships" xmlns:p="http://schemas.openxmlformats.org/presentationml/2006/main">
-  <p:cSld>
-    <p:spTree>
-      <p:nvGrpSpPr>
-        <p:cNvPr id="1" name=""/>
-        <p:cNvGrpSpPr/>
-        <p:nvPr/>
-      </p:nvGrpSpPr>
-      <p:grpSpPr>
-        <a:xfrm>
-          <a:off x="0" y="0"/>
-          <a:ext cx="0" cy="0"/>
-          <a:chOff x="0" y="0"/>
-          <a:chExt cx="0" cy="0"/>
-        </a:xfrm>
-      </p:grpSpPr>
-      <p:sp>
-        <p:nvSpPr>
-          <p:cNvPr id="2" name="Title 1">
-            <a:extLst>
-              <a:ext uri="{FF2B5EF4-FFF2-40B4-BE49-F238E27FC236}">
-                <a16:creationId xmlns:a16="http://schemas.microsoft.com/office/drawing/2014/main" id="{CE93B9A9-5430-43CA-A076-1B33A322CAF1}"/>
-              </a:ext>
-            </a:extLst>
-          </p:cNvPr>
-          <p:cNvSpPr>
-            <a:spLocks noGrp="1"/>
-          </p:cNvSpPr>
-          <p:nvPr>
-            <p:ph type="title"/>
-          </p:nvPr>
-        </p:nvSpPr>
-        <p:spPr/>
-        <p:txBody>
-          <a:bodyPr>
-            <a:normAutofit/>
-          </a:bodyPr>
-          <a:lstStyle/>
-          <a:p>
-            <a:r>
-              <a:rPr lang="en-GB" sz="3600" dirty="0"/>
-              <a:t>Writing reports</a:t>
-            </a:r>
-          </a:p>
-        </p:txBody>
-      </p:sp>
-      <p:sp>
-        <p:nvSpPr>
-          <p:cNvPr id="3" name="Content Placeholder 2">
-            <a:extLst>
-              <a:ext uri="{FF2B5EF4-FFF2-40B4-BE49-F238E27FC236}">
-                <a16:creationId xmlns:a16="http://schemas.microsoft.com/office/drawing/2014/main" id="{A8B5FB3A-DBC2-49E7-B8E9-76B44D37034D}"/>
-              </a:ext>
-            </a:extLst>
-          </p:cNvPr>
-          <p:cNvSpPr>
-            <a:spLocks noGrp="1"/>
-          </p:cNvSpPr>
-          <p:nvPr>
-            <p:ph idx="1"/>
-          </p:nvPr>
-        </p:nvSpPr>
-        <p:spPr>
-          <a:xfrm>
-            <a:off x="1066800" y="1864129"/>
-            <a:ext cx="10058400" cy="4112286"/>
-          </a:xfrm>
-        </p:spPr>
-        <p:txBody>
-          <a:bodyPr>
-            <a:noAutofit/>
-          </a:bodyPr>
-          <a:lstStyle/>
-          <a:p>
-            <a:r>
-              <a:rPr lang="en-GB" sz="2400" b="1" dirty="0"/>
-              <a:t>Style:</a:t>
-            </a:r>
-          </a:p>
-          <a:p>
-            <a:pPr lvl="1"/>
-            <a:r>
-              <a:rPr lang="en-GB" sz="2200" dirty="0"/>
-              <a:t>Formal, objective tone – state facts, not opinions</a:t>
-            </a:r>
-          </a:p>
-          <a:p>
-            <a:pPr lvl="1"/>
-            <a:r>
-              <a:rPr lang="en-GB" sz="2200" dirty="0"/>
-              <a:t>Concise and precise: use as few words as possible, avoid vague intensifiers (“really”, “very” etc.)</a:t>
-            </a:r>
-          </a:p>
-          <a:p>
-            <a:pPr lvl="1"/>
-            <a:r>
-              <a:rPr lang="en-GB" sz="2200" dirty="0"/>
-              <a:t>References – can(/should?) be hyperlinks</a:t>
-            </a:r>
-          </a:p>
-          <a:p>
-            <a:pPr lvl="1"/>
-            <a:r>
-              <a:rPr lang="en-GB" sz="2200" dirty="0"/>
-              <a:t>Clear layout, using subheadings and bullet points where appropriate</a:t>
-            </a:r>
-          </a:p>
-          <a:p>
-            <a:pPr lvl="1"/>
-            <a:r>
-              <a:rPr lang="en-GB" sz="2200" dirty="0"/>
-              <a:t>Use images and diagrams to enhance your explanations</a:t>
-            </a:r>
-          </a:p>
-          <a:p>
-            <a:pPr lvl="1"/>
-            <a:endParaRPr lang="en-GB" sz="2200" dirty="0"/>
-          </a:p>
-          <a:p>
-            <a:pPr marL="274320" lvl="1" indent="0">
-              <a:buNone/>
-            </a:pPr>
-            <a:r>
-              <a:rPr lang="en-GB" sz="1800" dirty="0"/>
-              <a:t>An introduction to academic writing:</a:t>
-            </a:r>
-            <a:br>
-              <a:rPr lang="en-GB" sz="1800" dirty="0"/>
-            </a:br>
-            <a:r>
-              <a:rPr lang="en-GB" sz="1800" dirty="0">
-                <a:hlinkClick r:id="rId2"/>
-              </a:rPr>
-              <a:t>https://studyhub.fxplus.ac.uk/essays-dissertations/introduction-academic-writing</a:t>
-            </a:r>
-            <a:endParaRPr lang="en-GB" sz="1800" dirty="0"/>
-          </a:p>
-          <a:p>
-            <a:pPr marL="274320" lvl="1" indent="0">
-              <a:buNone/>
-            </a:pPr>
-            <a:r>
-              <a:rPr lang="en-GB" sz="1800" dirty="0"/>
-              <a:t>Guide for writing reports and essays:</a:t>
-            </a:r>
-            <a:br>
-              <a:rPr lang="en-GB" sz="1800" dirty="0"/>
-            </a:br>
-            <a:r>
-              <a:rPr lang="en-GB" sz="1800" dirty="0">
-                <a:hlinkClick r:id="rId3"/>
-              </a:rPr>
-              <a:t>https://studyhub.fxplus.ac.uk/written-assignments/reports</a:t>
-            </a:r>
-            <a:endParaRPr lang="en-GB" sz="1800" dirty="0"/>
-          </a:p>
-        </p:txBody>
-      </p:sp>
-    </p:spTree>
-    <p:extLst>
-      <p:ext uri="{BB962C8B-B14F-4D97-AF65-F5344CB8AC3E}">
-        <p14:creationId xmlns:p14="http://schemas.microsoft.com/office/powerpoint/2010/main" val="725160329"/>
-      </p:ext>
-    </p:extLst>
-  </p:cSld>
-  <p:clrMapOvr>
-    <a:masterClrMapping/>
-  </p:clrMapOvr>
-  <p:timing>
-    <p:tnLst>
-      <p:par>
-        <p:cTn id="1" dur="indefinite" restart="never" nodeType="tmRoot">
-          <p:childTnLst>
-            <p:seq concurrent="1" nextAc="seek">
-              <p:cTn id="2" dur="indefinite" nodeType="mainSeq">
-                <p:childTnLst>
-                  <p:par>
-                    <p:cTn id="3" fill="hold">
-                      <p:stCondLst>
-                        <p:cond delay="indefinite"/>
-                      </p:stCondLst>
-                      <p:childTnLst>
-                        <p:par>
-                          <p:cTn id="4" fill="hold">
-                            <p:stCondLst>
-                              <p:cond delay="0"/>
-                            </p:stCondLst>
-                            <p:childTnLst>
-                              <p:par>
-                                <p:cTn id="5" presetID="1" presetClass="entr" presetSubtype="0" fill="hold" grpId="0" nodeType="clickEffect">
-                                  <p:stCondLst>
-                                    <p:cond delay="0"/>
-                                  </p:stCondLst>
-                                  <p:childTnLst>
-                                    <p:set>
-                                      <p:cBhvr>
-                                        <p:cTn id="6" dur="1" fill="hold">
-                                          <p:stCondLst>
-                                            <p:cond delay="0"/>
-                                          </p:stCondLst>
-                                        </p:cTn>
-                                        <p:tgtEl>
-                                          <p:spTgt spid="3">
-                                            <p:txEl>
-                                              <p:pRg st="1" end="1"/>
-                                            </p:txEl>
-                                          </p:spTgt>
-                                        </p:tgtEl>
-                                        <p:attrNameLst>
-                                          <p:attrName>style.visibility</p:attrName>
-                                        </p:attrNameLst>
-                                      </p:cBhvr>
-                                      <p:to>
-                                        <p:strVal val="visible"/>
-                                      </p:to>
-                                    </p:set>
-                                  </p:childTnLst>
-                                </p:cTn>
-                              </p:par>
-                            </p:childTnLst>
-                          </p:cTn>
-                        </p:par>
-                      </p:childTnLst>
-                    </p:cTn>
-                  </p:par>
-                  <p:par>
-                    <p:cTn id="7" fill="hold">
-                      <p:stCondLst>
-                        <p:cond delay="indefinite"/>
-                      </p:stCondLst>
-                      <p:childTnLst>
-                        <p:par>
-                          <p:cTn id="8" fill="hold">
-                            <p:stCondLst>
-                              <p:cond delay="0"/>
-                            </p:stCondLst>
-                            <p:childTnLst>
-                              <p:par>
-                                <p:cTn id="9" presetID="1" presetClass="entr" presetSubtype="0" fill="hold" grpId="0" nodeType="clickEffect">
-                                  <p:stCondLst>
-                                    <p:cond delay="0"/>
-                                  </p:stCondLst>
-                                  <p:childTnLst>
-                                    <p:set>
-                                      <p:cBhvr>
-                                        <p:cTn id="10" dur="1" fill="hold">
-                                          <p:stCondLst>
-                                            <p:cond delay="0"/>
-                                          </p:stCondLst>
-                                        </p:cTn>
-                                        <p:tgtEl>
-                                          <p:spTgt spid="3">
-                                            <p:txEl>
-                                              <p:pRg st="2" end="2"/>
-                                            </p:txEl>
-                                          </p:spTgt>
-                                        </p:tgtEl>
-                                        <p:attrNameLst>
-                                          <p:attrName>style.visibility</p:attrName>
-                                        </p:attrNameLst>
-                                      </p:cBhvr>
-                                      <p:to>
-                                        <p:strVal val="visible"/>
-                                      </p:to>
-                                    </p:set>
-                                  </p:childTnLst>
-                                </p:cTn>
-                              </p:par>
-                            </p:childTnLst>
-                          </p:cTn>
-                        </p:par>
-                      </p:childTnLst>
-                    </p:cTn>
-                  </p:par>
-                  <p:par>
-                    <p:cTn id="11" fill="hold">
-                      <p:stCondLst>
-                        <p:cond delay="indefinite"/>
-                      </p:stCondLst>
-                      <p:childTnLst>
-                        <p:par>
-                          <p:cTn id="12" fill="hold">
-                            <p:stCondLst>
-                              <p:cond delay="0"/>
-                            </p:stCondLst>
-                            <p:childTnLst>
-                              <p:par>
-                                <p:cTn id="13" presetID="1" presetClass="entr" presetSubtype="0" fill="hold" grpId="0" nodeType="clickEffect">
-                                  <p:stCondLst>
-                                    <p:cond delay="0"/>
-                                  </p:stCondLst>
-                                  <p:childTnLst>
-                                    <p:set>
-                                      <p:cBhvr>
-                                        <p:cTn id="14" dur="1" fill="hold">
-                                          <p:stCondLst>
-                                            <p:cond delay="0"/>
-                                          </p:stCondLst>
-                                        </p:cTn>
-                                        <p:tgtEl>
-                                          <p:spTgt spid="3">
-                                            <p:txEl>
-                                              <p:pRg st="3" end="3"/>
-                                            </p:txEl>
-                                          </p:spTgt>
-                                        </p:tgtEl>
-                                        <p:attrNameLst>
-                                          <p:attrName>style.visibility</p:attrName>
-                                        </p:attrNameLst>
-                                      </p:cBhvr>
-                                      <p:to>
-                                        <p:strVal val="visible"/>
-                                      </p:to>
-                                    </p:set>
-                                  </p:childTnLst>
-                                </p:cTn>
-                              </p:par>
-                            </p:childTnLst>
-                          </p:cTn>
-                        </p:par>
-                      </p:childTnLst>
-                    </p:cTn>
-                  </p:par>
-                  <p:par>
-                    <p:cTn id="15" fill="hold">
-                      <p:stCondLst>
-                        <p:cond delay="indefinite"/>
-                      </p:stCondLst>
-                      <p:childTnLst>
-                        <p:par>
-                          <p:cTn id="16" fill="hold">
-                            <p:stCondLst>
-                              <p:cond delay="0"/>
-                            </p:stCondLst>
-                            <p:childTnLst>
-                              <p:par>
-                                <p:cTn id="17" presetID="1" presetClass="entr" presetSubtype="0" fill="hold" grpId="0" nodeType="clickEffect">
-                                  <p:stCondLst>
-                                    <p:cond delay="0"/>
-                                  </p:stCondLst>
-                                  <p:childTnLst>
-                                    <p:set>
-                                      <p:cBhvr>
-                                        <p:cTn id="18" dur="1" fill="hold">
-                                          <p:stCondLst>
-                                            <p:cond delay="0"/>
-                                          </p:stCondLst>
-                                        </p:cTn>
-                                        <p:tgtEl>
-                                          <p:spTgt spid="3">
-                                            <p:txEl>
-                                              <p:pRg st="4" end="4"/>
-                                            </p:txEl>
-                                          </p:spTgt>
-                                        </p:tgtEl>
-                                        <p:attrNameLst>
-                                          <p:attrName>style.visibility</p:attrName>
-                                        </p:attrNameLst>
-                                      </p:cBhvr>
-                                      <p:to>
-                                        <p:strVal val="visible"/>
-                                      </p:to>
-                                    </p:set>
-                                  </p:childTnLst>
-                                </p:cTn>
-                              </p:par>
-                            </p:childTnLst>
-                          </p:cTn>
-                        </p:par>
-                      </p:childTnLst>
-                    </p:cTn>
-                  </p:par>
-                  <p:par>
-                    <p:cTn id="19" fill="hold">
-                      <p:stCondLst>
-                        <p:cond delay="indefinite"/>
-                      </p:stCondLst>
-                      <p:childTnLst>
-                        <p:par>
-                          <p:cTn id="20" fill="hold">
-                            <p:stCondLst>
-                              <p:cond delay="0"/>
-                            </p:stCondLst>
-                            <p:childTnLst>
-                              <p:par>
-                                <p:cTn id="21" presetID="1" presetClass="entr" presetSubtype="0" fill="hold" grpId="0" nodeType="clickEffect">
-                                  <p:stCondLst>
-                                    <p:cond delay="0"/>
-                                  </p:stCondLst>
-                                  <p:childTnLst>
-                                    <p:set>
-                                      <p:cBhvr>
-                                        <p:cTn id="22" dur="1" fill="hold">
-                                          <p:stCondLst>
-                                            <p:cond delay="0"/>
-                                          </p:stCondLst>
-                                        </p:cTn>
-                                        <p:tgtEl>
-                                          <p:spTgt spid="3">
-                                            <p:txEl>
-                                              <p:pRg st="5" end="5"/>
-                                            </p:txEl>
-                                          </p:spTgt>
-                                        </p:tgtEl>
-                                        <p:attrNameLst>
-                                          <p:attrName>style.visibility</p:attrName>
-                                        </p:attrNameLst>
-                                      </p:cBhvr>
-                                      <p:to>
-                                        <p:strVal val="visible"/>
-                                      </p:to>
-                                    </p:set>
-                                  </p:childTnLst>
-                                </p:cTn>
-                              </p:par>
-                            </p:childTnLst>
-                          </p:cTn>
-                        </p:par>
-                      </p:childTnLst>
-                    </p:cTn>
-                  </p:par>
-                  <p:par>
-                    <p:cTn id="23" fill="hold">
-                      <p:stCondLst>
-                        <p:cond delay="indefinite"/>
-                      </p:stCondLst>
-                      <p:childTnLst>
-                        <p:par>
-                          <p:cTn id="24" fill="hold">
-                            <p:stCondLst>
-                              <p:cond delay="0"/>
-                            </p:stCondLst>
-                            <p:childTnLst>
-                              <p:par>
-                                <p:cTn id="25" presetID="1" presetClass="entr" presetSubtype="0" fill="hold" grpId="0" nodeType="clickEffect">
-                                  <p:stCondLst>
-                                    <p:cond delay="0"/>
-                                  </p:stCondLst>
-                                  <p:childTnLst>
-                                    <p:set>
-                                      <p:cBhvr>
-                                        <p:cTn id="26" dur="1" fill="hold">
-                                          <p:stCondLst>
-                                            <p:cond delay="0"/>
-                                          </p:stCondLst>
-                                        </p:cTn>
-                                        <p:tgtEl>
-                                          <p:spTgt spid="3">
-                                            <p:txEl>
-                                              <p:pRg st="7" end="7"/>
-                                            </p:txEl>
-                                          </p:spTgt>
-                                        </p:tgtEl>
-                                        <p:attrNameLst>
-                                          <p:attrName>style.visibility</p:attrName>
-                                        </p:attrNameLst>
-                                      </p:cBhvr>
-                                      <p:to>
-                                        <p:strVal val="visible"/>
-                                      </p:to>
-                                    </p:set>
-                                  </p:childTnLst>
-                                </p:cTn>
-                              </p:par>
-                              <p:par>
-                                <p:cTn id="27" presetID="1" presetClass="entr" presetSubtype="0" fill="hold" grpId="0" nodeType="withEffect">
-                                  <p:stCondLst>
-                                    <p:cond delay="0"/>
-                                  </p:stCondLst>
-                                  <p:childTnLst>
-                                    <p:set>
-                                      <p:cBhvr>
-                                        <p:cTn id="28" dur="1" fill="hold">
-                                          <p:stCondLst>
-                                            <p:cond delay="0"/>
-                                          </p:stCondLst>
-                                        </p:cTn>
-                                        <p:tgtEl>
-                                          <p:spTgt spid="3">
-                                            <p:txEl>
-                                              <p:pRg st="8" end="8"/>
-                                            </p:txEl>
-                                          </p:spTgt>
-                                        </p:tgtEl>
-                                        <p:attrNameLst>
-                                          <p:attrName>style.visibility</p:attrName>
-                                        </p:attrNameLst>
-                                      </p:cBhvr>
-                                      <p:to>
-                                        <p:strVal val="visible"/>
-                                      </p:to>
-                                    </p:set>
-                                  </p:childTnLst>
-                                </p:cTn>
-                              </p:par>
-                            </p:childTnLst>
-                          </p:cTn>
-                        </p:par>
-                      </p:childTnLst>
-                    </p:cTn>
-                  </p:par>
-                </p:childTnLst>
-              </p:cTn>
-              <p:prevCondLst>
-                <p:cond evt="onPrev" delay="0">
-                  <p:tgtEl>
-                    <p:sldTgt/>
-                  </p:tgtEl>
-                </p:cond>
-              </p:prevCondLst>
-              <p:nextCondLst>
-                <p:cond evt="onNext" delay="0">
-                  <p:tgtEl>
-                    <p:sldTgt/>
-                  </p:tgtEl>
-                </p:cond>
-              </p:nextCondLst>
-            </p:seq>
-          </p:childTnLst>
-        </p:cTn>
-      </p:par>
-    </p:tnLst>
-    <p:bldLst>
-      <p:bldP spid="3" grpId="0" uiExpand="1" build="p"/>
-    </p:bldLst>
-  </p:timing>
-</p:sld>
-</file>
-
-<file path=ppt/slides/slide8.xml><?xml version="1.0" encoding="utf-8"?>
-<p:sld xmlns:a="http://schemas.openxmlformats.org/drawingml/2006/main" xmlns:r="http://schemas.openxmlformats.org/officeDocument/2006/relationships" xmlns:p="http://schemas.openxmlformats.org/presentationml/2006/main">
-  <p:cSld>
-    <p:spTree>
-      <p:nvGrpSpPr>
-        <p:cNvPr id="1" name=""/>
-        <p:cNvGrpSpPr/>
-        <p:nvPr/>
-      </p:nvGrpSpPr>
-      <p:grpSpPr>
-        <a:xfrm>
-          <a:off x="0" y="0"/>
-          <a:ext cx="0" cy="0"/>
-          <a:chOff x="0" y="0"/>
-          <a:chExt cx="0" cy="0"/>
-        </a:xfrm>
-      </p:grpSpPr>
-      <p:sp>
-        <p:nvSpPr>
-          <p:cNvPr id="2" name="Title 1">
-            <a:extLst>
-              <a:ext uri="{FF2B5EF4-FFF2-40B4-BE49-F238E27FC236}">
-                <a16:creationId xmlns:a16="http://schemas.microsoft.com/office/drawing/2014/main" id="{CE93B9A9-5430-43CA-A076-1B33A322CAF1}"/>
-              </a:ext>
-            </a:extLst>
-          </p:cNvPr>
-          <p:cNvSpPr>
-            <a:spLocks noGrp="1"/>
-          </p:cNvSpPr>
-          <p:nvPr>
-            <p:ph type="title"/>
-          </p:nvPr>
-        </p:nvSpPr>
-        <p:spPr/>
-        <p:txBody>
-          <a:bodyPr>
-            <a:normAutofit/>
-          </a:bodyPr>
-          <a:lstStyle/>
-          <a:p>
-            <a:r>
-              <a:rPr lang="en-GB" sz="3600" dirty="0"/>
-              <a:t>Writing reports</a:t>
-            </a:r>
-          </a:p>
-        </p:txBody>
-      </p:sp>
-      <p:sp>
-        <p:nvSpPr>
-          <p:cNvPr id="3" name="Content Placeholder 2">
-            <a:extLst>
-              <a:ext uri="{FF2B5EF4-FFF2-40B4-BE49-F238E27FC236}">
-                <a16:creationId xmlns:a16="http://schemas.microsoft.com/office/drawing/2014/main" id="{A8B5FB3A-DBC2-49E7-B8E9-76B44D37034D}"/>
-              </a:ext>
-            </a:extLst>
-          </p:cNvPr>
-          <p:cNvSpPr>
-            <a:spLocks noGrp="1"/>
-          </p:cNvSpPr>
-          <p:nvPr>
-            <p:ph idx="1"/>
-          </p:nvPr>
-        </p:nvSpPr>
-        <p:spPr>
-          <a:xfrm>
-            <a:off x="1066800" y="1864129"/>
-            <a:ext cx="10058400" cy="4112286"/>
-          </a:xfrm>
-        </p:spPr>
-        <p:txBody>
-          <a:bodyPr>
-            <a:noAutofit/>
-          </a:bodyPr>
-          <a:lstStyle/>
-          <a:p>
-            <a:r>
-              <a:rPr lang="en-GB" sz="2400" b="1" dirty="0"/>
-              <a:t>Stages:</a:t>
-            </a:r>
-          </a:p>
-          <a:p>
-            <a:pPr marL="731520" lvl="1" indent="-457200">
-              <a:buFont typeface="+mj-lt"/>
-              <a:buAutoNum type="arabicPeriod"/>
-            </a:pPr>
-            <a:r>
-              <a:rPr lang="en-GB" sz="2200" b="1" i="1" dirty="0"/>
-              <a:t>Planning</a:t>
-            </a:r>
-            <a:br>
-              <a:rPr lang="en-GB" sz="2200" b="1" i="1" dirty="0"/>
-            </a:br>
-            <a:r>
-              <a:rPr lang="en-GB" sz="2000" dirty="0"/>
-              <a:t>Project proposal; also creating a time plan for the remaining stages</a:t>
-            </a:r>
-            <a:endParaRPr lang="en-GB" sz="2000" b="1" i="1" dirty="0"/>
-          </a:p>
-          <a:p>
-            <a:pPr marL="731520" lvl="1" indent="-457200">
-              <a:buFont typeface="+mj-lt"/>
-              <a:buAutoNum type="arabicPeriod"/>
-            </a:pPr>
-            <a:r>
-              <a:rPr lang="en-GB" sz="2200" b="1" i="1" dirty="0"/>
-              <a:t>Researching</a:t>
-            </a:r>
-            <a:br>
-              <a:rPr lang="en-GB" sz="2200" b="1" i="1" dirty="0"/>
-            </a:br>
-            <a:r>
-              <a:rPr lang="en-GB" sz="2000" dirty="0"/>
-              <a:t>Reviewing sources and making notes</a:t>
-            </a:r>
-            <a:endParaRPr lang="en-GB" sz="2000" b="1" i="1" dirty="0"/>
-          </a:p>
-          <a:p>
-            <a:pPr marL="731520" lvl="1" indent="-457200">
-              <a:buFont typeface="+mj-lt"/>
-              <a:buAutoNum type="arabicPeriod"/>
-            </a:pPr>
-            <a:r>
-              <a:rPr lang="en-GB" sz="2200" b="1" i="1" dirty="0"/>
-              <a:t>Organising</a:t>
-            </a:r>
-            <a:br>
-              <a:rPr lang="en-GB" sz="2200" b="1" i="1" dirty="0"/>
-            </a:br>
-            <a:r>
-              <a:rPr lang="en-GB" sz="2000" dirty="0"/>
-              <a:t>Group notes by theme to work out your argument</a:t>
-            </a:r>
-            <a:r>
-              <a:rPr lang="en-GB" sz="2200" dirty="0"/>
-              <a:t> (</a:t>
-            </a:r>
-            <a:r>
-              <a:rPr lang="en-GB" sz="1800" dirty="0">
-                <a:hlinkClick r:id="rId2"/>
-              </a:rPr>
-              <a:t>https://studyhub.fxplus.ac.uk/file/240</a:t>
-            </a:r>
-            <a:r>
-              <a:rPr lang="en-GB" sz="2200" dirty="0"/>
-              <a:t>)</a:t>
-            </a:r>
-            <a:endParaRPr lang="en-GB" sz="2200" b="1" i="1" dirty="0"/>
-          </a:p>
-          <a:p>
-            <a:pPr marL="731520" lvl="1" indent="-457200">
-              <a:buFont typeface="+mj-lt"/>
-              <a:buAutoNum type="arabicPeriod"/>
-            </a:pPr>
-            <a:r>
-              <a:rPr lang="en-GB" sz="2200" b="1" i="1" dirty="0"/>
-              <a:t>Drafting</a:t>
-            </a:r>
-            <a:br>
-              <a:rPr lang="en-GB" sz="2200" b="1" i="1" dirty="0"/>
-            </a:br>
-            <a:r>
-              <a:rPr lang="en-GB" sz="2000" dirty="0"/>
-              <a:t>Including outlining the “shape” of the report</a:t>
-            </a:r>
-            <a:endParaRPr lang="en-GB" sz="2000" b="1" i="1" dirty="0"/>
-          </a:p>
-          <a:p>
-            <a:pPr marL="731520" lvl="1" indent="-457200">
-              <a:buFont typeface="+mj-lt"/>
-              <a:buAutoNum type="arabicPeriod"/>
-            </a:pPr>
-            <a:r>
-              <a:rPr lang="en-GB" sz="2200" b="1" i="1" dirty="0"/>
-              <a:t>Reviewing</a:t>
-            </a:r>
-          </a:p>
-          <a:p>
-            <a:pPr marL="0" indent="0">
-              <a:buNone/>
-            </a:pPr>
-            <a:r>
-              <a:rPr lang="en-GB" sz="1800" dirty="0"/>
-              <a:t>More info: </a:t>
-            </a:r>
-            <a:r>
-              <a:rPr lang="en-GB" sz="1800" dirty="0">
-                <a:hlinkClick r:id="rId3"/>
-              </a:rPr>
-              <a:t>https://studyhub.fxplus.ac.uk/written-assignments/essays-dissertations</a:t>
-            </a:r>
-            <a:endParaRPr lang="en-GB" sz="1800" dirty="0"/>
-          </a:p>
-        </p:txBody>
-      </p:sp>
-    </p:spTree>
-    <p:extLst>
-      <p:ext uri="{BB962C8B-B14F-4D97-AF65-F5344CB8AC3E}">
-        <p14:creationId xmlns:p14="http://schemas.microsoft.com/office/powerpoint/2010/main" val="2182841536"/>
-      </p:ext>
-    </p:extLst>
-  </p:cSld>
-  <p:clrMapOvr>
-    <a:masterClrMapping/>
-  </p:clrMapOvr>
-  <p:timing>
-    <p:tnLst>
-      <p:par>
-        <p:cTn id="1" dur="indefinite" restart="never" nodeType="tmRoot">
-          <p:childTnLst>
-            <p:seq concurrent="1" nextAc="seek">
-              <p:cTn id="2" dur="indefinite" nodeType="mainSeq">
-                <p:childTnLst>
-                  <p:par>
-                    <p:cTn id="3" fill="hold">
-                      <p:stCondLst>
-                        <p:cond delay="indefinite"/>
-                      </p:stCondLst>
-                      <p:childTnLst>
-                        <p:par>
-                          <p:cTn id="4" fill="hold">
-                            <p:stCondLst>
-                              <p:cond delay="0"/>
-                            </p:stCondLst>
-                            <p:childTnLst>
-                              <p:par>
-                                <p:cTn id="5" presetID="1" presetClass="entr" presetSubtype="0" fill="hold" grpId="0" nodeType="clickEffect">
-                                  <p:stCondLst>
-                                    <p:cond delay="0"/>
-                                  </p:stCondLst>
-                                  <p:childTnLst>
-                                    <p:set>
-                                      <p:cBhvr>
-                                        <p:cTn id="6" dur="1" fill="hold">
-                                          <p:stCondLst>
-                                            <p:cond delay="0"/>
-                                          </p:stCondLst>
-                                        </p:cTn>
-                                        <p:tgtEl>
-                                          <p:spTgt spid="3">
-                                            <p:txEl>
-                                              <p:pRg st="1" end="1"/>
-                                            </p:txEl>
-                                          </p:spTgt>
-                                        </p:tgtEl>
-                                        <p:attrNameLst>
-                                          <p:attrName>style.visibility</p:attrName>
-                                        </p:attrNameLst>
-                                      </p:cBhvr>
-                                      <p:to>
-                                        <p:strVal val="visible"/>
-                                      </p:to>
-                                    </p:set>
-                                  </p:childTnLst>
-                                </p:cTn>
-                              </p:par>
-                            </p:childTnLst>
-                          </p:cTn>
-                        </p:par>
-                      </p:childTnLst>
-                    </p:cTn>
-                  </p:par>
-                  <p:par>
-                    <p:cTn id="7" fill="hold">
-                      <p:stCondLst>
-                        <p:cond delay="indefinite"/>
-                      </p:stCondLst>
-                      <p:childTnLst>
-                        <p:par>
-                          <p:cTn id="8" fill="hold">
-                            <p:stCondLst>
-                              <p:cond delay="0"/>
-                            </p:stCondLst>
-                            <p:childTnLst>
-                              <p:par>
-                                <p:cTn id="9" presetID="1" presetClass="entr" presetSubtype="0" fill="hold" grpId="0" nodeType="clickEffect">
-                                  <p:stCondLst>
-                                    <p:cond delay="0"/>
-                                  </p:stCondLst>
-                                  <p:childTnLst>
-                                    <p:set>
-                                      <p:cBhvr>
-                                        <p:cTn id="10" dur="1" fill="hold">
-                                          <p:stCondLst>
-                                            <p:cond delay="0"/>
-                                          </p:stCondLst>
-                                        </p:cTn>
-                                        <p:tgtEl>
-                                          <p:spTgt spid="3">
-                                            <p:txEl>
-                                              <p:pRg st="2" end="2"/>
-                                            </p:txEl>
-                                          </p:spTgt>
-                                        </p:tgtEl>
-                                        <p:attrNameLst>
-                                          <p:attrName>style.visibility</p:attrName>
-                                        </p:attrNameLst>
-                                      </p:cBhvr>
-                                      <p:to>
-                                        <p:strVal val="visible"/>
-                                      </p:to>
-                                    </p:set>
-                                  </p:childTnLst>
-                                </p:cTn>
-                              </p:par>
-                            </p:childTnLst>
-                          </p:cTn>
-                        </p:par>
-                      </p:childTnLst>
-                    </p:cTn>
-                  </p:par>
-                  <p:par>
-                    <p:cTn id="11" fill="hold">
-                      <p:stCondLst>
-                        <p:cond delay="indefinite"/>
-                      </p:stCondLst>
-                      <p:childTnLst>
-                        <p:par>
-                          <p:cTn id="12" fill="hold">
-                            <p:stCondLst>
-                              <p:cond delay="0"/>
-                            </p:stCondLst>
-                            <p:childTnLst>
-                              <p:par>
-                                <p:cTn id="13" presetID="1" presetClass="entr" presetSubtype="0" fill="hold" grpId="0" nodeType="clickEffect">
-                                  <p:stCondLst>
-                                    <p:cond delay="0"/>
-                                  </p:stCondLst>
-                                  <p:childTnLst>
-                                    <p:set>
-                                      <p:cBhvr>
-                                        <p:cTn id="14" dur="1" fill="hold">
-                                          <p:stCondLst>
-                                            <p:cond delay="0"/>
-                                          </p:stCondLst>
-                                        </p:cTn>
-                                        <p:tgtEl>
-                                          <p:spTgt spid="3">
-                                            <p:txEl>
-                                              <p:pRg st="3" end="3"/>
-                                            </p:txEl>
-                                          </p:spTgt>
-                                        </p:tgtEl>
-                                        <p:attrNameLst>
-                                          <p:attrName>style.visibility</p:attrName>
-                                        </p:attrNameLst>
-                                      </p:cBhvr>
-                                      <p:to>
-                                        <p:strVal val="visible"/>
-                                      </p:to>
-                                    </p:set>
-                                  </p:childTnLst>
-                                </p:cTn>
-                              </p:par>
-                            </p:childTnLst>
-                          </p:cTn>
-                        </p:par>
-                      </p:childTnLst>
-                    </p:cTn>
-                  </p:par>
-                  <p:par>
-                    <p:cTn id="15" fill="hold">
-                      <p:stCondLst>
-                        <p:cond delay="indefinite"/>
-                      </p:stCondLst>
-                      <p:childTnLst>
-                        <p:par>
-                          <p:cTn id="16" fill="hold">
-                            <p:stCondLst>
-                              <p:cond delay="0"/>
-                            </p:stCondLst>
-                            <p:childTnLst>
-                              <p:par>
-                                <p:cTn id="17" presetID="1" presetClass="entr" presetSubtype="0" fill="hold" grpId="0" nodeType="clickEffect">
-                                  <p:stCondLst>
-                                    <p:cond delay="0"/>
-                                  </p:stCondLst>
-                                  <p:childTnLst>
-                                    <p:set>
-                                      <p:cBhvr>
-                                        <p:cTn id="18" dur="1" fill="hold">
-                                          <p:stCondLst>
-                                            <p:cond delay="0"/>
-                                          </p:stCondLst>
-                                        </p:cTn>
-                                        <p:tgtEl>
-                                          <p:spTgt spid="3">
-                                            <p:txEl>
-                                              <p:pRg st="4" end="4"/>
-                                            </p:txEl>
-                                          </p:spTgt>
-                                        </p:tgtEl>
-                                        <p:attrNameLst>
-                                          <p:attrName>style.visibility</p:attrName>
-                                        </p:attrNameLst>
-                                      </p:cBhvr>
-                                      <p:to>
-                                        <p:strVal val="visible"/>
-                                      </p:to>
-                                    </p:set>
-                                  </p:childTnLst>
-                                </p:cTn>
-                              </p:par>
-                            </p:childTnLst>
-                          </p:cTn>
-                        </p:par>
-                      </p:childTnLst>
-                    </p:cTn>
-                  </p:par>
-                  <p:par>
-                    <p:cTn id="19" fill="hold">
-                      <p:stCondLst>
-                        <p:cond delay="indefinite"/>
-                      </p:stCondLst>
-                      <p:childTnLst>
-                        <p:par>
-                          <p:cTn id="20" fill="hold">
-                            <p:stCondLst>
-                              <p:cond delay="0"/>
-                            </p:stCondLst>
-                            <p:childTnLst>
-                              <p:par>
-                                <p:cTn id="21" presetID="1" presetClass="entr" presetSubtype="0" fill="hold" grpId="0" nodeType="clickEffect">
-                                  <p:stCondLst>
-                                    <p:cond delay="0"/>
-                                  </p:stCondLst>
-                                  <p:childTnLst>
-                                    <p:set>
-                                      <p:cBhvr>
-                                        <p:cTn id="22" dur="1" fill="hold">
-                                          <p:stCondLst>
-                                            <p:cond delay="0"/>
-                                          </p:stCondLst>
-                                        </p:cTn>
-                                        <p:tgtEl>
-                                          <p:spTgt spid="3">
-                                            <p:txEl>
-                                              <p:pRg st="5" end="5"/>
-                                            </p:txEl>
-                                          </p:spTgt>
-                                        </p:tgtEl>
-                                        <p:attrNameLst>
-                                          <p:attrName>style.visibility</p:attrName>
-                                        </p:attrNameLst>
-                                      </p:cBhvr>
-                                      <p:to>
-                                        <p:strVal val="visible"/>
-                                      </p:to>
-                                    </p:set>
-                                  </p:childTnLst>
-                                </p:cTn>
-                              </p:par>
-                            </p:childTnLst>
-                          </p:cTn>
-                        </p:par>
-                      </p:childTnLst>
-                    </p:cTn>
-                  </p:par>
-                  <p:par>
-                    <p:cTn id="23" fill="hold">
-                      <p:stCondLst>
-                        <p:cond delay="indefinite"/>
-                      </p:stCondLst>
-                      <p:childTnLst>
-                        <p:par>
-                          <p:cTn id="24" fill="hold">
-                            <p:stCondLst>
-                              <p:cond delay="0"/>
-                            </p:stCondLst>
-                            <p:childTnLst>
-                              <p:par>
-                                <p:cTn id="25" presetID="1" presetClass="entr" presetSubtype="0" fill="hold" grpId="0" nodeType="clickEffect">
-                                  <p:stCondLst>
-                                    <p:cond delay="0"/>
-                                  </p:stCondLst>
-                                  <p:childTnLst>
-                                    <p:set>
-                                      <p:cBhvr>
-                                        <p:cTn id="26" dur="1" fill="hold">
-                                          <p:stCondLst>
-                                            <p:cond delay="0"/>
-                                          </p:stCondLst>
-                                        </p:cTn>
-                                        <p:tgtEl>
-                                          <p:spTgt spid="3">
-                                            <p:txEl>
-                                              <p:pRg st="6" end="6"/>
-                                            </p:txEl>
-                                          </p:spTgt>
-                                        </p:tgtEl>
-                                        <p:attrNameLst>
-                                          <p:attrName>style.visibility</p:attrName>
-                                        </p:attrNameLst>
-                                      </p:cBhvr>
-                                      <p:to>
-                                        <p:strVal val="visible"/>
-                                      </p:to>
-                                    </p:set>
-                                  </p:childTnLst>
-                                </p:cTn>
-                              </p:par>
-                            </p:childTnLst>
-                          </p:cTn>
-                        </p:par>
-                      </p:childTnLst>
-                    </p:cTn>
-                  </p:par>
-                </p:childTnLst>
-              </p:cTn>
-              <p:prevCondLst>
-                <p:cond evt="onPrev" delay="0">
-                  <p:tgtEl>
-                    <p:sldTgt/>
-                  </p:tgtEl>
-                </p:cond>
-              </p:prevCondLst>
-              <p:nextCondLst>
-                <p:cond evt="onNext" delay="0">
-                  <p:tgtEl>
-                    <p:sldTgt/>
-                  </p:tgtEl>
-                </p:cond>
-              </p:nextCondLst>
-            </p:seq>
-          </p:childTnLst>
-        </p:cTn>
-      </p:par>
-    </p:tnLst>
-    <p:bldLst>
-      <p:bldP spid="3" grpId="0" uiExpand="1" build="p"/>
-    </p:bldLst>
-  </p:timing>
-</p:sld>
-</file>
-
-<file path=ppt/slides/slide9.xml><?xml version="1.0" encoding="utf-8"?>
-<p:sld xmlns:a="http://schemas.openxmlformats.org/drawingml/2006/main" xmlns:r="http://schemas.openxmlformats.org/officeDocument/2006/relationships" xmlns:p="http://schemas.openxmlformats.org/presentationml/2006/main">
-  <p:cSld>
-    <p:spTree>
-      <p:nvGrpSpPr>
-        <p:cNvPr id="1" name=""/>
-        <p:cNvGrpSpPr/>
-        <p:nvPr/>
-      </p:nvGrpSpPr>
-      <p:grpSpPr>
-        <a:xfrm>
-          <a:off x="0" y="0"/>
-          <a:ext cx="0" cy="0"/>
-          <a:chOff x="0" y="0"/>
-          <a:chExt cx="0" cy="0"/>
-        </a:xfrm>
-      </p:grpSpPr>
-      <p:sp>
-        <p:nvSpPr>
-          <p:cNvPr id="2" name="Title 1">
-            <a:extLst>
-              <a:ext uri="{FF2B5EF4-FFF2-40B4-BE49-F238E27FC236}">
-                <a16:creationId xmlns:a16="http://schemas.microsoft.com/office/drawing/2014/main" id="{CE93B9A9-5430-43CA-A076-1B33A322CAF1}"/>
-              </a:ext>
-            </a:extLst>
-          </p:cNvPr>
-          <p:cNvSpPr>
-            <a:spLocks noGrp="1"/>
-          </p:cNvSpPr>
-          <p:nvPr>
-            <p:ph type="title"/>
-          </p:nvPr>
-        </p:nvSpPr>
-        <p:spPr/>
-        <p:txBody>
-          <a:bodyPr/>
-          <a:lstStyle/>
-          <a:p>
-            <a:r>
-              <a:rPr lang="en-GB" dirty="0"/>
-              <a:t>Suggested activities</a:t>
-            </a:r>
-          </a:p>
-        </p:txBody>
-      </p:sp>
-      <p:sp>
-        <p:nvSpPr>
-          <p:cNvPr id="3" name="Content Placeholder 2">
-            <a:extLst>
-              <a:ext uri="{FF2B5EF4-FFF2-40B4-BE49-F238E27FC236}">
-                <a16:creationId xmlns:a16="http://schemas.microsoft.com/office/drawing/2014/main" id="{A8B5FB3A-DBC2-49E7-B8E9-76B44D37034D}"/>
-              </a:ext>
-            </a:extLst>
-          </p:cNvPr>
-          <p:cNvSpPr>
-            <a:spLocks noGrp="1"/>
-          </p:cNvSpPr>
-          <p:nvPr>
-            <p:ph idx="1"/>
-          </p:nvPr>
-        </p:nvSpPr>
-        <p:spPr>
-          <a:xfrm>
-            <a:off x="1066800" y="1864129"/>
-            <a:ext cx="10058400" cy="4112286"/>
-          </a:xfrm>
-        </p:spPr>
-        <p:txBody>
-          <a:bodyPr>
-            <a:noAutofit/>
-          </a:bodyPr>
-          <a:lstStyle/>
-          <a:p>
-            <a:pPr marL="514350" indent="-514350">
-              <a:buFont typeface="+mj-lt"/>
-              <a:buAutoNum type="arabicPeriod"/>
-            </a:pPr>
-            <a:r>
-              <a:rPr lang="en-GB" sz="2400" dirty="0"/>
-              <a:t>Review resources for written assignments linked from these slides/at </a:t>
-            </a:r>
-            <a:r>
-              <a:rPr lang="en-GB" sz="2400" dirty="0">
-                <a:hlinkClick r:id="rId2"/>
-              </a:rPr>
-              <a:t>https://studyhub.fxplus.ac.uk/written-assignments</a:t>
-            </a:r>
-            <a:endParaRPr lang="en-GB" sz="2400" dirty="0"/>
-          </a:p>
-          <a:p>
-            <a:pPr marL="514350" indent="-514350">
-              <a:buFont typeface="+mj-lt"/>
-              <a:buAutoNum type="arabicPeriod"/>
-            </a:pPr>
-            <a:r>
-              <a:rPr lang="en-GB" sz="2400" dirty="0"/>
-              <a:t>If you haven’t done so already, create:</a:t>
-            </a:r>
-          </a:p>
-          <a:p>
-            <a:pPr marL="788670" lvl="1" indent="-514350">
-              <a:buFont typeface="+mj-lt"/>
-              <a:buAutoNum type="alphaLcParenR"/>
-            </a:pPr>
-            <a:r>
-              <a:rPr lang="en-GB" sz="2000" dirty="0"/>
-              <a:t>A time plan for writing your report, and</a:t>
-            </a:r>
-          </a:p>
-          <a:p>
-            <a:pPr marL="788670" lvl="1" indent="-514350">
-              <a:buFont typeface="+mj-lt"/>
-              <a:buAutoNum type="alphaLcParenR"/>
-            </a:pPr>
-            <a:r>
-              <a:rPr lang="en-GB" sz="2000" dirty="0"/>
-              <a:t>An outline of your report’s structure</a:t>
-            </a:r>
-          </a:p>
-          <a:p>
-            <a:pPr marL="514350" indent="-514350">
-              <a:buFont typeface="+mj-lt"/>
-              <a:buAutoNum type="arabicPeriod"/>
-            </a:pPr>
-            <a:r>
-              <a:rPr lang="en-GB" sz="2400" dirty="0"/>
-              <a:t>Continue work on </a:t>
-            </a:r>
-            <a:r>
-              <a:rPr lang="en-GB" sz="2400"/>
-              <a:t>your poster (see week 5 slides for tips).</a:t>
-            </a:r>
-            <a:endParaRPr lang="en-GB" sz="2400" dirty="0"/>
-          </a:p>
-          <a:p>
-            <a:pPr marL="514350" indent="-514350">
-              <a:buFont typeface="+mj-lt"/>
-              <a:buAutoNum type="arabicPeriod"/>
-            </a:pPr>
-            <a:r>
-              <a:rPr lang="en-GB" sz="2400" dirty="0"/>
-              <a:t>Continue work on your artefact.</a:t>
-            </a:r>
-          </a:p>
-          <a:p>
-            <a:pPr marL="514350" indent="-514350">
-              <a:buFont typeface="+mj-lt"/>
-              <a:buAutoNum type="arabicPeriod"/>
-            </a:pPr>
-            <a:endParaRPr lang="en-GB" sz="800" b="1" dirty="0"/>
-          </a:p>
-          <a:p>
-            <a:pPr marL="0" indent="0">
-              <a:buNone/>
-            </a:pPr>
-            <a:r>
-              <a:rPr lang="en-GB" sz="1800" dirty="0"/>
-              <a:t>Find these slides online at:</a:t>
-            </a:r>
-          </a:p>
-          <a:p>
-            <a:pPr marL="0" indent="0">
-              <a:buNone/>
-            </a:pPr>
-            <a:r>
-              <a:rPr lang="en-GB" sz="1800" dirty="0">
-                <a:solidFill>
-                  <a:srgbClr val="00B0F0"/>
-                </a:solidFill>
-                <a:hlinkClick r:id="rId3">
-                  <a:extLst>
-                    <a:ext uri="{A12FA001-AC4F-418D-AE19-62706E023703}">
-                      <ahyp:hlinkClr xmlns:ahyp="http://schemas.microsoft.com/office/drawing/2018/hyperlinkcolor" val="tx"/>
-                    </a:ext>
-                  </a:extLst>
-                </a:hlinkClick>
-              </a:rPr>
-              <a:t>https://github.com/Falmouth-Games-Academy/</a:t>
-            </a:r>
-            <a:r>
-              <a:rPr lang="en-GB" sz="1800" b="1" dirty="0">
-                <a:solidFill>
-                  <a:srgbClr val="00B0F0"/>
-                </a:solidFill>
-                <a:hlinkClick r:id="rId3">
-                  <a:extLst>
-                    <a:ext uri="{A12FA001-AC4F-418D-AE19-62706E023703}">
-                      <ahyp:hlinkClr xmlns:ahyp="http://schemas.microsoft.com/office/drawing/2018/hyperlinkcolor" val="tx"/>
-                    </a:ext>
-                  </a:extLst>
-                </a:hlinkClick>
-              </a:rPr>
-              <a:t>COMP2x0-workshop-slides</a:t>
-            </a:r>
-            <a:endParaRPr lang="en-GB" sz="1800" b="1" dirty="0">
-              <a:solidFill>
-                <a:srgbClr val="00B0F0"/>
-              </a:solidFill>
-            </a:endParaRPr>
-          </a:p>
-        </p:txBody>
-      </p:sp>
-    </p:spTree>
-    <p:extLst>
-      <p:ext uri="{BB962C8B-B14F-4D97-AF65-F5344CB8AC3E}">
-        <p14:creationId xmlns:p14="http://schemas.microsoft.com/office/powerpoint/2010/main" val="4214232663"/>
-      </p:ext>
-    </p:extLst>
-  </p:cSld>
-  <p:clrMapOvr>
-    <a:masterClrMapping/>
-  </p:clrMapOvr>
-  <p:timing>
-    <p:tnLst>
-      <p:par>
-        <p:cTn id="1" dur="indefinite" restart="never" nodeType="tmRoot">
-          <p:childTnLst>
-            <p:seq concurrent="1" nextAc="seek">
-              <p:cTn id="2" dur="indefinite" nodeType="mainSeq">
-                <p:childTnLst>
-                  <p:par>
-                    <p:cTn id="3" fill="hold">
-                      <p:stCondLst>
-                        <p:cond delay="indefinite"/>
-                      </p:stCondLst>
-                      <p:childTnLst>
-                        <p:par>
-                          <p:cTn id="4" fill="hold">
-                            <p:stCondLst>
-                              <p:cond delay="0"/>
-                            </p:stCondLst>
-                            <p:childTnLst>
-                              <p:par>
-                                <p:cTn id="5" presetID="1" presetClass="entr" presetSubtype="0" fill="hold" grpId="0" nodeType="clickEffect">
-                                  <p:stCondLst>
-                                    <p:cond delay="0"/>
-                                  </p:stCondLst>
-                                  <p:childTnLst>
-                                    <p:set>
-                                      <p:cBhvr>
-                                        <p:cTn id="6" dur="1" fill="hold">
-                                          <p:stCondLst>
-                                            <p:cond delay="0"/>
-                                          </p:stCondLst>
-                                        </p:cTn>
-                                        <p:tgtEl>
-                                          <p:spTgt spid="3">
-                                            <p:txEl>
-                                              <p:pRg st="0" end="0"/>
-                                            </p:txEl>
-                                          </p:spTgt>
-                                        </p:tgtEl>
-                                        <p:attrNameLst>
-                                          <p:attrName>style.visibility</p:attrName>
-                                        </p:attrNameLst>
-                                      </p:cBhvr>
-                                      <p:to>
-                                        <p:strVal val="visible"/>
-                                      </p:to>
-                                    </p:set>
-                                  </p:childTnLst>
-                                </p:cTn>
-                              </p:par>
-                            </p:childTnLst>
-                          </p:cTn>
-                        </p:par>
-                      </p:childTnLst>
-                    </p:cTn>
-                  </p:par>
-                  <p:par>
-                    <p:cTn id="7" fill="hold">
-                      <p:stCondLst>
-                        <p:cond delay="indefinite"/>
-                      </p:stCondLst>
-                      <p:childTnLst>
-                        <p:par>
-                          <p:cTn id="8" fill="hold">
-                            <p:stCondLst>
-                              <p:cond delay="0"/>
-                            </p:stCondLst>
-                            <p:childTnLst>
-                              <p:par>
-                                <p:cTn id="9" presetID="1" presetClass="entr" presetSubtype="0" fill="hold" grpId="0" nodeType="clickEffect">
-                                  <p:stCondLst>
-                                    <p:cond delay="0"/>
-                                  </p:stCondLst>
-                                  <p:childTnLst>
-                                    <p:set>
-                                      <p:cBhvr>
-                                        <p:cTn id="10" dur="1" fill="hold">
-                                          <p:stCondLst>
-                                            <p:cond delay="0"/>
-                                          </p:stCondLst>
-                                        </p:cTn>
-                                        <p:tgtEl>
-                                          <p:spTgt spid="3">
-                                            <p:txEl>
-                                              <p:pRg st="1" end="1"/>
-                                            </p:txEl>
-                                          </p:spTgt>
-                                        </p:tgtEl>
-                                        <p:attrNameLst>
-                                          <p:attrName>style.visibility</p:attrName>
-                                        </p:attrNameLst>
-                                      </p:cBhvr>
-                                      <p:to>
-                                        <p:strVal val="visible"/>
-                                      </p:to>
-                                    </p:set>
-                                  </p:childTnLst>
-                                </p:cTn>
-                              </p:par>
-                              <p:par>
-                                <p:cTn id="11" presetID="1" presetClass="entr" presetSubtype="0" fill="hold" grpId="0" nodeType="withEffect">
-                                  <p:stCondLst>
-                                    <p:cond delay="0"/>
-                                  </p:stCondLst>
-                                  <p:childTnLst>
-                                    <p:set>
-                                      <p:cBhvr>
-                                        <p:cTn id="12" dur="1" fill="hold">
-                                          <p:stCondLst>
-                                            <p:cond delay="0"/>
-                                          </p:stCondLst>
-                                        </p:cTn>
-                                        <p:tgtEl>
-                                          <p:spTgt spid="3">
-                                            <p:txEl>
-                                              <p:pRg st="2" end="2"/>
-                                            </p:txEl>
-                                          </p:spTgt>
-                                        </p:tgtEl>
-                                        <p:attrNameLst>
-                                          <p:attrName>style.visibility</p:attrName>
-                                        </p:attrNameLst>
-                                      </p:cBhvr>
-                                      <p:to>
-                                        <p:strVal val="visible"/>
-                                      </p:to>
-                                    </p:set>
-                                  </p:childTnLst>
-                                </p:cTn>
-                              </p:par>
-                              <p:par>
-                                <p:cTn id="13" presetID="1" presetClass="entr" presetSubtype="0" fill="hold" grpId="0" nodeType="withEffect">
-                                  <p:stCondLst>
-                                    <p:cond delay="0"/>
-                                  </p:stCondLst>
-                                  <p:childTnLst>
-                                    <p:set>
-                                      <p:cBhvr>
-                                        <p:cTn id="14" dur="1" fill="hold">
-                                          <p:stCondLst>
-                                            <p:cond delay="0"/>
-                                          </p:stCondLst>
-                                        </p:cTn>
-                                        <p:tgtEl>
-                                          <p:spTgt spid="3">
-                                            <p:txEl>
-                                              <p:pRg st="3" end="3"/>
-                                            </p:txEl>
-                                          </p:spTgt>
-                                        </p:tgtEl>
-                                        <p:attrNameLst>
-                                          <p:attrName>style.visibility</p:attrName>
-                                        </p:attrNameLst>
-                                      </p:cBhvr>
-                                      <p:to>
-                                        <p:strVal val="visible"/>
-                                      </p:to>
-                                    </p:set>
-                                  </p:childTnLst>
-                                </p:cTn>
-                              </p:par>
-                            </p:childTnLst>
-                          </p:cTn>
-                        </p:par>
-                      </p:childTnLst>
-                    </p:cTn>
-                  </p:par>
-                  <p:par>
-                    <p:cTn id="15" fill="hold">
-                      <p:stCondLst>
-                        <p:cond delay="indefinite"/>
-                      </p:stCondLst>
-                      <p:childTnLst>
-                        <p:par>
-                          <p:cTn id="16" fill="hold">
-                            <p:stCondLst>
-                              <p:cond delay="0"/>
-                            </p:stCondLst>
-                            <p:childTnLst>
-                              <p:par>
-                                <p:cTn id="17" presetID="1" presetClass="entr" presetSubtype="0" fill="hold" grpId="0" nodeType="clickEffect">
-                                  <p:stCondLst>
-                                    <p:cond delay="0"/>
-                                  </p:stCondLst>
-                                  <p:childTnLst>
-                                    <p:set>
-                                      <p:cBhvr>
-                                        <p:cTn id="18" dur="1" fill="hold">
-                                          <p:stCondLst>
-                                            <p:cond delay="0"/>
-                                          </p:stCondLst>
-                                        </p:cTn>
-                                        <p:tgtEl>
-                                          <p:spTgt spid="3">
-                                            <p:txEl>
-                                              <p:pRg st="4" end="4"/>
-                                            </p:txEl>
-                                          </p:spTgt>
-                                        </p:tgtEl>
-                                        <p:attrNameLst>
-                                          <p:attrName>style.visibility</p:attrName>
-                                        </p:attrNameLst>
-                                      </p:cBhvr>
-                                      <p:to>
-                                        <p:strVal val="visible"/>
-                                      </p:to>
-                                    </p:set>
-                                  </p:childTnLst>
-                                </p:cTn>
-                              </p:par>
-                            </p:childTnLst>
-                          </p:cTn>
-                        </p:par>
-                      </p:childTnLst>
-                    </p:cTn>
-                  </p:par>
-                  <p:par>
-                    <p:cTn id="19" fill="hold">
-                      <p:stCondLst>
-                        <p:cond delay="indefinite"/>
-                      </p:stCondLst>
-                      <p:childTnLst>
-                        <p:par>
-                          <p:cTn id="20" fill="hold">
-                            <p:stCondLst>
-                              <p:cond delay="0"/>
-                            </p:stCondLst>
-                            <p:childTnLst>
-                              <p:par>
-                                <p:cTn id="21" presetID="1" presetClass="entr" presetSubtype="0" fill="hold" grpId="0" nodeType="clickEffect">
-                                  <p:stCondLst>
-                                    <p:cond delay="0"/>
-                                  </p:stCondLst>
-                                  <p:childTnLst>
-                                    <p:set>
-                                      <p:cBhvr>
-                                        <p:cTn id="22" dur="1" fill="hold">
-                                          <p:stCondLst>
-                                            <p:cond delay="0"/>
-                                          </p:stCondLst>
-                                        </p:cTn>
-                                        <p:tgtEl>
-                                          <p:spTgt spid="3">
-                                            <p:txEl>
-                                              <p:pRg st="5" end="5"/>
-                                            </p:txEl>
-                                          </p:spTgt>
-                                        </p:tgtEl>
-                                        <p:attrNameLst>
-                                          <p:attrName>style.visibility</p:attrName>
-                                        </p:attrNameLst>
-                                      </p:cBhvr>
-                                      <p:to>
-                                        <p:strVal val="visible"/>
-                                      </p:to>
-                                    </p:set>
-                                  </p:childTnLst>
-                                </p:cTn>
-                              </p:par>
-                            </p:childTnLst>
-                          </p:cTn>
-                        </p:par>
-                      </p:childTnLst>
-                    </p:cTn>
-                  </p:par>
-                  <p:par>
-                    <p:cTn id="23" fill="hold">
-                      <p:stCondLst>
-                        <p:cond delay="indefinite"/>
-                      </p:stCondLst>
-                      <p:childTnLst>
-                        <p:par>
-                          <p:cTn id="24" fill="hold">
-                            <p:stCondLst>
-                              <p:cond delay="0"/>
-                            </p:stCondLst>
-                            <p:childTnLst>
-                              <p:par>
-                                <p:cTn id="25" presetID="1" presetClass="entr" presetSubtype="0" fill="hold" grpId="0" nodeType="clickEffect">
-                                  <p:stCondLst>
-                                    <p:cond delay="0"/>
-                                  </p:stCondLst>
-                                  <p:childTnLst>
-                                    <p:set>
-                                      <p:cBhvr>
-                                        <p:cTn id="26" dur="1" fill="hold">
-                                          <p:stCondLst>
-                                            <p:cond delay="0"/>
-                                          </p:stCondLst>
-                                        </p:cTn>
-                                        <p:tgtEl>
-                                          <p:spTgt spid="3">
-                                            <p:txEl>
-                                              <p:pRg st="7" end="7"/>
-                                            </p:txEl>
-                                          </p:spTgt>
-                                        </p:tgtEl>
-                                        <p:attrNameLst>
-                                          <p:attrName>style.visibility</p:attrName>
-                                        </p:attrNameLst>
-                                      </p:cBhvr>
-                                      <p:to>
-                                        <p:strVal val="visible"/>
-                                      </p:to>
-                                    </p:set>
-                                  </p:childTnLst>
-                                </p:cTn>
-                              </p:par>
-                            </p:childTnLst>
-                          </p:cTn>
-                        </p:par>
-                      </p:childTnLst>
-                    </p:cTn>
-                  </p:par>
-                  <p:par>
-                    <p:cTn id="27" fill="hold">
-                      <p:stCondLst>
-                        <p:cond delay="indefinite"/>
-                      </p:stCondLst>
-                      <p:childTnLst>
-                        <p:par>
-                          <p:cTn id="28" fill="hold">
-                            <p:stCondLst>
-                              <p:cond delay="0"/>
-                            </p:stCondLst>
-                            <p:childTnLst>
-                              <p:par>
-                                <p:cTn id="29" presetID="1" presetClass="entr" presetSubtype="0" fill="hold" grpId="0" nodeType="clickEffect">
-                                  <p:stCondLst>
-                                    <p:cond delay="0"/>
-                                  </p:stCondLst>
-                                  <p:childTnLst>
-                                    <p:set>
-                                      <p:cBhvr>
-                                        <p:cTn id="30" dur="1" fill="hold">
-                                          <p:stCondLst>
-                                            <p:cond delay="0"/>
-                                          </p:stCondLst>
-                                        </p:cTn>
-                                        <p:tgtEl>
-                                          <p:spTgt spid="3">
-                                            <p:txEl>
-                                              <p:pRg st="8" end="8"/>
-                                            </p:txEl>
-                                          </p:spTgt>
-                                        </p:tgtEl>
-                                        <p:attrNameLst>
-                                          <p:attrName>style.visibility</p:attrName>
-                                        </p:attrNameLst>
-                                      </p:cBhvr>
-                                      <p:to>
-                                        <p:strVal val="visible"/>
-                                      </p:to>
-                                    </p:set>
-                                  </p:childTnLst>
-                                </p:cTn>
-                              </p:par>
-                            </p:childTnLst>
-                          </p:cTn>
-                        </p:par>
-                      </p:childTnLst>
-                    </p:cTn>
-                  </p:par>
-                </p:childTnLst>
-              </p:cTn>
-              <p:prevCondLst>
-                <p:cond evt="onPrev" delay="0">
-                  <p:tgtEl>
-                    <p:sldTgt/>
-                  </p:tgtEl>
-                </p:cond>
-              </p:prevCondLst>
-              <p:nextCondLst>
-                <p:cond evt="onNext" delay="0">
-                  <p:tgtEl>
-                    <p:sldTgt/>
-                  </p:tgtEl>
-                </p:cond>
-              </p:nextCondLst>
-            </p:seq>
-          </p:childTnLst>
-        </p:cTn>
-      </p:par>
-    </p:tnLst>
-    <p:bldLst>
-      <p:bldP spid="3" grpId="0" build="p"/>
-    </p:bldLst>
-  </p:timing>
-</p:sld>
-</file>
-
 <file path=ppt/theme/theme1.xml><?xml version="1.0" encoding="utf-8"?>
 <a:theme xmlns:a="http://schemas.openxmlformats.org/drawingml/2006/main" name="SavonVTI">
   <a:themeElements>

--- a/COMP2x0-portfolio-workshop-07.pptx
+++ b/COMP2x0-portfolio-workshop-07.pptx
@@ -4,19 +4,22 @@
   <p:sldMasterIdLst>
     <p:sldMasterId id="2147483673" r:id="rId1"/>
   </p:sldMasterIdLst>
+  <p:notesMasterIdLst>
+    <p:notesMasterId r:id="rId14"/>
+  </p:notesMasterIdLst>
   <p:sldIdLst>
     <p:sldId id="257" r:id="rId2"/>
     <p:sldId id="279" r:id="rId3"/>
-    <p:sldId id="278" r:id="rId4"/>
-    <p:sldId id="280" r:id="rId5"/>
-    <p:sldId id="275" r:id="rId6"/>
-    <p:sldId id="265" r:id="rId7"/>
-    <p:sldId id="269" r:id="rId8"/>
-    <p:sldId id="271" r:id="rId9"/>
-    <p:sldId id="272" r:id="rId10"/>
-    <p:sldId id="273" r:id="rId11"/>
-    <p:sldId id="274" r:id="rId12"/>
-    <p:sldId id="268" r:id="rId13"/>
+    <p:sldId id="281" r:id="rId4"/>
+    <p:sldId id="278" r:id="rId5"/>
+    <p:sldId id="283" r:id="rId6"/>
+    <p:sldId id="286" r:id="rId7"/>
+    <p:sldId id="288" r:id="rId8"/>
+    <p:sldId id="272" r:id="rId9"/>
+    <p:sldId id="285" r:id="rId10"/>
+    <p:sldId id="284" r:id="rId11"/>
+    <p:sldId id="273" r:id="rId12"/>
+    <p:sldId id="287" r:id="rId13"/>
   </p:sldIdLst>
   <p:sldSz cx="12192000" cy="6858000"/>
   <p:notesSz cx="6858000" cy="9144000"/>
@@ -121,6 +124,873 @@
     </p:ext>
   </p:extLst>
 </p:presentation>
+</file>
+
+<file path=ppt/notesMasters/notesMaster1.xml><?xml version="1.0" encoding="utf-8"?>
+<p:notesMaster xmlns:a="http://schemas.openxmlformats.org/drawingml/2006/main" xmlns:r="http://schemas.openxmlformats.org/officeDocument/2006/relationships" xmlns:p="http://schemas.openxmlformats.org/presentationml/2006/main">
+  <p:cSld>
+    <p:bg>
+      <p:bgRef idx="1001">
+        <a:schemeClr val="bg1"/>
+      </p:bgRef>
+    </p:bg>
+    <p:spTree>
+      <p:nvGrpSpPr>
+        <p:cNvPr id="1" name=""/>
+        <p:cNvGrpSpPr/>
+        <p:nvPr/>
+      </p:nvGrpSpPr>
+      <p:grpSpPr>
+        <a:xfrm>
+          <a:off x="0" y="0"/>
+          <a:ext cx="0" cy="0"/>
+          <a:chOff x="0" y="0"/>
+          <a:chExt cx="0" cy="0"/>
+        </a:xfrm>
+      </p:grpSpPr>
+      <p:sp>
+        <p:nvSpPr>
+          <p:cNvPr id="2" name="Header Placeholder 1"/>
+          <p:cNvSpPr>
+            <a:spLocks noGrp="1"/>
+          </p:cNvSpPr>
+          <p:nvPr>
+            <p:ph type="hdr" sz="quarter"/>
+          </p:nvPr>
+        </p:nvSpPr>
+        <p:spPr>
+          <a:xfrm>
+            <a:off x="0" y="0"/>
+            <a:ext cx="2971800" cy="458788"/>
+          </a:xfrm>
+          <a:prstGeom prst="rect">
+            <a:avLst/>
+          </a:prstGeom>
+        </p:spPr>
+        <p:txBody>
+          <a:bodyPr vert="horz" lIns="91440" tIns="45720" rIns="91440" bIns="45720" rtlCol="0"/>
+          <a:lstStyle>
+            <a:lvl1pPr algn="l">
+              <a:defRPr sz="1200"/>
+            </a:lvl1pPr>
+          </a:lstStyle>
+          <a:p>
+            <a:endParaRPr lang="en-GB"/>
+          </a:p>
+        </p:txBody>
+      </p:sp>
+      <p:sp>
+        <p:nvSpPr>
+          <p:cNvPr id="3" name="Date Placeholder 2"/>
+          <p:cNvSpPr>
+            <a:spLocks noGrp="1"/>
+          </p:cNvSpPr>
+          <p:nvPr>
+            <p:ph type="dt" idx="1"/>
+          </p:nvPr>
+        </p:nvSpPr>
+        <p:spPr>
+          <a:xfrm>
+            <a:off x="3884613" y="0"/>
+            <a:ext cx="2971800" cy="458788"/>
+          </a:xfrm>
+          <a:prstGeom prst="rect">
+            <a:avLst/>
+          </a:prstGeom>
+        </p:spPr>
+        <p:txBody>
+          <a:bodyPr vert="horz" lIns="91440" tIns="45720" rIns="91440" bIns="45720" rtlCol="0"/>
+          <a:lstStyle>
+            <a:lvl1pPr algn="r">
+              <a:defRPr sz="1200"/>
+            </a:lvl1pPr>
+          </a:lstStyle>
+          <a:p>
+            <a:fld id="{3669B2C4-D577-4D7E-BA89-96BE17853360}" type="datetimeFigureOut">
+              <a:rPr lang="en-GB" smtClean="0"/>
+              <a:t>07/03/2021</a:t>
+            </a:fld>
+            <a:endParaRPr lang="en-GB"/>
+          </a:p>
+        </p:txBody>
+      </p:sp>
+      <p:sp>
+        <p:nvSpPr>
+          <p:cNvPr id="4" name="Slide Image Placeholder 3"/>
+          <p:cNvSpPr>
+            <a:spLocks noGrp="1" noRot="1" noChangeAspect="1"/>
+          </p:cNvSpPr>
+          <p:nvPr>
+            <p:ph type="sldImg" idx="2"/>
+          </p:nvPr>
+        </p:nvSpPr>
+        <p:spPr>
+          <a:xfrm>
+            <a:off x="685800" y="1143000"/>
+            <a:ext cx="5486400" cy="3086100"/>
+          </a:xfrm>
+          <a:prstGeom prst="rect">
+            <a:avLst/>
+          </a:prstGeom>
+          <a:noFill/>
+          <a:ln w="12700">
+            <a:solidFill>
+              <a:prstClr val="black"/>
+            </a:solidFill>
+          </a:ln>
+        </p:spPr>
+        <p:txBody>
+          <a:bodyPr vert="horz" lIns="91440" tIns="45720" rIns="91440" bIns="45720" rtlCol="0" anchor="ctr"/>
+          <a:lstStyle/>
+          <a:p>
+            <a:endParaRPr lang="en-GB"/>
+          </a:p>
+        </p:txBody>
+      </p:sp>
+      <p:sp>
+        <p:nvSpPr>
+          <p:cNvPr id="5" name="Notes Placeholder 4"/>
+          <p:cNvSpPr>
+            <a:spLocks noGrp="1"/>
+          </p:cNvSpPr>
+          <p:nvPr>
+            <p:ph type="body" sz="quarter" idx="3"/>
+          </p:nvPr>
+        </p:nvSpPr>
+        <p:spPr>
+          <a:xfrm>
+            <a:off x="685800" y="4400550"/>
+            <a:ext cx="5486400" cy="3600450"/>
+          </a:xfrm>
+          <a:prstGeom prst="rect">
+            <a:avLst/>
+          </a:prstGeom>
+        </p:spPr>
+        <p:txBody>
+          <a:bodyPr vert="horz" lIns="91440" tIns="45720" rIns="91440" bIns="45720" rtlCol="0"/>
+          <a:lstStyle/>
+          <a:p>
+            <a:pPr lvl="0"/>
+            <a:r>
+              <a:rPr lang="en-US"/>
+              <a:t>Click to edit Master text styles</a:t>
+            </a:r>
+          </a:p>
+          <a:p>
+            <a:pPr lvl="1"/>
+            <a:r>
+              <a:rPr lang="en-US"/>
+              <a:t>Second level</a:t>
+            </a:r>
+          </a:p>
+          <a:p>
+            <a:pPr lvl="2"/>
+            <a:r>
+              <a:rPr lang="en-US"/>
+              <a:t>Third level</a:t>
+            </a:r>
+          </a:p>
+          <a:p>
+            <a:pPr lvl="3"/>
+            <a:r>
+              <a:rPr lang="en-US"/>
+              <a:t>Fourth level</a:t>
+            </a:r>
+          </a:p>
+          <a:p>
+            <a:pPr lvl="4"/>
+            <a:r>
+              <a:rPr lang="en-US"/>
+              <a:t>Fifth level</a:t>
+            </a:r>
+            <a:endParaRPr lang="en-GB"/>
+          </a:p>
+        </p:txBody>
+      </p:sp>
+      <p:sp>
+        <p:nvSpPr>
+          <p:cNvPr id="6" name="Footer Placeholder 5"/>
+          <p:cNvSpPr>
+            <a:spLocks noGrp="1"/>
+          </p:cNvSpPr>
+          <p:nvPr>
+            <p:ph type="ftr" sz="quarter" idx="4"/>
+          </p:nvPr>
+        </p:nvSpPr>
+        <p:spPr>
+          <a:xfrm>
+            <a:off x="0" y="8685213"/>
+            <a:ext cx="2971800" cy="458787"/>
+          </a:xfrm>
+          <a:prstGeom prst="rect">
+            <a:avLst/>
+          </a:prstGeom>
+        </p:spPr>
+        <p:txBody>
+          <a:bodyPr vert="horz" lIns="91440" tIns="45720" rIns="91440" bIns="45720" rtlCol="0" anchor="b"/>
+          <a:lstStyle>
+            <a:lvl1pPr algn="l">
+              <a:defRPr sz="1200"/>
+            </a:lvl1pPr>
+          </a:lstStyle>
+          <a:p>
+            <a:endParaRPr lang="en-GB"/>
+          </a:p>
+        </p:txBody>
+      </p:sp>
+      <p:sp>
+        <p:nvSpPr>
+          <p:cNvPr id="7" name="Slide Number Placeholder 6"/>
+          <p:cNvSpPr>
+            <a:spLocks noGrp="1"/>
+          </p:cNvSpPr>
+          <p:nvPr>
+            <p:ph type="sldNum" sz="quarter" idx="5"/>
+          </p:nvPr>
+        </p:nvSpPr>
+        <p:spPr>
+          <a:xfrm>
+            <a:off x="3884613" y="8685213"/>
+            <a:ext cx="2971800" cy="458787"/>
+          </a:xfrm>
+          <a:prstGeom prst="rect">
+            <a:avLst/>
+          </a:prstGeom>
+        </p:spPr>
+        <p:txBody>
+          <a:bodyPr vert="horz" lIns="91440" tIns="45720" rIns="91440" bIns="45720" rtlCol="0" anchor="b"/>
+          <a:lstStyle>
+            <a:lvl1pPr algn="r">
+              <a:defRPr sz="1200"/>
+            </a:lvl1pPr>
+          </a:lstStyle>
+          <a:p>
+            <a:fld id="{C16F52DA-34D7-4189-BF8D-525E6204A27D}" type="slidenum">
+              <a:rPr lang="en-GB" smtClean="0"/>
+              <a:t>‹#›</a:t>
+            </a:fld>
+            <a:endParaRPr lang="en-GB"/>
+          </a:p>
+        </p:txBody>
+      </p:sp>
+    </p:spTree>
+    <p:extLst>
+      <p:ext uri="{BB962C8B-B14F-4D97-AF65-F5344CB8AC3E}">
+        <p14:creationId xmlns:p14="http://schemas.microsoft.com/office/powerpoint/2010/main" val="2450349995"/>
+      </p:ext>
+    </p:extLst>
+  </p:cSld>
+  <p:clrMap bg1="lt1" tx1="dk1" bg2="lt2" tx2="dk2" accent1="accent1" accent2="accent2" accent3="accent3" accent4="accent4" accent5="accent5" accent6="accent6" hlink="hlink" folHlink="folHlink"/>
+  <p:notesStyle>
+    <a:lvl1pPr marL="0" algn="l" defTabSz="914400" rtl="0" eaLnBrk="1" latinLnBrk="0" hangingPunct="1">
+      <a:defRPr sz="1200" kern="1200">
+        <a:solidFill>
+          <a:schemeClr val="tx1"/>
+        </a:solidFill>
+        <a:latin typeface="+mn-lt"/>
+        <a:ea typeface="+mn-ea"/>
+        <a:cs typeface="+mn-cs"/>
+      </a:defRPr>
+    </a:lvl1pPr>
+    <a:lvl2pPr marL="457200" algn="l" defTabSz="914400" rtl="0" eaLnBrk="1" latinLnBrk="0" hangingPunct="1">
+      <a:defRPr sz="1200" kern="1200">
+        <a:solidFill>
+          <a:schemeClr val="tx1"/>
+        </a:solidFill>
+        <a:latin typeface="+mn-lt"/>
+        <a:ea typeface="+mn-ea"/>
+        <a:cs typeface="+mn-cs"/>
+      </a:defRPr>
+    </a:lvl2pPr>
+    <a:lvl3pPr marL="914400" algn="l" defTabSz="914400" rtl="0" eaLnBrk="1" latinLnBrk="0" hangingPunct="1">
+      <a:defRPr sz="1200" kern="1200">
+        <a:solidFill>
+          <a:schemeClr val="tx1"/>
+        </a:solidFill>
+        <a:latin typeface="+mn-lt"/>
+        <a:ea typeface="+mn-ea"/>
+        <a:cs typeface="+mn-cs"/>
+      </a:defRPr>
+    </a:lvl3pPr>
+    <a:lvl4pPr marL="1371600" algn="l" defTabSz="914400" rtl="0" eaLnBrk="1" latinLnBrk="0" hangingPunct="1">
+      <a:defRPr sz="1200" kern="1200">
+        <a:solidFill>
+          <a:schemeClr val="tx1"/>
+        </a:solidFill>
+        <a:latin typeface="+mn-lt"/>
+        <a:ea typeface="+mn-ea"/>
+        <a:cs typeface="+mn-cs"/>
+      </a:defRPr>
+    </a:lvl4pPr>
+    <a:lvl5pPr marL="1828800" algn="l" defTabSz="914400" rtl="0" eaLnBrk="1" latinLnBrk="0" hangingPunct="1">
+      <a:defRPr sz="1200" kern="1200">
+        <a:solidFill>
+          <a:schemeClr val="tx1"/>
+        </a:solidFill>
+        <a:latin typeface="+mn-lt"/>
+        <a:ea typeface="+mn-ea"/>
+        <a:cs typeface="+mn-cs"/>
+      </a:defRPr>
+    </a:lvl5pPr>
+    <a:lvl6pPr marL="2286000" algn="l" defTabSz="914400" rtl="0" eaLnBrk="1" latinLnBrk="0" hangingPunct="1">
+      <a:defRPr sz="1200" kern="1200">
+        <a:solidFill>
+          <a:schemeClr val="tx1"/>
+        </a:solidFill>
+        <a:latin typeface="+mn-lt"/>
+        <a:ea typeface="+mn-ea"/>
+        <a:cs typeface="+mn-cs"/>
+      </a:defRPr>
+    </a:lvl6pPr>
+    <a:lvl7pPr marL="2743200" algn="l" defTabSz="914400" rtl="0" eaLnBrk="1" latinLnBrk="0" hangingPunct="1">
+      <a:defRPr sz="1200" kern="1200">
+        <a:solidFill>
+          <a:schemeClr val="tx1"/>
+        </a:solidFill>
+        <a:latin typeface="+mn-lt"/>
+        <a:ea typeface="+mn-ea"/>
+        <a:cs typeface="+mn-cs"/>
+      </a:defRPr>
+    </a:lvl7pPr>
+    <a:lvl8pPr marL="3200400" algn="l" defTabSz="914400" rtl="0" eaLnBrk="1" latinLnBrk="0" hangingPunct="1">
+      <a:defRPr sz="1200" kern="1200">
+        <a:solidFill>
+          <a:schemeClr val="tx1"/>
+        </a:solidFill>
+        <a:latin typeface="+mn-lt"/>
+        <a:ea typeface="+mn-ea"/>
+        <a:cs typeface="+mn-cs"/>
+      </a:defRPr>
+    </a:lvl8pPr>
+    <a:lvl9pPr marL="3657600" algn="l" defTabSz="914400" rtl="0" eaLnBrk="1" latinLnBrk="0" hangingPunct="1">
+      <a:defRPr sz="1200" kern="1200">
+        <a:solidFill>
+          <a:schemeClr val="tx1"/>
+        </a:solidFill>
+        <a:latin typeface="+mn-lt"/>
+        <a:ea typeface="+mn-ea"/>
+        <a:cs typeface="+mn-cs"/>
+      </a:defRPr>
+    </a:lvl9pPr>
+  </p:notesStyle>
+</p:notesMaster>
+</file>
+
+<file path=ppt/notesSlides/notesSlide1.xml><?xml version="1.0" encoding="utf-8"?>
+<p:notes xmlns:a="http://schemas.openxmlformats.org/drawingml/2006/main" xmlns:r="http://schemas.openxmlformats.org/officeDocument/2006/relationships" xmlns:p="http://schemas.openxmlformats.org/presentationml/2006/main">
+  <p:cSld>
+    <p:spTree>
+      <p:nvGrpSpPr>
+        <p:cNvPr id="1" name=""/>
+        <p:cNvGrpSpPr/>
+        <p:nvPr/>
+      </p:nvGrpSpPr>
+      <p:grpSpPr>
+        <a:xfrm>
+          <a:off x="0" y="0"/>
+          <a:ext cx="0" cy="0"/>
+          <a:chOff x="0" y="0"/>
+          <a:chExt cx="0" cy="0"/>
+        </a:xfrm>
+      </p:grpSpPr>
+      <p:sp>
+        <p:nvSpPr>
+          <p:cNvPr id="2" name="Slide Image Placeholder 1"/>
+          <p:cNvSpPr>
+            <a:spLocks noGrp="1" noRot="1" noChangeAspect="1"/>
+          </p:cNvSpPr>
+          <p:nvPr>
+            <p:ph type="sldImg"/>
+          </p:nvPr>
+        </p:nvSpPr>
+        <p:spPr/>
+      </p:sp>
+      <p:sp>
+        <p:nvSpPr>
+          <p:cNvPr id="3" name="Notes Placeholder 2"/>
+          <p:cNvSpPr>
+            <a:spLocks noGrp="1"/>
+          </p:cNvSpPr>
+          <p:nvPr>
+            <p:ph type="body" idx="1"/>
+          </p:nvPr>
+        </p:nvSpPr>
+        <p:spPr/>
+        <p:txBody>
+          <a:bodyPr/>
+          <a:lstStyle/>
+          <a:p>
+            <a:endParaRPr lang="en-GB" dirty="0"/>
+          </a:p>
+        </p:txBody>
+      </p:sp>
+      <p:sp>
+        <p:nvSpPr>
+          <p:cNvPr id="4" name="Slide Number Placeholder 3"/>
+          <p:cNvSpPr>
+            <a:spLocks noGrp="1"/>
+          </p:cNvSpPr>
+          <p:nvPr>
+            <p:ph type="sldNum" sz="quarter" idx="5"/>
+          </p:nvPr>
+        </p:nvSpPr>
+        <p:spPr/>
+        <p:txBody>
+          <a:bodyPr/>
+          <a:lstStyle/>
+          <a:p>
+            <a:fld id="{C16F52DA-34D7-4189-BF8D-525E6204A27D}" type="slidenum">
+              <a:rPr lang="en-GB" smtClean="0"/>
+              <a:t>5</a:t>
+            </a:fld>
+            <a:endParaRPr lang="en-GB"/>
+          </a:p>
+        </p:txBody>
+      </p:sp>
+    </p:spTree>
+    <p:extLst>
+      <p:ext uri="{BB962C8B-B14F-4D97-AF65-F5344CB8AC3E}">
+        <p14:creationId xmlns:p14="http://schemas.microsoft.com/office/powerpoint/2010/main" val="3395979179"/>
+      </p:ext>
+    </p:extLst>
+  </p:cSld>
+  <p:clrMapOvr>
+    <a:masterClrMapping/>
+  </p:clrMapOvr>
+</p:notes>
+</file>
+
+<file path=ppt/notesSlides/notesSlide2.xml><?xml version="1.0" encoding="utf-8"?>
+<p:notes xmlns:a="http://schemas.openxmlformats.org/drawingml/2006/main" xmlns:r="http://schemas.openxmlformats.org/officeDocument/2006/relationships" xmlns:p="http://schemas.openxmlformats.org/presentationml/2006/main">
+  <p:cSld>
+    <p:spTree>
+      <p:nvGrpSpPr>
+        <p:cNvPr id="1" name=""/>
+        <p:cNvGrpSpPr/>
+        <p:nvPr/>
+      </p:nvGrpSpPr>
+      <p:grpSpPr>
+        <a:xfrm>
+          <a:off x="0" y="0"/>
+          <a:ext cx="0" cy="0"/>
+          <a:chOff x="0" y="0"/>
+          <a:chExt cx="0" cy="0"/>
+        </a:xfrm>
+      </p:grpSpPr>
+      <p:sp>
+        <p:nvSpPr>
+          <p:cNvPr id="2" name="Slide Image Placeholder 1"/>
+          <p:cNvSpPr>
+            <a:spLocks noGrp="1" noRot="1" noChangeAspect="1"/>
+          </p:cNvSpPr>
+          <p:nvPr>
+            <p:ph type="sldImg"/>
+          </p:nvPr>
+        </p:nvSpPr>
+        <p:spPr/>
+      </p:sp>
+      <p:sp>
+        <p:nvSpPr>
+          <p:cNvPr id="3" name="Notes Placeholder 2"/>
+          <p:cNvSpPr>
+            <a:spLocks noGrp="1"/>
+          </p:cNvSpPr>
+          <p:nvPr>
+            <p:ph type="body" idx="1"/>
+          </p:nvPr>
+        </p:nvSpPr>
+        <p:spPr/>
+        <p:txBody>
+          <a:bodyPr/>
+          <a:lstStyle/>
+          <a:p>
+            <a:r>
+              <a:rPr lang="en-GB" dirty="0"/>
+              <a:t>What features of the examples we looked at before made an impression?</a:t>
+            </a:r>
+          </a:p>
+        </p:txBody>
+      </p:sp>
+      <p:sp>
+        <p:nvSpPr>
+          <p:cNvPr id="4" name="Slide Number Placeholder 3"/>
+          <p:cNvSpPr>
+            <a:spLocks noGrp="1"/>
+          </p:cNvSpPr>
+          <p:nvPr>
+            <p:ph type="sldNum" sz="quarter" idx="5"/>
+          </p:nvPr>
+        </p:nvSpPr>
+        <p:spPr/>
+        <p:txBody>
+          <a:bodyPr/>
+          <a:lstStyle/>
+          <a:p>
+            <a:fld id="{C16F52DA-34D7-4189-BF8D-525E6204A27D}" type="slidenum">
+              <a:rPr lang="en-GB" smtClean="0"/>
+              <a:t>6</a:t>
+            </a:fld>
+            <a:endParaRPr lang="en-GB"/>
+          </a:p>
+        </p:txBody>
+      </p:sp>
+    </p:spTree>
+    <p:extLst>
+      <p:ext uri="{BB962C8B-B14F-4D97-AF65-F5344CB8AC3E}">
+        <p14:creationId xmlns:p14="http://schemas.microsoft.com/office/powerpoint/2010/main" val="224935227"/>
+      </p:ext>
+    </p:extLst>
+  </p:cSld>
+  <p:clrMapOvr>
+    <a:masterClrMapping/>
+  </p:clrMapOvr>
+</p:notes>
+</file>
+
+<file path=ppt/notesSlides/notesSlide3.xml><?xml version="1.0" encoding="utf-8"?>
+<p:notes xmlns:a="http://schemas.openxmlformats.org/drawingml/2006/main" xmlns:r="http://schemas.openxmlformats.org/officeDocument/2006/relationships" xmlns:p="http://schemas.openxmlformats.org/presentationml/2006/main">
+  <p:cSld>
+    <p:spTree>
+      <p:nvGrpSpPr>
+        <p:cNvPr id="1" name=""/>
+        <p:cNvGrpSpPr/>
+        <p:nvPr/>
+      </p:nvGrpSpPr>
+      <p:grpSpPr>
+        <a:xfrm>
+          <a:off x="0" y="0"/>
+          <a:ext cx="0" cy="0"/>
+          <a:chOff x="0" y="0"/>
+          <a:chExt cx="0" cy="0"/>
+        </a:xfrm>
+      </p:grpSpPr>
+      <p:sp>
+        <p:nvSpPr>
+          <p:cNvPr id="2" name="Slide Image Placeholder 1"/>
+          <p:cNvSpPr>
+            <a:spLocks noGrp="1" noRot="1" noChangeAspect="1"/>
+          </p:cNvSpPr>
+          <p:nvPr>
+            <p:ph type="sldImg"/>
+          </p:nvPr>
+        </p:nvSpPr>
+        <p:spPr/>
+      </p:sp>
+      <p:sp>
+        <p:nvSpPr>
+          <p:cNvPr id="3" name="Notes Placeholder 2"/>
+          <p:cNvSpPr>
+            <a:spLocks noGrp="1"/>
+          </p:cNvSpPr>
+          <p:nvPr>
+            <p:ph type="body" idx="1"/>
+          </p:nvPr>
+        </p:nvSpPr>
+        <p:spPr/>
+        <p:txBody>
+          <a:bodyPr/>
+          <a:lstStyle/>
+          <a:p>
+            <a:endParaRPr lang="en-GB" dirty="0"/>
+          </a:p>
+        </p:txBody>
+      </p:sp>
+      <p:sp>
+        <p:nvSpPr>
+          <p:cNvPr id="4" name="Slide Number Placeholder 3"/>
+          <p:cNvSpPr>
+            <a:spLocks noGrp="1"/>
+          </p:cNvSpPr>
+          <p:nvPr>
+            <p:ph type="sldNum" sz="quarter" idx="5"/>
+          </p:nvPr>
+        </p:nvSpPr>
+        <p:spPr/>
+        <p:txBody>
+          <a:bodyPr/>
+          <a:lstStyle/>
+          <a:p>
+            <a:fld id="{C16F52DA-34D7-4189-BF8D-525E6204A27D}" type="slidenum">
+              <a:rPr lang="en-GB" smtClean="0"/>
+              <a:t>7</a:t>
+            </a:fld>
+            <a:endParaRPr lang="en-GB"/>
+          </a:p>
+        </p:txBody>
+      </p:sp>
+    </p:spTree>
+    <p:extLst>
+      <p:ext uri="{BB962C8B-B14F-4D97-AF65-F5344CB8AC3E}">
+        <p14:creationId xmlns:p14="http://schemas.microsoft.com/office/powerpoint/2010/main" val="3122547229"/>
+      </p:ext>
+    </p:extLst>
+  </p:cSld>
+  <p:clrMapOvr>
+    <a:masterClrMapping/>
+  </p:clrMapOvr>
+</p:notes>
+</file>
+
+<file path=ppt/notesSlides/notesSlide4.xml><?xml version="1.0" encoding="utf-8"?>
+<p:notes xmlns:a="http://schemas.openxmlformats.org/drawingml/2006/main" xmlns:r="http://schemas.openxmlformats.org/officeDocument/2006/relationships" xmlns:p="http://schemas.openxmlformats.org/presentationml/2006/main">
+  <p:cSld>
+    <p:spTree>
+      <p:nvGrpSpPr>
+        <p:cNvPr id="1" name=""/>
+        <p:cNvGrpSpPr/>
+        <p:nvPr/>
+      </p:nvGrpSpPr>
+      <p:grpSpPr>
+        <a:xfrm>
+          <a:off x="0" y="0"/>
+          <a:ext cx="0" cy="0"/>
+          <a:chOff x="0" y="0"/>
+          <a:chExt cx="0" cy="0"/>
+        </a:xfrm>
+      </p:grpSpPr>
+      <p:sp>
+        <p:nvSpPr>
+          <p:cNvPr id="2" name="Slide Image Placeholder 1"/>
+          <p:cNvSpPr>
+            <a:spLocks noGrp="1" noRot="1" noChangeAspect="1"/>
+          </p:cNvSpPr>
+          <p:nvPr>
+            <p:ph type="sldImg"/>
+          </p:nvPr>
+        </p:nvSpPr>
+        <p:spPr/>
+      </p:sp>
+      <p:sp>
+        <p:nvSpPr>
+          <p:cNvPr id="3" name="Notes Placeholder 2"/>
+          <p:cNvSpPr>
+            <a:spLocks noGrp="1"/>
+          </p:cNvSpPr>
+          <p:nvPr>
+            <p:ph type="body" idx="1"/>
+          </p:nvPr>
+        </p:nvSpPr>
+        <p:spPr/>
+        <p:txBody>
+          <a:bodyPr/>
+          <a:lstStyle/>
+          <a:p>
+            <a:r>
+              <a:rPr lang="en-GB" dirty="0"/>
+              <a:t>What have you included, where have you put it and why?</a:t>
+            </a:r>
+          </a:p>
+          <a:p>
+            <a:pPr marL="171450" indent="-171450">
+              <a:buFont typeface="Arial" panose="020B0604020202020204" pitchFamily="34" charset="0"/>
+              <a:buChar char="•"/>
+            </a:pPr>
+            <a:endParaRPr lang="en-GB" dirty="0"/>
+          </a:p>
+        </p:txBody>
+      </p:sp>
+      <p:sp>
+        <p:nvSpPr>
+          <p:cNvPr id="4" name="Slide Number Placeholder 3"/>
+          <p:cNvSpPr>
+            <a:spLocks noGrp="1"/>
+          </p:cNvSpPr>
+          <p:nvPr>
+            <p:ph type="sldNum" sz="quarter" idx="5"/>
+          </p:nvPr>
+        </p:nvSpPr>
+        <p:spPr/>
+        <p:txBody>
+          <a:bodyPr/>
+          <a:lstStyle/>
+          <a:p>
+            <a:fld id="{089184CC-757C-430A-BCEC-6F22F2E9805A}" type="slidenum">
+              <a:rPr lang="en-GB" smtClean="0"/>
+              <a:t>9</a:t>
+            </a:fld>
+            <a:endParaRPr lang="en-GB"/>
+          </a:p>
+        </p:txBody>
+      </p:sp>
+    </p:spTree>
+    <p:extLst>
+      <p:ext uri="{BB962C8B-B14F-4D97-AF65-F5344CB8AC3E}">
+        <p14:creationId xmlns:p14="http://schemas.microsoft.com/office/powerpoint/2010/main" val="86306254"/>
+      </p:ext>
+    </p:extLst>
+  </p:cSld>
+  <p:clrMapOvr>
+    <a:masterClrMapping/>
+  </p:clrMapOvr>
+</p:notes>
+</file>
+
+<file path=ppt/notesSlides/notesSlide5.xml><?xml version="1.0" encoding="utf-8"?>
+<p:notes xmlns:a="http://schemas.openxmlformats.org/drawingml/2006/main" xmlns:r="http://schemas.openxmlformats.org/officeDocument/2006/relationships" xmlns:p="http://schemas.openxmlformats.org/presentationml/2006/main">
+  <p:cSld>
+    <p:spTree>
+      <p:nvGrpSpPr>
+        <p:cNvPr id="1" name=""/>
+        <p:cNvGrpSpPr/>
+        <p:nvPr/>
+      </p:nvGrpSpPr>
+      <p:grpSpPr>
+        <a:xfrm>
+          <a:off x="0" y="0"/>
+          <a:ext cx="0" cy="0"/>
+          <a:chOff x="0" y="0"/>
+          <a:chExt cx="0" cy="0"/>
+        </a:xfrm>
+      </p:grpSpPr>
+      <p:sp>
+        <p:nvSpPr>
+          <p:cNvPr id="2" name="Slide Image Placeholder 1"/>
+          <p:cNvSpPr>
+            <a:spLocks noGrp="1" noRot="1" noChangeAspect="1"/>
+          </p:cNvSpPr>
+          <p:nvPr>
+            <p:ph type="sldImg"/>
+          </p:nvPr>
+        </p:nvSpPr>
+        <p:spPr/>
+      </p:sp>
+      <p:sp>
+        <p:nvSpPr>
+          <p:cNvPr id="3" name="Notes Placeholder 2"/>
+          <p:cNvSpPr>
+            <a:spLocks noGrp="1"/>
+          </p:cNvSpPr>
+          <p:nvPr>
+            <p:ph type="body" idx="1"/>
+          </p:nvPr>
+        </p:nvSpPr>
+        <p:spPr/>
+        <p:txBody>
+          <a:bodyPr/>
+          <a:lstStyle/>
+          <a:p>
+            <a:endParaRPr lang="en-GB" dirty="0"/>
+          </a:p>
+        </p:txBody>
+      </p:sp>
+      <p:sp>
+        <p:nvSpPr>
+          <p:cNvPr id="4" name="Slide Number Placeholder 3"/>
+          <p:cNvSpPr>
+            <a:spLocks noGrp="1"/>
+          </p:cNvSpPr>
+          <p:nvPr>
+            <p:ph type="sldNum" sz="quarter" idx="5"/>
+          </p:nvPr>
+        </p:nvSpPr>
+        <p:spPr/>
+        <p:txBody>
+          <a:bodyPr/>
+          <a:lstStyle/>
+          <a:p>
+            <a:fld id="{C16F52DA-34D7-4189-BF8D-525E6204A27D}" type="slidenum">
+              <a:rPr lang="en-GB" smtClean="0"/>
+              <a:t>11</a:t>
+            </a:fld>
+            <a:endParaRPr lang="en-GB"/>
+          </a:p>
+        </p:txBody>
+      </p:sp>
+    </p:spTree>
+    <p:extLst>
+      <p:ext uri="{BB962C8B-B14F-4D97-AF65-F5344CB8AC3E}">
+        <p14:creationId xmlns:p14="http://schemas.microsoft.com/office/powerpoint/2010/main" val="1098388986"/>
+      </p:ext>
+    </p:extLst>
+  </p:cSld>
+  <p:clrMapOvr>
+    <a:masterClrMapping/>
+  </p:clrMapOvr>
+</p:notes>
+</file>
+
+<file path=ppt/notesSlides/notesSlide6.xml><?xml version="1.0" encoding="utf-8"?>
+<p:notes xmlns:a="http://schemas.openxmlformats.org/drawingml/2006/main" xmlns:r="http://schemas.openxmlformats.org/officeDocument/2006/relationships" xmlns:p="http://schemas.openxmlformats.org/presentationml/2006/main">
+  <p:cSld>
+    <p:spTree>
+      <p:nvGrpSpPr>
+        <p:cNvPr id="1" name=""/>
+        <p:cNvGrpSpPr/>
+        <p:nvPr/>
+      </p:nvGrpSpPr>
+      <p:grpSpPr>
+        <a:xfrm>
+          <a:off x="0" y="0"/>
+          <a:ext cx="0" cy="0"/>
+          <a:chOff x="0" y="0"/>
+          <a:chExt cx="0" cy="0"/>
+        </a:xfrm>
+      </p:grpSpPr>
+      <p:sp>
+        <p:nvSpPr>
+          <p:cNvPr id="2" name="Slide Image Placeholder 1"/>
+          <p:cNvSpPr>
+            <a:spLocks noGrp="1" noRot="1" noChangeAspect="1"/>
+          </p:cNvSpPr>
+          <p:nvPr>
+            <p:ph type="sldImg"/>
+          </p:nvPr>
+        </p:nvSpPr>
+        <p:spPr/>
+      </p:sp>
+      <p:sp>
+        <p:nvSpPr>
+          <p:cNvPr id="3" name="Notes Placeholder 2"/>
+          <p:cNvSpPr>
+            <a:spLocks noGrp="1"/>
+          </p:cNvSpPr>
+          <p:nvPr>
+            <p:ph type="body" idx="1"/>
+          </p:nvPr>
+        </p:nvSpPr>
+        <p:spPr/>
+        <p:txBody>
+          <a:bodyPr/>
+          <a:lstStyle/>
+          <a:p>
+            <a:endParaRPr lang="en-GB" dirty="0"/>
+          </a:p>
+        </p:txBody>
+      </p:sp>
+      <p:sp>
+        <p:nvSpPr>
+          <p:cNvPr id="4" name="Slide Number Placeholder 3"/>
+          <p:cNvSpPr>
+            <a:spLocks noGrp="1"/>
+          </p:cNvSpPr>
+          <p:nvPr>
+            <p:ph type="sldNum" sz="quarter" idx="5"/>
+          </p:nvPr>
+        </p:nvSpPr>
+        <p:spPr/>
+        <p:txBody>
+          <a:bodyPr/>
+          <a:lstStyle/>
+          <a:p>
+            <a:fld id="{C16F52DA-34D7-4189-BF8D-525E6204A27D}" type="slidenum">
+              <a:rPr lang="en-GB" smtClean="0"/>
+              <a:t>12</a:t>
+            </a:fld>
+            <a:endParaRPr lang="en-GB"/>
+          </a:p>
+        </p:txBody>
+      </p:sp>
+    </p:spTree>
+    <p:extLst>
+      <p:ext uri="{BB962C8B-B14F-4D97-AF65-F5344CB8AC3E}">
+        <p14:creationId xmlns:p14="http://schemas.microsoft.com/office/powerpoint/2010/main" val="3098076331"/>
+      </p:ext>
+    </p:extLst>
+  </p:cSld>
+  <p:clrMapOvr>
+    <a:masterClrMapping/>
+  </p:clrMapOvr>
+</p:notes>
 </file>
 
 <file path=ppt/slideLayouts/slideLayout1.xml><?xml version="1.0" encoding="utf-8"?>
@@ -592,7 +1462,7 @@
           <a:p>
             <a:fld id="{EA0C0817-A112-4847-8014-A94B7D2A4EA3}" type="datetime1">
               <a:rPr lang="en-US" smtClean="0"/>
-              <a:t>2/21/2021</a:t>
+              <a:t>3/2/2021</a:t>
             </a:fld>
             <a:endParaRPr lang="en-US" dirty="0"/>
           </a:p>
@@ -794,7 +1664,7 @@
           <a:p>
             <a:fld id="{134F40B7-36AB-4376-BE14-EF7004D79BB9}" type="datetime1">
               <a:rPr lang="en-US" smtClean="0"/>
-              <a:t>2/21/2021</a:t>
+              <a:t>3/2/2021</a:t>
             </a:fld>
             <a:endParaRPr lang="en-US"/>
           </a:p>
@@ -974,7 +1844,7 @@
           <a:p>
             <a:fld id="{FF87CAB8-DCAE-46A5-AADA-B3FAD11A54E0}" type="datetime1">
               <a:rPr lang="en-US" smtClean="0"/>
-              <a:t>2/21/2021</a:t>
+              <a:t>3/2/2021</a:t>
             </a:fld>
             <a:endParaRPr lang="en-US"/>
           </a:p>
@@ -1144,7 +2014,7 @@
           <a:p>
             <a:fld id="{7332B432-ACDA-4023-A761-2BAB76577B62}" type="datetime1">
               <a:rPr lang="en-US" smtClean="0"/>
-              <a:t>2/21/2021</a:t>
+              <a:t>3/2/2021</a:t>
             </a:fld>
             <a:endParaRPr lang="en-US"/>
           </a:p>
@@ -1743,7 +2613,7 @@
           <a:p>
             <a:fld id="{D9C646AA-F36E-4540-911D-FFFC0A0EF24A}" type="datetime1">
               <a:rPr lang="en-US" smtClean="0"/>
-              <a:t>2/21/2021</a:t>
+              <a:t>3/2/2021</a:t>
             </a:fld>
             <a:endParaRPr lang="en-US" dirty="0"/>
           </a:p>
@@ -2063,7 +2933,7 @@
           <a:p>
             <a:fld id="{69186D26-FA5F-4637-B602-B7C2DC34CFD4}" type="datetime1">
               <a:rPr lang="en-US" smtClean="0"/>
-              <a:t>2/21/2021</a:t>
+              <a:t>3/2/2021</a:t>
             </a:fld>
             <a:endParaRPr lang="en-US"/>
           </a:p>
@@ -2500,7 +3370,7 @@
           <a:p>
             <a:fld id="{8A7F15D8-96D1-4781-BC50-CA8A088B2FE4}" type="datetime1">
               <a:rPr lang="en-US" smtClean="0"/>
-              <a:t>2/21/2021</a:t>
+              <a:t>3/2/2021</a:t>
             </a:fld>
             <a:endParaRPr lang="en-US"/>
           </a:p>
@@ -2618,7 +3488,7 @@
           <a:p>
             <a:fld id="{F9A96C99-B8F8-4528-BD05-0E16E943DC09}" type="datetime1">
               <a:rPr lang="en-US" smtClean="0"/>
-              <a:t>2/21/2021</a:t>
+              <a:t>3/2/2021</a:t>
             </a:fld>
             <a:endParaRPr lang="en-US"/>
           </a:p>
@@ -2713,7 +3583,7 @@
           <a:p>
             <a:fld id="{03636942-C211-4B28-8DBD-C953E00AF71B}" type="datetime1">
               <a:rPr lang="en-US" smtClean="0"/>
-              <a:t>2/21/2021</a:t>
+              <a:t>3/2/2021</a:t>
             </a:fld>
             <a:endParaRPr lang="en-US"/>
           </a:p>
@@ -3130,7 +4000,7 @@
           <a:p>
             <a:fld id="{7E8D12A6-918A-48BD-8CB9-CA713993B0EA}" type="datetime1">
               <a:rPr lang="en-US" smtClean="0"/>
-              <a:t>2/21/2021</a:t>
+              <a:t>3/2/2021</a:t>
             </a:fld>
             <a:endParaRPr lang="en-US"/>
           </a:p>
@@ -3392,7 +4262,7 @@
             <a:fld id="{E778CE86-875F-4587-BCF6-FA054AFC0D53}" type="datetime1">
               <a:rPr lang="en-US" smtClean="0"/>
               <a:pPr/>
-              <a:t>2/21/2021</a:t>
+              <a:t>3/2/2021</a:t>
             </a:fld>
             <a:endParaRPr lang="en-US" dirty="0"/>
           </a:p>
@@ -3908,7 +4778,7 @@
           <a:p>
             <a:fld id="{F6FA2B21-3FCD-4721-B95C-427943F61125}" type="datetime1">
               <a:rPr lang="en-US" smtClean="0"/>
-              <a:t>2/21/2021</a:t>
+              <a:t>3/2/2021</a:t>
             </a:fld>
             <a:endParaRPr lang="en-US"/>
           </a:p>
@@ -4690,7 +5560,7 @@
           <p:cNvPr id="2" name="Title 1">
             <a:extLst>
               <a:ext uri="{FF2B5EF4-FFF2-40B4-BE49-F238E27FC236}">
-                <a16:creationId xmlns:a16="http://schemas.microsoft.com/office/drawing/2014/main" id="{CE93B9A9-5430-43CA-A076-1B33A322CAF1}"/>
+                <a16:creationId xmlns:a16="http://schemas.microsoft.com/office/drawing/2014/main" id="{289BF6D1-2D4F-4A64-B479-2F8988950D24}"/>
               </a:ext>
             </a:extLst>
           </p:cNvPr>
@@ -4699,6 +5569,34 @@
           </p:cNvSpPr>
           <p:nvPr>
             <p:ph type="title"/>
+          </p:nvPr>
+        </p:nvSpPr>
+        <p:spPr/>
+        <p:txBody>
+          <a:bodyPr/>
+          <a:lstStyle/>
+          <a:p>
+            <a:r>
+              <a:rPr lang="en-GB" dirty="0"/>
+              <a:t>Portfolio Platform</a:t>
+            </a:r>
+          </a:p>
+        </p:txBody>
+      </p:sp>
+      <p:sp>
+        <p:nvSpPr>
+          <p:cNvPr id="3" name="Content Placeholder 2">
+            <a:extLst>
+              <a:ext uri="{FF2B5EF4-FFF2-40B4-BE49-F238E27FC236}">
+                <a16:creationId xmlns:a16="http://schemas.microsoft.com/office/drawing/2014/main" id="{7F60FBDB-77B5-4024-9F31-DDEA2C6C236D}"/>
+              </a:ext>
+            </a:extLst>
+          </p:cNvPr>
+          <p:cNvSpPr>
+            <a:spLocks noGrp="1"/>
+          </p:cNvSpPr>
+          <p:nvPr>
+            <p:ph idx="1"/>
           </p:nvPr>
         </p:nvSpPr>
         <p:spPr/>
@@ -4709,128 +5607,64 @@
           <a:lstStyle/>
           <a:p>
             <a:r>
-              <a:rPr lang="en-GB" sz="3600" dirty="0"/>
-              <a:t>Writing reports</a:t>
-            </a:r>
-          </a:p>
-        </p:txBody>
-      </p:sp>
-      <p:sp>
-        <p:nvSpPr>
-          <p:cNvPr id="3" name="Content Placeholder 2">
-            <a:extLst>
-              <a:ext uri="{FF2B5EF4-FFF2-40B4-BE49-F238E27FC236}">
-                <a16:creationId xmlns:a16="http://schemas.microsoft.com/office/drawing/2014/main" id="{A8B5FB3A-DBC2-49E7-B8E9-76B44D37034D}"/>
-              </a:ext>
-            </a:extLst>
-          </p:cNvPr>
-          <p:cNvSpPr>
-            <a:spLocks noGrp="1"/>
-          </p:cNvSpPr>
-          <p:nvPr>
-            <p:ph idx="1"/>
-          </p:nvPr>
-        </p:nvSpPr>
-        <p:spPr>
-          <a:xfrm>
-            <a:off x="1066800" y="1864129"/>
-            <a:ext cx="10058400" cy="4112286"/>
-          </a:xfrm>
-        </p:spPr>
-        <p:txBody>
-          <a:bodyPr>
-            <a:noAutofit/>
-          </a:bodyPr>
-          <a:lstStyle/>
-          <a:p>
-            <a:r>
-              <a:rPr lang="en-GB" sz="2400" b="1" dirty="0"/>
-              <a:t>Style:</a:t>
-            </a:r>
-          </a:p>
-          <a:p>
-            <a:pPr lvl="1"/>
-            <a:r>
-              <a:rPr lang="en-GB" sz="2200" dirty="0"/>
-              <a:t>Formal, objective tone – state facts, not opinions</a:t>
-            </a:r>
-          </a:p>
-          <a:p>
-            <a:pPr lvl="1"/>
-            <a:r>
-              <a:rPr lang="en-GB" sz="2200" dirty="0"/>
-              <a:t>Concise and precise: use as few words as possible, avoid vague intensifiers (“really”, “very” etc.)</a:t>
-            </a:r>
-          </a:p>
-          <a:p>
-            <a:pPr lvl="1"/>
-            <a:r>
-              <a:rPr lang="en-GB" sz="2200" dirty="0"/>
-              <a:t>References – can(/should?) be hyperlinks</a:t>
-            </a:r>
-          </a:p>
-          <a:p>
-            <a:pPr lvl="1"/>
-            <a:r>
-              <a:rPr lang="en-GB" sz="2200" dirty="0"/>
-              <a:t>Clear layout, using subheadings and bullet points where appropriate</a:t>
-            </a:r>
-          </a:p>
-          <a:p>
-            <a:pPr lvl="1"/>
-            <a:r>
-              <a:rPr lang="en-GB" sz="2200" dirty="0"/>
-              <a:t>Use images and diagrams to enhance your explanations</a:t>
-            </a:r>
-          </a:p>
-          <a:p>
-            <a:pPr lvl="1"/>
-            <a:endParaRPr lang="en-GB" sz="2200" dirty="0"/>
-          </a:p>
-          <a:p>
-            <a:pPr marL="274320" lvl="1" indent="0">
-              <a:buNone/>
-            </a:pPr>
-            <a:r>
-              <a:rPr lang="en-GB" sz="1800" dirty="0"/>
-              <a:t>An introduction to academic writing:</a:t>
-            </a:r>
-            <a:br>
-              <a:rPr lang="en-GB" sz="1800" dirty="0"/>
-            </a:br>
-            <a:r>
-              <a:rPr lang="en-GB" sz="1800" dirty="0">
+              <a:rPr lang="en-GB" sz="2400" dirty="0">
                 <a:hlinkClick r:id="rId2"/>
               </a:rPr>
-              <a:t>https://studyhub.fxplus.ac.uk/essays-dissertations/introduction-academic-writing</a:t>
-            </a:r>
-            <a:endParaRPr lang="en-GB" sz="1800" dirty="0"/>
-          </a:p>
-          <a:p>
-            <a:pPr marL="274320" lvl="1" indent="0">
-              <a:buNone/>
-            </a:pPr>
-            <a:r>
-              <a:rPr lang="en-GB" sz="1800" dirty="0"/>
-              <a:t>Guide for writing reports and essays:</a:t>
-            </a:r>
-            <a:br>
-              <a:rPr lang="en-GB" sz="1800" dirty="0"/>
-            </a:br>
-            <a:r>
-              <a:rPr lang="en-GB" sz="1800" dirty="0">
+              <a:t>GitHub pages</a:t>
+            </a:r>
+            <a:r>
+              <a:rPr lang="en-GB" sz="2400" dirty="0"/>
+              <a:t>: create a web page straight from your repo using Markdown or HTML</a:t>
+            </a:r>
+          </a:p>
+          <a:p>
+            <a:r>
+              <a:rPr lang="en-GB" sz="2400" dirty="0" err="1">
                 <a:hlinkClick r:id="rId3"/>
               </a:rPr>
-              <a:t>https://studyhub.fxplus.ac.uk/written-assignments/reports</a:t>
-            </a:r>
-            <a:endParaRPr lang="en-GB" sz="1800" dirty="0"/>
+              <a:t>Wordpress</a:t>
+            </a:r>
+            <a:r>
+              <a:rPr lang="en-GB" sz="2400" dirty="0"/>
+              <a:t>: has a large selection of (customisable) themes</a:t>
+            </a:r>
+          </a:p>
+          <a:p>
+            <a:r>
+              <a:rPr lang="en-GB" sz="2400" dirty="0" err="1">
+                <a:hlinkClick r:id="rId4"/>
+              </a:rPr>
+              <a:t>Wix</a:t>
+            </a:r>
+            <a:r>
+              <a:rPr lang="en-GB" sz="2400" dirty="0"/>
+              <a:t>: has customisable portfolio templates</a:t>
+            </a:r>
+          </a:p>
+          <a:p>
+            <a:r>
+              <a:rPr lang="en-GB" sz="2400" dirty="0">
+                <a:hlinkClick r:id="rId5"/>
+              </a:rPr>
+              <a:t>Weebly</a:t>
+            </a:r>
+            <a:r>
+              <a:rPr lang="en-GB" sz="2400" dirty="0"/>
+              <a:t>: drag and drop content using themes</a:t>
+            </a:r>
+          </a:p>
+          <a:p>
+            <a:r>
+              <a:rPr lang="en-GB" sz="2400" dirty="0"/>
+              <a:t>DIY HTML (etc.): only recommended if you’re familiar with running a website/arranging hosting etc.</a:t>
+            </a:r>
           </a:p>
         </p:txBody>
       </p:sp>
     </p:spTree>
     <p:extLst>
       <p:ext uri="{BB962C8B-B14F-4D97-AF65-F5344CB8AC3E}">
-        <p14:creationId xmlns:p14="http://schemas.microsoft.com/office/powerpoint/2010/main" val="725160329"/>
+        <p14:creationId xmlns:p14="http://schemas.microsoft.com/office/powerpoint/2010/main" val="420148692"/>
       </p:ext>
     </p:extLst>
   </p:cSld>
@@ -4858,1114 +5692,7 @@
                             </p:stCondLst>
                             <p:childTnLst>
                               <p:par>
-                                <p:cTn id="5" presetID="1" presetClass="entr" presetSubtype="0" fill="hold" grpId="0" nodeType="clickEffect">
-                                  <p:stCondLst>
-                                    <p:cond delay="0"/>
-                                  </p:stCondLst>
-                                  <p:childTnLst>
-                                    <p:set>
-                                      <p:cBhvr>
-                                        <p:cTn id="6" dur="1" fill="hold">
-                                          <p:stCondLst>
-                                            <p:cond delay="0"/>
-                                          </p:stCondLst>
-                                        </p:cTn>
-                                        <p:tgtEl>
-                                          <p:spTgt spid="3">
-                                            <p:txEl>
-                                              <p:pRg st="1" end="1"/>
-                                            </p:txEl>
-                                          </p:spTgt>
-                                        </p:tgtEl>
-                                        <p:attrNameLst>
-                                          <p:attrName>style.visibility</p:attrName>
-                                        </p:attrNameLst>
-                                      </p:cBhvr>
-                                      <p:to>
-                                        <p:strVal val="visible"/>
-                                      </p:to>
-                                    </p:set>
-                                  </p:childTnLst>
-                                </p:cTn>
-                              </p:par>
-                            </p:childTnLst>
-                          </p:cTn>
-                        </p:par>
-                      </p:childTnLst>
-                    </p:cTn>
-                  </p:par>
-                  <p:par>
-                    <p:cTn id="7" fill="hold">
-                      <p:stCondLst>
-                        <p:cond delay="indefinite"/>
-                      </p:stCondLst>
-                      <p:childTnLst>
-                        <p:par>
-                          <p:cTn id="8" fill="hold">
-                            <p:stCondLst>
-                              <p:cond delay="0"/>
-                            </p:stCondLst>
-                            <p:childTnLst>
-                              <p:par>
-                                <p:cTn id="9" presetID="1" presetClass="entr" presetSubtype="0" fill="hold" grpId="0" nodeType="clickEffect">
-                                  <p:stCondLst>
-                                    <p:cond delay="0"/>
-                                  </p:stCondLst>
-                                  <p:childTnLst>
-                                    <p:set>
-                                      <p:cBhvr>
-                                        <p:cTn id="10" dur="1" fill="hold">
-                                          <p:stCondLst>
-                                            <p:cond delay="0"/>
-                                          </p:stCondLst>
-                                        </p:cTn>
-                                        <p:tgtEl>
-                                          <p:spTgt spid="3">
-                                            <p:txEl>
-                                              <p:pRg st="2" end="2"/>
-                                            </p:txEl>
-                                          </p:spTgt>
-                                        </p:tgtEl>
-                                        <p:attrNameLst>
-                                          <p:attrName>style.visibility</p:attrName>
-                                        </p:attrNameLst>
-                                      </p:cBhvr>
-                                      <p:to>
-                                        <p:strVal val="visible"/>
-                                      </p:to>
-                                    </p:set>
-                                  </p:childTnLst>
-                                </p:cTn>
-                              </p:par>
-                            </p:childTnLst>
-                          </p:cTn>
-                        </p:par>
-                      </p:childTnLst>
-                    </p:cTn>
-                  </p:par>
-                  <p:par>
-                    <p:cTn id="11" fill="hold">
-                      <p:stCondLst>
-                        <p:cond delay="indefinite"/>
-                      </p:stCondLst>
-                      <p:childTnLst>
-                        <p:par>
-                          <p:cTn id="12" fill="hold">
-                            <p:stCondLst>
-                              <p:cond delay="0"/>
-                            </p:stCondLst>
-                            <p:childTnLst>
-                              <p:par>
-                                <p:cTn id="13" presetID="1" presetClass="entr" presetSubtype="0" fill="hold" grpId="0" nodeType="clickEffect">
-                                  <p:stCondLst>
-                                    <p:cond delay="0"/>
-                                  </p:stCondLst>
-                                  <p:childTnLst>
-                                    <p:set>
-                                      <p:cBhvr>
-                                        <p:cTn id="14" dur="1" fill="hold">
-                                          <p:stCondLst>
-                                            <p:cond delay="0"/>
-                                          </p:stCondLst>
-                                        </p:cTn>
-                                        <p:tgtEl>
-                                          <p:spTgt spid="3">
-                                            <p:txEl>
-                                              <p:pRg st="3" end="3"/>
-                                            </p:txEl>
-                                          </p:spTgt>
-                                        </p:tgtEl>
-                                        <p:attrNameLst>
-                                          <p:attrName>style.visibility</p:attrName>
-                                        </p:attrNameLst>
-                                      </p:cBhvr>
-                                      <p:to>
-                                        <p:strVal val="visible"/>
-                                      </p:to>
-                                    </p:set>
-                                  </p:childTnLst>
-                                </p:cTn>
-                              </p:par>
-                            </p:childTnLst>
-                          </p:cTn>
-                        </p:par>
-                      </p:childTnLst>
-                    </p:cTn>
-                  </p:par>
-                  <p:par>
-                    <p:cTn id="15" fill="hold">
-                      <p:stCondLst>
-                        <p:cond delay="indefinite"/>
-                      </p:stCondLst>
-                      <p:childTnLst>
-                        <p:par>
-                          <p:cTn id="16" fill="hold">
-                            <p:stCondLst>
-                              <p:cond delay="0"/>
-                            </p:stCondLst>
-                            <p:childTnLst>
-                              <p:par>
-                                <p:cTn id="17" presetID="1" presetClass="entr" presetSubtype="0" fill="hold" grpId="0" nodeType="clickEffect">
-                                  <p:stCondLst>
-                                    <p:cond delay="0"/>
-                                  </p:stCondLst>
-                                  <p:childTnLst>
-                                    <p:set>
-                                      <p:cBhvr>
-                                        <p:cTn id="18" dur="1" fill="hold">
-                                          <p:stCondLst>
-                                            <p:cond delay="0"/>
-                                          </p:stCondLst>
-                                        </p:cTn>
-                                        <p:tgtEl>
-                                          <p:spTgt spid="3">
-                                            <p:txEl>
-                                              <p:pRg st="4" end="4"/>
-                                            </p:txEl>
-                                          </p:spTgt>
-                                        </p:tgtEl>
-                                        <p:attrNameLst>
-                                          <p:attrName>style.visibility</p:attrName>
-                                        </p:attrNameLst>
-                                      </p:cBhvr>
-                                      <p:to>
-                                        <p:strVal val="visible"/>
-                                      </p:to>
-                                    </p:set>
-                                  </p:childTnLst>
-                                </p:cTn>
-                              </p:par>
-                            </p:childTnLst>
-                          </p:cTn>
-                        </p:par>
-                      </p:childTnLst>
-                    </p:cTn>
-                  </p:par>
-                  <p:par>
-                    <p:cTn id="19" fill="hold">
-                      <p:stCondLst>
-                        <p:cond delay="indefinite"/>
-                      </p:stCondLst>
-                      <p:childTnLst>
-                        <p:par>
-                          <p:cTn id="20" fill="hold">
-                            <p:stCondLst>
-                              <p:cond delay="0"/>
-                            </p:stCondLst>
-                            <p:childTnLst>
-                              <p:par>
-                                <p:cTn id="21" presetID="1" presetClass="entr" presetSubtype="0" fill="hold" grpId="0" nodeType="clickEffect">
-                                  <p:stCondLst>
-                                    <p:cond delay="0"/>
-                                  </p:stCondLst>
-                                  <p:childTnLst>
-                                    <p:set>
-                                      <p:cBhvr>
-                                        <p:cTn id="22" dur="1" fill="hold">
-                                          <p:stCondLst>
-                                            <p:cond delay="0"/>
-                                          </p:stCondLst>
-                                        </p:cTn>
-                                        <p:tgtEl>
-                                          <p:spTgt spid="3">
-                                            <p:txEl>
-                                              <p:pRg st="5" end="5"/>
-                                            </p:txEl>
-                                          </p:spTgt>
-                                        </p:tgtEl>
-                                        <p:attrNameLst>
-                                          <p:attrName>style.visibility</p:attrName>
-                                        </p:attrNameLst>
-                                      </p:cBhvr>
-                                      <p:to>
-                                        <p:strVal val="visible"/>
-                                      </p:to>
-                                    </p:set>
-                                  </p:childTnLst>
-                                </p:cTn>
-                              </p:par>
-                            </p:childTnLst>
-                          </p:cTn>
-                        </p:par>
-                      </p:childTnLst>
-                    </p:cTn>
-                  </p:par>
-                  <p:par>
-                    <p:cTn id="23" fill="hold">
-                      <p:stCondLst>
-                        <p:cond delay="indefinite"/>
-                      </p:stCondLst>
-                      <p:childTnLst>
-                        <p:par>
-                          <p:cTn id="24" fill="hold">
-                            <p:stCondLst>
-                              <p:cond delay="0"/>
-                            </p:stCondLst>
-                            <p:childTnLst>
-                              <p:par>
-                                <p:cTn id="25" presetID="1" presetClass="entr" presetSubtype="0" fill="hold" grpId="0" nodeType="clickEffect">
-                                  <p:stCondLst>
-                                    <p:cond delay="0"/>
-                                  </p:stCondLst>
-                                  <p:childTnLst>
-                                    <p:set>
-                                      <p:cBhvr>
-                                        <p:cTn id="26" dur="1" fill="hold">
-                                          <p:stCondLst>
-                                            <p:cond delay="0"/>
-                                          </p:stCondLst>
-                                        </p:cTn>
-                                        <p:tgtEl>
-                                          <p:spTgt spid="3">
-                                            <p:txEl>
-                                              <p:pRg st="7" end="7"/>
-                                            </p:txEl>
-                                          </p:spTgt>
-                                        </p:tgtEl>
-                                        <p:attrNameLst>
-                                          <p:attrName>style.visibility</p:attrName>
-                                        </p:attrNameLst>
-                                      </p:cBhvr>
-                                      <p:to>
-                                        <p:strVal val="visible"/>
-                                      </p:to>
-                                    </p:set>
-                                  </p:childTnLst>
-                                </p:cTn>
-                              </p:par>
-                              <p:par>
-                                <p:cTn id="27" presetID="1" presetClass="entr" presetSubtype="0" fill="hold" grpId="0" nodeType="withEffect">
-                                  <p:stCondLst>
-                                    <p:cond delay="0"/>
-                                  </p:stCondLst>
-                                  <p:childTnLst>
-                                    <p:set>
-                                      <p:cBhvr>
-                                        <p:cTn id="28" dur="1" fill="hold">
-                                          <p:stCondLst>
-                                            <p:cond delay="0"/>
-                                          </p:stCondLst>
-                                        </p:cTn>
-                                        <p:tgtEl>
-                                          <p:spTgt spid="3">
-                                            <p:txEl>
-                                              <p:pRg st="8" end="8"/>
-                                            </p:txEl>
-                                          </p:spTgt>
-                                        </p:tgtEl>
-                                        <p:attrNameLst>
-                                          <p:attrName>style.visibility</p:attrName>
-                                        </p:attrNameLst>
-                                      </p:cBhvr>
-                                      <p:to>
-                                        <p:strVal val="visible"/>
-                                      </p:to>
-                                    </p:set>
-                                  </p:childTnLst>
-                                </p:cTn>
-                              </p:par>
-                            </p:childTnLst>
-                          </p:cTn>
-                        </p:par>
-                      </p:childTnLst>
-                    </p:cTn>
-                  </p:par>
-                </p:childTnLst>
-              </p:cTn>
-              <p:prevCondLst>
-                <p:cond evt="onPrev" delay="0">
-                  <p:tgtEl>
-                    <p:sldTgt/>
-                  </p:tgtEl>
-                </p:cond>
-              </p:prevCondLst>
-              <p:nextCondLst>
-                <p:cond evt="onNext" delay="0">
-                  <p:tgtEl>
-                    <p:sldTgt/>
-                  </p:tgtEl>
-                </p:cond>
-              </p:nextCondLst>
-            </p:seq>
-          </p:childTnLst>
-        </p:cTn>
-      </p:par>
-    </p:tnLst>
-    <p:bldLst>
-      <p:bldP spid="3" grpId="0" uiExpand="1" build="p"/>
-    </p:bldLst>
-  </p:timing>
-</p:sld>
-</file>
-
-<file path=ppt/slides/slide11.xml><?xml version="1.0" encoding="utf-8"?>
-<p:sld xmlns:a="http://schemas.openxmlformats.org/drawingml/2006/main" xmlns:r="http://schemas.openxmlformats.org/officeDocument/2006/relationships" xmlns:p="http://schemas.openxmlformats.org/presentationml/2006/main">
-  <p:cSld>
-    <p:spTree>
-      <p:nvGrpSpPr>
-        <p:cNvPr id="1" name=""/>
-        <p:cNvGrpSpPr/>
-        <p:nvPr/>
-      </p:nvGrpSpPr>
-      <p:grpSpPr>
-        <a:xfrm>
-          <a:off x="0" y="0"/>
-          <a:ext cx="0" cy="0"/>
-          <a:chOff x="0" y="0"/>
-          <a:chExt cx="0" cy="0"/>
-        </a:xfrm>
-      </p:grpSpPr>
-      <p:sp>
-        <p:nvSpPr>
-          <p:cNvPr id="2" name="Title 1">
-            <a:extLst>
-              <a:ext uri="{FF2B5EF4-FFF2-40B4-BE49-F238E27FC236}">
-                <a16:creationId xmlns:a16="http://schemas.microsoft.com/office/drawing/2014/main" id="{CE93B9A9-5430-43CA-A076-1B33A322CAF1}"/>
-              </a:ext>
-            </a:extLst>
-          </p:cNvPr>
-          <p:cNvSpPr>
-            <a:spLocks noGrp="1"/>
-          </p:cNvSpPr>
-          <p:nvPr>
-            <p:ph type="title"/>
-          </p:nvPr>
-        </p:nvSpPr>
-        <p:spPr/>
-        <p:txBody>
-          <a:bodyPr>
-            <a:normAutofit/>
-          </a:bodyPr>
-          <a:lstStyle/>
-          <a:p>
-            <a:r>
-              <a:rPr lang="en-GB" sz="3600" dirty="0"/>
-              <a:t>Writing reports</a:t>
-            </a:r>
-          </a:p>
-        </p:txBody>
-      </p:sp>
-      <p:sp>
-        <p:nvSpPr>
-          <p:cNvPr id="3" name="Content Placeholder 2">
-            <a:extLst>
-              <a:ext uri="{FF2B5EF4-FFF2-40B4-BE49-F238E27FC236}">
-                <a16:creationId xmlns:a16="http://schemas.microsoft.com/office/drawing/2014/main" id="{A8B5FB3A-DBC2-49E7-B8E9-76B44D37034D}"/>
-              </a:ext>
-            </a:extLst>
-          </p:cNvPr>
-          <p:cNvSpPr>
-            <a:spLocks noGrp="1"/>
-          </p:cNvSpPr>
-          <p:nvPr>
-            <p:ph idx="1"/>
-          </p:nvPr>
-        </p:nvSpPr>
-        <p:spPr>
-          <a:xfrm>
-            <a:off x="1066800" y="1864129"/>
-            <a:ext cx="10058400" cy="4112286"/>
-          </a:xfrm>
-        </p:spPr>
-        <p:txBody>
-          <a:bodyPr>
-            <a:noAutofit/>
-          </a:bodyPr>
-          <a:lstStyle/>
-          <a:p>
-            <a:r>
-              <a:rPr lang="en-GB" sz="2400" b="1" dirty="0"/>
-              <a:t>Stages:</a:t>
-            </a:r>
-          </a:p>
-          <a:p>
-            <a:pPr marL="731520" lvl="1" indent="-457200">
-              <a:buFont typeface="+mj-lt"/>
-              <a:buAutoNum type="arabicPeriod"/>
-            </a:pPr>
-            <a:r>
-              <a:rPr lang="en-GB" sz="2200" b="1" i="1" dirty="0"/>
-              <a:t>Planning</a:t>
-            </a:r>
-            <a:br>
-              <a:rPr lang="en-GB" sz="2200" b="1" i="1" dirty="0"/>
-            </a:br>
-            <a:r>
-              <a:rPr lang="en-GB" sz="2000" dirty="0"/>
-              <a:t>Project proposal; also creating a time plan for the remaining stages</a:t>
-            </a:r>
-            <a:endParaRPr lang="en-GB" sz="2000" b="1" i="1" dirty="0"/>
-          </a:p>
-          <a:p>
-            <a:pPr marL="731520" lvl="1" indent="-457200">
-              <a:buFont typeface="+mj-lt"/>
-              <a:buAutoNum type="arabicPeriod"/>
-            </a:pPr>
-            <a:r>
-              <a:rPr lang="en-GB" sz="2200" b="1" i="1" dirty="0"/>
-              <a:t>Researching</a:t>
-            </a:r>
-            <a:br>
-              <a:rPr lang="en-GB" sz="2200" b="1" i="1" dirty="0"/>
-            </a:br>
-            <a:r>
-              <a:rPr lang="en-GB" sz="2000" dirty="0"/>
-              <a:t>Reviewing sources and making notes</a:t>
-            </a:r>
-            <a:endParaRPr lang="en-GB" sz="2000" b="1" i="1" dirty="0"/>
-          </a:p>
-          <a:p>
-            <a:pPr marL="731520" lvl="1" indent="-457200">
-              <a:buFont typeface="+mj-lt"/>
-              <a:buAutoNum type="arabicPeriod"/>
-            </a:pPr>
-            <a:r>
-              <a:rPr lang="en-GB" sz="2200" b="1" i="1" dirty="0"/>
-              <a:t>Organising</a:t>
-            </a:r>
-            <a:br>
-              <a:rPr lang="en-GB" sz="2200" b="1" i="1" dirty="0"/>
-            </a:br>
-            <a:r>
-              <a:rPr lang="en-GB" sz="2000" dirty="0"/>
-              <a:t>Group notes by theme to work out your argument</a:t>
-            </a:r>
-            <a:r>
-              <a:rPr lang="en-GB" sz="2200" dirty="0"/>
-              <a:t> (</a:t>
-            </a:r>
-            <a:r>
-              <a:rPr lang="en-GB" sz="1800" dirty="0">
-                <a:hlinkClick r:id="rId2"/>
-              </a:rPr>
-              <a:t>https://studyhub.fxplus.ac.uk/file/240</a:t>
-            </a:r>
-            <a:r>
-              <a:rPr lang="en-GB" sz="2200" dirty="0"/>
-              <a:t>)</a:t>
-            </a:r>
-            <a:endParaRPr lang="en-GB" sz="2200" b="1" i="1" dirty="0"/>
-          </a:p>
-          <a:p>
-            <a:pPr marL="731520" lvl="1" indent="-457200">
-              <a:buFont typeface="+mj-lt"/>
-              <a:buAutoNum type="arabicPeriod"/>
-            </a:pPr>
-            <a:r>
-              <a:rPr lang="en-GB" sz="2200" b="1" i="1" dirty="0"/>
-              <a:t>Drafting</a:t>
-            </a:r>
-            <a:br>
-              <a:rPr lang="en-GB" sz="2200" b="1" i="1" dirty="0"/>
-            </a:br>
-            <a:r>
-              <a:rPr lang="en-GB" sz="2000" dirty="0"/>
-              <a:t>Including outlining the “shape” of the report</a:t>
-            </a:r>
-            <a:endParaRPr lang="en-GB" sz="2000" b="1" i="1" dirty="0"/>
-          </a:p>
-          <a:p>
-            <a:pPr marL="731520" lvl="1" indent="-457200">
-              <a:buFont typeface="+mj-lt"/>
-              <a:buAutoNum type="arabicPeriod"/>
-            </a:pPr>
-            <a:r>
-              <a:rPr lang="en-GB" sz="2200" b="1" i="1" dirty="0"/>
-              <a:t>Reviewing</a:t>
-            </a:r>
-          </a:p>
-          <a:p>
-            <a:pPr marL="0" indent="0">
-              <a:buNone/>
-            </a:pPr>
-            <a:r>
-              <a:rPr lang="en-GB" sz="1800" dirty="0"/>
-              <a:t>More info: </a:t>
-            </a:r>
-            <a:r>
-              <a:rPr lang="en-GB" sz="1800" dirty="0">
-                <a:hlinkClick r:id="rId3"/>
-              </a:rPr>
-              <a:t>https://studyhub.fxplus.ac.uk/written-assignments/essays-dissertations</a:t>
-            </a:r>
-            <a:endParaRPr lang="en-GB" sz="1800" dirty="0"/>
-          </a:p>
-        </p:txBody>
-      </p:sp>
-    </p:spTree>
-    <p:extLst>
-      <p:ext uri="{BB962C8B-B14F-4D97-AF65-F5344CB8AC3E}">
-        <p14:creationId xmlns:p14="http://schemas.microsoft.com/office/powerpoint/2010/main" val="2182841536"/>
-      </p:ext>
-    </p:extLst>
-  </p:cSld>
-  <p:clrMapOvr>
-    <a:masterClrMapping/>
-  </p:clrMapOvr>
-  <p:timing>
-    <p:tnLst>
-      <p:par>
-        <p:cTn id="1" dur="indefinite" restart="never" nodeType="tmRoot">
-          <p:childTnLst>
-            <p:seq concurrent="1" nextAc="seek">
-              <p:cTn id="2" dur="indefinite" nodeType="mainSeq">
-                <p:childTnLst>
-                  <p:par>
-                    <p:cTn id="3" fill="hold">
-                      <p:stCondLst>
-                        <p:cond delay="indefinite"/>
-                      </p:stCondLst>
-                      <p:childTnLst>
-                        <p:par>
-                          <p:cTn id="4" fill="hold">
-                            <p:stCondLst>
-                              <p:cond delay="0"/>
-                            </p:stCondLst>
-                            <p:childTnLst>
-                              <p:par>
-                                <p:cTn id="5" presetID="1" presetClass="entr" presetSubtype="0" fill="hold" grpId="0" nodeType="clickEffect">
-                                  <p:stCondLst>
-                                    <p:cond delay="0"/>
-                                  </p:stCondLst>
-                                  <p:childTnLst>
-                                    <p:set>
-                                      <p:cBhvr>
-                                        <p:cTn id="6" dur="1" fill="hold">
-                                          <p:stCondLst>
-                                            <p:cond delay="0"/>
-                                          </p:stCondLst>
-                                        </p:cTn>
-                                        <p:tgtEl>
-                                          <p:spTgt spid="3">
-                                            <p:txEl>
-                                              <p:pRg st="1" end="1"/>
-                                            </p:txEl>
-                                          </p:spTgt>
-                                        </p:tgtEl>
-                                        <p:attrNameLst>
-                                          <p:attrName>style.visibility</p:attrName>
-                                        </p:attrNameLst>
-                                      </p:cBhvr>
-                                      <p:to>
-                                        <p:strVal val="visible"/>
-                                      </p:to>
-                                    </p:set>
-                                  </p:childTnLst>
-                                </p:cTn>
-                              </p:par>
-                            </p:childTnLst>
-                          </p:cTn>
-                        </p:par>
-                      </p:childTnLst>
-                    </p:cTn>
-                  </p:par>
-                  <p:par>
-                    <p:cTn id="7" fill="hold">
-                      <p:stCondLst>
-                        <p:cond delay="indefinite"/>
-                      </p:stCondLst>
-                      <p:childTnLst>
-                        <p:par>
-                          <p:cTn id="8" fill="hold">
-                            <p:stCondLst>
-                              <p:cond delay="0"/>
-                            </p:stCondLst>
-                            <p:childTnLst>
-                              <p:par>
-                                <p:cTn id="9" presetID="1" presetClass="entr" presetSubtype="0" fill="hold" grpId="0" nodeType="clickEffect">
-                                  <p:stCondLst>
-                                    <p:cond delay="0"/>
-                                  </p:stCondLst>
-                                  <p:childTnLst>
-                                    <p:set>
-                                      <p:cBhvr>
-                                        <p:cTn id="10" dur="1" fill="hold">
-                                          <p:stCondLst>
-                                            <p:cond delay="0"/>
-                                          </p:stCondLst>
-                                        </p:cTn>
-                                        <p:tgtEl>
-                                          <p:spTgt spid="3">
-                                            <p:txEl>
-                                              <p:pRg st="2" end="2"/>
-                                            </p:txEl>
-                                          </p:spTgt>
-                                        </p:tgtEl>
-                                        <p:attrNameLst>
-                                          <p:attrName>style.visibility</p:attrName>
-                                        </p:attrNameLst>
-                                      </p:cBhvr>
-                                      <p:to>
-                                        <p:strVal val="visible"/>
-                                      </p:to>
-                                    </p:set>
-                                  </p:childTnLst>
-                                </p:cTn>
-                              </p:par>
-                            </p:childTnLst>
-                          </p:cTn>
-                        </p:par>
-                      </p:childTnLst>
-                    </p:cTn>
-                  </p:par>
-                  <p:par>
-                    <p:cTn id="11" fill="hold">
-                      <p:stCondLst>
-                        <p:cond delay="indefinite"/>
-                      </p:stCondLst>
-                      <p:childTnLst>
-                        <p:par>
-                          <p:cTn id="12" fill="hold">
-                            <p:stCondLst>
-                              <p:cond delay="0"/>
-                            </p:stCondLst>
-                            <p:childTnLst>
-                              <p:par>
-                                <p:cTn id="13" presetID="1" presetClass="entr" presetSubtype="0" fill="hold" grpId="0" nodeType="clickEffect">
-                                  <p:stCondLst>
-                                    <p:cond delay="0"/>
-                                  </p:stCondLst>
-                                  <p:childTnLst>
-                                    <p:set>
-                                      <p:cBhvr>
-                                        <p:cTn id="14" dur="1" fill="hold">
-                                          <p:stCondLst>
-                                            <p:cond delay="0"/>
-                                          </p:stCondLst>
-                                        </p:cTn>
-                                        <p:tgtEl>
-                                          <p:spTgt spid="3">
-                                            <p:txEl>
-                                              <p:pRg st="3" end="3"/>
-                                            </p:txEl>
-                                          </p:spTgt>
-                                        </p:tgtEl>
-                                        <p:attrNameLst>
-                                          <p:attrName>style.visibility</p:attrName>
-                                        </p:attrNameLst>
-                                      </p:cBhvr>
-                                      <p:to>
-                                        <p:strVal val="visible"/>
-                                      </p:to>
-                                    </p:set>
-                                  </p:childTnLst>
-                                </p:cTn>
-                              </p:par>
-                            </p:childTnLst>
-                          </p:cTn>
-                        </p:par>
-                      </p:childTnLst>
-                    </p:cTn>
-                  </p:par>
-                  <p:par>
-                    <p:cTn id="15" fill="hold">
-                      <p:stCondLst>
-                        <p:cond delay="indefinite"/>
-                      </p:stCondLst>
-                      <p:childTnLst>
-                        <p:par>
-                          <p:cTn id="16" fill="hold">
-                            <p:stCondLst>
-                              <p:cond delay="0"/>
-                            </p:stCondLst>
-                            <p:childTnLst>
-                              <p:par>
-                                <p:cTn id="17" presetID="1" presetClass="entr" presetSubtype="0" fill="hold" grpId="0" nodeType="clickEffect">
-                                  <p:stCondLst>
-                                    <p:cond delay="0"/>
-                                  </p:stCondLst>
-                                  <p:childTnLst>
-                                    <p:set>
-                                      <p:cBhvr>
-                                        <p:cTn id="18" dur="1" fill="hold">
-                                          <p:stCondLst>
-                                            <p:cond delay="0"/>
-                                          </p:stCondLst>
-                                        </p:cTn>
-                                        <p:tgtEl>
-                                          <p:spTgt spid="3">
-                                            <p:txEl>
-                                              <p:pRg st="4" end="4"/>
-                                            </p:txEl>
-                                          </p:spTgt>
-                                        </p:tgtEl>
-                                        <p:attrNameLst>
-                                          <p:attrName>style.visibility</p:attrName>
-                                        </p:attrNameLst>
-                                      </p:cBhvr>
-                                      <p:to>
-                                        <p:strVal val="visible"/>
-                                      </p:to>
-                                    </p:set>
-                                  </p:childTnLst>
-                                </p:cTn>
-                              </p:par>
-                            </p:childTnLst>
-                          </p:cTn>
-                        </p:par>
-                      </p:childTnLst>
-                    </p:cTn>
-                  </p:par>
-                  <p:par>
-                    <p:cTn id="19" fill="hold">
-                      <p:stCondLst>
-                        <p:cond delay="indefinite"/>
-                      </p:stCondLst>
-                      <p:childTnLst>
-                        <p:par>
-                          <p:cTn id="20" fill="hold">
-                            <p:stCondLst>
-                              <p:cond delay="0"/>
-                            </p:stCondLst>
-                            <p:childTnLst>
-                              <p:par>
-                                <p:cTn id="21" presetID="1" presetClass="entr" presetSubtype="0" fill="hold" grpId="0" nodeType="clickEffect">
-                                  <p:stCondLst>
-                                    <p:cond delay="0"/>
-                                  </p:stCondLst>
-                                  <p:childTnLst>
-                                    <p:set>
-                                      <p:cBhvr>
-                                        <p:cTn id="22" dur="1" fill="hold">
-                                          <p:stCondLst>
-                                            <p:cond delay="0"/>
-                                          </p:stCondLst>
-                                        </p:cTn>
-                                        <p:tgtEl>
-                                          <p:spTgt spid="3">
-                                            <p:txEl>
-                                              <p:pRg st="5" end="5"/>
-                                            </p:txEl>
-                                          </p:spTgt>
-                                        </p:tgtEl>
-                                        <p:attrNameLst>
-                                          <p:attrName>style.visibility</p:attrName>
-                                        </p:attrNameLst>
-                                      </p:cBhvr>
-                                      <p:to>
-                                        <p:strVal val="visible"/>
-                                      </p:to>
-                                    </p:set>
-                                  </p:childTnLst>
-                                </p:cTn>
-                              </p:par>
-                            </p:childTnLst>
-                          </p:cTn>
-                        </p:par>
-                      </p:childTnLst>
-                    </p:cTn>
-                  </p:par>
-                  <p:par>
-                    <p:cTn id="23" fill="hold">
-                      <p:stCondLst>
-                        <p:cond delay="indefinite"/>
-                      </p:stCondLst>
-                      <p:childTnLst>
-                        <p:par>
-                          <p:cTn id="24" fill="hold">
-                            <p:stCondLst>
-                              <p:cond delay="0"/>
-                            </p:stCondLst>
-                            <p:childTnLst>
-                              <p:par>
-                                <p:cTn id="25" presetID="1" presetClass="entr" presetSubtype="0" fill="hold" grpId="0" nodeType="clickEffect">
-                                  <p:stCondLst>
-                                    <p:cond delay="0"/>
-                                  </p:stCondLst>
-                                  <p:childTnLst>
-                                    <p:set>
-                                      <p:cBhvr>
-                                        <p:cTn id="26" dur="1" fill="hold">
-                                          <p:stCondLst>
-                                            <p:cond delay="0"/>
-                                          </p:stCondLst>
-                                        </p:cTn>
-                                        <p:tgtEl>
-                                          <p:spTgt spid="3">
-                                            <p:txEl>
-                                              <p:pRg st="6" end="6"/>
-                                            </p:txEl>
-                                          </p:spTgt>
-                                        </p:tgtEl>
-                                        <p:attrNameLst>
-                                          <p:attrName>style.visibility</p:attrName>
-                                        </p:attrNameLst>
-                                      </p:cBhvr>
-                                      <p:to>
-                                        <p:strVal val="visible"/>
-                                      </p:to>
-                                    </p:set>
-                                  </p:childTnLst>
-                                </p:cTn>
-                              </p:par>
-                            </p:childTnLst>
-                          </p:cTn>
-                        </p:par>
-                      </p:childTnLst>
-                    </p:cTn>
-                  </p:par>
-                </p:childTnLst>
-              </p:cTn>
-              <p:prevCondLst>
-                <p:cond evt="onPrev" delay="0">
-                  <p:tgtEl>
-                    <p:sldTgt/>
-                  </p:tgtEl>
-                </p:cond>
-              </p:prevCondLst>
-              <p:nextCondLst>
-                <p:cond evt="onNext" delay="0">
-                  <p:tgtEl>
-                    <p:sldTgt/>
-                  </p:tgtEl>
-                </p:cond>
-              </p:nextCondLst>
-            </p:seq>
-          </p:childTnLst>
-        </p:cTn>
-      </p:par>
-    </p:tnLst>
-    <p:bldLst>
-      <p:bldP spid="3" grpId="0" uiExpand="1" build="p"/>
-    </p:bldLst>
-  </p:timing>
-</p:sld>
-</file>
-
-<file path=ppt/slides/slide12.xml><?xml version="1.0" encoding="utf-8"?>
-<p:sld xmlns:a="http://schemas.openxmlformats.org/drawingml/2006/main" xmlns:r="http://schemas.openxmlformats.org/officeDocument/2006/relationships" xmlns:p="http://schemas.openxmlformats.org/presentationml/2006/main">
-  <p:cSld>
-    <p:spTree>
-      <p:nvGrpSpPr>
-        <p:cNvPr id="1" name=""/>
-        <p:cNvGrpSpPr/>
-        <p:nvPr/>
-      </p:nvGrpSpPr>
-      <p:grpSpPr>
-        <a:xfrm>
-          <a:off x="0" y="0"/>
-          <a:ext cx="0" cy="0"/>
-          <a:chOff x="0" y="0"/>
-          <a:chExt cx="0" cy="0"/>
-        </a:xfrm>
-      </p:grpSpPr>
-      <p:sp>
-        <p:nvSpPr>
-          <p:cNvPr id="2" name="Title 1">
-            <a:extLst>
-              <a:ext uri="{FF2B5EF4-FFF2-40B4-BE49-F238E27FC236}">
-                <a16:creationId xmlns:a16="http://schemas.microsoft.com/office/drawing/2014/main" id="{CE93B9A9-5430-43CA-A076-1B33A322CAF1}"/>
-              </a:ext>
-            </a:extLst>
-          </p:cNvPr>
-          <p:cNvSpPr>
-            <a:spLocks noGrp="1"/>
-          </p:cNvSpPr>
-          <p:nvPr>
-            <p:ph type="title"/>
-          </p:nvPr>
-        </p:nvSpPr>
-        <p:spPr/>
-        <p:txBody>
-          <a:bodyPr/>
-          <a:lstStyle/>
-          <a:p>
-            <a:r>
-              <a:rPr lang="en-GB" dirty="0"/>
-              <a:t>Suggested activities</a:t>
-            </a:r>
-          </a:p>
-        </p:txBody>
-      </p:sp>
-      <p:sp>
-        <p:nvSpPr>
-          <p:cNvPr id="3" name="Content Placeholder 2">
-            <a:extLst>
-              <a:ext uri="{FF2B5EF4-FFF2-40B4-BE49-F238E27FC236}">
-                <a16:creationId xmlns:a16="http://schemas.microsoft.com/office/drawing/2014/main" id="{A8B5FB3A-DBC2-49E7-B8E9-76B44D37034D}"/>
-              </a:ext>
-            </a:extLst>
-          </p:cNvPr>
-          <p:cNvSpPr>
-            <a:spLocks noGrp="1"/>
-          </p:cNvSpPr>
-          <p:nvPr>
-            <p:ph idx="1"/>
-          </p:nvPr>
-        </p:nvSpPr>
-        <p:spPr>
-          <a:xfrm>
-            <a:off x="1066800" y="1864129"/>
-            <a:ext cx="10058400" cy="4112286"/>
-          </a:xfrm>
-        </p:spPr>
-        <p:txBody>
-          <a:bodyPr>
-            <a:noAutofit/>
-          </a:bodyPr>
-          <a:lstStyle/>
-          <a:p>
-            <a:pPr marL="514350" indent="-514350">
-              <a:buFont typeface="+mj-lt"/>
-              <a:buAutoNum type="arabicPeriod"/>
-            </a:pPr>
-            <a:r>
-              <a:rPr lang="en-GB" sz="2400" dirty="0"/>
-              <a:t>Review resources for written assignments linked from these slides/at </a:t>
-            </a:r>
-            <a:r>
-              <a:rPr lang="en-GB" sz="2400" dirty="0">
-                <a:hlinkClick r:id="rId2"/>
-              </a:rPr>
-              <a:t>https://studyhub.fxplus.ac.uk/written-assignments</a:t>
-            </a:r>
-            <a:endParaRPr lang="en-GB" sz="2400" dirty="0"/>
-          </a:p>
-          <a:p>
-            <a:pPr marL="514350" indent="-514350">
-              <a:buFont typeface="+mj-lt"/>
-              <a:buAutoNum type="arabicPeriod"/>
-            </a:pPr>
-            <a:r>
-              <a:rPr lang="en-GB" sz="2400" dirty="0"/>
-              <a:t>If you haven’t done so already, create:</a:t>
-            </a:r>
-          </a:p>
-          <a:p>
-            <a:pPr marL="788670" lvl="1" indent="-514350">
-              <a:buFont typeface="+mj-lt"/>
-              <a:buAutoNum type="alphaLcParenR"/>
-            </a:pPr>
-            <a:r>
-              <a:rPr lang="en-GB" sz="2000" dirty="0"/>
-              <a:t>A time plan for writing your report, and</a:t>
-            </a:r>
-          </a:p>
-          <a:p>
-            <a:pPr marL="788670" lvl="1" indent="-514350">
-              <a:buFont typeface="+mj-lt"/>
-              <a:buAutoNum type="alphaLcParenR"/>
-            </a:pPr>
-            <a:r>
-              <a:rPr lang="en-GB" sz="2000" dirty="0"/>
-              <a:t>An outline of your report’s structure</a:t>
-            </a:r>
-          </a:p>
-          <a:p>
-            <a:pPr marL="514350" indent="-514350">
-              <a:buFont typeface="+mj-lt"/>
-              <a:buAutoNum type="arabicPeriod"/>
-            </a:pPr>
-            <a:r>
-              <a:rPr lang="en-GB" sz="2400" dirty="0"/>
-              <a:t>Continue work on </a:t>
-            </a:r>
-            <a:r>
-              <a:rPr lang="en-GB" sz="2400"/>
-              <a:t>your poster (see week 5 slides for tips).</a:t>
-            </a:r>
-            <a:endParaRPr lang="en-GB" sz="2400" dirty="0"/>
-          </a:p>
-          <a:p>
-            <a:pPr marL="514350" indent="-514350">
-              <a:buFont typeface="+mj-lt"/>
-              <a:buAutoNum type="arabicPeriod"/>
-            </a:pPr>
-            <a:r>
-              <a:rPr lang="en-GB" sz="2400" dirty="0"/>
-              <a:t>Continue work on your artefact.</a:t>
-            </a:r>
-          </a:p>
-          <a:p>
-            <a:pPr marL="514350" indent="-514350">
-              <a:buFont typeface="+mj-lt"/>
-              <a:buAutoNum type="arabicPeriod"/>
-            </a:pPr>
-            <a:endParaRPr lang="en-GB" sz="800" b="1" dirty="0"/>
-          </a:p>
-          <a:p>
-            <a:pPr marL="0" indent="0">
-              <a:buNone/>
-            </a:pPr>
-            <a:r>
-              <a:rPr lang="en-GB" sz="1800" dirty="0"/>
-              <a:t>Find these slides online at:</a:t>
-            </a:r>
-          </a:p>
-          <a:p>
-            <a:pPr marL="0" indent="0">
-              <a:buNone/>
-            </a:pPr>
-            <a:r>
-              <a:rPr lang="en-GB" sz="1800" dirty="0">
-                <a:solidFill>
-                  <a:srgbClr val="00B0F0"/>
-                </a:solidFill>
-                <a:hlinkClick r:id="rId3">
-                  <a:extLst>
-                    <a:ext uri="{A12FA001-AC4F-418D-AE19-62706E023703}">
-                      <ahyp:hlinkClr xmlns:ahyp="http://schemas.microsoft.com/office/drawing/2018/hyperlinkcolor" val="tx"/>
-                    </a:ext>
-                  </a:extLst>
-                </a:hlinkClick>
-              </a:rPr>
-              <a:t>https://github.com/Falmouth-Games-Academy/</a:t>
-            </a:r>
-            <a:r>
-              <a:rPr lang="en-GB" sz="1800" b="1" dirty="0">
-                <a:solidFill>
-                  <a:srgbClr val="00B0F0"/>
-                </a:solidFill>
-                <a:hlinkClick r:id="rId3">
-                  <a:extLst>
-                    <a:ext uri="{A12FA001-AC4F-418D-AE19-62706E023703}">
-                      <ahyp:hlinkClr xmlns:ahyp="http://schemas.microsoft.com/office/drawing/2018/hyperlinkcolor" val="tx"/>
-                    </a:ext>
-                  </a:extLst>
-                </a:hlinkClick>
-              </a:rPr>
-              <a:t>COMP2x0-workshop-slides</a:t>
-            </a:r>
-            <a:endParaRPr lang="en-GB" sz="1800" b="1" dirty="0">
-              <a:solidFill>
-                <a:srgbClr val="00B0F0"/>
-              </a:solidFill>
-            </a:endParaRPr>
-          </a:p>
-        </p:txBody>
-      </p:sp>
-    </p:spTree>
-    <p:extLst>
-      <p:ext uri="{BB962C8B-B14F-4D97-AF65-F5344CB8AC3E}">
-        <p14:creationId xmlns:p14="http://schemas.microsoft.com/office/powerpoint/2010/main" val="4214232663"/>
-      </p:ext>
-    </p:extLst>
-  </p:cSld>
-  <p:clrMapOvr>
-    <a:masterClrMapping/>
-  </p:clrMapOvr>
-  <p:timing>
-    <p:tnLst>
-      <p:par>
-        <p:cTn id="1" dur="indefinite" restart="never" nodeType="tmRoot">
-          <p:childTnLst>
-            <p:seq concurrent="1" nextAc="seek">
-              <p:cTn id="2" dur="indefinite" nodeType="mainSeq">
-                <p:childTnLst>
-                  <p:par>
-                    <p:cTn id="3" fill="hold">
-                      <p:stCondLst>
-                        <p:cond delay="indefinite"/>
-                      </p:stCondLst>
-                      <p:childTnLst>
-                        <p:par>
-                          <p:cTn id="4" fill="hold">
-                            <p:stCondLst>
-                              <p:cond delay="0"/>
-                            </p:stCondLst>
-                            <p:childTnLst>
-                              <p:par>
-                                <p:cTn id="5" presetID="1" presetClass="entr" presetSubtype="0" fill="hold" grpId="0" nodeType="clickEffect">
+                                <p:cTn id="5" presetID="10" presetClass="entr" presetSubtype="0" fill="hold" grpId="0" nodeType="clickEffect">
                                   <p:stCondLst>
                                     <p:cond delay="0"/>
                                   </p:stCondLst>
@@ -5992,6 +5719,18 @@
                                         <p:strVal val="visible"/>
                                       </p:to>
                                     </p:set>
+                                    <p:animEffect transition="in" filter="fade">
+                                      <p:cBhvr>
+                                        <p:cTn id="7" dur="500"/>
+                                        <p:tgtEl>
+                                          <p:spTgt spid="3">
+                                            <p:txEl>
+                                              <p:pRg st="0" end="0"/>
+                                            </p:txEl>
+                                          </p:spTgt>
+                                        </p:tgtEl>
+                                      </p:cBhvr>
+                                    </p:animEffect>
                                   </p:childTnLst>
                                 </p:cTn>
                               </p:par>
@@ -6002,26 +5741,26 @@
                     </p:cTn>
                   </p:par>
                   <p:par>
-                    <p:cTn id="7" fill="hold">
+                    <p:cTn id="8" fill="hold">
                       <p:stCondLst>
                         <p:cond delay="indefinite"/>
                       </p:stCondLst>
                       <p:childTnLst>
                         <p:par>
-                          <p:cTn id="8" fill="hold">
+                          <p:cTn id="9" fill="hold">
                             <p:stCondLst>
                               <p:cond delay="0"/>
                             </p:stCondLst>
                             <p:childTnLst>
                               <p:par>
-                                <p:cTn id="9" presetID="1" presetClass="entr" presetSubtype="0" fill="hold" grpId="0" nodeType="clickEffect">
+                                <p:cTn id="10" presetID="10" presetClass="entr" presetSubtype="0" fill="hold" grpId="0" nodeType="clickEffect">
                                   <p:stCondLst>
                                     <p:cond delay="0"/>
                                   </p:stCondLst>
                                   <p:childTnLst>
                                     <p:set>
                                       <p:cBhvr>
-                                        <p:cTn id="10" dur="1" fill="hold">
+                                        <p:cTn id="11" dur="1" fill="hold">
                                           <p:stCondLst>
                                             <p:cond delay="0"/>
                                           </p:stCondLst>
@@ -6041,18 +5780,48 @@
                                         <p:strVal val="visible"/>
                                       </p:to>
                                     </p:set>
+                                    <p:animEffect transition="in" filter="fade">
+                                      <p:cBhvr>
+                                        <p:cTn id="12" dur="500"/>
+                                        <p:tgtEl>
+                                          <p:spTgt spid="3">
+                                            <p:txEl>
+                                              <p:pRg st="1" end="1"/>
+                                            </p:txEl>
+                                          </p:spTgt>
+                                        </p:tgtEl>
+                                      </p:cBhvr>
+                                    </p:animEffect>
                                   </p:childTnLst>
                                 </p:cTn>
                               </p:par>
+                            </p:childTnLst>
+                          </p:cTn>
+                        </p:par>
+                      </p:childTnLst>
+                    </p:cTn>
+                  </p:par>
+                  <p:par>
+                    <p:cTn id="13" fill="hold">
+                      <p:stCondLst>
+                        <p:cond delay="indefinite"/>
+                      </p:stCondLst>
+                      <p:childTnLst>
+                        <p:par>
+                          <p:cTn id="14" fill="hold">
+                            <p:stCondLst>
+                              <p:cond delay="0"/>
+                            </p:stCondLst>
+                            <p:childTnLst>
                               <p:par>
-                                <p:cTn id="11" presetID="1" presetClass="entr" presetSubtype="0" fill="hold" grpId="0" nodeType="withEffect">
+                                <p:cTn id="15" presetID="10" presetClass="entr" presetSubtype="0" fill="hold" grpId="0" nodeType="clickEffect">
                                   <p:stCondLst>
                                     <p:cond delay="0"/>
                                   </p:stCondLst>
                                   <p:childTnLst>
                                     <p:set>
                                       <p:cBhvr>
-                                        <p:cTn id="12" dur="1" fill="hold">
+                                        <p:cTn id="16" dur="1" fill="hold">
                                           <p:stCondLst>
                                             <p:cond delay="0"/>
                                           </p:stCondLst>
@@ -6072,18 +5841,48 @@
                                         <p:strVal val="visible"/>
                                       </p:to>
                                     </p:set>
+                                    <p:animEffect transition="in" filter="fade">
+                                      <p:cBhvr>
+                                        <p:cTn id="17" dur="500"/>
+                                        <p:tgtEl>
+                                          <p:spTgt spid="3">
+                                            <p:txEl>
+                                              <p:pRg st="2" end="2"/>
+                                            </p:txEl>
+                                          </p:spTgt>
+                                        </p:tgtEl>
+                                      </p:cBhvr>
+                                    </p:animEffect>
                                   </p:childTnLst>
                                 </p:cTn>
                               </p:par>
+                            </p:childTnLst>
+                          </p:cTn>
+                        </p:par>
+                      </p:childTnLst>
+                    </p:cTn>
+                  </p:par>
+                  <p:par>
+                    <p:cTn id="18" fill="hold">
+                      <p:stCondLst>
+                        <p:cond delay="indefinite"/>
+                      </p:stCondLst>
+                      <p:childTnLst>
+                        <p:par>
+                          <p:cTn id="19" fill="hold">
+                            <p:stCondLst>
+                              <p:cond delay="0"/>
+                            </p:stCondLst>
+                            <p:childTnLst>
                               <p:par>
-                                <p:cTn id="13" presetID="1" presetClass="entr" presetSubtype="0" fill="hold" grpId="0" nodeType="withEffect">
+                                <p:cTn id="20" presetID="10" presetClass="entr" presetSubtype="0" fill="hold" grpId="0" nodeType="clickEffect">
                                   <p:stCondLst>
                                     <p:cond delay="0"/>
                                   </p:stCondLst>
                                   <p:childTnLst>
                                     <p:set>
                                       <p:cBhvr>
-                                        <p:cTn id="14" dur="1" fill="hold">
+                                        <p:cTn id="21" dur="1" fill="hold">
                                           <p:stCondLst>
                                             <p:cond delay="0"/>
                                           </p:stCondLst>
@@ -6103,104 +5902,18 @@
                                         <p:strVal val="visible"/>
                                       </p:to>
                                     </p:set>
-                                  </p:childTnLst>
-                                </p:cTn>
-                              </p:par>
-                            </p:childTnLst>
-                          </p:cTn>
-                        </p:par>
-                      </p:childTnLst>
-                    </p:cTn>
-                  </p:par>
-                  <p:par>
-                    <p:cTn id="15" fill="hold">
-                      <p:stCondLst>
-                        <p:cond delay="indefinite"/>
-                      </p:stCondLst>
-                      <p:childTnLst>
-                        <p:par>
-                          <p:cTn id="16" fill="hold">
-                            <p:stCondLst>
-                              <p:cond delay="0"/>
-                            </p:stCondLst>
-                            <p:childTnLst>
-                              <p:par>
-                                <p:cTn id="17" presetID="1" presetClass="entr" presetSubtype="0" fill="hold" grpId="0" nodeType="clickEffect">
-                                  <p:stCondLst>
-                                    <p:cond delay="0"/>
-                                  </p:stCondLst>
-                                  <p:childTnLst>
-                                    <p:set>
+                                    <p:animEffect transition="in" filter="fade">
                                       <p:cBhvr>
-                                        <p:cTn id="18" dur="1" fill="hold">
-                                          <p:stCondLst>
-                                            <p:cond delay="0"/>
-                                          </p:stCondLst>
-                                        </p:cTn>
+                                        <p:cTn id="22" dur="500"/>
                                         <p:tgtEl>
                                           <p:spTgt spid="3">
                                             <p:txEl>
-                                              <p:pRg st="4" end="4"/>
+                                              <p:pRg st="3" end="3"/>
                                             </p:txEl>
                                           </p:spTgt>
                                         </p:tgtEl>
-                                        <p:attrNameLst>
-                                          <p:attrName>style.visibility</p:attrName>
-                                        </p:attrNameLst>
                                       </p:cBhvr>
-                                      <p:to>
-                                        <p:strVal val="visible"/>
-                                      </p:to>
-                                    </p:set>
-                                  </p:childTnLst>
-                                </p:cTn>
-                              </p:par>
-                            </p:childTnLst>
-                          </p:cTn>
-                        </p:par>
-                      </p:childTnLst>
-                    </p:cTn>
-                  </p:par>
-                  <p:par>
-                    <p:cTn id="19" fill="hold">
-                      <p:stCondLst>
-                        <p:cond delay="indefinite"/>
-                      </p:stCondLst>
-                      <p:childTnLst>
-                        <p:par>
-                          <p:cTn id="20" fill="hold">
-                            <p:stCondLst>
-                              <p:cond delay="0"/>
-                            </p:stCondLst>
-                            <p:childTnLst>
-                              <p:par>
-                                <p:cTn id="21" presetID="1" presetClass="entr" presetSubtype="0" fill="hold" grpId="0" nodeType="clickEffect">
-                                  <p:stCondLst>
-                                    <p:cond delay="0"/>
-                                  </p:stCondLst>
-                                  <p:childTnLst>
-                                    <p:set>
-                                      <p:cBhvr>
-                                        <p:cTn id="22" dur="1" fill="hold">
-                                          <p:stCondLst>
-                                            <p:cond delay="0"/>
-                                          </p:stCondLst>
-                                        </p:cTn>
-                                        <p:tgtEl>
-                                          <p:spTgt spid="3">
-                                            <p:txEl>
-                                              <p:pRg st="5" end="5"/>
-                                            </p:txEl>
-                                          </p:spTgt>
-                                        </p:tgtEl>
-                                        <p:attrNameLst>
-                                          <p:attrName>style.visibility</p:attrName>
-                                        </p:attrNameLst>
-                                      </p:cBhvr>
-                                      <p:to>
-                                        <p:strVal val="visible"/>
-                                      </p:to>
-                                    </p:set>
+                                    </p:animEffect>
                                   </p:childTnLst>
                                 </p:cTn>
                               </p:par>
@@ -6223,7 +5936,7 @@
                             </p:stCondLst>
                             <p:childTnLst>
                               <p:par>
-                                <p:cTn id="25" presetID="1" presetClass="entr" presetSubtype="0" fill="hold" grpId="0" nodeType="clickEffect">
+                                <p:cTn id="25" presetID="10" presetClass="entr" presetSubtype="0" fill="hold" grpId="0" nodeType="clickEffect">
                                   <p:stCondLst>
                                     <p:cond delay="0"/>
                                   </p:stCondLst>
@@ -6238,7 +5951,7 @@
                                         <p:tgtEl>
                                           <p:spTgt spid="3">
                                             <p:txEl>
-                                              <p:pRg st="7" end="7"/>
+                                              <p:pRg st="4" end="4"/>
                                             </p:txEl>
                                           </p:spTgt>
                                         </p:tgtEl>
@@ -6250,55 +5963,18 @@
                                         <p:strVal val="visible"/>
                                       </p:to>
                                     </p:set>
-                                  </p:childTnLst>
-                                </p:cTn>
-                              </p:par>
-                            </p:childTnLst>
-                          </p:cTn>
-                        </p:par>
-                      </p:childTnLst>
-                    </p:cTn>
-                  </p:par>
-                  <p:par>
-                    <p:cTn id="27" fill="hold">
-                      <p:stCondLst>
-                        <p:cond delay="indefinite"/>
-                      </p:stCondLst>
-                      <p:childTnLst>
-                        <p:par>
-                          <p:cTn id="28" fill="hold">
-                            <p:stCondLst>
-                              <p:cond delay="0"/>
-                            </p:stCondLst>
-                            <p:childTnLst>
-                              <p:par>
-                                <p:cTn id="29" presetID="1" presetClass="entr" presetSubtype="0" fill="hold" grpId="0" nodeType="clickEffect">
-                                  <p:stCondLst>
-                                    <p:cond delay="0"/>
-                                  </p:stCondLst>
-                                  <p:childTnLst>
-                                    <p:set>
+                                    <p:animEffect transition="in" filter="fade">
                                       <p:cBhvr>
-                                        <p:cTn id="30" dur="1" fill="hold">
-                                          <p:stCondLst>
-                                            <p:cond delay="0"/>
-                                          </p:stCondLst>
-                                        </p:cTn>
+                                        <p:cTn id="27" dur="500"/>
                                         <p:tgtEl>
                                           <p:spTgt spid="3">
                                             <p:txEl>
-                                              <p:pRg st="8" end="8"/>
+                                              <p:pRg st="4" end="4"/>
                                             </p:txEl>
                                           </p:spTgt>
                                         </p:tgtEl>
-                                        <p:attrNameLst>
-                                          <p:attrName>style.visibility</p:attrName>
-                                        </p:attrNameLst>
                                       </p:cBhvr>
-                                      <p:to>
-                                        <p:strVal val="visible"/>
-                                      </p:to>
-                                    </p:set>
+                                    </p:animEffect>
                                   </p:childTnLst>
                                 </p:cTn>
                               </p:par>
@@ -6333,6 +6009,641 @@
       <p:bldP spid="3" grpId="0" build="p"/>
     </p:bldLst>
   </p:timing>
+</p:sld>
+</file>
+
+<file path=ppt/slides/slide11.xml><?xml version="1.0" encoding="utf-8"?>
+<p:sld xmlns:a="http://schemas.openxmlformats.org/drawingml/2006/main" xmlns:r="http://schemas.openxmlformats.org/officeDocument/2006/relationships" xmlns:p="http://schemas.openxmlformats.org/presentationml/2006/main">
+  <p:cSld>
+    <p:spTree>
+      <p:nvGrpSpPr>
+        <p:cNvPr id="1" name=""/>
+        <p:cNvGrpSpPr/>
+        <p:nvPr/>
+      </p:nvGrpSpPr>
+      <p:grpSpPr>
+        <a:xfrm>
+          <a:off x="0" y="0"/>
+          <a:ext cx="0" cy="0"/>
+          <a:chOff x="0" y="0"/>
+          <a:chExt cx="0" cy="0"/>
+        </a:xfrm>
+      </p:grpSpPr>
+      <p:sp>
+        <p:nvSpPr>
+          <p:cNvPr id="2" name="Title 1">
+            <a:extLst>
+              <a:ext uri="{FF2B5EF4-FFF2-40B4-BE49-F238E27FC236}">
+                <a16:creationId xmlns:a16="http://schemas.microsoft.com/office/drawing/2014/main" id="{52C8F874-D835-46C3-81A7-6EA7098E8CF0}"/>
+              </a:ext>
+            </a:extLst>
+          </p:cNvPr>
+          <p:cNvSpPr>
+            <a:spLocks noGrp="1"/>
+          </p:cNvSpPr>
+          <p:nvPr>
+            <p:ph type="title"/>
+          </p:nvPr>
+        </p:nvSpPr>
+        <p:spPr/>
+        <p:txBody>
+          <a:bodyPr/>
+          <a:lstStyle/>
+          <a:p>
+            <a:r>
+              <a:rPr lang="en-GB" dirty="0">
+                <a:solidFill>
+                  <a:schemeClr val="accent2">
+                    <a:lumMod val="75000"/>
+                  </a:schemeClr>
+                </a:solidFill>
+              </a:rPr>
+              <a:t>Asynchronous Task: </a:t>
+            </a:r>
+            <a:r>
+              <a:rPr lang="en-GB" dirty="0"/>
+              <a:t>Finding a Platform</a:t>
+            </a:r>
+          </a:p>
+        </p:txBody>
+      </p:sp>
+      <p:sp>
+        <p:nvSpPr>
+          <p:cNvPr id="3" name="Content Placeholder 2">
+            <a:extLst>
+              <a:ext uri="{FF2B5EF4-FFF2-40B4-BE49-F238E27FC236}">
+                <a16:creationId xmlns:a16="http://schemas.microsoft.com/office/drawing/2014/main" id="{492F2918-0459-424C-8BC7-AEF334BC09B0}"/>
+              </a:ext>
+            </a:extLst>
+          </p:cNvPr>
+          <p:cNvSpPr>
+            <a:spLocks noGrp="1"/>
+          </p:cNvSpPr>
+          <p:nvPr>
+            <p:ph idx="1"/>
+          </p:nvPr>
+        </p:nvSpPr>
+        <p:spPr/>
+        <p:txBody>
+          <a:bodyPr>
+            <a:normAutofit lnSpcReduction="10000"/>
+          </a:bodyPr>
+          <a:lstStyle/>
+          <a:p>
+            <a:r>
+              <a:rPr lang="en-GB" sz="2800" dirty="0">
+                <a:solidFill>
+                  <a:schemeClr val="accent3">
+                    <a:lumMod val="75000"/>
+                  </a:schemeClr>
+                </a:solidFill>
+              </a:rPr>
+              <a:t>Investigate</a:t>
+            </a:r>
+            <a:r>
+              <a:rPr lang="en-GB" sz="2800" dirty="0"/>
+              <a:t> one or two of the suggested platforms (or any others you know of):</a:t>
+            </a:r>
+          </a:p>
+          <a:p>
+            <a:r>
+              <a:rPr lang="en-GB" sz="2800" dirty="0"/>
+              <a:t>Create a </a:t>
+            </a:r>
+            <a:r>
+              <a:rPr lang="en-GB" sz="2800" dirty="0">
+                <a:solidFill>
+                  <a:schemeClr val="accent2">
+                    <a:lumMod val="75000"/>
+                  </a:schemeClr>
+                </a:solidFill>
+              </a:rPr>
+              <a:t>basic skeleton site </a:t>
+            </a:r>
+            <a:r>
+              <a:rPr lang="en-GB" sz="2800" dirty="0"/>
+              <a:t>with your home page outline and placeholders for other sections</a:t>
+            </a:r>
+          </a:p>
+          <a:p>
+            <a:r>
+              <a:rPr lang="en-GB" sz="2800" dirty="0">
+                <a:solidFill>
+                  <a:schemeClr val="accent3">
+                    <a:lumMod val="75000"/>
+                  </a:schemeClr>
+                </a:solidFill>
+              </a:rPr>
+              <a:t>Share a link </a:t>
+            </a:r>
+            <a:r>
+              <a:rPr lang="en-GB" sz="2800" dirty="0"/>
+              <a:t>to your test site on the </a:t>
+            </a:r>
+            <a:r>
+              <a:rPr lang="en-GB" sz="2800" dirty="0">
+                <a:hlinkClick r:id="rId3"/>
+              </a:rPr>
+              <a:t>Teams channel</a:t>
+            </a:r>
+            <a:r>
+              <a:rPr lang="en-GB" sz="2800" dirty="0"/>
+              <a:t> for this week, with </a:t>
+            </a:r>
+            <a:r>
+              <a:rPr lang="en-GB" sz="2800" dirty="0">
+                <a:solidFill>
+                  <a:schemeClr val="accent2">
+                    <a:lumMod val="75000"/>
+                  </a:schemeClr>
+                </a:solidFill>
+              </a:rPr>
+              <a:t>comments</a:t>
+            </a:r>
+            <a:r>
+              <a:rPr lang="en-GB" sz="2800" dirty="0"/>
+              <a:t> on how easy it was to set up</a:t>
+            </a:r>
+          </a:p>
+          <a:p>
+            <a:r>
+              <a:rPr lang="en-GB" sz="2800" b="1" dirty="0">
+                <a:solidFill>
+                  <a:schemeClr val="accent3">
+                    <a:lumMod val="75000"/>
+                  </a:schemeClr>
+                </a:solidFill>
+              </a:rPr>
+              <a:t>Next week</a:t>
+            </a:r>
+            <a:r>
+              <a:rPr lang="en-GB" sz="2800" dirty="0"/>
+              <a:t>: we’ll </a:t>
+            </a:r>
+            <a:r>
+              <a:rPr lang="en-GB" sz="2800" dirty="0">
+                <a:solidFill>
+                  <a:schemeClr val="accent2">
+                    <a:lumMod val="75000"/>
+                  </a:schemeClr>
+                </a:solidFill>
+              </a:rPr>
+              <a:t>compare notes </a:t>
+            </a:r>
+            <a:r>
+              <a:rPr lang="en-GB" sz="2800" dirty="0"/>
+              <a:t>on the pros and cons of the platforms</a:t>
+            </a:r>
+          </a:p>
+          <a:p>
+            <a:endParaRPr lang="en-GB" sz="2800" dirty="0"/>
+          </a:p>
+          <a:p>
+            <a:endParaRPr lang="en-GB" sz="2800" dirty="0"/>
+          </a:p>
+        </p:txBody>
+      </p:sp>
+    </p:spTree>
+    <p:extLst>
+      <p:ext uri="{BB962C8B-B14F-4D97-AF65-F5344CB8AC3E}">
+        <p14:creationId xmlns:p14="http://schemas.microsoft.com/office/powerpoint/2010/main" val="1823415556"/>
+      </p:ext>
+    </p:extLst>
+  </p:cSld>
+  <p:clrMapOvr>
+    <a:masterClrMapping/>
+  </p:clrMapOvr>
+  <p:timing>
+    <p:tnLst>
+      <p:par>
+        <p:cTn id="1" dur="indefinite" restart="never" nodeType="tmRoot">
+          <p:childTnLst>
+            <p:seq concurrent="1" nextAc="seek">
+              <p:cTn id="2" dur="indefinite" nodeType="mainSeq">
+                <p:childTnLst>
+                  <p:par>
+                    <p:cTn id="3" fill="hold">
+                      <p:stCondLst>
+                        <p:cond delay="indefinite"/>
+                      </p:stCondLst>
+                      <p:childTnLst>
+                        <p:par>
+                          <p:cTn id="4" fill="hold">
+                            <p:stCondLst>
+                              <p:cond delay="0"/>
+                            </p:stCondLst>
+                            <p:childTnLst>
+                              <p:par>
+                                <p:cTn id="5" presetID="10" presetClass="entr" presetSubtype="0" fill="hold" grpId="0" nodeType="clickEffect">
+                                  <p:stCondLst>
+                                    <p:cond delay="0"/>
+                                  </p:stCondLst>
+                                  <p:childTnLst>
+                                    <p:set>
+                                      <p:cBhvr>
+                                        <p:cTn id="6" dur="1" fill="hold">
+                                          <p:stCondLst>
+                                            <p:cond delay="0"/>
+                                          </p:stCondLst>
+                                        </p:cTn>
+                                        <p:tgtEl>
+                                          <p:spTgt spid="3">
+                                            <p:txEl>
+                                              <p:pRg st="0" end="0"/>
+                                            </p:txEl>
+                                          </p:spTgt>
+                                        </p:tgtEl>
+                                        <p:attrNameLst>
+                                          <p:attrName>style.visibility</p:attrName>
+                                        </p:attrNameLst>
+                                      </p:cBhvr>
+                                      <p:to>
+                                        <p:strVal val="visible"/>
+                                      </p:to>
+                                    </p:set>
+                                    <p:animEffect transition="in" filter="fade">
+                                      <p:cBhvr>
+                                        <p:cTn id="7" dur="500"/>
+                                        <p:tgtEl>
+                                          <p:spTgt spid="3">
+                                            <p:txEl>
+                                              <p:pRg st="0" end="0"/>
+                                            </p:txEl>
+                                          </p:spTgt>
+                                        </p:tgtEl>
+                                      </p:cBhvr>
+                                    </p:animEffect>
+                                  </p:childTnLst>
+                                </p:cTn>
+                              </p:par>
+                            </p:childTnLst>
+                          </p:cTn>
+                        </p:par>
+                      </p:childTnLst>
+                    </p:cTn>
+                  </p:par>
+                  <p:par>
+                    <p:cTn id="8" fill="hold">
+                      <p:stCondLst>
+                        <p:cond delay="indefinite"/>
+                      </p:stCondLst>
+                      <p:childTnLst>
+                        <p:par>
+                          <p:cTn id="9" fill="hold">
+                            <p:stCondLst>
+                              <p:cond delay="0"/>
+                            </p:stCondLst>
+                            <p:childTnLst>
+                              <p:par>
+                                <p:cTn id="10" presetID="10" presetClass="entr" presetSubtype="0" fill="hold" grpId="0" nodeType="clickEffect">
+                                  <p:stCondLst>
+                                    <p:cond delay="0"/>
+                                  </p:stCondLst>
+                                  <p:childTnLst>
+                                    <p:set>
+                                      <p:cBhvr>
+                                        <p:cTn id="11" dur="1" fill="hold">
+                                          <p:stCondLst>
+                                            <p:cond delay="0"/>
+                                          </p:stCondLst>
+                                        </p:cTn>
+                                        <p:tgtEl>
+                                          <p:spTgt spid="3">
+                                            <p:txEl>
+                                              <p:pRg st="1" end="1"/>
+                                            </p:txEl>
+                                          </p:spTgt>
+                                        </p:tgtEl>
+                                        <p:attrNameLst>
+                                          <p:attrName>style.visibility</p:attrName>
+                                        </p:attrNameLst>
+                                      </p:cBhvr>
+                                      <p:to>
+                                        <p:strVal val="visible"/>
+                                      </p:to>
+                                    </p:set>
+                                    <p:animEffect transition="in" filter="fade">
+                                      <p:cBhvr>
+                                        <p:cTn id="12" dur="500"/>
+                                        <p:tgtEl>
+                                          <p:spTgt spid="3">
+                                            <p:txEl>
+                                              <p:pRg st="1" end="1"/>
+                                            </p:txEl>
+                                          </p:spTgt>
+                                        </p:tgtEl>
+                                      </p:cBhvr>
+                                    </p:animEffect>
+                                  </p:childTnLst>
+                                </p:cTn>
+                              </p:par>
+                            </p:childTnLst>
+                          </p:cTn>
+                        </p:par>
+                      </p:childTnLst>
+                    </p:cTn>
+                  </p:par>
+                  <p:par>
+                    <p:cTn id="13" fill="hold">
+                      <p:stCondLst>
+                        <p:cond delay="indefinite"/>
+                      </p:stCondLst>
+                      <p:childTnLst>
+                        <p:par>
+                          <p:cTn id="14" fill="hold">
+                            <p:stCondLst>
+                              <p:cond delay="0"/>
+                            </p:stCondLst>
+                            <p:childTnLst>
+                              <p:par>
+                                <p:cTn id="15" presetID="10" presetClass="entr" presetSubtype="0" fill="hold" grpId="0" nodeType="clickEffect">
+                                  <p:stCondLst>
+                                    <p:cond delay="0"/>
+                                  </p:stCondLst>
+                                  <p:childTnLst>
+                                    <p:set>
+                                      <p:cBhvr>
+                                        <p:cTn id="16" dur="1" fill="hold">
+                                          <p:stCondLst>
+                                            <p:cond delay="0"/>
+                                          </p:stCondLst>
+                                        </p:cTn>
+                                        <p:tgtEl>
+                                          <p:spTgt spid="3">
+                                            <p:txEl>
+                                              <p:pRg st="2" end="2"/>
+                                            </p:txEl>
+                                          </p:spTgt>
+                                        </p:tgtEl>
+                                        <p:attrNameLst>
+                                          <p:attrName>style.visibility</p:attrName>
+                                        </p:attrNameLst>
+                                      </p:cBhvr>
+                                      <p:to>
+                                        <p:strVal val="visible"/>
+                                      </p:to>
+                                    </p:set>
+                                    <p:animEffect transition="in" filter="fade">
+                                      <p:cBhvr>
+                                        <p:cTn id="17" dur="500"/>
+                                        <p:tgtEl>
+                                          <p:spTgt spid="3">
+                                            <p:txEl>
+                                              <p:pRg st="2" end="2"/>
+                                            </p:txEl>
+                                          </p:spTgt>
+                                        </p:tgtEl>
+                                      </p:cBhvr>
+                                    </p:animEffect>
+                                  </p:childTnLst>
+                                </p:cTn>
+                              </p:par>
+                            </p:childTnLst>
+                          </p:cTn>
+                        </p:par>
+                      </p:childTnLst>
+                    </p:cTn>
+                  </p:par>
+                  <p:par>
+                    <p:cTn id="18" fill="hold">
+                      <p:stCondLst>
+                        <p:cond delay="indefinite"/>
+                      </p:stCondLst>
+                      <p:childTnLst>
+                        <p:par>
+                          <p:cTn id="19" fill="hold">
+                            <p:stCondLst>
+                              <p:cond delay="0"/>
+                            </p:stCondLst>
+                            <p:childTnLst>
+                              <p:par>
+                                <p:cTn id="20" presetID="10" presetClass="entr" presetSubtype="0" fill="hold" grpId="0" nodeType="clickEffect">
+                                  <p:stCondLst>
+                                    <p:cond delay="0"/>
+                                  </p:stCondLst>
+                                  <p:childTnLst>
+                                    <p:set>
+                                      <p:cBhvr>
+                                        <p:cTn id="21" dur="1" fill="hold">
+                                          <p:stCondLst>
+                                            <p:cond delay="0"/>
+                                          </p:stCondLst>
+                                        </p:cTn>
+                                        <p:tgtEl>
+                                          <p:spTgt spid="3">
+                                            <p:txEl>
+                                              <p:pRg st="3" end="3"/>
+                                            </p:txEl>
+                                          </p:spTgt>
+                                        </p:tgtEl>
+                                        <p:attrNameLst>
+                                          <p:attrName>style.visibility</p:attrName>
+                                        </p:attrNameLst>
+                                      </p:cBhvr>
+                                      <p:to>
+                                        <p:strVal val="visible"/>
+                                      </p:to>
+                                    </p:set>
+                                    <p:animEffect transition="in" filter="fade">
+                                      <p:cBhvr>
+                                        <p:cTn id="22" dur="500"/>
+                                        <p:tgtEl>
+                                          <p:spTgt spid="3">
+                                            <p:txEl>
+                                              <p:pRg st="3" end="3"/>
+                                            </p:txEl>
+                                          </p:spTgt>
+                                        </p:tgtEl>
+                                      </p:cBhvr>
+                                    </p:animEffect>
+                                  </p:childTnLst>
+                                </p:cTn>
+                              </p:par>
+                            </p:childTnLst>
+                          </p:cTn>
+                        </p:par>
+                      </p:childTnLst>
+                    </p:cTn>
+                  </p:par>
+                </p:childTnLst>
+              </p:cTn>
+              <p:prevCondLst>
+                <p:cond evt="onPrev" delay="0">
+                  <p:tgtEl>
+                    <p:sldTgt/>
+                  </p:tgtEl>
+                </p:cond>
+              </p:prevCondLst>
+              <p:nextCondLst>
+                <p:cond evt="onNext" delay="0">
+                  <p:tgtEl>
+                    <p:sldTgt/>
+                  </p:tgtEl>
+                </p:cond>
+              </p:nextCondLst>
+            </p:seq>
+          </p:childTnLst>
+        </p:cTn>
+      </p:par>
+    </p:tnLst>
+    <p:bldLst>
+      <p:bldP spid="3" grpId="0" build="p"/>
+    </p:bldLst>
+  </p:timing>
+</p:sld>
+</file>
+
+<file path=ppt/slides/slide12.xml><?xml version="1.0" encoding="utf-8"?>
+<p:sld xmlns:a="http://schemas.openxmlformats.org/drawingml/2006/main" xmlns:r="http://schemas.openxmlformats.org/officeDocument/2006/relationships" xmlns:p="http://schemas.openxmlformats.org/presentationml/2006/main">
+  <p:cSld>
+    <p:spTree>
+      <p:nvGrpSpPr>
+        <p:cNvPr id="1" name=""/>
+        <p:cNvGrpSpPr/>
+        <p:nvPr/>
+      </p:nvGrpSpPr>
+      <p:grpSpPr>
+        <a:xfrm>
+          <a:off x="0" y="0"/>
+          <a:ext cx="0" cy="0"/>
+          <a:chOff x="0" y="0"/>
+          <a:chExt cx="0" cy="0"/>
+        </a:xfrm>
+      </p:grpSpPr>
+      <p:sp>
+        <p:nvSpPr>
+          <p:cNvPr id="2" name="Title 1">
+            <a:extLst>
+              <a:ext uri="{FF2B5EF4-FFF2-40B4-BE49-F238E27FC236}">
+                <a16:creationId xmlns:a16="http://schemas.microsoft.com/office/drawing/2014/main" id="{5F6417F8-4A41-4E74-AFF9-BF1FFC637803}"/>
+              </a:ext>
+            </a:extLst>
+          </p:cNvPr>
+          <p:cNvSpPr>
+            <a:spLocks noGrp="1"/>
+          </p:cNvSpPr>
+          <p:nvPr>
+            <p:ph type="title"/>
+          </p:nvPr>
+        </p:nvSpPr>
+        <p:spPr/>
+        <p:txBody>
+          <a:bodyPr/>
+          <a:lstStyle/>
+          <a:p>
+            <a:r>
+              <a:rPr lang="en-GB" dirty="0"/>
+              <a:t>Further Reading</a:t>
+            </a:r>
+          </a:p>
+        </p:txBody>
+      </p:sp>
+      <p:sp>
+        <p:nvSpPr>
+          <p:cNvPr id="3" name="Content Placeholder 2">
+            <a:extLst>
+              <a:ext uri="{FF2B5EF4-FFF2-40B4-BE49-F238E27FC236}">
+                <a16:creationId xmlns:a16="http://schemas.microsoft.com/office/drawing/2014/main" id="{24A635BF-AD6D-405F-A43C-DAF8C5550A72}"/>
+              </a:ext>
+            </a:extLst>
+          </p:cNvPr>
+          <p:cNvSpPr>
+            <a:spLocks noGrp="1"/>
+          </p:cNvSpPr>
+          <p:nvPr>
+            <p:ph idx="1"/>
+          </p:nvPr>
+        </p:nvSpPr>
+        <p:spPr/>
+        <p:txBody>
+          <a:bodyPr>
+            <a:normAutofit/>
+          </a:bodyPr>
+          <a:lstStyle/>
+          <a:p>
+            <a:r>
+              <a:rPr lang="en-GB" sz="2400" dirty="0"/>
+              <a:t>Visual impact:</a:t>
+            </a:r>
+          </a:p>
+          <a:p>
+            <a:pPr lvl="1"/>
+            <a:r>
+              <a:rPr lang="en-GB" sz="2200" dirty="0">
+                <a:hlinkClick r:id="rId3"/>
+              </a:rPr>
+              <a:t>What You Need to Know About Visual Perception and Website Design</a:t>
+            </a:r>
+            <a:endParaRPr lang="en-GB" sz="2200" dirty="0"/>
+          </a:p>
+          <a:p>
+            <a:pPr lvl="1"/>
+            <a:r>
+              <a:rPr lang="en-GB" sz="2200" dirty="0">
+                <a:hlinkClick r:id="rId4"/>
+              </a:rPr>
+              <a:t>How to create visual impact online</a:t>
+            </a:r>
+            <a:endParaRPr lang="en-GB" sz="2200" dirty="0"/>
+          </a:p>
+          <a:p>
+            <a:pPr lvl="1"/>
+            <a:r>
+              <a:rPr lang="en-GB" sz="2200" dirty="0">
+                <a:hlinkClick r:id="rId5"/>
+              </a:rPr>
+              <a:t>Home page principles</a:t>
+            </a:r>
+            <a:endParaRPr lang="en-GB" sz="2200" dirty="0"/>
+          </a:p>
+          <a:p>
+            <a:r>
+              <a:rPr lang="en-GB" sz="2400" dirty="0"/>
+              <a:t>Tips on portfolio building:</a:t>
+            </a:r>
+          </a:p>
+          <a:p>
+            <a:pPr lvl="1"/>
+            <a:r>
+              <a:rPr lang="en-GB" sz="2200" dirty="0">
+                <a:hlinkClick r:id="rId6"/>
+              </a:rPr>
+              <a:t>How to Build a Coding Portfolio</a:t>
+            </a:r>
+            <a:r>
+              <a:rPr lang="en-GB" sz="2200" dirty="0"/>
+              <a:t> (has links to GitHub pages tutorials)</a:t>
+            </a:r>
+          </a:p>
+          <a:p>
+            <a:pPr lvl="1"/>
+            <a:r>
+              <a:rPr lang="en-GB" sz="2200" dirty="0">
+                <a:hlinkClick r:id="rId7"/>
+              </a:rPr>
+              <a:t>Building a Kickass Portfolio </a:t>
+            </a:r>
+            <a:r>
+              <a:rPr lang="en-GB" sz="2200" dirty="0"/>
+              <a:t>(describes the process of reviewing and redesigning one of the examples).</a:t>
+            </a:r>
+          </a:p>
+          <a:p>
+            <a:pPr lvl="1"/>
+            <a:endParaRPr lang="en-GB" sz="2200" dirty="0"/>
+          </a:p>
+        </p:txBody>
+      </p:sp>
+    </p:spTree>
+    <p:extLst>
+      <p:ext uri="{BB962C8B-B14F-4D97-AF65-F5344CB8AC3E}">
+        <p14:creationId xmlns:p14="http://schemas.microsoft.com/office/powerpoint/2010/main" val="942237073"/>
+      </p:ext>
+    </p:extLst>
+  </p:cSld>
+  <p:clrMapOvr>
+    <a:masterClrMapping/>
+  </p:clrMapOvr>
 </p:sld>
 </file>
 
@@ -6832,6 +7143,413 @@
           <p:cNvPr id="2" name="Title 1">
             <a:extLst>
               <a:ext uri="{FF2B5EF4-FFF2-40B4-BE49-F238E27FC236}">
+                <a16:creationId xmlns:a16="http://schemas.microsoft.com/office/drawing/2014/main" id="{97709E43-743E-47F7-A26A-95EF850D52AB}"/>
+              </a:ext>
+            </a:extLst>
+          </p:cNvPr>
+          <p:cNvSpPr>
+            <a:spLocks noGrp="1"/>
+          </p:cNvSpPr>
+          <p:nvPr>
+            <p:ph type="title"/>
+          </p:nvPr>
+        </p:nvSpPr>
+        <p:spPr/>
+        <p:txBody>
+          <a:bodyPr/>
+          <a:lstStyle/>
+          <a:p>
+            <a:r>
+              <a:rPr lang="en-GB" dirty="0"/>
+              <a:t>Portfolio Roadmap</a:t>
+            </a:r>
+          </a:p>
+        </p:txBody>
+      </p:sp>
+      <p:graphicFrame>
+        <p:nvGraphicFramePr>
+          <p:cNvPr id="3" name="Table 3">
+            <a:extLst>
+              <a:ext uri="{FF2B5EF4-FFF2-40B4-BE49-F238E27FC236}">
+                <a16:creationId xmlns:a16="http://schemas.microsoft.com/office/drawing/2014/main" id="{57A1C59F-6CE9-4F01-93B2-36A1FEF5CE87}"/>
+              </a:ext>
+            </a:extLst>
+          </p:cNvPr>
+          <p:cNvGraphicFramePr>
+            <a:graphicFrameLocks noGrp="1"/>
+          </p:cNvGraphicFramePr>
+          <p:nvPr>
+            <p:extLst>
+              <p:ext uri="{D42A27DB-BD31-4B8C-83A1-F6EECF244321}">
+                <p14:modId xmlns:p14="http://schemas.microsoft.com/office/powerpoint/2010/main" val="2111702940"/>
+              </p:ext>
+            </p:extLst>
+          </p:nvPr>
+        </p:nvGraphicFramePr>
+        <p:xfrm>
+          <a:off x="2853082" y="2020684"/>
+          <a:ext cx="6485835" cy="2966720"/>
+        </p:xfrm>
+        <a:graphic>
+          <a:graphicData uri="http://schemas.openxmlformats.org/drawingml/2006/table">
+            <a:tbl>
+              <a:tblPr firstRow="1" bandRow="1">
+                <a:tableStyleId>{5C22544A-7EE6-4342-B048-85BDC9FD1C3A}</a:tableStyleId>
+              </a:tblPr>
+              <a:tblGrid>
+                <a:gridCol w="1630271">
+                  <a:extLst>
+                    <a:ext uri="{9D8B030D-6E8A-4147-A177-3AD203B41FA5}">
+                      <a16:colId xmlns:a16="http://schemas.microsoft.com/office/drawing/2014/main" val="1114425776"/>
+                    </a:ext>
+                  </a:extLst>
+                </a:gridCol>
+                <a:gridCol w="4855564">
+                  <a:extLst>
+                    <a:ext uri="{9D8B030D-6E8A-4147-A177-3AD203B41FA5}">
+                      <a16:colId xmlns:a16="http://schemas.microsoft.com/office/drawing/2014/main" val="193575294"/>
+                    </a:ext>
+                  </a:extLst>
+                </a:gridCol>
+              </a:tblGrid>
+              <a:tr h="370840">
+                <a:tc>
+                  <a:txBody>
+                    <a:bodyPr/>
+                    <a:lstStyle/>
+                    <a:p>
+                      <a:pPr algn="ctr"/>
+                      <a:r>
+                        <a:rPr lang="en-GB" dirty="0"/>
+                        <a:t>Week</a:t>
+                      </a:r>
+                    </a:p>
+                  </a:txBody>
+                  <a:tcPr/>
+                </a:tc>
+                <a:tc>
+                  <a:txBody>
+                    <a:bodyPr/>
+                    <a:lstStyle/>
+                    <a:p>
+                      <a:pPr algn="ctr"/>
+                      <a:r>
+                        <a:rPr lang="en-GB" dirty="0"/>
+                        <a:t>Topic</a:t>
+                      </a:r>
+                    </a:p>
+                  </a:txBody>
+                  <a:tcPr/>
+                </a:tc>
+                <a:extLst>
+                  <a:ext uri="{0D108BD9-81ED-4DB2-BD59-A6C34878D82A}">
+                    <a16:rowId xmlns:a16="http://schemas.microsoft.com/office/drawing/2014/main" val="2948165374"/>
+                  </a:ext>
+                </a:extLst>
+              </a:tr>
+              <a:tr h="370840">
+                <a:tc>
+                  <a:txBody>
+                    <a:bodyPr/>
+                    <a:lstStyle/>
+                    <a:p>
+                      <a:pPr algn="ctr"/>
+                      <a:r>
+                        <a:rPr lang="en-GB" dirty="0">
+                          <a:solidFill>
+                            <a:schemeClr val="tx1">
+                              <a:lumMod val="65000"/>
+                              <a:lumOff val="35000"/>
+                            </a:schemeClr>
+                          </a:solidFill>
+                        </a:rPr>
+                        <a:t>5</a:t>
+                      </a:r>
+                    </a:p>
+                  </a:txBody>
+                  <a:tcPr/>
+                </a:tc>
+                <a:tc>
+                  <a:txBody>
+                    <a:bodyPr/>
+                    <a:lstStyle/>
+                    <a:p>
+                      <a:r>
+                        <a:rPr lang="en-GB" dirty="0">
+                          <a:solidFill>
+                            <a:schemeClr val="tx1">
+                              <a:lumMod val="65000"/>
+                              <a:lumOff val="35000"/>
+                            </a:schemeClr>
+                          </a:solidFill>
+                        </a:rPr>
+                        <a:t>Defining yourself: what is your USP?</a:t>
+                      </a:r>
+                    </a:p>
+                  </a:txBody>
+                  <a:tcPr/>
+                </a:tc>
+                <a:extLst>
+                  <a:ext uri="{0D108BD9-81ED-4DB2-BD59-A6C34878D82A}">
+                    <a16:rowId xmlns:a16="http://schemas.microsoft.com/office/drawing/2014/main" val="2288437244"/>
+                  </a:ext>
+                </a:extLst>
+              </a:tr>
+              <a:tr h="370840">
+                <a:tc>
+                  <a:txBody>
+                    <a:bodyPr/>
+                    <a:lstStyle/>
+                    <a:p>
+                      <a:pPr algn="ctr"/>
+                      <a:r>
+                        <a:rPr lang="en-GB" dirty="0">
+                          <a:solidFill>
+                            <a:schemeClr val="accent2">
+                              <a:lumMod val="50000"/>
+                            </a:schemeClr>
+                          </a:solidFill>
+                        </a:rPr>
+                        <a:t>7</a:t>
+                      </a:r>
+                    </a:p>
+                  </a:txBody>
+                  <a:tcPr/>
+                </a:tc>
+                <a:tc>
+                  <a:txBody>
+                    <a:bodyPr/>
+                    <a:lstStyle/>
+                    <a:p>
+                      <a:r>
+                        <a:rPr lang="en-GB" dirty="0">
+                          <a:solidFill>
+                            <a:schemeClr val="accent2">
+                              <a:lumMod val="50000"/>
+                            </a:schemeClr>
+                          </a:solidFill>
+                        </a:rPr>
+                        <a:t>Portfolio design and structure</a:t>
+                      </a:r>
+                    </a:p>
+                  </a:txBody>
+                  <a:tcPr/>
+                </a:tc>
+                <a:extLst>
+                  <a:ext uri="{0D108BD9-81ED-4DB2-BD59-A6C34878D82A}">
+                    <a16:rowId xmlns:a16="http://schemas.microsoft.com/office/drawing/2014/main" val="3856649726"/>
+                  </a:ext>
+                </a:extLst>
+              </a:tr>
+              <a:tr h="370840">
+                <a:tc>
+                  <a:txBody>
+                    <a:bodyPr/>
+                    <a:lstStyle/>
+                    <a:p>
+                      <a:pPr algn="ctr"/>
+                      <a:r>
+                        <a:rPr lang="en-GB" dirty="0"/>
+                        <a:t>8</a:t>
+                      </a:r>
+                    </a:p>
+                  </a:txBody>
+                  <a:tcPr/>
+                </a:tc>
+                <a:tc>
+                  <a:txBody>
+                    <a:bodyPr/>
+                    <a:lstStyle/>
+                    <a:p>
+                      <a:r>
+                        <a:rPr lang="en-GB" dirty="0"/>
+                        <a:t>Talking about your work</a:t>
+                      </a:r>
+                    </a:p>
+                  </a:txBody>
+                  <a:tcPr/>
+                </a:tc>
+                <a:extLst>
+                  <a:ext uri="{0D108BD9-81ED-4DB2-BD59-A6C34878D82A}">
+                    <a16:rowId xmlns:a16="http://schemas.microsoft.com/office/drawing/2014/main" val="924195455"/>
+                  </a:ext>
+                </a:extLst>
+              </a:tr>
+              <a:tr h="370840">
+                <a:tc>
+                  <a:txBody>
+                    <a:bodyPr/>
+                    <a:lstStyle/>
+                    <a:p>
+                      <a:pPr algn="ctr"/>
+                      <a:r>
+                        <a:rPr lang="en-GB" dirty="0"/>
+                        <a:t>9</a:t>
+                      </a:r>
+                    </a:p>
+                  </a:txBody>
+                  <a:tcPr/>
+                </a:tc>
+                <a:tc>
+                  <a:txBody>
+                    <a:bodyPr/>
+                    <a:lstStyle/>
+                    <a:p>
+                      <a:r>
+                        <a:rPr lang="en-GB" dirty="0"/>
+                        <a:t>Talking about yourself</a:t>
+                      </a:r>
+                    </a:p>
+                  </a:txBody>
+                  <a:tcPr/>
+                </a:tc>
+                <a:extLst>
+                  <a:ext uri="{0D108BD9-81ED-4DB2-BD59-A6C34878D82A}">
+                    <a16:rowId xmlns:a16="http://schemas.microsoft.com/office/drawing/2014/main" val="1162694476"/>
+                  </a:ext>
+                </a:extLst>
+              </a:tr>
+              <a:tr h="370840">
+                <a:tc>
+                  <a:txBody>
+                    <a:bodyPr/>
+                    <a:lstStyle/>
+                    <a:p>
+                      <a:pPr algn="ctr"/>
+                      <a:r>
+                        <a:rPr lang="en-GB" dirty="0"/>
+                        <a:t>10</a:t>
+                      </a:r>
+                    </a:p>
+                  </a:txBody>
+                  <a:tcPr/>
+                </a:tc>
+                <a:tc>
+                  <a:txBody>
+                    <a:bodyPr/>
+                    <a:lstStyle/>
+                    <a:p>
+                      <a:r>
+                        <a:rPr lang="en-GB" dirty="0"/>
+                        <a:t>Draft portfolio peer reviews?</a:t>
+                      </a:r>
+                    </a:p>
+                  </a:txBody>
+                  <a:tcPr/>
+                </a:tc>
+                <a:extLst>
+                  <a:ext uri="{0D108BD9-81ED-4DB2-BD59-A6C34878D82A}">
+                    <a16:rowId xmlns:a16="http://schemas.microsoft.com/office/drawing/2014/main" val="3806188601"/>
+                  </a:ext>
+                </a:extLst>
+              </a:tr>
+              <a:tr h="370840">
+                <a:tc>
+                  <a:txBody>
+                    <a:bodyPr/>
+                    <a:lstStyle/>
+                    <a:p>
+                      <a:pPr algn="ctr"/>
+                      <a:r>
+                        <a:rPr lang="en-GB" dirty="0"/>
+                        <a:t>11</a:t>
+                      </a:r>
+                    </a:p>
+                  </a:txBody>
+                  <a:tcPr/>
+                </a:tc>
+                <a:tc>
+                  <a:txBody>
+                    <a:bodyPr/>
+                    <a:lstStyle/>
+                    <a:p>
+                      <a:r>
+                        <a:rPr lang="en-GB" dirty="0"/>
+                        <a:t>Portfolio design iteration?</a:t>
+                      </a:r>
+                    </a:p>
+                  </a:txBody>
+                  <a:tcPr/>
+                </a:tc>
+                <a:extLst>
+                  <a:ext uri="{0D108BD9-81ED-4DB2-BD59-A6C34878D82A}">
+                    <a16:rowId xmlns:a16="http://schemas.microsoft.com/office/drawing/2014/main" val="3806538259"/>
+                  </a:ext>
+                </a:extLst>
+              </a:tr>
+              <a:tr h="370840">
+                <a:tc>
+                  <a:txBody>
+                    <a:bodyPr/>
+                    <a:lstStyle/>
+                    <a:p>
+                      <a:pPr algn="ctr"/>
+                      <a:r>
+                        <a:rPr lang="en-GB" dirty="0"/>
+                        <a:t>12</a:t>
+                      </a:r>
+                    </a:p>
+                  </a:txBody>
+                  <a:tcPr/>
+                </a:tc>
+                <a:tc>
+                  <a:txBody>
+                    <a:bodyPr/>
+                    <a:lstStyle/>
+                    <a:p>
+                      <a:r>
+                        <a:rPr lang="en-GB" dirty="0"/>
+                        <a:t>Portfolio peer reviews?</a:t>
+                      </a:r>
+                    </a:p>
+                  </a:txBody>
+                  <a:tcPr/>
+                </a:tc>
+                <a:extLst>
+                  <a:ext uri="{0D108BD9-81ED-4DB2-BD59-A6C34878D82A}">
+                    <a16:rowId xmlns:a16="http://schemas.microsoft.com/office/drawing/2014/main" val="1316603823"/>
+                  </a:ext>
+                </a:extLst>
+              </a:tr>
+            </a:tbl>
+          </a:graphicData>
+        </a:graphic>
+      </p:graphicFrame>
+    </p:spTree>
+    <p:extLst>
+      <p:ext uri="{BB962C8B-B14F-4D97-AF65-F5344CB8AC3E}">
+        <p14:creationId xmlns:p14="http://schemas.microsoft.com/office/powerpoint/2010/main" val="3995015339"/>
+      </p:ext>
+    </p:extLst>
+  </p:cSld>
+  <p:clrMapOvr>
+    <a:masterClrMapping/>
+  </p:clrMapOvr>
+</p:sld>
+</file>
+
+<file path=ppt/slides/slide4.xml><?xml version="1.0" encoding="utf-8"?>
+<p:sld xmlns:a="http://schemas.openxmlformats.org/drawingml/2006/main" xmlns:r="http://schemas.openxmlformats.org/officeDocument/2006/relationships" xmlns:p="http://schemas.openxmlformats.org/presentationml/2006/main">
+  <p:cSld>
+    <p:spTree>
+      <p:nvGrpSpPr>
+        <p:cNvPr id="1" name=""/>
+        <p:cNvGrpSpPr/>
+        <p:nvPr/>
+      </p:nvGrpSpPr>
+      <p:grpSpPr>
+        <a:xfrm>
+          <a:off x="0" y="0"/>
+          <a:ext cx="0" cy="0"/>
+          <a:chOff x="0" y="0"/>
+          <a:chExt cx="0" cy="0"/>
+        </a:xfrm>
+      </p:grpSpPr>
+      <p:sp>
+        <p:nvSpPr>
+          <p:cNvPr id="2" name="Title 1">
+            <a:extLst>
+              <a:ext uri="{FF2B5EF4-FFF2-40B4-BE49-F238E27FC236}">
                 <a16:creationId xmlns:a16="http://schemas.microsoft.com/office/drawing/2014/main" id="{B35A959A-1DC3-4FDD-858A-75E2061C5973}"/>
               </a:ext>
             </a:extLst>
@@ -6850,7 +7568,7 @@
           <a:p>
             <a:r>
               <a:rPr lang="en-GB" dirty="0"/>
-              <a:t>Essential Information</a:t>
+              <a:t>Portfolio Design: Essential Information</a:t>
             </a:r>
           </a:p>
         </p:txBody>
@@ -7512,92 +8230,6 @@
 </p:sld>
 </file>
 
-<file path=ppt/slides/slide4.xml><?xml version="1.0" encoding="utf-8"?>
-<p:sld xmlns:a="http://schemas.openxmlformats.org/drawingml/2006/main" xmlns:r="http://schemas.openxmlformats.org/officeDocument/2006/relationships" xmlns:p="http://schemas.openxmlformats.org/presentationml/2006/main">
-  <p:cSld>
-    <p:spTree>
-      <p:nvGrpSpPr>
-        <p:cNvPr id="1" name=""/>
-        <p:cNvGrpSpPr/>
-        <p:nvPr/>
-      </p:nvGrpSpPr>
-      <p:grpSpPr>
-        <a:xfrm>
-          <a:off x="0" y="0"/>
-          <a:ext cx="0" cy="0"/>
-          <a:chOff x="0" y="0"/>
-          <a:chExt cx="0" cy="0"/>
-        </a:xfrm>
-      </p:grpSpPr>
-      <p:sp>
-        <p:nvSpPr>
-          <p:cNvPr id="2" name="Title 1">
-            <a:extLst>
-              <a:ext uri="{FF2B5EF4-FFF2-40B4-BE49-F238E27FC236}">
-                <a16:creationId xmlns:a16="http://schemas.microsoft.com/office/drawing/2014/main" id="{D826518F-3E75-4D4F-ACDC-C07D21876CDF}"/>
-              </a:ext>
-            </a:extLst>
-          </p:cNvPr>
-          <p:cNvSpPr>
-            <a:spLocks noGrp="1"/>
-          </p:cNvSpPr>
-          <p:nvPr>
-            <p:ph type="title"/>
-          </p:nvPr>
-        </p:nvSpPr>
-        <p:spPr/>
-        <p:txBody>
-          <a:bodyPr/>
-          <a:lstStyle/>
-          <a:p>
-            <a:r>
-              <a:rPr lang="en-GB" dirty="0"/>
-              <a:t>Portfolio Structure</a:t>
-            </a:r>
-          </a:p>
-        </p:txBody>
-      </p:sp>
-      <p:sp>
-        <p:nvSpPr>
-          <p:cNvPr id="3" name="Content Placeholder 2">
-            <a:extLst>
-              <a:ext uri="{FF2B5EF4-FFF2-40B4-BE49-F238E27FC236}">
-                <a16:creationId xmlns:a16="http://schemas.microsoft.com/office/drawing/2014/main" id="{13E05760-A425-4DCB-B7C3-58AC96214D62}"/>
-              </a:ext>
-            </a:extLst>
-          </p:cNvPr>
-          <p:cNvSpPr>
-            <a:spLocks noGrp="1"/>
-          </p:cNvSpPr>
-          <p:nvPr>
-            <p:ph idx="1"/>
-          </p:nvPr>
-        </p:nvSpPr>
-        <p:spPr/>
-        <p:txBody>
-          <a:bodyPr/>
-          <a:lstStyle/>
-          <a:p>
-            <a:r>
-              <a:rPr lang="en-GB" dirty="0"/>
-              <a:t>(steal image from guild!)</a:t>
-            </a:r>
-          </a:p>
-        </p:txBody>
-      </p:sp>
-    </p:spTree>
-    <p:extLst>
-      <p:ext uri="{BB962C8B-B14F-4D97-AF65-F5344CB8AC3E}">
-        <p14:creationId xmlns:p14="http://schemas.microsoft.com/office/powerpoint/2010/main" val="3546780435"/>
-      </p:ext>
-    </p:extLst>
-  </p:cSld>
-  <p:clrMapOvr>
-    <a:masterClrMapping/>
-  </p:clrMapOvr>
-</p:sld>
-</file>
-
 <file path=ppt/slides/slide5.xml><?xml version="1.0" encoding="utf-8"?>
 <p:sld xmlns:a="http://schemas.openxmlformats.org/drawingml/2006/main" xmlns:r="http://schemas.openxmlformats.org/officeDocument/2006/relationships" xmlns:p="http://schemas.openxmlformats.org/presentationml/2006/main">
   <p:cSld>
@@ -7615,15 +8247,51 @@
           <a:chExt cx="0" cy="0"/>
         </a:xfrm>
       </p:grpSpPr>
-      <p:sp>
-        <p:nvSpPr>
-          <p:cNvPr id="2" name="Title 1">
+      <p:pic>
+        <p:nvPicPr>
+          <p:cNvPr id="18" name="Graphic 24">
             <a:extLst>
               <a:ext uri="{FF2B5EF4-FFF2-40B4-BE49-F238E27FC236}">
-                <a16:creationId xmlns:a16="http://schemas.microsoft.com/office/drawing/2014/main" id="{CE93B9A9-5430-43CA-A076-1B33A322CAF1}"/>
+                <a16:creationId xmlns:a16="http://schemas.microsoft.com/office/drawing/2014/main" id="{41A13093-F9BA-428F-9D29-A6DCFB2517AD}"/>
               </a:ext>
             </a:extLst>
           </p:cNvPr>
+          <p:cNvPicPr>
+            <a:picLocks noChangeAspect="1"/>
+          </p:cNvPicPr>
+          <p:nvPr/>
+        </p:nvPicPr>
+        <p:blipFill>
+          <a:blip r:embed="rId3">
+            <a:extLst>
+              <a:ext uri="{96DAC541-7B7A-43D3-8B79-37D633B846F1}">
+                <asvg:svgBlip xmlns:asvg="http://schemas.microsoft.com/office/drawing/2016/SVG/main" r:embed="rId4"/>
+              </a:ext>
+            </a:extLst>
+          </a:blip>
+          <a:stretch>
+            <a:fillRect/>
+          </a:stretch>
+        </p:blipFill>
+        <p:spPr>
+          <a:xfrm>
+            <a:off x="2585358" y="1626410"/>
+            <a:ext cx="8749781" cy="4913733"/>
+          </a:xfrm>
+          <a:prstGeom prst="rect">
+            <a:avLst/>
+          </a:prstGeom>
+        </p:spPr>
+      </p:pic>
+      <p:sp>
+        <p:nvSpPr>
+          <p:cNvPr id="7" name="Title 1">
+            <a:extLst>
+              <a:ext uri="{FF2B5EF4-FFF2-40B4-BE49-F238E27FC236}">
+                <a16:creationId xmlns:a16="http://schemas.microsoft.com/office/drawing/2014/main" id="{10D9FB12-36B3-4DDC-ADA9-B3905C2DE0C3}"/>
+              </a:ext>
+            </a:extLst>
+          </p:cNvPr>
           <p:cNvSpPr>
             <a:spLocks noGrp="1"/>
           </p:cNvSpPr>
@@ -7631,188 +8299,82 @@
             <p:ph type="title"/>
           </p:nvPr>
         </p:nvSpPr>
-        <p:spPr/>
+        <p:spPr>
+          <a:xfrm>
+            <a:off x="1066800" y="642594"/>
+            <a:ext cx="10058400" cy="1371600"/>
+          </a:xfrm>
+        </p:spPr>
         <p:txBody>
           <a:bodyPr/>
           <a:lstStyle/>
           <a:p>
             <a:r>
               <a:rPr lang="en-GB" dirty="0"/>
-              <a:t>Suggested activities</a:t>
+              <a:t>Portfolio Structure</a:t>
             </a:r>
           </a:p>
         </p:txBody>
       </p:sp>
       <p:sp>
         <p:nvSpPr>
-          <p:cNvPr id="3" name="Content Placeholder 2">
+          <p:cNvPr id="8" name="Oval 7">
             <a:extLst>
               <a:ext uri="{FF2B5EF4-FFF2-40B4-BE49-F238E27FC236}">
-                <a16:creationId xmlns:a16="http://schemas.microsoft.com/office/drawing/2014/main" id="{A8B5FB3A-DBC2-49E7-B8E9-76B44D37034D}"/>
+                <a16:creationId xmlns:a16="http://schemas.microsoft.com/office/drawing/2014/main" id="{C45402F4-5CD5-4312-A71D-68F705B04C69}"/>
+              </a:ext>
+              <a:ext uri="{C183D7F6-B498-43B3-948B-1728B52AA6E4}">
+                <adec:decorative xmlns:adec="http://schemas.microsoft.com/office/drawing/2017/decorative" val="1"/>
               </a:ext>
             </a:extLst>
           </p:cNvPr>
-          <p:cNvSpPr>
-            <a:spLocks noGrp="1"/>
-          </p:cNvSpPr>
-          <p:nvPr>
-            <p:ph idx="1"/>
-          </p:nvPr>
+          <p:cNvSpPr/>
+          <p:nvPr/>
         </p:nvSpPr>
         <p:spPr>
           <a:xfrm>
-            <a:off x="1066800" y="1864129"/>
-            <a:ext cx="10058400" cy="4112286"/>
+            <a:off x="4523232" y="1626410"/>
+            <a:ext cx="1743456" cy="1484366"/>
           </a:xfrm>
+          <a:prstGeom prst="ellipse">
+            <a:avLst/>
+          </a:prstGeom>
+          <a:noFill/>
+          <a:ln w="57150">
+            <a:solidFill>
+              <a:srgbClr val="FF0000"/>
+            </a:solidFill>
+          </a:ln>
         </p:spPr>
+        <p:style>
+          <a:lnRef idx="2">
+            <a:schemeClr val="accent1">
+              <a:shade val="50000"/>
+            </a:schemeClr>
+          </a:lnRef>
+          <a:fillRef idx="1">
+            <a:schemeClr val="accent1"/>
+          </a:fillRef>
+          <a:effectRef idx="0">
+            <a:schemeClr val="accent1"/>
+          </a:effectRef>
+          <a:fontRef idx="minor">
+            <a:schemeClr val="lt1"/>
+          </a:fontRef>
+        </p:style>
         <p:txBody>
-          <a:bodyPr>
-            <a:noAutofit/>
-          </a:bodyPr>
+          <a:bodyPr rtlCol="0" anchor="ctr"/>
           <a:lstStyle/>
           <a:p>
-            <a:pPr marL="514350" indent="-514350">
-              <a:buFont typeface="+mj-lt"/>
-              <a:buAutoNum type="arabicPeriod"/>
-            </a:pPr>
-            <a:r>
-              <a:rPr lang="en-GB" sz="2000" b="1" dirty="0"/>
-              <a:t>Top recommendation </a:t>
-            </a:r>
-            <a:r>
-              <a:rPr lang="en-GB" sz="2000" dirty="0"/>
-              <a:t>–</a:t>
-            </a:r>
-            <a:r>
-              <a:rPr lang="en-GB" sz="2000" b="1" dirty="0"/>
-              <a:t> </a:t>
-            </a:r>
-            <a:r>
-              <a:rPr lang="en-GB" sz="2000" dirty="0"/>
-              <a:t>spend at least some time investigating web platforms (e.g. </a:t>
-            </a:r>
-            <a:r>
-              <a:rPr lang="en-GB" sz="2000" dirty="0" err="1"/>
-              <a:t>Wordpress</a:t>
-            </a:r>
-            <a:r>
-              <a:rPr lang="en-GB" sz="2000" dirty="0"/>
-              <a:t>, GitHub pages, </a:t>
-            </a:r>
-            <a:r>
-              <a:rPr lang="en-GB" sz="2000" dirty="0" err="1"/>
-              <a:t>Wix</a:t>
-            </a:r>
-            <a:r>
-              <a:rPr lang="en-GB" sz="2000" dirty="0"/>
-              <a:t>, Weebly…) to determine:</a:t>
-            </a:r>
-          </a:p>
-          <a:p>
-            <a:pPr marL="788670" lvl="1" indent="-514350">
-              <a:buFont typeface="+mj-lt"/>
-              <a:buAutoNum type="alphaLcParenR"/>
-            </a:pPr>
-            <a:r>
-              <a:rPr lang="en-GB" sz="2000" dirty="0"/>
-              <a:t>How easy is it to use/get the look you want? Try setting up a basic page with some text and images.</a:t>
-            </a:r>
-          </a:p>
-          <a:p>
-            <a:pPr marL="788670" lvl="1" indent="-514350">
-              <a:buFont typeface="+mj-lt"/>
-              <a:buAutoNum type="alphaLcParenR"/>
-            </a:pPr>
-            <a:r>
-              <a:rPr lang="en-GB" sz="2000" dirty="0"/>
-              <a:t>How easy is it to download an html copy that works offline? (</a:t>
-            </a:r>
-            <a:r>
-              <a:rPr lang="en-GB" sz="2000" i="1" dirty="0"/>
-              <a:t>Test this out!)</a:t>
-            </a:r>
-          </a:p>
-          <a:p>
-            <a:pPr lvl="2">
-              <a:buFont typeface="Arial" panose="020B0604020202020204" pitchFamily="34" charset="0"/>
-              <a:buChar char="•"/>
-            </a:pPr>
-            <a:r>
-              <a:rPr lang="en-GB" sz="2000" dirty="0"/>
-              <a:t>Investigate 3rd party tools if need be, e.g. </a:t>
-            </a:r>
-            <a:r>
-              <a:rPr lang="en-GB" sz="2000" dirty="0" err="1"/>
-              <a:t>SiteSucker</a:t>
-            </a:r>
-            <a:r>
-              <a:rPr lang="en-GB" sz="2000" dirty="0"/>
-              <a:t> (MacOS), </a:t>
-            </a:r>
-            <a:r>
-              <a:rPr lang="en-GB" sz="2000" dirty="0" err="1"/>
-              <a:t>WebCopy</a:t>
-            </a:r>
-            <a:r>
-              <a:rPr lang="en-GB" sz="2000" dirty="0"/>
-              <a:t> (Windows)</a:t>
-            </a:r>
-          </a:p>
-          <a:p>
-            <a:pPr marL="514350" indent="-514350">
-              <a:buFont typeface="+mj-lt"/>
-              <a:buAutoNum type="arabicPeriod"/>
-            </a:pPr>
-            <a:r>
-              <a:rPr lang="en-GB" sz="2000" b="1" dirty="0"/>
-              <a:t>Also recommended </a:t>
-            </a:r>
-            <a:r>
-              <a:rPr lang="en-GB" sz="2000" dirty="0"/>
-              <a:t>–</a:t>
-            </a:r>
-          </a:p>
-          <a:p>
-            <a:pPr marL="788670" lvl="1" indent="-514350">
-              <a:buFont typeface="+mj-lt"/>
-              <a:buAutoNum type="alphaLcParenR"/>
-            </a:pPr>
-            <a:r>
-              <a:rPr lang="en-GB" sz="2000" dirty="0"/>
-              <a:t>Start writing about the research you’ve done and your argument.</a:t>
-            </a:r>
-          </a:p>
-          <a:p>
-            <a:pPr marL="788670" lvl="1" indent="-514350">
-              <a:buFont typeface="+mj-lt"/>
-              <a:buAutoNum type="alphaLcParenR"/>
-            </a:pPr>
-            <a:r>
-              <a:rPr lang="en-GB" sz="2000" dirty="0"/>
-              <a:t>Start drafting your poster – e.g. make notes on content for each section; create/start creating your UML diagram.</a:t>
-            </a:r>
-          </a:p>
-          <a:p>
-            <a:pPr marL="514350" indent="-514350">
-              <a:buFont typeface="+mj-lt"/>
-              <a:buAutoNum type="arabicPeriod"/>
-            </a:pPr>
-            <a:r>
-              <a:rPr lang="en-GB" sz="2000" b="1" dirty="0"/>
-              <a:t>If you need to</a:t>
-            </a:r>
-            <a:r>
-              <a:rPr lang="en-GB" sz="2000" dirty="0"/>
-              <a:t> – continue work on your artefact.</a:t>
-            </a:r>
-            <a:endParaRPr lang="en-GB" sz="2000" b="1" dirty="0"/>
+            <a:pPr algn="ctr"/>
+            <a:endParaRPr lang="en-GB"/>
           </a:p>
         </p:txBody>
       </p:sp>
     </p:spTree>
     <p:extLst>
       <p:ext uri="{BB962C8B-B14F-4D97-AF65-F5344CB8AC3E}">
-        <p14:creationId xmlns:p14="http://schemas.microsoft.com/office/powerpoint/2010/main" val="3776701669"/>
+        <p14:creationId xmlns:p14="http://schemas.microsoft.com/office/powerpoint/2010/main" val="3664822259"/>
       </p:ext>
     </p:extLst>
   </p:cSld>
@@ -7840,7 +8402,7 @@
                             </p:stCondLst>
                             <p:childTnLst>
                               <p:par>
-                                <p:cTn id="5" presetID="1" presetClass="entr" presetSubtype="0" fill="hold" grpId="0" nodeType="clickEffect">
+                                <p:cTn id="5" presetID="22" presetClass="entr" presetSubtype="4" fill="hold" grpId="0" nodeType="clickEffect">
                                   <p:stCondLst>
                                     <p:cond delay="0"/>
                                   </p:stCondLst>
@@ -7853,11 +8415,7 @@
                                           </p:stCondLst>
                                         </p:cTn>
                                         <p:tgtEl>
-                                          <p:spTgt spid="3">
-                                            <p:txEl>
-                                              <p:pRg st="0" end="0"/>
-                                            </p:txEl>
-                                          </p:spTgt>
+                                          <p:spTgt spid="8"/>
                                         </p:tgtEl>
                                         <p:attrNameLst>
                                           <p:attrName>style.visibility</p:attrName>
@@ -7867,259 +8425,14 @@
                                         <p:strVal val="visible"/>
                                       </p:to>
                                     </p:set>
-                                  </p:childTnLst>
-                                </p:cTn>
-                              </p:par>
-                              <p:par>
-                                <p:cTn id="7" presetID="1" presetClass="entr" presetSubtype="0" fill="hold" grpId="0" nodeType="withEffect">
-                                  <p:stCondLst>
-                                    <p:cond delay="0"/>
-                                  </p:stCondLst>
-                                  <p:childTnLst>
-                                    <p:set>
+                                    <p:animEffect transition="in" filter="wipe(down)">
                                       <p:cBhvr>
-                                        <p:cTn id="8" dur="1" fill="hold">
-                                          <p:stCondLst>
-                                            <p:cond delay="0"/>
-                                          </p:stCondLst>
-                                        </p:cTn>
+                                        <p:cTn id="7" dur="500"/>
                                         <p:tgtEl>
-                                          <p:spTgt spid="3">
-                                            <p:txEl>
-                                              <p:pRg st="1" end="1"/>
-                                            </p:txEl>
-                                          </p:spTgt>
+                                          <p:spTgt spid="8"/>
                                         </p:tgtEl>
-                                        <p:attrNameLst>
-                                          <p:attrName>style.visibility</p:attrName>
-                                        </p:attrNameLst>
                                       </p:cBhvr>
-                                      <p:to>
-                                        <p:strVal val="visible"/>
-                                      </p:to>
-                                    </p:set>
-                                  </p:childTnLst>
-                                </p:cTn>
-                              </p:par>
-                              <p:par>
-                                <p:cTn id="9" presetID="1" presetClass="entr" presetSubtype="0" fill="hold" grpId="0" nodeType="withEffect">
-                                  <p:stCondLst>
-                                    <p:cond delay="0"/>
-                                  </p:stCondLst>
-                                  <p:childTnLst>
-                                    <p:set>
-                                      <p:cBhvr>
-                                        <p:cTn id="10" dur="1" fill="hold">
-                                          <p:stCondLst>
-                                            <p:cond delay="0"/>
-                                          </p:stCondLst>
-                                        </p:cTn>
-                                        <p:tgtEl>
-                                          <p:spTgt spid="3">
-                                            <p:txEl>
-                                              <p:pRg st="2" end="2"/>
-                                            </p:txEl>
-                                          </p:spTgt>
-                                        </p:tgtEl>
-                                        <p:attrNameLst>
-                                          <p:attrName>style.visibility</p:attrName>
-                                        </p:attrNameLst>
-                                      </p:cBhvr>
-                                      <p:to>
-                                        <p:strVal val="visible"/>
-                                      </p:to>
-                                    </p:set>
-                                  </p:childTnLst>
-                                </p:cTn>
-                              </p:par>
-                              <p:par>
-                                <p:cTn id="11" presetID="1" presetClass="entr" presetSubtype="0" fill="hold" grpId="0" nodeType="withEffect">
-                                  <p:stCondLst>
-                                    <p:cond delay="0"/>
-                                  </p:stCondLst>
-                                  <p:childTnLst>
-                                    <p:set>
-                                      <p:cBhvr>
-                                        <p:cTn id="12" dur="1" fill="hold">
-                                          <p:stCondLst>
-                                            <p:cond delay="0"/>
-                                          </p:stCondLst>
-                                        </p:cTn>
-                                        <p:tgtEl>
-                                          <p:spTgt spid="3">
-                                            <p:txEl>
-                                              <p:pRg st="3" end="3"/>
-                                            </p:txEl>
-                                          </p:spTgt>
-                                        </p:tgtEl>
-                                        <p:attrNameLst>
-                                          <p:attrName>style.visibility</p:attrName>
-                                        </p:attrNameLst>
-                                      </p:cBhvr>
-                                      <p:to>
-                                        <p:strVal val="visible"/>
-                                      </p:to>
-                                    </p:set>
-                                  </p:childTnLst>
-                                </p:cTn>
-                              </p:par>
-                            </p:childTnLst>
-                          </p:cTn>
-                        </p:par>
-                      </p:childTnLst>
-                    </p:cTn>
-                  </p:par>
-                  <p:par>
-                    <p:cTn id="13" fill="hold">
-                      <p:stCondLst>
-                        <p:cond delay="indefinite"/>
-                      </p:stCondLst>
-                      <p:childTnLst>
-                        <p:par>
-                          <p:cTn id="14" fill="hold">
-                            <p:stCondLst>
-                              <p:cond delay="0"/>
-                            </p:stCondLst>
-                            <p:childTnLst>
-                              <p:par>
-                                <p:cTn id="15" presetID="1" presetClass="entr" presetSubtype="0" fill="hold" grpId="0" nodeType="clickEffect">
-                                  <p:stCondLst>
-                                    <p:cond delay="0"/>
-                                  </p:stCondLst>
-                                  <p:childTnLst>
-                                    <p:set>
-                                      <p:cBhvr>
-                                        <p:cTn id="16" dur="1" fill="hold">
-                                          <p:stCondLst>
-                                            <p:cond delay="0"/>
-                                          </p:stCondLst>
-                                        </p:cTn>
-                                        <p:tgtEl>
-                                          <p:spTgt spid="3">
-                                            <p:txEl>
-                                              <p:pRg st="4" end="4"/>
-                                            </p:txEl>
-                                          </p:spTgt>
-                                        </p:tgtEl>
-                                        <p:attrNameLst>
-                                          <p:attrName>style.visibility</p:attrName>
-                                        </p:attrNameLst>
-                                      </p:cBhvr>
-                                      <p:to>
-                                        <p:strVal val="visible"/>
-                                      </p:to>
-                                    </p:set>
-                                  </p:childTnLst>
-                                </p:cTn>
-                              </p:par>
-                              <p:par>
-                                <p:cTn id="17" presetID="1" presetClass="entr" presetSubtype="0" fill="hold" grpId="0" nodeType="withEffect">
-                                  <p:stCondLst>
-                                    <p:cond delay="0"/>
-                                  </p:stCondLst>
-                                  <p:childTnLst>
-                                    <p:set>
-                                      <p:cBhvr>
-                                        <p:cTn id="18" dur="1" fill="hold">
-                                          <p:stCondLst>
-                                            <p:cond delay="0"/>
-                                          </p:stCondLst>
-                                        </p:cTn>
-                                        <p:tgtEl>
-                                          <p:spTgt spid="3">
-                                            <p:txEl>
-                                              <p:pRg st="5" end="5"/>
-                                            </p:txEl>
-                                          </p:spTgt>
-                                        </p:tgtEl>
-                                        <p:attrNameLst>
-                                          <p:attrName>style.visibility</p:attrName>
-                                        </p:attrNameLst>
-                                      </p:cBhvr>
-                                      <p:to>
-                                        <p:strVal val="visible"/>
-                                      </p:to>
-                                    </p:set>
-                                  </p:childTnLst>
-                                </p:cTn>
-                              </p:par>
-                              <p:par>
-                                <p:cTn id="19" presetID="1" presetClass="entr" presetSubtype="0" fill="hold" grpId="0" nodeType="withEffect">
-                                  <p:stCondLst>
-                                    <p:cond delay="0"/>
-                                  </p:stCondLst>
-                                  <p:childTnLst>
-                                    <p:set>
-                                      <p:cBhvr>
-                                        <p:cTn id="20" dur="1" fill="hold">
-                                          <p:stCondLst>
-                                            <p:cond delay="0"/>
-                                          </p:stCondLst>
-                                        </p:cTn>
-                                        <p:tgtEl>
-                                          <p:spTgt spid="3">
-                                            <p:txEl>
-                                              <p:pRg st="6" end="6"/>
-                                            </p:txEl>
-                                          </p:spTgt>
-                                        </p:tgtEl>
-                                        <p:attrNameLst>
-                                          <p:attrName>style.visibility</p:attrName>
-                                        </p:attrNameLst>
-                                      </p:cBhvr>
-                                      <p:to>
-                                        <p:strVal val="visible"/>
-                                      </p:to>
-                                    </p:set>
-                                  </p:childTnLst>
-                                </p:cTn>
-                              </p:par>
-                            </p:childTnLst>
-                          </p:cTn>
-                        </p:par>
-                      </p:childTnLst>
-                    </p:cTn>
-                  </p:par>
-                  <p:par>
-                    <p:cTn id="21" fill="hold">
-                      <p:stCondLst>
-                        <p:cond delay="indefinite"/>
-                      </p:stCondLst>
-                      <p:childTnLst>
-                        <p:par>
-                          <p:cTn id="22" fill="hold">
-                            <p:stCondLst>
-                              <p:cond delay="0"/>
-                            </p:stCondLst>
-                            <p:childTnLst>
-                              <p:par>
-                                <p:cTn id="23" presetID="1" presetClass="entr" presetSubtype="0" fill="hold" grpId="0" nodeType="clickEffect">
-                                  <p:stCondLst>
-                                    <p:cond delay="0"/>
-                                  </p:stCondLst>
-                                  <p:childTnLst>
-                                    <p:set>
-                                      <p:cBhvr>
-                                        <p:cTn id="24" dur="1" fill="hold">
-                                          <p:stCondLst>
-                                            <p:cond delay="0"/>
-                                          </p:stCondLst>
-                                        </p:cTn>
-                                        <p:tgtEl>
-                                          <p:spTgt spid="3">
-                                            <p:txEl>
-                                              <p:pRg st="7" end="7"/>
-                                            </p:txEl>
-                                          </p:spTgt>
-                                        </p:tgtEl>
-                                        <p:attrNameLst>
-                                          <p:attrName>style.visibility</p:attrName>
-                                        </p:attrNameLst>
-                                      </p:cBhvr>
-                                      <p:to>
-                                        <p:strVal val="visible"/>
-                                      </p:to>
-                                    </p:set>
+                                    </p:animEffect>
                                   </p:childTnLst>
                                 </p:cTn>
                               </p:par>
@@ -8151,7 +8464,7 @@
       </p:par>
     </p:tnLst>
     <p:bldLst>
-      <p:bldP spid="3" grpId="0" build="p"/>
+      <p:bldP spid="8" grpId="0" animBg="1"/>
     </p:bldLst>
   </p:timing>
 </p:sld>
@@ -8179,7 +8492,7 @@
           <p:cNvPr id="2" name="Title 1">
             <a:extLst>
               <a:ext uri="{FF2B5EF4-FFF2-40B4-BE49-F238E27FC236}">
-                <a16:creationId xmlns:a16="http://schemas.microsoft.com/office/drawing/2014/main" id="{CE93B9A9-5430-43CA-A076-1B33A322CAF1}"/>
+                <a16:creationId xmlns:a16="http://schemas.microsoft.com/office/drawing/2014/main" id="{143B1D22-102D-4190-92DD-11139F6E7D18}"/>
               </a:ext>
             </a:extLst>
           </p:cNvPr>
@@ -8191,6 +8504,39 @@
           </p:nvPr>
         </p:nvSpPr>
         <p:spPr/>
+        <p:txBody>
+          <a:bodyPr/>
+          <a:lstStyle/>
+          <a:p>
+            <a:r>
+              <a:rPr lang="en-GB" dirty="0"/>
+              <a:t>Visual Impact</a:t>
+            </a:r>
+          </a:p>
+        </p:txBody>
+      </p:sp>
+      <p:sp>
+        <p:nvSpPr>
+          <p:cNvPr id="3" name="Content Placeholder 2">
+            <a:extLst>
+              <a:ext uri="{FF2B5EF4-FFF2-40B4-BE49-F238E27FC236}">
+                <a16:creationId xmlns:a16="http://schemas.microsoft.com/office/drawing/2014/main" id="{6349CA76-A6EB-4935-ABDC-86178E3D9BAE}"/>
+              </a:ext>
+            </a:extLst>
+          </p:cNvPr>
+          <p:cNvSpPr>
+            <a:spLocks noGrp="1"/>
+          </p:cNvSpPr>
+          <p:nvPr>
+            <p:ph idx="1"/>
+          </p:nvPr>
+        </p:nvSpPr>
+        <p:spPr>
+          <a:xfrm>
+            <a:off x="1066800" y="2103120"/>
+            <a:ext cx="10058400" cy="4112286"/>
+          </a:xfrm>
+        </p:spPr>
         <p:txBody>
           <a:bodyPr>
             <a:normAutofit/>
@@ -8198,75 +8544,157 @@
           <a:lstStyle/>
           <a:p>
             <a:r>
-              <a:rPr lang="en-GB" sz="3600" dirty="0"/>
-              <a:t>Writing reports</a:t>
-            </a:r>
-          </a:p>
-        </p:txBody>
-      </p:sp>
-      <p:sp>
-        <p:nvSpPr>
-          <p:cNvPr id="3" name="Content Placeholder 2">
-            <a:extLst>
-              <a:ext uri="{FF2B5EF4-FFF2-40B4-BE49-F238E27FC236}">
-                <a16:creationId xmlns:a16="http://schemas.microsoft.com/office/drawing/2014/main" id="{A8B5FB3A-DBC2-49E7-B8E9-76B44D37034D}"/>
-              </a:ext>
-            </a:extLst>
-          </p:cNvPr>
-          <p:cNvSpPr>
-            <a:spLocks noGrp="1"/>
-          </p:cNvSpPr>
-          <p:nvPr>
-            <p:ph idx="1"/>
-          </p:nvPr>
-        </p:nvSpPr>
-        <p:spPr>
-          <a:xfrm>
-            <a:off x="1066800" y="1864129"/>
-            <a:ext cx="10058400" cy="4112286"/>
-          </a:xfrm>
-        </p:spPr>
-        <p:txBody>
-          <a:bodyPr>
-            <a:noAutofit/>
-          </a:bodyPr>
-          <a:lstStyle/>
-          <a:p>
-            <a:r>
-              <a:rPr lang="en-GB" sz="2400" b="1" dirty="0"/>
-              <a:t>Purpose</a:t>
-            </a:r>
-            <a:r>
               <a:rPr lang="en-GB" sz="2400" dirty="0"/>
-              <a:t>: </a:t>
+              <a:t>“</a:t>
+            </a:r>
+            <a:r>
+              <a:rPr lang="en-GB" sz="2400" dirty="0">
+                <a:hlinkClick r:id="rId3"/>
+              </a:rPr>
+              <a:t>46.1% of people</a:t>
+            </a:r>
+            <a:r>
+              <a:rPr lang="en-GB" sz="2400" dirty="0"/>
+              <a:t> say a website's design is the number one criterion for discerning the credibility of the company”.</a:t>
+            </a:r>
+          </a:p>
+          <a:p>
+            <a:r>
+              <a:rPr lang="en-GB" sz="2400" dirty="0"/>
+              <a:t>Recruiters are busy people – make a good, </a:t>
+            </a:r>
+            <a:r>
+              <a:rPr lang="en-GB" sz="2400" dirty="0">
+                <a:solidFill>
+                  <a:schemeClr val="accent2">
+                    <a:lumMod val="75000"/>
+                  </a:schemeClr>
+                </a:solidFill>
+              </a:rPr>
+              <a:t>fast</a:t>
+            </a:r>
+            <a:r>
+              <a:rPr lang="en-GB" sz="2400" dirty="0"/>
+              <a:t>, first impression!</a:t>
+            </a:r>
+          </a:p>
+          <a:p>
+            <a:r>
+              <a:rPr lang="en-GB" sz="2400" dirty="0"/>
+              <a:t>Use </a:t>
+            </a:r>
+            <a:r>
+              <a:rPr lang="en-GB" sz="2400" dirty="0">
+                <a:solidFill>
+                  <a:schemeClr val="accent3">
+                    <a:lumMod val="75000"/>
+                  </a:schemeClr>
+                </a:solidFill>
+              </a:rPr>
+              <a:t>visual perception </a:t>
+            </a:r>
+            <a:r>
+              <a:rPr lang="en-GB" sz="2400" dirty="0"/>
+              <a:t>techniques to make an impact, e.g.:</a:t>
             </a:r>
           </a:p>
           <a:p>
             <a:pPr lvl="1"/>
             <a:r>
-              <a:rPr lang="en-GB" sz="2400" dirty="0"/>
-              <a:t>To demonstrate your knowledge and analytical skills to a remote audience (examiner, interviewer etc.)</a:t>
-            </a:r>
+              <a:rPr lang="en-GB" sz="2200" dirty="0">
+                <a:solidFill>
+                  <a:schemeClr val="accent2">
+                    <a:lumMod val="75000"/>
+                  </a:schemeClr>
+                </a:solidFill>
+              </a:rPr>
+              <a:t>Visual hierarchy </a:t>
+            </a:r>
+            <a:r>
+              <a:rPr lang="en-GB" sz="2200" dirty="0"/>
+              <a:t>to show importance and relationship of information; “</a:t>
+            </a:r>
+            <a:r>
+              <a:rPr lang="en-GB" sz="2200" dirty="0">
+                <a:hlinkClick r:id="rId4"/>
+              </a:rPr>
+              <a:t>guide them on a journey that ultimately culminates in a conversion</a:t>
+            </a:r>
+            <a:r>
+              <a:rPr lang="en-GB" sz="2200" dirty="0"/>
+              <a:t>”.</a:t>
+            </a:r>
+            <a:endParaRPr lang="en-GB" sz="2200" dirty="0">
+              <a:solidFill>
+                <a:schemeClr val="accent2">
+                  <a:lumMod val="75000"/>
+                </a:schemeClr>
+              </a:solidFill>
+            </a:endParaRPr>
           </a:p>
           <a:p>
             <a:pPr lvl="1"/>
             <a:r>
-              <a:rPr lang="en-GB" sz="2400" dirty="0"/>
-              <a:t>To preserve a record of your work</a:t>
+              <a:rPr lang="en-GB" sz="2200" dirty="0">
+                <a:solidFill>
+                  <a:schemeClr val="accent2">
+                    <a:lumMod val="75000"/>
+                  </a:schemeClr>
+                </a:solidFill>
+              </a:rPr>
+              <a:t>Structure content </a:t>
+            </a:r>
+            <a:r>
+              <a:rPr lang="en-GB" sz="2200" dirty="0"/>
+              <a:t>in an F-shape</a:t>
             </a:r>
           </a:p>
           <a:p>
             <a:pPr lvl="1"/>
             <a:r>
-              <a:rPr lang="en-GB" sz="2400" dirty="0"/>
-              <a:t>To act as a reference for your own, or other people’s, future work</a:t>
+              <a:rPr lang="en-GB" sz="2200" dirty="0">
+                <a:solidFill>
+                  <a:schemeClr val="accent2">
+                    <a:lumMod val="75000"/>
+                  </a:schemeClr>
+                </a:solidFill>
+              </a:rPr>
+              <a:t>Condense text </a:t>
+            </a:r>
+            <a:r>
+              <a:rPr lang="en-GB" sz="2200" dirty="0"/>
+              <a:t>as much as possible</a:t>
             </a:r>
           </a:p>
           <a:p>
             <a:pPr lvl="1"/>
             <a:r>
-              <a:rPr lang="en-GB" sz="2400" dirty="0"/>
-              <a:t>To give 25% of your grades…</a:t>
+              <a:rPr lang="en-GB" sz="2200" dirty="0"/>
+              <a:t>Include adequate </a:t>
+            </a:r>
+            <a:r>
+              <a:rPr lang="en-GB" sz="2200" dirty="0">
+                <a:solidFill>
+                  <a:schemeClr val="accent2">
+                    <a:lumMod val="75000"/>
+                  </a:schemeClr>
+                </a:solidFill>
+              </a:rPr>
+              <a:t>white space </a:t>
+            </a:r>
+            <a:r>
+              <a:rPr lang="en-GB" sz="2200" dirty="0"/>
+              <a:t>and use </a:t>
+            </a:r>
+            <a:r>
+              <a:rPr lang="en-GB" sz="2200" dirty="0">
+                <a:solidFill>
+                  <a:schemeClr val="accent3">
+                    <a:lumMod val="75000"/>
+                  </a:schemeClr>
+                </a:solidFill>
+              </a:rPr>
+              <a:t>contrast</a:t>
             </a:r>
           </a:p>
         </p:txBody>
@@ -8274,7 +8702,7 @@
     </p:spTree>
     <p:extLst>
       <p:ext uri="{BB962C8B-B14F-4D97-AF65-F5344CB8AC3E}">
-        <p14:creationId xmlns:p14="http://schemas.microsoft.com/office/powerpoint/2010/main" val="2987205183"/>
+        <p14:creationId xmlns:p14="http://schemas.microsoft.com/office/powerpoint/2010/main" val="1683515133"/>
       </p:ext>
     </p:extLst>
   </p:cSld>
@@ -8302,7 +8730,7 @@
                             </p:stCondLst>
                             <p:childTnLst>
                               <p:par>
-                                <p:cTn id="5" presetID="1" presetClass="entr" presetSubtype="0" fill="hold" grpId="0" nodeType="clickEffect">
+                                <p:cTn id="5" presetID="10" presetClass="entr" presetSubtype="0" fill="hold" grpId="0" nodeType="clickEffect">
                                   <p:stCondLst>
                                     <p:cond delay="0"/>
                                   </p:stCondLst>
@@ -8310,6 +8738,67 @@
                                     <p:set>
                                       <p:cBhvr>
                                         <p:cTn id="6" dur="1" fill="hold">
+                                          <p:stCondLst>
+                                            <p:cond delay="0"/>
+                                          </p:stCondLst>
+                                        </p:cTn>
+                                        <p:tgtEl>
+                                          <p:spTgt spid="3">
+                                            <p:txEl>
+                                              <p:pRg st="0" end="0"/>
+                                            </p:txEl>
+                                          </p:spTgt>
+                                        </p:tgtEl>
+                                        <p:attrNameLst>
+                                          <p:attrName>style.visibility</p:attrName>
+                                        </p:attrNameLst>
+                                      </p:cBhvr>
+                                      <p:to>
+                                        <p:strVal val="visible"/>
+                                      </p:to>
+                                    </p:set>
+                                    <p:animEffect transition="in" filter="fade">
+                                      <p:cBhvr>
+                                        <p:cTn id="7" dur="500"/>
+                                        <p:tgtEl>
+                                          <p:spTgt spid="3">
+                                            <p:txEl>
+                                              <p:pRg st="0" end="0"/>
+                                            </p:txEl>
+                                          </p:spTgt>
+                                        </p:tgtEl>
+                                      </p:cBhvr>
+                                    </p:animEffect>
+                                  </p:childTnLst>
+                                </p:cTn>
+                              </p:par>
+                            </p:childTnLst>
+                          </p:cTn>
+                        </p:par>
+                      </p:childTnLst>
+                    </p:cTn>
+                  </p:par>
+                  <p:par>
+                    <p:cTn id="8" fill="hold">
+                      <p:stCondLst>
+                        <p:cond delay="indefinite"/>
+                      </p:stCondLst>
+                      <p:childTnLst>
+                        <p:par>
+                          <p:cTn id="9" fill="hold">
+                            <p:stCondLst>
+                              <p:cond delay="0"/>
+                            </p:stCondLst>
+                            <p:childTnLst>
+                              <p:par>
+                                <p:cTn id="10" presetID="10" presetClass="entr" presetSubtype="0" fill="hold" grpId="0" nodeType="clickEffect">
+                                  <p:stCondLst>
+                                    <p:cond delay="0"/>
+                                  </p:stCondLst>
+                                  <p:childTnLst>
+                                    <p:set>
+                                      <p:cBhvr>
+                                        <p:cTn id="11" dur="1" fill="hold">
                                           <p:stCondLst>
                                             <p:cond delay="0"/>
                                           </p:stCondLst>
@@ -8329,86 +8818,18 @@
                                         <p:strVal val="visible"/>
                                       </p:to>
                                     </p:set>
-                                  </p:childTnLst>
-                                </p:cTn>
-                              </p:par>
-                            </p:childTnLst>
-                          </p:cTn>
-                        </p:par>
-                      </p:childTnLst>
-                    </p:cTn>
-                  </p:par>
-                  <p:par>
-                    <p:cTn id="7" fill="hold">
-                      <p:stCondLst>
-                        <p:cond delay="indefinite"/>
-                      </p:stCondLst>
-                      <p:childTnLst>
-                        <p:par>
-                          <p:cTn id="8" fill="hold">
-                            <p:stCondLst>
-                              <p:cond delay="0"/>
-                            </p:stCondLst>
-                            <p:childTnLst>
-                              <p:par>
-                                <p:cTn id="9" presetID="1" presetClass="entr" presetSubtype="0" fill="hold" grpId="0" nodeType="clickEffect">
-                                  <p:stCondLst>
-                                    <p:cond delay="0"/>
-                                  </p:stCondLst>
-                                  <p:childTnLst>
-                                    <p:set>
+                                    <p:animEffect transition="in" filter="fade">
                                       <p:cBhvr>
-                                        <p:cTn id="10" dur="1" fill="hold">
-                                          <p:stCondLst>
-                                            <p:cond delay="0"/>
-                                          </p:stCondLst>
-                                        </p:cTn>
+                                        <p:cTn id="12" dur="500"/>
                                         <p:tgtEl>
                                           <p:spTgt spid="3">
                                             <p:txEl>
-                                              <p:pRg st="2" end="2"/>
+                                              <p:pRg st="1" end="1"/>
                                             </p:txEl>
                                           </p:spTgt>
                                         </p:tgtEl>
-                                        <p:attrNameLst>
-                                          <p:attrName>style.visibility</p:attrName>
-                                        </p:attrNameLst>
                                       </p:cBhvr>
-                                      <p:to>
-                                        <p:strVal val="visible"/>
-                                      </p:to>
-                                    </p:set>
-                                  </p:childTnLst>
-                                </p:cTn>
-                              </p:par>
-                              <p:par>
-                                <p:cTn id="11" presetID="1" presetClass="entr" presetSubtype="0" fill="hold" grpId="0" nodeType="withEffect">
-                                  <p:stCondLst>
-                                    <p:cond delay="0"/>
-                                  </p:stCondLst>
-                                  <p:childTnLst>
-                                    <p:set>
-                                      <p:cBhvr>
-                                        <p:cTn id="12" dur="1" fill="hold">
-                                          <p:stCondLst>
-                                            <p:cond delay="0"/>
-                                          </p:stCondLst>
-                                        </p:cTn>
-                                        <p:tgtEl>
-                                          <p:spTgt spid="3">
-                                            <p:txEl>
-                                              <p:pRg st="3" end="3"/>
-                                            </p:txEl>
-                                          </p:spTgt>
-                                        </p:tgtEl>
-                                        <p:attrNameLst>
-                                          <p:attrName>style.visibility</p:attrName>
-                                        </p:attrNameLst>
-                                      </p:cBhvr>
-                                      <p:to>
-                                        <p:strVal val="visible"/>
-                                      </p:to>
-                                    </p:set>
+                                    </p:animEffect>
                                   </p:childTnLst>
                                 </p:cTn>
                               </p:par>
@@ -8431,7 +8852,7 @@
                             </p:stCondLst>
                             <p:childTnLst>
                               <p:par>
-                                <p:cTn id="15" presetID="1" presetClass="entr" presetSubtype="0" fill="hold" grpId="0" nodeType="clickEffect">
+                                <p:cTn id="15" presetID="10" presetClass="entr" presetSubtype="0" fill="hold" grpId="0" nodeType="clickEffect">
                                   <p:stCondLst>
                                     <p:cond delay="0"/>
                                   </p:stCondLst>
@@ -8439,6 +8860,128 @@
                                     <p:set>
                                       <p:cBhvr>
                                         <p:cTn id="16" dur="1" fill="hold">
+                                          <p:stCondLst>
+                                            <p:cond delay="0"/>
+                                          </p:stCondLst>
+                                        </p:cTn>
+                                        <p:tgtEl>
+                                          <p:spTgt spid="3">
+                                            <p:txEl>
+                                              <p:pRg st="2" end="2"/>
+                                            </p:txEl>
+                                          </p:spTgt>
+                                        </p:tgtEl>
+                                        <p:attrNameLst>
+                                          <p:attrName>style.visibility</p:attrName>
+                                        </p:attrNameLst>
+                                      </p:cBhvr>
+                                      <p:to>
+                                        <p:strVal val="visible"/>
+                                      </p:to>
+                                    </p:set>
+                                    <p:animEffect transition="in" filter="fade">
+                                      <p:cBhvr>
+                                        <p:cTn id="17" dur="500"/>
+                                        <p:tgtEl>
+                                          <p:spTgt spid="3">
+                                            <p:txEl>
+                                              <p:pRg st="2" end="2"/>
+                                            </p:txEl>
+                                          </p:spTgt>
+                                        </p:tgtEl>
+                                      </p:cBhvr>
+                                    </p:animEffect>
+                                  </p:childTnLst>
+                                </p:cTn>
+                              </p:par>
+                            </p:childTnLst>
+                          </p:cTn>
+                        </p:par>
+                      </p:childTnLst>
+                    </p:cTn>
+                  </p:par>
+                  <p:par>
+                    <p:cTn id="18" fill="hold">
+                      <p:stCondLst>
+                        <p:cond delay="indefinite"/>
+                      </p:stCondLst>
+                      <p:childTnLst>
+                        <p:par>
+                          <p:cTn id="19" fill="hold">
+                            <p:stCondLst>
+                              <p:cond delay="0"/>
+                            </p:stCondLst>
+                            <p:childTnLst>
+                              <p:par>
+                                <p:cTn id="20" presetID="10" presetClass="entr" presetSubtype="0" fill="hold" grpId="0" nodeType="clickEffect">
+                                  <p:stCondLst>
+                                    <p:cond delay="0"/>
+                                  </p:stCondLst>
+                                  <p:childTnLst>
+                                    <p:set>
+                                      <p:cBhvr>
+                                        <p:cTn id="21" dur="1" fill="hold">
+                                          <p:stCondLst>
+                                            <p:cond delay="0"/>
+                                          </p:stCondLst>
+                                        </p:cTn>
+                                        <p:tgtEl>
+                                          <p:spTgt spid="3">
+                                            <p:txEl>
+                                              <p:pRg st="3" end="3"/>
+                                            </p:txEl>
+                                          </p:spTgt>
+                                        </p:tgtEl>
+                                        <p:attrNameLst>
+                                          <p:attrName>style.visibility</p:attrName>
+                                        </p:attrNameLst>
+                                      </p:cBhvr>
+                                      <p:to>
+                                        <p:strVal val="visible"/>
+                                      </p:to>
+                                    </p:set>
+                                    <p:animEffect transition="in" filter="fade">
+                                      <p:cBhvr>
+                                        <p:cTn id="22" dur="500"/>
+                                        <p:tgtEl>
+                                          <p:spTgt spid="3">
+                                            <p:txEl>
+                                              <p:pRg st="3" end="3"/>
+                                            </p:txEl>
+                                          </p:spTgt>
+                                        </p:tgtEl>
+                                      </p:cBhvr>
+                                    </p:animEffect>
+                                  </p:childTnLst>
+                                </p:cTn>
+                              </p:par>
+                            </p:childTnLst>
+                          </p:cTn>
+                        </p:par>
+                      </p:childTnLst>
+                    </p:cTn>
+                  </p:par>
+                  <p:par>
+                    <p:cTn id="23" fill="hold">
+                      <p:stCondLst>
+                        <p:cond delay="indefinite"/>
+                      </p:stCondLst>
+                      <p:childTnLst>
+                        <p:par>
+                          <p:cTn id="24" fill="hold">
+                            <p:stCondLst>
+                              <p:cond delay="0"/>
+                            </p:stCondLst>
+                            <p:childTnLst>
+                              <p:par>
+                                <p:cTn id="25" presetID="10" presetClass="entr" presetSubtype="0" fill="hold" grpId="0" nodeType="clickEffect">
+                                  <p:stCondLst>
+                                    <p:cond delay="0"/>
+                                  </p:stCondLst>
+                                  <p:childTnLst>
+                                    <p:set>
+                                      <p:cBhvr>
+                                        <p:cTn id="26" dur="1" fill="hold">
                                           <p:stCondLst>
                                             <p:cond delay="0"/>
                                           </p:stCondLst>
@@ -8458,6 +9001,140 @@
                                         <p:strVal val="visible"/>
                                       </p:to>
                                     </p:set>
+                                    <p:animEffect transition="in" filter="fade">
+                                      <p:cBhvr>
+                                        <p:cTn id="27" dur="500"/>
+                                        <p:tgtEl>
+                                          <p:spTgt spid="3">
+                                            <p:txEl>
+                                              <p:pRg st="4" end="4"/>
+                                            </p:txEl>
+                                          </p:spTgt>
+                                        </p:tgtEl>
+                                      </p:cBhvr>
+                                    </p:animEffect>
+                                  </p:childTnLst>
+                                </p:cTn>
+                              </p:par>
+                            </p:childTnLst>
+                          </p:cTn>
+                        </p:par>
+                      </p:childTnLst>
+                    </p:cTn>
+                  </p:par>
+                  <p:par>
+                    <p:cTn id="28" fill="hold">
+                      <p:stCondLst>
+                        <p:cond delay="indefinite"/>
+                      </p:stCondLst>
+                      <p:childTnLst>
+                        <p:par>
+                          <p:cTn id="29" fill="hold">
+                            <p:stCondLst>
+                              <p:cond delay="0"/>
+                            </p:stCondLst>
+                            <p:childTnLst>
+                              <p:par>
+                                <p:cTn id="30" presetID="10" presetClass="entr" presetSubtype="0" fill="hold" grpId="0" nodeType="clickEffect">
+                                  <p:stCondLst>
+                                    <p:cond delay="0"/>
+                                  </p:stCondLst>
+                                  <p:childTnLst>
+                                    <p:set>
+                                      <p:cBhvr>
+                                        <p:cTn id="31" dur="1" fill="hold">
+                                          <p:stCondLst>
+                                            <p:cond delay="0"/>
+                                          </p:stCondLst>
+                                        </p:cTn>
+                                        <p:tgtEl>
+                                          <p:spTgt spid="3">
+                                            <p:txEl>
+                                              <p:pRg st="5" end="5"/>
+                                            </p:txEl>
+                                          </p:spTgt>
+                                        </p:tgtEl>
+                                        <p:attrNameLst>
+                                          <p:attrName>style.visibility</p:attrName>
+                                        </p:attrNameLst>
+                                      </p:cBhvr>
+                                      <p:to>
+                                        <p:strVal val="visible"/>
+                                      </p:to>
+                                    </p:set>
+                                    <p:animEffect transition="in" filter="fade">
+                                      <p:cBhvr>
+                                        <p:cTn id="32" dur="500"/>
+                                        <p:tgtEl>
+                                          <p:spTgt spid="3">
+                                            <p:txEl>
+                                              <p:pRg st="5" end="5"/>
+                                            </p:txEl>
+                                          </p:spTgt>
+                                        </p:tgtEl>
+                                      </p:cBhvr>
+                                    </p:animEffect>
+                                  </p:childTnLst>
+                                </p:cTn>
+                              </p:par>
+                            </p:childTnLst>
+                          </p:cTn>
+                        </p:par>
+                      </p:childTnLst>
+                    </p:cTn>
+                  </p:par>
+                  <p:par>
+                    <p:cTn id="33" fill="hold">
+                      <p:stCondLst>
+                        <p:cond delay="indefinite"/>
+                      </p:stCondLst>
+                      <p:childTnLst>
+                        <p:par>
+                          <p:cTn id="34" fill="hold">
+                            <p:stCondLst>
+                              <p:cond delay="0"/>
+                            </p:stCondLst>
+                            <p:childTnLst>
+                              <p:par>
+                                <p:cTn id="35" presetID="10" presetClass="entr" presetSubtype="0" fill="hold" grpId="0" nodeType="clickEffect">
+                                  <p:stCondLst>
+                                    <p:cond delay="0"/>
+                                  </p:stCondLst>
+                                  <p:childTnLst>
+                                    <p:set>
+                                      <p:cBhvr>
+                                        <p:cTn id="36" dur="1" fill="hold">
+                                          <p:stCondLst>
+                                            <p:cond delay="0"/>
+                                          </p:stCondLst>
+                                        </p:cTn>
+                                        <p:tgtEl>
+                                          <p:spTgt spid="3">
+                                            <p:txEl>
+                                              <p:pRg st="6" end="6"/>
+                                            </p:txEl>
+                                          </p:spTgt>
+                                        </p:tgtEl>
+                                        <p:attrNameLst>
+                                          <p:attrName>style.visibility</p:attrName>
+                                        </p:attrNameLst>
+                                      </p:cBhvr>
+                                      <p:to>
+                                        <p:strVal val="visible"/>
+                                      </p:to>
+                                    </p:set>
+                                    <p:animEffect transition="in" filter="fade">
+                                      <p:cBhvr>
+                                        <p:cTn id="37" dur="500"/>
+                                        <p:tgtEl>
+                                          <p:spTgt spid="3">
+                                            <p:txEl>
+                                              <p:pRg st="6" end="6"/>
+                                            </p:txEl>
+                                          </p:spTgt>
+                                        </p:tgtEl>
+                                      </p:cBhvr>
+                                    </p:animEffect>
                                   </p:childTnLst>
                                 </p:cTn>
                               </p:par>
@@ -8514,10 +9191,10 @@
       </p:grpSpPr>
       <p:sp>
         <p:nvSpPr>
-          <p:cNvPr id="2" name="Title 1">
+          <p:cNvPr id="71" name="Title 1">
             <a:extLst>
               <a:ext uri="{FF2B5EF4-FFF2-40B4-BE49-F238E27FC236}">
-                <a16:creationId xmlns:a16="http://schemas.microsoft.com/office/drawing/2014/main" id="{CE93B9A9-5430-43CA-A076-1B33A322CAF1}"/>
+                <a16:creationId xmlns:a16="http://schemas.microsoft.com/office/drawing/2014/main" id="{ACC3A072-13F1-4A0B-A81E-CC365D4B4786}"/>
               </a:ext>
             </a:extLst>
           </p:cNvPr>
@@ -8528,16 +9205,171 @@
             <p:ph type="title"/>
           </p:nvPr>
         </p:nvSpPr>
-        <p:spPr/>
+        <p:spPr>
+          <a:xfrm>
+            <a:off x="8458200" y="607392"/>
+            <a:ext cx="3161963" cy="697152"/>
+          </a:xfrm>
+        </p:spPr>
+        <p:txBody>
+          <a:bodyPr/>
+          <a:lstStyle/>
+          <a:p>
+            <a:r>
+              <a:rPr lang="en-US" dirty="0"/>
+              <a:t>Gestalt Theory</a:t>
+            </a:r>
+          </a:p>
+        </p:txBody>
+      </p:sp>
+      <p:pic>
+        <p:nvPicPr>
+          <p:cNvPr id="2050" name="Picture 2" descr="Gestalts principal">
+            <a:extLst>
+              <a:ext uri="{FF2B5EF4-FFF2-40B4-BE49-F238E27FC236}">
+                <a16:creationId xmlns:a16="http://schemas.microsoft.com/office/drawing/2014/main" id="{207FBEFE-2DFD-4EB6-BAC9-7336D586B9AC}"/>
+              </a:ext>
+            </a:extLst>
+          </p:cNvPr>
+          <p:cNvPicPr>
+            <a:picLocks noChangeAspect="1" noChangeArrowheads="1"/>
+          </p:cNvPicPr>
+          <p:nvPr/>
+        </p:nvPicPr>
+        <p:blipFill>
+          <a:blip r:embed="rId3">
+            <a:extLst>
+              <a:ext uri="{28A0092B-C50C-407E-A947-70E740481C1C}">
+                <a14:useLocalDpi xmlns:a14="http://schemas.microsoft.com/office/drawing/2010/main" val="0"/>
+              </a:ext>
+            </a:extLst>
+          </a:blip>
+          <a:stretch>
+            <a:fillRect/>
+          </a:stretch>
+        </p:blipFill>
+        <p:spPr bwMode="auto">
+          <a:xfrm>
+            <a:off x="658368" y="-15240"/>
+            <a:ext cx="6888480" cy="6888480"/>
+          </a:xfrm>
+          <a:prstGeom prst="rect">
+            <a:avLst/>
+          </a:prstGeom>
+          <a:solidFill>
+            <a:srgbClr val="FFFFFF"/>
+          </a:solidFill>
+          <a:extLst>
+            <a:ext uri="{909E8E84-426E-40DD-AFC4-6F175D3DCCD1}">
+              <a14:hiddenFill xmlns:a14="http://schemas.microsoft.com/office/drawing/2010/main">
+                <a:solidFill>
+                  <a:srgbClr val="FFFFFF"/>
+                </a:solidFill>
+              </a14:hiddenFill>
+            </a:ext>
+          </a:extLst>
+        </p:spPr>
+      </p:pic>
+      <p:sp>
+        <p:nvSpPr>
+          <p:cNvPr id="73" name="Text Placeholder 3">
+            <a:extLst>
+              <a:ext uri="{FF2B5EF4-FFF2-40B4-BE49-F238E27FC236}">
+                <a16:creationId xmlns:a16="http://schemas.microsoft.com/office/drawing/2014/main" id="{62847294-B3EA-455C-8F11-CBC5F1CE5B51}"/>
+              </a:ext>
+            </a:extLst>
+          </p:cNvPr>
+          <p:cNvSpPr>
+            <a:spLocks noGrp="1"/>
+          </p:cNvSpPr>
+          <p:nvPr>
+            <p:ph type="body" sz="half" idx="2"/>
+          </p:nvPr>
+        </p:nvSpPr>
+        <p:spPr>
+          <a:xfrm>
+            <a:off x="8458200" y="1499616"/>
+            <a:ext cx="3161963" cy="4443984"/>
+          </a:xfrm>
+        </p:spPr>
         <p:txBody>
           <a:bodyPr>
             <a:normAutofit/>
           </a:bodyPr>
           <a:lstStyle/>
           <a:p>
-            <a:r>
-              <a:rPr lang="en-GB" sz="3600" dirty="0"/>
-              <a:t>Writing reports</a:t>
+            <a:pPr algn="ctr"/>
+            <a:r>
+              <a:rPr lang="en-US" sz="2400" dirty="0"/>
+              <a:t>“Attempts to describe how people tend to organize visual elements into groups or unified wholes when certain principles are applied.”</a:t>
+            </a:r>
+          </a:p>
+        </p:txBody>
+      </p:sp>
+    </p:spTree>
+    <p:extLst>
+      <p:ext uri="{BB962C8B-B14F-4D97-AF65-F5344CB8AC3E}">
+        <p14:creationId xmlns:p14="http://schemas.microsoft.com/office/powerpoint/2010/main" val="3426295055"/>
+      </p:ext>
+    </p:extLst>
+  </p:cSld>
+  <p:clrMapOvr>
+    <a:masterClrMapping/>
+  </p:clrMapOvr>
+</p:sld>
+</file>
+
+<file path=ppt/slides/slide8.xml><?xml version="1.0" encoding="utf-8"?>
+<p:sld xmlns:a="http://schemas.openxmlformats.org/drawingml/2006/main" xmlns:r="http://schemas.openxmlformats.org/officeDocument/2006/relationships" xmlns:p="http://schemas.openxmlformats.org/presentationml/2006/main">
+  <p:cSld>
+    <p:spTree>
+      <p:nvGrpSpPr>
+        <p:cNvPr id="1" name=""/>
+        <p:cNvGrpSpPr/>
+        <p:nvPr/>
+      </p:nvGrpSpPr>
+      <p:grpSpPr>
+        <a:xfrm>
+          <a:off x="0" y="0"/>
+          <a:ext cx="0" cy="0"/>
+          <a:chOff x="0" y="0"/>
+          <a:chExt cx="0" cy="0"/>
+        </a:xfrm>
+      </p:grpSpPr>
+      <p:sp>
+        <p:nvSpPr>
+          <p:cNvPr id="2" name="Title 1">
+            <a:extLst>
+              <a:ext uri="{FF2B5EF4-FFF2-40B4-BE49-F238E27FC236}">
+                <a16:creationId xmlns:a16="http://schemas.microsoft.com/office/drawing/2014/main" id="{AC990FF2-7066-4344-8AA3-811C2A1D7ABC}"/>
+              </a:ext>
+            </a:extLst>
+          </p:cNvPr>
+          <p:cNvSpPr>
+            <a:spLocks noGrp="1"/>
+          </p:cNvSpPr>
+          <p:nvPr>
+            <p:ph type="title"/>
+          </p:nvPr>
+        </p:nvSpPr>
+        <p:spPr/>
+        <p:txBody>
+          <a:bodyPr/>
+          <a:lstStyle/>
+          <a:p>
+            <a:r>
+              <a:rPr lang="en-GB" dirty="0">
+                <a:solidFill>
+                  <a:schemeClr val="accent2">
+                    <a:lumMod val="75000"/>
+                  </a:schemeClr>
+                </a:solidFill>
+              </a:rPr>
+              <a:t>Activity:</a:t>
+            </a:r>
+            <a:r>
+              <a:rPr lang="en-GB" dirty="0"/>
+              <a:t> Portfolio Home Page</a:t>
             </a:r>
           </a:p>
         </p:txBody>
@@ -8547,7 +9379,7 @@
           <p:cNvPr id="3" name="Content Placeholder 2">
             <a:extLst>
               <a:ext uri="{FF2B5EF4-FFF2-40B4-BE49-F238E27FC236}">
-                <a16:creationId xmlns:a16="http://schemas.microsoft.com/office/drawing/2014/main" id="{A8B5FB3A-DBC2-49E7-B8E9-76B44D37034D}"/>
+                <a16:creationId xmlns:a16="http://schemas.microsoft.com/office/drawing/2014/main" id="{02681BC9-7A41-4B41-8685-7BDFCCCA1A0C}"/>
               </a:ext>
             </a:extLst>
           </p:cNvPr>
@@ -8558,98 +9390,120 @@
             <p:ph idx="1"/>
           </p:nvPr>
         </p:nvSpPr>
-        <p:spPr>
-          <a:xfrm>
-            <a:off x="1066800" y="1864129"/>
-            <a:ext cx="10058400" cy="4112286"/>
-          </a:xfrm>
-        </p:spPr>
+        <p:spPr/>
         <p:txBody>
           <a:bodyPr>
-            <a:noAutofit/>
+            <a:normAutofit lnSpcReduction="10000"/>
           </a:bodyPr>
           <a:lstStyle/>
           <a:p>
             <a:r>
-              <a:rPr lang="en-GB" sz="2400" b="1" dirty="0"/>
-              <a:t>Content:</a:t>
+              <a:rPr lang="en-GB" sz="2800" dirty="0"/>
+              <a:t>Revisit the example portfolios on the </a:t>
+            </a:r>
+            <a:r>
+              <a:rPr lang="en-GB" sz="2800" dirty="0">
+                <a:hlinkClick r:id="rId2"/>
+              </a:rPr>
+              <a:t>Padlet</a:t>
+            </a:r>
+            <a:endParaRPr lang="en-GB" sz="2800" dirty="0"/>
+          </a:p>
+          <a:p>
+            <a:r>
+              <a:rPr lang="en-GB" sz="2800" dirty="0"/>
+              <a:t>Decide which </a:t>
+            </a:r>
+            <a:r>
+              <a:rPr lang="en-GB" sz="2800" dirty="0">
+                <a:solidFill>
+                  <a:schemeClr val="accent2">
+                    <a:lumMod val="75000"/>
+                  </a:schemeClr>
+                </a:solidFill>
+              </a:rPr>
+              <a:t>elements</a:t>
+            </a:r>
+            <a:r>
+              <a:rPr lang="en-GB" sz="2800" dirty="0"/>
+              <a:t> you’d like to include on your </a:t>
+            </a:r>
+            <a:r>
+              <a:rPr lang="en-GB" sz="2800" dirty="0">
+                <a:solidFill>
+                  <a:schemeClr val="accent3">
+                    <a:lumMod val="75000"/>
+                  </a:schemeClr>
+                </a:solidFill>
+              </a:rPr>
+              <a:t>home page</a:t>
+            </a:r>
+          </a:p>
+          <a:p>
+            <a:r>
+              <a:rPr lang="en-GB" sz="2800" dirty="0">
+                <a:solidFill>
+                  <a:schemeClr val="accent3">
+                    <a:lumMod val="75000"/>
+                  </a:schemeClr>
+                </a:solidFill>
+              </a:rPr>
+              <a:t>Draft </a:t>
+            </a:r>
+            <a:r>
+              <a:rPr lang="en-GB" sz="2800" dirty="0"/>
+              <a:t>an outline design for your home page, including:</a:t>
             </a:r>
           </a:p>
           <a:p>
             <a:pPr lvl="1"/>
             <a:r>
-              <a:rPr lang="en-GB" sz="2200" b="1" i="1" dirty="0"/>
-              <a:t>Description</a:t>
-            </a:r>
-            <a:r>
-              <a:rPr lang="en-GB" sz="2200" dirty="0"/>
-              <a:t> of your computing artefact</a:t>
+              <a:rPr lang="en-GB" sz="2600" dirty="0"/>
+              <a:t>Your </a:t>
+            </a:r>
+            <a:r>
+              <a:rPr lang="en-GB" sz="2600" dirty="0">
+                <a:solidFill>
+                  <a:schemeClr val="accent2">
+                    <a:lumMod val="75000"/>
+                  </a:schemeClr>
+                </a:solidFill>
+              </a:rPr>
+              <a:t>elevator pitch </a:t>
+            </a:r>
+            <a:r>
+              <a:rPr lang="en-GB" sz="2600" dirty="0"/>
+              <a:t>(from week 5)</a:t>
             </a:r>
           </a:p>
           <a:p>
             <a:pPr lvl="1"/>
             <a:r>
-              <a:rPr lang="en-GB" sz="2200" b="1" i="1" dirty="0"/>
-              <a:t>Illustration</a:t>
-            </a:r>
-            <a:r>
-              <a:rPr lang="en-GB" sz="2200" dirty="0"/>
-              <a:t> of the architecture of your computing artefact</a:t>
+              <a:rPr lang="en-GB" sz="2600" dirty="0"/>
+              <a:t>Any </a:t>
+            </a:r>
+            <a:r>
+              <a:rPr lang="en-GB" sz="2600" dirty="0">
+                <a:solidFill>
+                  <a:schemeClr val="accent3">
+                    <a:lumMod val="75000"/>
+                  </a:schemeClr>
+                </a:solidFill>
+              </a:rPr>
+              <a:t>featured demos</a:t>
             </a:r>
           </a:p>
           <a:p>
             <a:pPr lvl="1"/>
             <a:r>
-              <a:rPr lang="en-GB" sz="2200" b="1" i="1" dirty="0"/>
-              <a:t>Embedded</a:t>
-            </a:r>
-            <a:r>
-              <a:rPr lang="en-GB" sz="2200" b="1" dirty="0"/>
-              <a:t> video</a:t>
-            </a:r>
-            <a:r>
-              <a:rPr lang="en-GB" sz="2200" dirty="0"/>
-              <a:t> of your computing artefact</a:t>
-            </a:r>
-          </a:p>
-          <a:p>
-            <a:pPr lvl="1"/>
-            <a:r>
-              <a:rPr lang="en-GB" sz="2200" b="1" i="1" dirty="0"/>
-              <a:t>Communication</a:t>
-            </a:r>
-            <a:r>
-              <a:rPr lang="en-GB" sz="2200" b="1" dirty="0"/>
-              <a:t> </a:t>
-            </a:r>
-            <a:r>
-              <a:rPr lang="en-GB" sz="2200" dirty="0"/>
-              <a:t>of your practice-based research</a:t>
-            </a:r>
-          </a:p>
-          <a:p>
-            <a:pPr lvl="2"/>
-            <a:r>
-              <a:rPr lang="en-GB" sz="2100" i="1" dirty="0"/>
-              <a:t>i.e. how you found out what to try, what worked and what didn’t</a:t>
-            </a:r>
-          </a:p>
-          <a:p>
-            <a:pPr lvl="1"/>
-            <a:r>
-              <a:rPr lang="en-GB" sz="2200" b="1" i="1" dirty="0"/>
-              <a:t>Defence </a:t>
-            </a:r>
-            <a:r>
-              <a:rPr lang="en-GB" sz="2200" dirty="0"/>
-              <a:t>of an argument related to the outcome of this research</a:t>
-            </a:r>
-          </a:p>
-          <a:p>
-            <a:pPr lvl="2"/>
-            <a:r>
-              <a:rPr lang="en-GB" sz="2100" i="1" dirty="0"/>
-              <a:t>i.e. why you chose to try what you tried</a:t>
+              <a:rPr lang="en-GB" sz="2600" dirty="0"/>
+              <a:t>Menu placement etc.</a:t>
+            </a:r>
+          </a:p>
+          <a:p>
+            <a:r>
+              <a:rPr lang="en-GB" sz="2800" dirty="0"/>
+              <a:t>Share your designs in the chat!</a:t>
             </a:r>
           </a:p>
         </p:txBody>
@@ -8657,7 +9511,7 @@
     </p:spTree>
     <p:extLst>
       <p:ext uri="{BB962C8B-B14F-4D97-AF65-F5344CB8AC3E}">
-        <p14:creationId xmlns:p14="http://schemas.microsoft.com/office/powerpoint/2010/main" val="628726856"/>
+        <p14:creationId xmlns:p14="http://schemas.microsoft.com/office/powerpoint/2010/main" val="1348918982"/>
       </p:ext>
     </p:extLst>
   </p:cSld>
@@ -8685,7 +9539,7 @@
                             </p:stCondLst>
                             <p:childTnLst>
                               <p:par>
-                                <p:cTn id="5" presetID="1" presetClass="entr" presetSubtype="0" fill="hold" grpId="0" nodeType="clickEffect">
+                                <p:cTn id="5" presetID="10" presetClass="entr" presetSubtype="0" fill="hold" grpId="0" nodeType="clickEffect">
                                   <p:stCondLst>
                                     <p:cond delay="0"/>
                                   </p:stCondLst>
@@ -8693,6 +9547,67 @@
                                     <p:set>
                                       <p:cBhvr>
                                         <p:cTn id="6" dur="1" fill="hold">
+                                          <p:stCondLst>
+                                            <p:cond delay="0"/>
+                                          </p:stCondLst>
+                                        </p:cTn>
+                                        <p:tgtEl>
+                                          <p:spTgt spid="3">
+                                            <p:txEl>
+                                              <p:pRg st="0" end="0"/>
+                                            </p:txEl>
+                                          </p:spTgt>
+                                        </p:tgtEl>
+                                        <p:attrNameLst>
+                                          <p:attrName>style.visibility</p:attrName>
+                                        </p:attrNameLst>
+                                      </p:cBhvr>
+                                      <p:to>
+                                        <p:strVal val="visible"/>
+                                      </p:to>
+                                    </p:set>
+                                    <p:animEffect transition="in" filter="fade">
+                                      <p:cBhvr>
+                                        <p:cTn id="7" dur="500"/>
+                                        <p:tgtEl>
+                                          <p:spTgt spid="3">
+                                            <p:txEl>
+                                              <p:pRg st="0" end="0"/>
+                                            </p:txEl>
+                                          </p:spTgt>
+                                        </p:tgtEl>
+                                      </p:cBhvr>
+                                    </p:animEffect>
+                                  </p:childTnLst>
+                                </p:cTn>
+                              </p:par>
+                            </p:childTnLst>
+                          </p:cTn>
+                        </p:par>
+                      </p:childTnLst>
+                    </p:cTn>
+                  </p:par>
+                  <p:par>
+                    <p:cTn id="8" fill="hold">
+                      <p:stCondLst>
+                        <p:cond delay="indefinite"/>
+                      </p:stCondLst>
+                      <p:childTnLst>
+                        <p:par>
+                          <p:cTn id="9" fill="hold">
+                            <p:stCondLst>
+                              <p:cond delay="0"/>
+                            </p:stCondLst>
+                            <p:childTnLst>
+                              <p:par>
+                                <p:cTn id="10" presetID="10" presetClass="entr" presetSubtype="0" fill="hold" grpId="0" nodeType="clickEffect">
+                                  <p:stCondLst>
+                                    <p:cond delay="0"/>
+                                  </p:stCondLst>
+                                  <p:childTnLst>
+                                    <p:set>
+                                      <p:cBhvr>
+                                        <p:cTn id="11" dur="1" fill="hold">
                                           <p:stCondLst>
                                             <p:cond delay="0"/>
                                           </p:stCondLst>
@@ -8712,6 +9627,18 @@
                                         <p:strVal val="visible"/>
                                       </p:to>
                                     </p:set>
+                                    <p:animEffect transition="in" filter="fade">
+                                      <p:cBhvr>
+                                        <p:cTn id="12" dur="500"/>
+                                        <p:tgtEl>
+                                          <p:spTgt spid="3">
+                                            <p:txEl>
+                                              <p:pRg st="1" end="1"/>
+                                            </p:txEl>
+                                          </p:spTgt>
+                                        </p:tgtEl>
+                                      </p:cBhvr>
+                                    </p:animEffect>
                                   </p:childTnLst>
                                 </p:cTn>
                               </p:par>
@@ -8722,26 +9649,26 @@
                     </p:cTn>
                   </p:par>
                   <p:par>
-                    <p:cTn id="7" fill="hold">
+                    <p:cTn id="13" fill="hold">
                       <p:stCondLst>
                         <p:cond delay="indefinite"/>
                       </p:stCondLst>
                       <p:childTnLst>
                         <p:par>
-                          <p:cTn id="8" fill="hold">
+                          <p:cTn id="14" fill="hold">
                             <p:stCondLst>
                               <p:cond delay="0"/>
                             </p:stCondLst>
                             <p:childTnLst>
                               <p:par>
-                                <p:cTn id="9" presetID="1" presetClass="entr" presetSubtype="0" fill="hold" grpId="0" nodeType="clickEffect">
+                                <p:cTn id="15" presetID="10" presetClass="entr" presetSubtype="0" fill="hold" grpId="0" nodeType="clickEffect">
                                   <p:stCondLst>
                                     <p:cond delay="0"/>
                                   </p:stCondLst>
                                   <p:childTnLst>
                                     <p:set>
                                       <p:cBhvr>
-                                        <p:cTn id="10" dur="1" fill="hold">
+                                        <p:cTn id="16" dur="1" fill="hold">
                                           <p:stCondLst>
                                             <p:cond delay="0"/>
                                           </p:stCondLst>
@@ -8761,36 +9688,30 @@
                                         <p:strVal val="visible"/>
                                       </p:to>
                                     </p:set>
+                                    <p:animEffect transition="in" filter="fade">
+                                      <p:cBhvr>
+                                        <p:cTn id="17" dur="500"/>
+                                        <p:tgtEl>
+                                          <p:spTgt spid="3">
+                                            <p:txEl>
+                                              <p:pRg st="2" end="2"/>
+                                            </p:txEl>
+                                          </p:spTgt>
+                                        </p:tgtEl>
+                                      </p:cBhvr>
+                                    </p:animEffect>
                                   </p:childTnLst>
                                 </p:cTn>
                               </p:par>
-                            </p:childTnLst>
-                          </p:cTn>
-                        </p:par>
-                      </p:childTnLst>
-                    </p:cTn>
-                  </p:par>
-                  <p:par>
-                    <p:cTn id="11" fill="hold">
-                      <p:stCondLst>
-                        <p:cond delay="indefinite"/>
-                      </p:stCondLst>
-                      <p:childTnLst>
-                        <p:par>
-                          <p:cTn id="12" fill="hold">
-                            <p:stCondLst>
-                              <p:cond delay="0"/>
-                            </p:stCondLst>
-                            <p:childTnLst>
                               <p:par>
-                                <p:cTn id="13" presetID="1" presetClass="entr" presetSubtype="0" fill="hold" grpId="0" nodeType="clickEffect">
+                                <p:cTn id="18" presetID="10" presetClass="entr" presetSubtype="0" fill="hold" grpId="0" nodeType="withEffect">
                                   <p:stCondLst>
                                     <p:cond delay="0"/>
                                   </p:stCondLst>
                                   <p:childTnLst>
                                     <p:set>
                                       <p:cBhvr>
-                                        <p:cTn id="14" dur="1" fill="hold">
+                                        <p:cTn id="19" dur="1" fill="hold">
                                           <p:stCondLst>
                                             <p:cond delay="0"/>
                                           </p:stCondLst>
@@ -8810,36 +9731,30 @@
                                         <p:strVal val="visible"/>
                                       </p:to>
                                     </p:set>
+                                    <p:animEffect transition="in" filter="fade">
+                                      <p:cBhvr>
+                                        <p:cTn id="20" dur="500"/>
+                                        <p:tgtEl>
+                                          <p:spTgt spid="3">
+                                            <p:txEl>
+                                              <p:pRg st="3" end="3"/>
+                                            </p:txEl>
+                                          </p:spTgt>
+                                        </p:tgtEl>
+                                      </p:cBhvr>
+                                    </p:animEffect>
                                   </p:childTnLst>
                                 </p:cTn>
                               </p:par>
-                            </p:childTnLst>
-                          </p:cTn>
-                        </p:par>
-                      </p:childTnLst>
-                    </p:cTn>
-                  </p:par>
-                  <p:par>
-                    <p:cTn id="15" fill="hold">
-                      <p:stCondLst>
-                        <p:cond delay="indefinite"/>
-                      </p:stCondLst>
-                      <p:childTnLst>
-                        <p:par>
-                          <p:cTn id="16" fill="hold">
-                            <p:stCondLst>
-                              <p:cond delay="0"/>
-                            </p:stCondLst>
-                            <p:childTnLst>
                               <p:par>
-                                <p:cTn id="17" presetID="1" presetClass="entr" presetSubtype="0" fill="hold" grpId="0" nodeType="clickEffect">
+                                <p:cTn id="21" presetID="10" presetClass="entr" presetSubtype="0" fill="hold" grpId="0" nodeType="withEffect">
                                   <p:stCondLst>
                                     <p:cond delay="0"/>
                                   </p:stCondLst>
                                   <p:childTnLst>
                                     <p:set>
                                       <p:cBhvr>
-                                        <p:cTn id="18" dur="1" fill="hold">
+                                        <p:cTn id="22" dur="1" fill="hold">
                                           <p:stCondLst>
                                             <p:cond delay="0"/>
                                           </p:stCondLst>
@@ -8859,36 +9774,30 @@
                                         <p:strVal val="visible"/>
                                       </p:to>
                                     </p:set>
+                                    <p:animEffect transition="in" filter="fade">
+                                      <p:cBhvr>
+                                        <p:cTn id="23" dur="500"/>
+                                        <p:tgtEl>
+                                          <p:spTgt spid="3">
+                                            <p:txEl>
+                                              <p:pRg st="4" end="4"/>
+                                            </p:txEl>
+                                          </p:spTgt>
+                                        </p:tgtEl>
+                                      </p:cBhvr>
+                                    </p:animEffect>
                                   </p:childTnLst>
                                 </p:cTn>
                               </p:par>
-                            </p:childTnLst>
-                          </p:cTn>
-                        </p:par>
-                      </p:childTnLst>
-                    </p:cTn>
-                  </p:par>
-                  <p:par>
-                    <p:cTn id="19" fill="hold">
-                      <p:stCondLst>
-                        <p:cond delay="indefinite"/>
-                      </p:stCondLst>
-                      <p:childTnLst>
-                        <p:par>
-                          <p:cTn id="20" fill="hold">
-                            <p:stCondLst>
-                              <p:cond delay="0"/>
-                            </p:stCondLst>
-                            <p:childTnLst>
                               <p:par>
-                                <p:cTn id="21" presetID="1" presetClass="entr" presetSubtype="0" fill="hold" grpId="0" nodeType="clickEffect">
+                                <p:cTn id="24" presetID="10" presetClass="entr" presetSubtype="0" fill="hold" grpId="0" nodeType="withEffect">
                                   <p:stCondLst>
                                     <p:cond delay="0"/>
                                   </p:stCondLst>
                                   <p:childTnLst>
                                     <p:set>
                                       <p:cBhvr>
-                                        <p:cTn id="22" dur="1" fill="hold">
+                                        <p:cTn id="25" dur="1" fill="hold">
                                           <p:stCondLst>
                                             <p:cond delay="0"/>
                                           </p:stCondLst>
@@ -8908,55 +9817,18 @@
                                         <p:strVal val="visible"/>
                                       </p:to>
                                     </p:set>
-                                  </p:childTnLst>
-                                </p:cTn>
-                              </p:par>
-                            </p:childTnLst>
-                          </p:cTn>
-                        </p:par>
-                      </p:childTnLst>
-                    </p:cTn>
-                  </p:par>
-                  <p:par>
-                    <p:cTn id="23" fill="hold">
-                      <p:stCondLst>
-                        <p:cond delay="indefinite"/>
-                      </p:stCondLst>
-                      <p:childTnLst>
-                        <p:par>
-                          <p:cTn id="24" fill="hold">
-                            <p:stCondLst>
-                              <p:cond delay="0"/>
-                            </p:stCondLst>
-                            <p:childTnLst>
-                              <p:par>
-                                <p:cTn id="25" presetID="1" presetClass="entr" presetSubtype="0" fill="hold" grpId="0" nodeType="clickEffect">
-                                  <p:stCondLst>
-                                    <p:cond delay="0"/>
-                                  </p:stCondLst>
-                                  <p:childTnLst>
-                                    <p:set>
+                                    <p:animEffect transition="in" filter="fade">
                                       <p:cBhvr>
-                                        <p:cTn id="26" dur="1" fill="hold">
-                                          <p:stCondLst>
-                                            <p:cond delay="0"/>
-                                          </p:stCondLst>
-                                        </p:cTn>
+                                        <p:cTn id="26" dur="500"/>
                                         <p:tgtEl>
                                           <p:spTgt spid="3">
                                             <p:txEl>
-                                              <p:pRg st="6" end="6"/>
+                                              <p:pRg st="5" end="5"/>
                                             </p:txEl>
                                           </p:spTgt>
                                         </p:tgtEl>
-                                        <p:attrNameLst>
-                                          <p:attrName>style.visibility</p:attrName>
-                                        </p:attrNameLst>
                                       </p:cBhvr>
-                                      <p:to>
-                                        <p:strVal val="visible"/>
-                                      </p:to>
-                                    </p:set>
+                                    </p:animEffect>
                                   </p:childTnLst>
                                 </p:cTn>
                               </p:par>
@@ -8979,7 +9851,7 @@
                             </p:stCondLst>
                             <p:childTnLst>
                               <p:par>
-                                <p:cTn id="29" presetID="1" presetClass="entr" presetSubtype="0" fill="hold" grpId="0" nodeType="clickEffect">
+                                <p:cTn id="29" presetID="10" presetClass="entr" presetSubtype="0" fill="hold" grpId="0" nodeType="clickEffect">
                                   <p:stCondLst>
                                     <p:cond delay="0"/>
                                   </p:stCondLst>
@@ -8994,7 +9866,7 @@
                                         <p:tgtEl>
                                           <p:spTgt spid="3">
                                             <p:txEl>
-                                              <p:pRg st="7" end="7"/>
+                                              <p:pRg st="6" end="6"/>
                                             </p:txEl>
                                           </p:spTgt>
                                         </p:tgtEl>
@@ -9006,6 +9878,18 @@
                                         <p:strVal val="visible"/>
                                       </p:to>
                                     </p:set>
+                                    <p:animEffect transition="in" filter="fade">
+                                      <p:cBhvr>
+                                        <p:cTn id="31" dur="500"/>
+                                        <p:tgtEl>
+                                          <p:spTgt spid="3">
+                                            <p:txEl>
+                                              <p:pRg st="6" end="6"/>
+                                            </p:txEl>
+                                          </p:spTgt>
+                                        </p:tgtEl>
+                                      </p:cBhvr>
+                                    </p:animEffect>
                                   </p:childTnLst>
                                 </p:cTn>
                               </p:par>
@@ -9037,307 +9921,7 @@
       </p:par>
     </p:tnLst>
     <p:bldLst>
-      <p:bldP spid="3" grpId="0" uiExpand="1" build="p"/>
-    </p:bldLst>
-  </p:timing>
-</p:sld>
-</file>
-
-<file path=ppt/slides/slide8.xml><?xml version="1.0" encoding="utf-8"?>
-<p:sld xmlns:a="http://schemas.openxmlformats.org/drawingml/2006/main" xmlns:r="http://schemas.openxmlformats.org/officeDocument/2006/relationships" xmlns:p="http://schemas.openxmlformats.org/presentationml/2006/main">
-  <p:cSld>
-    <p:spTree>
-      <p:nvGrpSpPr>
-        <p:cNvPr id="1" name=""/>
-        <p:cNvGrpSpPr/>
-        <p:nvPr/>
-      </p:nvGrpSpPr>
-      <p:grpSpPr>
-        <a:xfrm>
-          <a:off x="0" y="0"/>
-          <a:ext cx="0" cy="0"/>
-          <a:chOff x="0" y="0"/>
-          <a:chExt cx="0" cy="0"/>
-        </a:xfrm>
-      </p:grpSpPr>
-      <p:sp>
-        <p:nvSpPr>
-          <p:cNvPr id="2" name="Title 1">
-            <a:extLst>
-              <a:ext uri="{FF2B5EF4-FFF2-40B4-BE49-F238E27FC236}">
-                <a16:creationId xmlns:a16="http://schemas.microsoft.com/office/drawing/2014/main" id="{CE93B9A9-5430-43CA-A076-1B33A322CAF1}"/>
-              </a:ext>
-            </a:extLst>
-          </p:cNvPr>
-          <p:cNvSpPr>
-            <a:spLocks noGrp="1"/>
-          </p:cNvSpPr>
-          <p:nvPr>
-            <p:ph type="title"/>
-          </p:nvPr>
-        </p:nvSpPr>
-        <p:spPr/>
-        <p:txBody>
-          <a:bodyPr>
-            <a:normAutofit/>
-          </a:bodyPr>
-          <a:lstStyle/>
-          <a:p>
-            <a:r>
-              <a:rPr lang="en-GB" sz="3600" dirty="0"/>
-              <a:t>Writing reports</a:t>
-            </a:r>
-          </a:p>
-        </p:txBody>
-      </p:sp>
-      <p:sp>
-        <p:nvSpPr>
-          <p:cNvPr id="3" name="Content Placeholder 2">
-            <a:extLst>
-              <a:ext uri="{FF2B5EF4-FFF2-40B4-BE49-F238E27FC236}">
-                <a16:creationId xmlns:a16="http://schemas.microsoft.com/office/drawing/2014/main" id="{A8B5FB3A-DBC2-49E7-B8E9-76B44D37034D}"/>
-              </a:ext>
-            </a:extLst>
-          </p:cNvPr>
-          <p:cNvSpPr>
-            <a:spLocks noGrp="1"/>
-          </p:cNvSpPr>
-          <p:nvPr>
-            <p:ph idx="1"/>
-          </p:nvPr>
-        </p:nvSpPr>
-        <p:spPr>
-          <a:xfrm>
-            <a:off x="1066800" y="1864129"/>
-            <a:ext cx="10058400" cy="4112286"/>
-          </a:xfrm>
-        </p:spPr>
-        <p:txBody>
-          <a:bodyPr>
-            <a:noAutofit/>
-          </a:bodyPr>
-          <a:lstStyle/>
-          <a:p>
-            <a:r>
-              <a:rPr lang="en-GB" sz="2400" b="1" dirty="0"/>
-              <a:t>Audience:</a:t>
-            </a:r>
-          </a:p>
-          <a:p>
-            <a:pPr lvl="1"/>
-            <a:r>
-              <a:rPr lang="en-GB" sz="2200" dirty="0"/>
-              <a:t>Supervisors/teaching staff</a:t>
-            </a:r>
-          </a:p>
-          <a:p>
-            <a:pPr lvl="1"/>
-            <a:r>
-              <a:rPr lang="en-GB" sz="2200" dirty="0"/>
-              <a:t>Potential employers/interviewers</a:t>
-            </a:r>
-          </a:p>
-          <a:p>
-            <a:pPr lvl="1"/>
-            <a:r>
-              <a:rPr lang="en-GB" sz="2200" dirty="0"/>
-              <a:t>Anyone with an internet connection, and some interest in your specialist area…</a:t>
-            </a:r>
-          </a:p>
-          <a:p>
-            <a:pPr lvl="1"/>
-            <a:endParaRPr lang="en-GB" sz="2200" dirty="0"/>
-          </a:p>
-        </p:txBody>
-      </p:sp>
-    </p:spTree>
-    <p:extLst>
-      <p:ext uri="{BB962C8B-B14F-4D97-AF65-F5344CB8AC3E}">
-        <p14:creationId xmlns:p14="http://schemas.microsoft.com/office/powerpoint/2010/main" val="3534193976"/>
-      </p:ext>
-    </p:extLst>
-  </p:cSld>
-  <p:clrMapOvr>
-    <a:masterClrMapping/>
-  </p:clrMapOvr>
-  <p:timing>
-    <p:tnLst>
-      <p:par>
-        <p:cTn id="1" dur="indefinite" restart="never" nodeType="tmRoot">
-          <p:childTnLst>
-            <p:seq concurrent="1" nextAc="seek">
-              <p:cTn id="2" dur="indefinite" nodeType="mainSeq">
-                <p:childTnLst>
-                  <p:par>
-                    <p:cTn id="3" fill="hold">
-                      <p:stCondLst>
-                        <p:cond delay="indefinite"/>
-                      </p:stCondLst>
-                      <p:childTnLst>
-                        <p:par>
-                          <p:cTn id="4" fill="hold">
-                            <p:stCondLst>
-                              <p:cond delay="0"/>
-                            </p:stCondLst>
-                            <p:childTnLst>
-                              <p:par>
-                                <p:cTn id="5" presetID="1" presetClass="entr" presetSubtype="0" fill="hold" grpId="0" nodeType="clickEffect">
-                                  <p:stCondLst>
-                                    <p:cond delay="0"/>
-                                  </p:stCondLst>
-                                  <p:childTnLst>
-                                    <p:set>
-                                      <p:cBhvr>
-                                        <p:cTn id="6" dur="1" fill="hold">
-                                          <p:stCondLst>
-                                            <p:cond delay="0"/>
-                                          </p:stCondLst>
-                                        </p:cTn>
-                                        <p:tgtEl>
-                                          <p:spTgt spid="3">
-                                            <p:txEl>
-                                              <p:pRg st="1" end="1"/>
-                                            </p:txEl>
-                                          </p:spTgt>
-                                        </p:tgtEl>
-                                        <p:attrNameLst>
-                                          <p:attrName>style.visibility</p:attrName>
-                                        </p:attrNameLst>
-                                      </p:cBhvr>
-                                      <p:to>
-                                        <p:strVal val="visible"/>
-                                      </p:to>
-                                    </p:set>
-                                  </p:childTnLst>
-                                </p:cTn>
-                              </p:par>
-                            </p:childTnLst>
-                          </p:cTn>
-                        </p:par>
-                      </p:childTnLst>
-                    </p:cTn>
-                  </p:par>
-                  <p:par>
-                    <p:cTn id="7" fill="hold">
-                      <p:stCondLst>
-                        <p:cond delay="indefinite"/>
-                      </p:stCondLst>
-                      <p:childTnLst>
-                        <p:par>
-                          <p:cTn id="8" fill="hold">
-                            <p:stCondLst>
-                              <p:cond delay="0"/>
-                            </p:stCondLst>
-                            <p:childTnLst>
-                              <p:par>
-                                <p:cTn id="9" presetID="1" presetClass="entr" presetSubtype="0" fill="hold" grpId="0" nodeType="clickEffect">
-                                  <p:stCondLst>
-                                    <p:cond delay="0"/>
-                                  </p:stCondLst>
-                                  <p:childTnLst>
-                                    <p:set>
-                                      <p:cBhvr>
-                                        <p:cTn id="10" dur="1" fill="hold">
-                                          <p:stCondLst>
-                                            <p:cond delay="0"/>
-                                          </p:stCondLst>
-                                        </p:cTn>
-                                        <p:tgtEl>
-                                          <p:spTgt spid="3">
-                                            <p:txEl>
-                                              <p:pRg st="2" end="2"/>
-                                            </p:txEl>
-                                          </p:spTgt>
-                                        </p:tgtEl>
-                                        <p:attrNameLst>
-                                          <p:attrName>style.visibility</p:attrName>
-                                        </p:attrNameLst>
-                                      </p:cBhvr>
-                                      <p:to>
-                                        <p:strVal val="visible"/>
-                                      </p:to>
-                                    </p:set>
-                                  </p:childTnLst>
-                                </p:cTn>
-                              </p:par>
-                            </p:childTnLst>
-                          </p:cTn>
-                        </p:par>
-                      </p:childTnLst>
-                    </p:cTn>
-                  </p:par>
-                  <p:par>
-                    <p:cTn id="11" fill="hold">
-                      <p:stCondLst>
-                        <p:cond delay="indefinite"/>
-                      </p:stCondLst>
-                      <p:childTnLst>
-                        <p:par>
-                          <p:cTn id="12" fill="hold">
-                            <p:stCondLst>
-                              <p:cond delay="0"/>
-                            </p:stCondLst>
-                            <p:childTnLst>
-                              <p:par>
-                                <p:cTn id="13" presetID="1" presetClass="entr" presetSubtype="0" fill="hold" grpId="0" nodeType="clickEffect">
-                                  <p:stCondLst>
-                                    <p:cond delay="0"/>
-                                  </p:stCondLst>
-                                  <p:childTnLst>
-                                    <p:set>
-                                      <p:cBhvr>
-                                        <p:cTn id="14" dur="1" fill="hold">
-                                          <p:stCondLst>
-                                            <p:cond delay="0"/>
-                                          </p:stCondLst>
-                                        </p:cTn>
-                                        <p:tgtEl>
-                                          <p:spTgt spid="3">
-                                            <p:txEl>
-                                              <p:pRg st="3" end="3"/>
-                                            </p:txEl>
-                                          </p:spTgt>
-                                        </p:tgtEl>
-                                        <p:attrNameLst>
-                                          <p:attrName>style.visibility</p:attrName>
-                                        </p:attrNameLst>
-                                      </p:cBhvr>
-                                      <p:to>
-                                        <p:strVal val="visible"/>
-                                      </p:to>
-                                    </p:set>
-                                  </p:childTnLst>
-                                </p:cTn>
-                              </p:par>
-                            </p:childTnLst>
-                          </p:cTn>
-                        </p:par>
-                      </p:childTnLst>
-                    </p:cTn>
-                  </p:par>
-                </p:childTnLst>
-              </p:cTn>
-              <p:prevCondLst>
-                <p:cond evt="onPrev" delay="0">
-                  <p:tgtEl>
-                    <p:sldTgt/>
-                  </p:tgtEl>
-                </p:cond>
-              </p:prevCondLst>
-              <p:nextCondLst>
-                <p:cond evt="onNext" delay="0">
-                  <p:tgtEl>
-                    <p:sldTgt/>
-                  </p:tgtEl>
-                </p:cond>
-              </p:nextCondLst>
-            </p:seq>
-          </p:childTnLst>
-        </p:cTn>
-      </p:par>
-    </p:tnLst>
-    <p:bldLst>
-      <p:bldP spid="3" grpId="0" uiExpand="1" build="p"/>
+      <p:bldP spid="3" grpId="0" build="p"/>
     </p:bldLst>
   </p:timing>
 </p:sld>
@@ -9365,7 +9949,7 @@
           <p:cNvPr id="2" name="Title 1">
             <a:extLst>
               <a:ext uri="{FF2B5EF4-FFF2-40B4-BE49-F238E27FC236}">
-                <a16:creationId xmlns:a16="http://schemas.microsoft.com/office/drawing/2014/main" id="{CE93B9A9-5430-43CA-A076-1B33A322CAF1}"/>
+                <a16:creationId xmlns:a16="http://schemas.microsoft.com/office/drawing/2014/main" id="{68D00ECA-FB82-4FD7-951B-6FAC08193431}"/>
               </a:ext>
             </a:extLst>
           </p:cNvPr>
@@ -9378,599 +9962,36 @@
         </p:nvSpPr>
         <p:spPr/>
         <p:txBody>
-          <a:bodyPr>
-            <a:normAutofit/>
-          </a:bodyPr>
+          <a:bodyPr/>
           <a:lstStyle/>
           <a:p>
             <a:r>
-              <a:rPr lang="en-GB" sz="3600" dirty="0"/>
-              <a:t>Writing reports</a:t>
-            </a:r>
-          </a:p>
-        </p:txBody>
-      </p:sp>
-      <p:sp>
-        <p:nvSpPr>
-          <p:cNvPr id="3" name="Content Placeholder 2">
-            <a:extLst>
-              <a:ext uri="{FF2B5EF4-FFF2-40B4-BE49-F238E27FC236}">
-                <a16:creationId xmlns:a16="http://schemas.microsoft.com/office/drawing/2014/main" id="{A8B5FB3A-DBC2-49E7-B8E9-76B44D37034D}"/>
-              </a:ext>
-            </a:extLst>
-          </p:cNvPr>
-          <p:cNvSpPr>
-            <a:spLocks noGrp="1"/>
-          </p:cNvSpPr>
-          <p:nvPr>
-            <p:ph idx="1"/>
-          </p:nvPr>
-        </p:nvSpPr>
-        <p:spPr>
-          <a:xfrm>
-            <a:off x="1066800" y="1864129"/>
-            <a:ext cx="10058400" cy="4112286"/>
-          </a:xfrm>
-        </p:spPr>
-        <p:txBody>
-          <a:bodyPr>
-            <a:noAutofit/>
-          </a:bodyPr>
-          <a:lstStyle/>
-          <a:p>
-            <a:r>
-              <a:rPr lang="en-GB" sz="2400" b="1" dirty="0"/>
-              <a:t>Structure:</a:t>
-            </a:r>
-          </a:p>
-          <a:p>
-            <a:pPr lvl="1"/>
-            <a:r>
-              <a:rPr lang="en-GB" sz="2200" b="1" i="1" dirty="0"/>
-              <a:t>Introduction: </a:t>
-            </a:r>
-            <a:r>
-              <a:rPr lang="en-GB" sz="2200" dirty="0"/>
-              <a:t>what you planned to do, and why</a:t>
-            </a:r>
-            <a:endParaRPr lang="en-GB" sz="2200" b="1" i="1" dirty="0"/>
-          </a:p>
-          <a:p>
-            <a:pPr lvl="2"/>
-            <a:r>
-              <a:rPr lang="en-GB" sz="2000" dirty="0"/>
-              <a:t>Aim and context; statement of your argument</a:t>
-            </a:r>
-          </a:p>
-          <a:p>
-            <a:pPr lvl="1"/>
-            <a:r>
-              <a:rPr lang="en-GB" sz="2200" b="1" i="1" dirty="0"/>
-              <a:t>Body:</a:t>
-            </a:r>
-            <a:r>
-              <a:rPr lang="en-GB" sz="2200" dirty="0"/>
-              <a:t> what you did, and how</a:t>
-            </a:r>
-            <a:endParaRPr lang="en-GB" sz="2200" b="1" i="1" dirty="0"/>
-          </a:p>
-          <a:p>
-            <a:pPr lvl="2"/>
-            <a:r>
-              <a:rPr lang="en-GB" sz="2000" dirty="0"/>
-              <a:t>Implementation details, with justification/defence of argument</a:t>
-            </a:r>
-          </a:p>
-          <a:p>
-            <a:pPr lvl="2"/>
-            <a:r>
-              <a:rPr lang="en-GB" sz="2000" dirty="0"/>
-              <a:t>Description of practice-based research</a:t>
-            </a:r>
-          </a:p>
-          <a:p>
-            <a:pPr lvl="1"/>
-            <a:r>
-              <a:rPr lang="en-GB" sz="2200" b="1" i="1" dirty="0"/>
-              <a:t>Results: </a:t>
-            </a:r>
-            <a:r>
-              <a:rPr lang="en-GB" sz="2200" dirty="0"/>
-              <a:t>how well you did it</a:t>
-            </a:r>
-          </a:p>
-          <a:p>
-            <a:pPr lvl="2"/>
-            <a:r>
-              <a:rPr lang="en-GB" sz="2000" dirty="0"/>
-              <a:t>Measurements, screen shots, video etc.</a:t>
-            </a:r>
-          </a:p>
-          <a:p>
-            <a:pPr lvl="1"/>
-            <a:r>
-              <a:rPr lang="en-GB" sz="2200" b="1" i="1" dirty="0"/>
-              <a:t>Conclusion: </a:t>
-            </a:r>
-            <a:r>
-              <a:rPr lang="en-GB" sz="2200" dirty="0"/>
-              <a:t>what it means</a:t>
-            </a:r>
-          </a:p>
-          <a:p>
-            <a:pPr lvl="2"/>
-            <a:r>
-              <a:rPr lang="en-GB" sz="2000" dirty="0"/>
-              <a:t>Did you achieve your aim? What more would you need to do?</a:t>
-            </a:r>
-          </a:p>
-          <a:p>
-            <a:pPr marL="0" indent="0">
-              <a:buNone/>
-            </a:pPr>
-            <a:r>
-              <a:rPr lang="en-GB" sz="1800" dirty="0"/>
-              <a:t>More info: </a:t>
-            </a:r>
-            <a:r>
-              <a:rPr lang="en-GB" sz="1800" dirty="0">
-                <a:hlinkClick r:id="rId2"/>
+              <a:rPr lang="en-GB" dirty="0">
+                <a:solidFill>
+                  <a:schemeClr val="accent3">
+                    <a:lumMod val="75000"/>
+                  </a:schemeClr>
+                </a:solidFill>
               </a:rPr>
-              <a:t>https://studyhub.fxplus.ac.uk/writing-science/science-essays</a:t>
-            </a:r>
-            <a:br>
-              <a:rPr lang="en-GB" sz="1800" dirty="0"/>
-            </a:br>
-            <a:r>
-              <a:rPr lang="en-GB" sz="1800" dirty="0">
-                <a:hlinkClick r:id="rId3"/>
-              </a:rPr>
-              <a:t>https://studyhub.fxplus.ac.uk/file/243</a:t>
-            </a:r>
-            <a:endParaRPr lang="en-GB" sz="1800" dirty="0"/>
+              <a:t>Discussion: </a:t>
+            </a:r>
+            <a:r>
+              <a:rPr lang="en-GB" dirty="0"/>
+              <a:t>What’s on your Home Page?</a:t>
+            </a:r>
           </a:p>
         </p:txBody>
       </p:sp>
     </p:spTree>
     <p:extLst>
       <p:ext uri="{BB962C8B-B14F-4D97-AF65-F5344CB8AC3E}">
-        <p14:creationId xmlns:p14="http://schemas.microsoft.com/office/powerpoint/2010/main" val="1577481356"/>
+        <p14:creationId xmlns:p14="http://schemas.microsoft.com/office/powerpoint/2010/main" val="212563158"/>
       </p:ext>
     </p:extLst>
   </p:cSld>
   <p:clrMapOvr>
     <a:masterClrMapping/>
   </p:clrMapOvr>
-  <p:timing>
-    <p:tnLst>
-      <p:par>
-        <p:cTn id="1" dur="indefinite" restart="never" nodeType="tmRoot">
-          <p:childTnLst>
-            <p:seq concurrent="1" nextAc="seek">
-              <p:cTn id="2" dur="indefinite" nodeType="mainSeq">
-                <p:childTnLst>
-                  <p:par>
-                    <p:cTn id="3" fill="hold">
-                      <p:stCondLst>
-                        <p:cond delay="indefinite"/>
-                      </p:stCondLst>
-                      <p:childTnLst>
-                        <p:par>
-                          <p:cTn id="4" fill="hold">
-                            <p:stCondLst>
-                              <p:cond delay="0"/>
-                            </p:stCondLst>
-                            <p:childTnLst>
-                              <p:par>
-                                <p:cTn id="5" presetID="1" presetClass="entr" presetSubtype="0" fill="hold" nodeType="clickEffect">
-                                  <p:stCondLst>
-                                    <p:cond delay="0"/>
-                                  </p:stCondLst>
-                                  <p:childTnLst>
-                                    <p:set>
-                                      <p:cBhvr>
-                                        <p:cTn id="6" dur="1" fill="hold">
-                                          <p:stCondLst>
-                                            <p:cond delay="0"/>
-                                          </p:stCondLst>
-                                        </p:cTn>
-                                        <p:tgtEl>
-                                          <p:spTgt spid="3">
-                                            <p:txEl>
-                                              <p:pRg st="1" end="1"/>
-                                            </p:txEl>
-                                          </p:spTgt>
-                                        </p:tgtEl>
-                                        <p:attrNameLst>
-                                          <p:attrName>style.visibility</p:attrName>
-                                        </p:attrNameLst>
-                                      </p:cBhvr>
-                                      <p:to>
-                                        <p:strVal val="visible"/>
-                                      </p:to>
-                                    </p:set>
-                                  </p:childTnLst>
-                                </p:cTn>
-                              </p:par>
-                              <p:par>
-                                <p:cTn id="7" presetID="1" presetClass="entr" presetSubtype="0" fill="hold" nodeType="withEffect">
-                                  <p:stCondLst>
-                                    <p:cond delay="0"/>
-                                  </p:stCondLst>
-                                  <p:childTnLst>
-                                    <p:set>
-                                      <p:cBhvr>
-                                        <p:cTn id="8" dur="1" fill="hold">
-                                          <p:stCondLst>
-                                            <p:cond delay="0"/>
-                                          </p:stCondLst>
-                                        </p:cTn>
-                                        <p:tgtEl>
-                                          <p:spTgt spid="3">
-                                            <p:txEl>
-                                              <p:pRg st="2" end="2"/>
-                                            </p:txEl>
-                                          </p:spTgt>
-                                        </p:tgtEl>
-                                        <p:attrNameLst>
-                                          <p:attrName>style.visibility</p:attrName>
-                                        </p:attrNameLst>
-                                      </p:cBhvr>
-                                      <p:to>
-                                        <p:strVal val="visible"/>
-                                      </p:to>
-                                    </p:set>
-                                  </p:childTnLst>
-                                </p:cTn>
-                              </p:par>
-                            </p:childTnLst>
-                          </p:cTn>
-                        </p:par>
-                      </p:childTnLst>
-                    </p:cTn>
-                  </p:par>
-                  <p:par>
-                    <p:cTn id="9" fill="hold">
-                      <p:stCondLst>
-                        <p:cond delay="indefinite"/>
-                      </p:stCondLst>
-                      <p:childTnLst>
-                        <p:par>
-                          <p:cTn id="10" fill="hold">
-                            <p:stCondLst>
-                              <p:cond delay="0"/>
-                            </p:stCondLst>
-                            <p:childTnLst>
-                              <p:par>
-                                <p:cTn id="11" presetID="1" presetClass="entr" presetSubtype="0" fill="hold" nodeType="clickEffect">
-                                  <p:stCondLst>
-                                    <p:cond delay="0"/>
-                                  </p:stCondLst>
-                                  <p:childTnLst>
-                                    <p:set>
-                                      <p:cBhvr>
-                                        <p:cTn id="12" dur="1" fill="hold">
-                                          <p:stCondLst>
-                                            <p:cond delay="0"/>
-                                          </p:stCondLst>
-                                        </p:cTn>
-                                        <p:tgtEl>
-                                          <p:spTgt spid="3">
-                                            <p:txEl>
-                                              <p:pRg st="3" end="3"/>
-                                            </p:txEl>
-                                          </p:spTgt>
-                                        </p:tgtEl>
-                                        <p:attrNameLst>
-                                          <p:attrName>style.visibility</p:attrName>
-                                        </p:attrNameLst>
-                                      </p:cBhvr>
-                                      <p:to>
-                                        <p:strVal val="visible"/>
-                                      </p:to>
-                                    </p:set>
-                                  </p:childTnLst>
-                                </p:cTn>
-                              </p:par>
-                              <p:par>
-                                <p:cTn id="13" presetID="1" presetClass="entr" presetSubtype="0" fill="hold" nodeType="withEffect">
-                                  <p:stCondLst>
-                                    <p:cond delay="0"/>
-                                  </p:stCondLst>
-                                  <p:childTnLst>
-                                    <p:set>
-                                      <p:cBhvr>
-                                        <p:cTn id="14" dur="1" fill="hold">
-                                          <p:stCondLst>
-                                            <p:cond delay="0"/>
-                                          </p:stCondLst>
-                                        </p:cTn>
-                                        <p:tgtEl>
-                                          <p:spTgt spid="3">
-                                            <p:txEl>
-                                              <p:pRg st="4" end="4"/>
-                                            </p:txEl>
-                                          </p:spTgt>
-                                        </p:tgtEl>
-                                        <p:attrNameLst>
-                                          <p:attrName>style.visibility</p:attrName>
-                                        </p:attrNameLst>
-                                      </p:cBhvr>
-                                      <p:to>
-                                        <p:strVal val="visible"/>
-                                      </p:to>
-                                    </p:set>
-                                  </p:childTnLst>
-                                </p:cTn>
-                              </p:par>
-                              <p:par>
-                                <p:cTn id="15" presetID="1" presetClass="entr" presetSubtype="0" fill="hold" nodeType="withEffect">
-                                  <p:stCondLst>
-                                    <p:cond delay="0"/>
-                                  </p:stCondLst>
-                                  <p:childTnLst>
-                                    <p:set>
-                                      <p:cBhvr>
-                                        <p:cTn id="16" dur="1" fill="hold">
-                                          <p:stCondLst>
-                                            <p:cond delay="0"/>
-                                          </p:stCondLst>
-                                        </p:cTn>
-                                        <p:tgtEl>
-                                          <p:spTgt spid="3">
-                                            <p:txEl>
-                                              <p:pRg st="5" end="5"/>
-                                            </p:txEl>
-                                          </p:spTgt>
-                                        </p:tgtEl>
-                                        <p:attrNameLst>
-                                          <p:attrName>style.visibility</p:attrName>
-                                        </p:attrNameLst>
-                                      </p:cBhvr>
-                                      <p:to>
-                                        <p:strVal val="visible"/>
-                                      </p:to>
-                                    </p:set>
-                                  </p:childTnLst>
-                                </p:cTn>
-                              </p:par>
-                            </p:childTnLst>
-                          </p:cTn>
-                        </p:par>
-                      </p:childTnLst>
-                    </p:cTn>
-                  </p:par>
-                  <p:par>
-                    <p:cTn id="17" fill="hold">
-                      <p:stCondLst>
-                        <p:cond delay="indefinite"/>
-                      </p:stCondLst>
-                      <p:childTnLst>
-                        <p:par>
-                          <p:cTn id="18" fill="hold">
-                            <p:stCondLst>
-                              <p:cond delay="0"/>
-                            </p:stCondLst>
-                            <p:childTnLst>
-                              <p:par>
-                                <p:cTn id="19" presetID="1" presetClass="entr" presetSubtype="0" fill="hold" nodeType="clickEffect">
-                                  <p:stCondLst>
-                                    <p:cond delay="0"/>
-                                  </p:stCondLst>
-                                  <p:childTnLst>
-                                    <p:set>
-                                      <p:cBhvr>
-                                        <p:cTn id="20" dur="1" fill="hold">
-                                          <p:stCondLst>
-                                            <p:cond delay="0"/>
-                                          </p:stCondLst>
-                                        </p:cTn>
-                                        <p:tgtEl>
-                                          <p:spTgt spid="3">
-                                            <p:txEl>
-                                              <p:pRg st="6" end="6"/>
-                                            </p:txEl>
-                                          </p:spTgt>
-                                        </p:tgtEl>
-                                        <p:attrNameLst>
-                                          <p:attrName>style.visibility</p:attrName>
-                                        </p:attrNameLst>
-                                      </p:cBhvr>
-                                      <p:to>
-                                        <p:strVal val="visible"/>
-                                      </p:to>
-                                    </p:set>
-                                  </p:childTnLst>
-                                </p:cTn>
-                              </p:par>
-                              <p:par>
-                                <p:cTn id="21" presetID="1" presetClass="entr" presetSubtype="0" fill="hold" nodeType="withEffect">
-                                  <p:stCondLst>
-                                    <p:cond delay="0"/>
-                                  </p:stCondLst>
-                                  <p:childTnLst>
-                                    <p:set>
-                                      <p:cBhvr>
-                                        <p:cTn id="22" dur="1" fill="hold">
-                                          <p:stCondLst>
-                                            <p:cond delay="0"/>
-                                          </p:stCondLst>
-                                        </p:cTn>
-                                        <p:tgtEl>
-                                          <p:spTgt spid="3">
-                                            <p:txEl>
-                                              <p:pRg st="7" end="7"/>
-                                            </p:txEl>
-                                          </p:spTgt>
-                                        </p:tgtEl>
-                                        <p:attrNameLst>
-                                          <p:attrName>style.visibility</p:attrName>
-                                        </p:attrNameLst>
-                                      </p:cBhvr>
-                                      <p:to>
-                                        <p:strVal val="visible"/>
-                                      </p:to>
-                                    </p:set>
-                                  </p:childTnLst>
-                                </p:cTn>
-                              </p:par>
-                            </p:childTnLst>
-                          </p:cTn>
-                        </p:par>
-                      </p:childTnLst>
-                    </p:cTn>
-                  </p:par>
-                  <p:par>
-                    <p:cTn id="23" fill="hold">
-                      <p:stCondLst>
-                        <p:cond delay="indefinite"/>
-                      </p:stCondLst>
-                      <p:childTnLst>
-                        <p:par>
-                          <p:cTn id="24" fill="hold">
-                            <p:stCondLst>
-                              <p:cond delay="0"/>
-                            </p:stCondLst>
-                            <p:childTnLst>
-                              <p:par>
-                                <p:cTn id="25" presetID="1" presetClass="entr" presetSubtype="0" fill="hold" nodeType="clickEffect">
-                                  <p:stCondLst>
-                                    <p:cond delay="0"/>
-                                  </p:stCondLst>
-                                  <p:childTnLst>
-                                    <p:set>
-                                      <p:cBhvr>
-                                        <p:cTn id="26" dur="1" fill="hold">
-                                          <p:stCondLst>
-                                            <p:cond delay="0"/>
-                                          </p:stCondLst>
-                                        </p:cTn>
-                                        <p:tgtEl>
-                                          <p:spTgt spid="3">
-                                            <p:txEl>
-                                              <p:pRg st="8" end="8"/>
-                                            </p:txEl>
-                                          </p:spTgt>
-                                        </p:tgtEl>
-                                        <p:attrNameLst>
-                                          <p:attrName>style.visibility</p:attrName>
-                                        </p:attrNameLst>
-                                      </p:cBhvr>
-                                      <p:to>
-                                        <p:strVal val="visible"/>
-                                      </p:to>
-                                    </p:set>
-                                  </p:childTnLst>
-                                </p:cTn>
-                              </p:par>
-                              <p:par>
-                                <p:cTn id="27" presetID="1" presetClass="entr" presetSubtype="0" fill="hold" nodeType="withEffect">
-                                  <p:stCondLst>
-                                    <p:cond delay="0"/>
-                                  </p:stCondLst>
-                                  <p:childTnLst>
-                                    <p:set>
-                                      <p:cBhvr>
-                                        <p:cTn id="28" dur="1" fill="hold">
-                                          <p:stCondLst>
-                                            <p:cond delay="0"/>
-                                          </p:stCondLst>
-                                        </p:cTn>
-                                        <p:tgtEl>
-                                          <p:spTgt spid="3">
-                                            <p:txEl>
-                                              <p:pRg st="9" end="9"/>
-                                            </p:txEl>
-                                          </p:spTgt>
-                                        </p:tgtEl>
-                                        <p:attrNameLst>
-                                          <p:attrName>style.visibility</p:attrName>
-                                        </p:attrNameLst>
-                                      </p:cBhvr>
-                                      <p:to>
-                                        <p:strVal val="visible"/>
-                                      </p:to>
-                                    </p:set>
-                                  </p:childTnLst>
-                                </p:cTn>
-                              </p:par>
-                            </p:childTnLst>
-                          </p:cTn>
-                        </p:par>
-                      </p:childTnLst>
-                    </p:cTn>
-                  </p:par>
-                  <p:par>
-                    <p:cTn id="29" fill="hold">
-                      <p:stCondLst>
-                        <p:cond delay="indefinite"/>
-                      </p:stCondLst>
-                      <p:childTnLst>
-                        <p:par>
-                          <p:cTn id="30" fill="hold">
-                            <p:stCondLst>
-                              <p:cond delay="0"/>
-                            </p:stCondLst>
-                            <p:childTnLst>
-                              <p:par>
-                                <p:cTn id="31" presetID="1" presetClass="entr" presetSubtype="0" fill="hold" nodeType="clickEffect">
-                                  <p:stCondLst>
-                                    <p:cond delay="0"/>
-                                  </p:stCondLst>
-                                  <p:childTnLst>
-                                    <p:set>
-                                      <p:cBhvr>
-                                        <p:cTn id="32" dur="1" fill="hold">
-                                          <p:stCondLst>
-                                            <p:cond delay="0"/>
-                                          </p:stCondLst>
-                                        </p:cTn>
-                                        <p:tgtEl>
-                                          <p:spTgt spid="3">
-                                            <p:txEl>
-                                              <p:pRg st="10" end="10"/>
-                                            </p:txEl>
-                                          </p:spTgt>
-                                        </p:tgtEl>
-                                        <p:attrNameLst>
-                                          <p:attrName>style.visibility</p:attrName>
-                                        </p:attrNameLst>
-                                      </p:cBhvr>
-                                      <p:to>
-                                        <p:strVal val="visible"/>
-                                      </p:to>
-                                    </p:set>
-                                  </p:childTnLst>
-                                </p:cTn>
-                              </p:par>
-                            </p:childTnLst>
-                          </p:cTn>
-                        </p:par>
-                      </p:childTnLst>
-                    </p:cTn>
-                  </p:par>
-                </p:childTnLst>
-              </p:cTn>
-              <p:prevCondLst>
-                <p:cond evt="onPrev" delay="0">
-                  <p:tgtEl>
-                    <p:sldTgt/>
-                  </p:tgtEl>
-                </p:cond>
-              </p:prevCondLst>
-              <p:nextCondLst>
-                <p:cond evt="onNext" delay="0">
-                  <p:tgtEl>
-                    <p:sldTgt/>
-                  </p:tgtEl>
-                </p:cond>
-              </p:nextCondLst>
-            </p:seq>
-          </p:childTnLst>
-        </p:cTn>
-      </p:par>
-    </p:tnLst>
-  </p:timing>
 </p:sld>
 </file>
 
@@ -10248,4 +10269,299 @@
     </a:ext>
   </a:extLst>
 </a:theme>
+</file>
+
+<file path=ppt/theme/theme2.xml><?xml version="1.0" encoding="utf-8"?>
+<a:theme xmlns:a="http://schemas.openxmlformats.org/drawingml/2006/main" name="Office Theme">
+  <a:themeElements>
+    <a:clrScheme name="Office">
+      <a:dk1>
+        <a:sysClr val="windowText" lastClr="000000"/>
+      </a:dk1>
+      <a:lt1>
+        <a:sysClr val="window" lastClr="FFFFFF"/>
+      </a:lt1>
+      <a:dk2>
+        <a:srgbClr val="44546A"/>
+      </a:dk2>
+      <a:lt2>
+        <a:srgbClr val="E7E6E6"/>
+      </a:lt2>
+      <a:accent1>
+        <a:srgbClr val="4472C4"/>
+      </a:accent1>
+      <a:accent2>
+        <a:srgbClr val="ED7D31"/>
+      </a:accent2>
+      <a:accent3>
+        <a:srgbClr val="A5A5A5"/>
+      </a:accent3>
+      <a:accent4>
+        <a:srgbClr val="FFC000"/>
+      </a:accent4>
+      <a:accent5>
+        <a:srgbClr val="5B9BD5"/>
+      </a:accent5>
+      <a:accent6>
+        <a:srgbClr val="70AD47"/>
+      </a:accent6>
+      <a:hlink>
+        <a:srgbClr val="0563C1"/>
+      </a:hlink>
+      <a:folHlink>
+        <a:srgbClr val="954F72"/>
+      </a:folHlink>
+    </a:clrScheme>
+    <a:fontScheme name="Office">
+      <a:majorFont>
+        <a:latin typeface="Calibri Light" panose="020F0302020204030204"/>
+        <a:ea typeface=""/>
+        <a:cs typeface=""/>
+        <a:font script="Jpan" typeface="游ゴシック Light"/>
+        <a:font script="Hang" typeface="맑은 고딕"/>
+        <a:font script="Hans" typeface="等线 Light"/>
+        <a:font script="Hant" typeface="新細明體"/>
+        <a:font script="Arab" typeface="Times New Roman"/>
+        <a:font script="Hebr" typeface="Times New Roman"/>
+        <a:font script="Thai" typeface="Angsana New"/>
+        <a:font script="Ethi" typeface="Nyala"/>
+        <a:font script="Beng" typeface="Vrinda"/>
+        <a:font script="Gujr" typeface="Shruti"/>
+        <a:font script="Khmr" typeface="MoolBoran"/>
+        <a:font script="Knda" typeface="Tunga"/>
+        <a:font script="Guru" typeface="Raavi"/>
+        <a:font script="Cans" typeface="Euphemia"/>
+        <a:font script="Cher" typeface="Plantagenet Cherokee"/>
+        <a:font script="Yiii" typeface="Microsoft Yi Baiti"/>
+        <a:font script="Tibt" typeface="Microsoft Himalaya"/>
+        <a:font script="Thaa" typeface="MV Boli"/>
+        <a:font script="Deva" typeface="Mangal"/>
+        <a:font script="Telu" typeface="Gautami"/>
+        <a:font script="Taml" typeface="Latha"/>
+        <a:font script="Syrc" typeface="Estrangelo Edessa"/>
+        <a:font script="Orya" typeface="Kalinga"/>
+        <a:font script="Mlym" typeface="Kartika"/>
+        <a:font script="Laoo" typeface="DokChampa"/>
+        <a:font script="Sinh" typeface="Iskoola Pota"/>
+        <a:font script="Mong" typeface="Mongolian Baiti"/>
+        <a:font script="Viet" typeface="Times New Roman"/>
+        <a:font script="Uigh" typeface="Microsoft Uighur"/>
+        <a:font script="Geor" typeface="Sylfaen"/>
+        <a:font script="Armn" typeface="Arial"/>
+        <a:font script="Bugi" typeface="Leelawadee UI"/>
+        <a:font script="Bopo" typeface="Microsoft JhengHei"/>
+        <a:font script="Java" typeface="Javanese Text"/>
+        <a:font script="Lisu" typeface="Segoe UI"/>
+        <a:font script="Mymr" typeface="Myanmar Text"/>
+        <a:font script="Nkoo" typeface="Ebrima"/>
+        <a:font script="Olck" typeface="Nirmala UI"/>
+        <a:font script="Osma" typeface="Ebrima"/>
+        <a:font script="Phag" typeface="Phagspa"/>
+        <a:font script="Syrn" typeface="Estrangelo Edessa"/>
+        <a:font script="Syrj" typeface="Estrangelo Edessa"/>
+        <a:font script="Syre" typeface="Estrangelo Edessa"/>
+        <a:font script="Sora" typeface="Nirmala UI"/>
+        <a:font script="Tale" typeface="Microsoft Tai Le"/>
+        <a:font script="Talu" typeface="Microsoft New Tai Lue"/>
+        <a:font script="Tfng" typeface="Ebrima"/>
+      </a:majorFont>
+      <a:minorFont>
+        <a:latin typeface="Calibri" panose="020F0502020204030204"/>
+        <a:ea typeface=""/>
+        <a:cs typeface=""/>
+        <a:font script="Jpan" typeface="游ゴシック"/>
+        <a:font script="Hang" typeface="맑은 고딕"/>
+        <a:font script="Hans" typeface="等线"/>
+        <a:font script="Hant" typeface="新細明體"/>
+        <a:font script="Arab" typeface="Arial"/>
+        <a:font script="Hebr" typeface="Arial"/>
+        <a:font script="Thai" typeface="Cordia New"/>
+        <a:font script="Ethi" typeface="Nyala"/>
+        <a:font script="Beng" typeface="Vrinda"/>
+        <a:font script="Gujr" typeface="Shruti"/>
+        <a:font script="Khmr" typeface="DaunPenh"/>
+        <a:font script="Knda" typeface="Tunga"/>
+        <a:font script="Guru" typeface="Raavi"/>
+        <a:font script="Cans" typeface="Euphemia"/>
+        <a:font script="Cher" typeface="Plantagenet Cherokee"/>
+        <a:font script="Yiii" typeface="Microsoft Yi Baiti"/>
+        <a:font script="Tibt" typeface="Microsoft Himalaya"/>
+        <a:font script="Thaa" typeface="MV Boli"/>
+        <a:font script="Deva" typeface="Mangal"/>
+        <a:font script="Telu" typeface="Gautami"/>
+        <a:font script="Taml" typeface="Latha"/>
+        <a:font script="Syrc" typeface="Estrangelo Edessa"/>
+        <a:font script="Orya" typeface="Kalinga"/>
+        <a:font script="Mlym" typeface="Kartika"/>
+        <a:font script="Laoo" typeface="DokChampa"/>
+        <a:font script="Sinh" typeface="Iskoola Pota"/>
+        <a:font script="Mong" typeface="Mongolian Baiti"/>
+        <a:font script="Viet" typeface="Arial"/>
+        <a:font script="Uigh" typeface="Microsoft Uighur"/>
+        <a:font script="Geor" typeface="Sylfaen"/>
+        <a:font script="Armn" typeface="Arial"/>
+        <a:font script="Bugi" typeface="Leelawadee UI"/>
+        <a:font script="Bopo" typeface="Microsoft JhengHei"/>
+        <a:font script="Java" typeface="Javanese Text"/>
+        <a:font script="Lisu" typeface="Segoe UI"/>
+        <a:font script="Mymr" typeface="Myanmar Text"/>
+        <a:font script="Nkoo" typeface="Ebrima"/>
+        <a:font script="Olck" typeface="Nirmala UI"/>
+        <a:font script="Osma" typeface="Ebrima"/>
+        <a:font script="Phag" typeface="Phagspa"/>
+        <a:font script="Syrn" typeface="Estrangelo Edessa"/>
+        <a:font script="Syrj" typeface="Estrangelo Edessa"/>
+        <a:font script="Syre" typeface="Estrangelo Edessa"/>
+        <a:font script="Sora" typeface="Nirmala UI"/>
+        <a:font script="Tale" typeface="Microsoft Tai Le"/>
+        <a:font script="Talu" typeface="Microsoft New Tai Lue"/>
+        <a:font script="Tfng" typeface="Ebrima"/>
+      </a:minorFont>
+    </a:fontScheme>
+    <a:fmtScheme name="Office">
+      <a:fillStyleLst>
+        <a:solidFill>
+          <a:schemeClr val="phClr"/>
+        </a:solidFill>
+        <a:gradFill rotWithShape="1">
+          <a:gsLst>
+            <a:gs pos="0">
+              <a:schemeClr val="phClr">
+                <a:lumMod val="110000"/>
+                <a:satMod val="105000"/>
+                <a:tint val="67000"/>
+              </a:schemeClr>
+            </a:gs>
+            <a:gs pos="50000">
+              <a:schemeClr val="phClr">
+                <a:lumMod val="105000"/>
+                <a:satMod val="103000"/>
+                <a:tint val="73000"/>
+              </a:schemeClr>
+            </a:gs>
+            <a:gs pos="100000">
+              <a:schemeClr val="phClr">
+                <a:lumMod val="105000"/>
+                <a:satMod val="109000"/>
+                <a:tint val="81000"/>
+              </a:schemeClr>
+            </a:gs>
+          </a:gsLst>
+          <a:lin ang="5400000" scaled="0"/>
+        </a:gradFill>
+        <a:gradFill rotWithShape="1">
+          <a:gsLst>
+            <a:gs pos="0">
+              <a:schemeClr val="phClr">
+                <a:satMod val="103000"/>
+                <a:lumMod val="102000"/>
+                <a:tint val="94000"/>
+              </a:schemeClr>
+            </a:gs>
+            <a:gs pos="50000">
+              <a:schemeClr val="phClr">
+                <a:satMod val="110000"/>
+                <a:lumMod val="100000"/>
+                <a:shade val="100000"/>
+              </a:schemeClr>
+            </a:gs>
+            <a:gs pos="100000">
+              <a:schemeClr val="phClr">
+                <a:lumMod val="99000"/>
+                <a:satMod val="120000"/>
+                <a:shade val="78000"/>
+              </a:schemeClr>
+            </a:gs>
+          </a:gsLst>
+          <a:lin ang="5400000" scaled="0"/>
+        </a:gradFill>
+      </a:fillStyleLst>
+      <a:lnStyleLst>
+        <a:ln w="6350" cap="flat" cmpd="sng" algn="ctr">
+          <a:solidFill>
+            <a:schemeClr val="phClr"/>
+          </a:solidFill>
+          <a:prstDash val="solid"/>
+          <a:miter lim="800000"/>
+        </a:ln>
+        <a:ln w="12700" cap="flat" cmpd="sng" algn="ctr">
+          <a:solidFill>
+            <a:schemeClr val="phClr"/>
+          </a:solidFill>
+          <a:prstDash val="solid"/>
+          <a:miter lim="800000"/>
+        </a:ln>
+        <a:ln w="19050" cap="flat" cmpd="sng" algn="ctr">
+          <a:solidFill>
+            <a:schemeClr val="phClr"/>
+          </a:solidFill>
+          <a:prstDash val="solid"/>
+          <a:miter lim="800000"/>
+        </a:ln>
+      </a:lnStyleLst>
+      <a:effectStyleLst>
+        <a:effectStyle>
+          <a:effectLst/>
+        </a:effectStyle>
+        <a:effectStyle>
+          <a:effectLst/>
+        </a:effectStyle>
+        <a:effectStyle>
+          <a:effectLst>
+            <a:outerShdw blurRad="57150" dist="19050" dir="5400000" algn="ctr" rotWithShape="0">
+              <a:srgbClr val="000000">
+                <a:alpha val="63000"/>
+              </a:srgbClr>
+            </a:outerShdw>
+          </a:effectLst>
+        </a:effectStyle>
+      </a:effectStyleLst>
+      <a:bgFillStyleLst>
+        <a:solidFill>
+          <a:schemeClr val="phClr"/>
+        </a:solidFill>
+        <a:solidFill>
+          <a:schemeClr val="phClr">
+            <a:tint val="95000"/>
+            <a:satMod val="170000"/>
+          </a:schemeClr>
+        </a:solidFill>
+        <a:gradFill rotWithShape="1">
+          <a:gsLst>
+            <a:gs pos="0">
+              <a:schemeClr val="phClr">
+                <a:tint val="93000"/>
+                <a:satMod val="150000"/>
+                <a:shade val="98000"/>
+                <a:lumMod val="102000"/>
+              </a:schemeClr>
+            </a:gs>
+            <a:gs pos="50000">
+              <a:schemeClr val="phClr">
+                <a:tint val="98000"/>
+                <a:satMod val="130000"/>
+                <a:shade val="90000"/>
+                <a:lumMod val="103000"/>
+              </a:schemeClr>
+            </a:gs>
+            <a:gs pos="100000">
+              <a:schemeClr val="phClr">
+                <a:shade val="63000"/>
+                <a:satMod val="120000"/>
+              </a:schemeClr>
+            </a:gs>
+          </a:gsLst>
+          <a:lin ang="5400000" scaled="0"/>
+        </a:gradFill>
+      </a:bgFillStyleLst>
+    </a:fmtScheme>
+  </a:themeElements>
+  <a:objectDefaults/>
+  <a:extraClrSchemeLst/>
+  <a:extLst>
+    <a:ext uri="{05A4C25C-085E-4340-85A3-A5531E510DB2}">
+      <thm15:themeFamily xmlns:thm15="http://schemas.microsoft.com/office/thememl/2012/main" name="Office Theme" id="{62F939B6-93AF-4DB8-9C6B-D6C7DFDC589F}" vid="{4A3C46E8-61CC-4603-A589-7422A47A8E4A}"/>
+    </a:ext>
+  </a:extLst>
+</a:theme>
 </file>